--- a/Machine Maintenance Analysis.pptx
+++ b/Machine Maintenance Analysis.pptx
@@ -5,7 +5,7 @@
     <p:sldMasterId id="2147483681" r:id="rId1"/>
   </p:sldMasterIdLst>
   <p:notesMasterIdLst>
-    <p:notesMasterId r:id="rId11"/>
+    <p:notesMasterId r:id="rId12"/>
   </p:notesMasterIdLst>
   <p:sldIdLst>
     <p:sldId id="256" r:id="rId2"/>
@@ -13,20 +13,21 @@
     <p:sldId id="258" r:id="rId4"/>
     <p:sldId id="270" r:id="rId5"/>
     <p:sldId id="268" r:id="rId6"/>
-    <p:sldId id="272" r:id="rId7"/>
-    <p:sldId id="271" r:id="rId8"/>
-    <p:sldId id="269" r:id="rId9"/>
-    <p:sldId id="267" r:id="rId10"/>
+    <p:sldId id="273" r:id="rId7"/>
+    <p:sldId id="272" r:id="rId8"/>
+    <p:sldId id="271" r:id="rId9"/>
+    <p:sldId id="269" r:id="rId10"/>
+    <p:sldId id="267" r:id="rId11"/>
   </p:sldIdLst>
   <p:sldSz cx="9144000" cy="5143500" type="screen16x9"/>
   <p:notesSz cx="6858000" cy="9144000"/>
   <p:embeddedFontLst>
     <p:embeddedFont>
       <p:font typeface="Tw Cen MT" panose="020B0602020104020603" pitchFamily="34" charset="0"/>
-      <p:regular r:id="rId12"/>
-      <p:bold r:id="rId13"/>
-      <p:italic r:id="rId14"/>
-      <p:boldItalic r:id="rId15"/>
+      <p:regular r:id="rId13"/>
+      <p:bold r:id="rId14"/>
+      <p:italic r:id="rId15"/>
+      <p:boldItalic r:id="rId16"/>
     </p:embeddedFont>
   </p:embeddedFontLst>
   <p:defaultTextStyle>
@@ -688,6 +689,110 @@
 </p:notes>
 </file>
 
+<file path=ppt/notesSlides/notesSlide10.xml><?xml version="1.0" encoding="utf-8"?>
+<p:notes xmlns:a="http://schemas.openxmlformats.org/drawingml/2006/main" xmlns:r="http://schemas.openxmlformats.org/officeDocument/2006/relationships" xmlns:p="http://schemas.openxmlformats.org/presentationml/2006/main" showMasterSp="0" showMasterPhAnim="0">
+  <p:cSld>
+    <p:spTree>
+      <p:nvGrpSpPr>
+        <p:cNvPr id="1" name="Shape 237"/>
+        <p:cNvGrpSpPr/>
+        <p:nvPr/>
+      </p:nvGrpSpPr>
+      <p:grpSpPr>
+        <a:xfrm>
+          <a:off x="0" y="0"/>
+          <a:ext cx="0" cy="0"/>
+          <a:chOff x="0" y="0"/>
+          <a:chExt cx="0" cy="0"/>
+        </a:xfrm>
+      </p:grpSpPr>
+      <p:sp>
+        <p:nvSpPr>
+          <p:cNvPr id="238" name="Google Shape;238;g2b8e99db5db_0_238:notes"/>
+          <p:cNvSpPr>
+            <a:spLocks noGrp="1" noRot="1" noChangeAspect="1"/>
+          </p:cNvSpPr>
+          <p:nvPr>
+            <p:ph type="sldImg" idx="2"/>
+          </p:nvPr>
+        </p:nvSpPr>
+        <p:spPr>
+          <a:xfrm>
+            <a:off x="381000" y="685800"/>
+            <a:ext cx="6096000" cy="3429000"/>
+          </a:xfrm>
+          <a:custGeom>
+            <a:avLst/>
+            <a:gdLst/>
+            <a:ahLst/>
+            <a:cxnLst/>
+            <a:rect l="l" t="t" r="r" b="b"/>
+            <a:pathLst>
+              <a:path w="120000" h="120000" extrusionOk="0">
+                <a:moveTo>
+                  <a:pt x="0" y="0"/>
+                </a:moveTo>
+                <a:lnTo>
+                  <a:pt x="120000" y="0"/>
+                </a:lnTo>
+                <a:lnTo>
+                  <a:pt x="120000" y="120000"/>
+                </a:lnTo>
+                <a:lnTo>
+                  <a:pt x="0" y="120000"/>
+                </a:lnTo>
+                <a:close/>
+              </a:path>
+            </a:pathLst>
+          </a:custGeom>
+        </p:spPr>
+      </p:sp>
+      <p:sp>
+        <p:nvSpPr>
+          <p:cNvPr id="239" name="Google Shape;239;g2b8e99db5db_0_238:notes"/>
+          <p:cNvSpPr txBox="1">
+            <a:spLocks noGrp="1"/>
+          </p:cNvSpPr>
+          <p:nvPr>
+            <p:ph type="body" idx="1"/>
+          </p:nvPr>
+        </p:nvSpPr>
+        <p:spPr>
+          <a:xfrm>
+            <a:off x="685800" y="4343400"/>
+            <a:ext cx="5486400" cy="4114800"/>
+          </a:xfrm>
+          <a:prstGeom prst="rect">
+            <a:avLst/>
+          </a:prstGeom>
+        </p:spPr>
+        <p:txBody>
+          <a:bodyPr spcFirstLastPara="1" wrap="square" lIns="91425" tIns="91425" rIns="91425" bIns="91425" anchor="t" anchorCtr="0">
+            <a:noAutofit/>
+          </a:bodyPr>
+          <a:lstStyle/>
+          <a:p>
+            <a:pPr marL="0" lvl="0" indent="0" algn="l" rtl="0">
+              <a:spcBef>
+                <a:spcPts val="0"/>
+              </a:spcBef>
+              <a:spcAft>
+                <a:spcPts val="0"/>
+              </a:spcAft>
+              <a:buNone/>
+            </a:pPr>
+            <a:endParaRPr/>
+          </a:p>
+        </p:txBody>
+      </p:sp>
+    </p:spTree>
+  </p:cSld>
+  <p:clrMapOvr>
+    <a:masterClrMapping/>
+  </p:clrMapOvr>
+</p:notes>
+</file>
+
 <file path=ppt/notesSlides/notesSlide2.xml><?xml version="1.0" encoding="utf-8"?>
 <p:notes xmlns:a="http://schemas.openxmlformats.org/drawingml/2006/main" xmlns:r="http://schemas.openxmlformats.org/officeDocument/2006/relationships" xmlns:p="http://schemas.openxmlformats.org/presentationml/2006/main" showMasterSp="0" showMasterPhAnim="0">
   <p:cSld>
@@ -1213,7 +1318,7 @@
     </p:spTree>
     <p:extLst>
       <p:ext uri="{BB962C8B-B14F-4D97-AF65-F5344CB8AC3E}">
-        <p14:creationId xmlns:p14="http://schemas.microsoft.com/office/powerpoint/2010/main" val="4290693773"/>
+        <p14:creationId xmlns:p14="http://schemas.microsoft.com/office/powerpoint/2010/main" val="1928897340"/>
       </p:ext>
     </p:extLst>
   </p:cSld>
@@ -1322,7 +1427,7 @@
     </p:spTree>
     <p:extLst>
       <p:ext uri="{BB962C8B-B14F-4D97-AF65-F5344CB8AC3E}">
-        <p14:creationId xmlns:p14="http://schemas.microsoft.com/office/powerpoint/2010/main" val="777673528"/>
+        <p14:creationId xmlns:p14="http://schemas.microsoft.com/office/powerpoint/2010/main" val="4290693773"/>
       </p:ext>
     </p:extLst>
   </p:cSld>
@@ -1431,7 +1536,7 @@
     </p:spTree>
     <p:extLst>
       <p:ext uri="{BB962C8B-B14F-4D97-AF65-F5344CB8AC3E}">
-        <p14:creationId xmlns:p14="http://schemas.microsoft.com/office/powerpoint/2010/main" val="3856824508"/>
+        <p14:creationId xmlns:p14="http://schemas.microsoft.com/office/powerpoint/2010/main" val="777673528"/>
       </p:ext>
     </p:extLst>
   </p:cSld>
@@ -1446,7 +1551,7 @@
   <p:cSld>
     <p:spTree>
       <p:nvGrpSpPr>
-        <p:cNvPr id="1" name="Shape 237"/>
+        <p:cNvPr id="1" name="Shape 136"/>
         <p:cNvGrpSpPr/>
         <p:nvPr/>
       </p:nvGrpSpPr>
@@ -1460,7 +1565,7 @@
       </p:grpSpPr>
       <p:sp>
         <p:nvSpPr>
-          <p:cNvPr id="238" name="Google Shape;238;g2b8e99db5db_0_238:notes"/>
+          <p:cNvPr id="137" name="Google Shape;137;g2b8e99db5db_0_125:notes"/>
           <p:cNvSpPr>
             <a:spLocks noGrp="1" noRot="1" noChangeAspect="1"/>
           </p:cNvSpPr>
@@ -1501,7 +1606,7 @@
       </p:sp>
       <p:sp>
         <p:nvSpPr>
-          <p:cNvPr id="239" name="Google Shape;239;g2b8e99db5db_0_238:notes"/>
+          <p:cNvPr id="138" name="Google Shape;138;g2b8e99db5db_0_125:notes"/>
           <p:cNvSpPr txBox="1">
             <a:spLocks noGrp="1"/>
           </p:cNvSpPr>
@@ -1538,6 +1643,11 @@
         </p:txBody>
       </p:sp>
     </p:spTree>
+    <p:extLst>
+      <p:ext uri="{BB962C8B-B14F-4D97-AF65-F5344CB8AC3E}">
+        <p14:creationId xmlns:p14="http://schemas.microsoft.com/office/powerpoint/2010/main" val="3856824508"/>
+      </p:ext>
+    </p:extLst>
   </p:cSld>
   <p:clrMapOvr>
     <a:masterClrMapping/>
@@ -1595,7 +1705,7 @@
           <a:noFill/>
           <a:extLst>
             <a:ext uri="{909E8E84-426E-40dd-AFC4-6F175D3DCCD1}">
-              <a14:hiddenFill xmlns:a14="http://schemas.microsoft.com/office/drawing/2010/main" xmlns="">
+              <a14:hiddenFill xmlns="" xmlns:a14="http://schemas.microsoft.com/office/drawing/2010/main">
                 <a:solidFill>
                   <a:srgbClr val="FFFFFF"/>
                 </a:solidFill>
@@ -1655,7 +1765,7 @@
             </a:ln>
             <a:extLst>
               <a:ext uri="{91240B29-F687-4f45-9708-019B960494DF}">
-                <a14:hiddenLine xmlns:a14="http://schemas.microsoft.com/office/drawing/2010/main" xmlns="" w="9525">
+                <a14:hiddenLine xmlns="" xmlns:a14="http://schemas.microsoft.com/office/drawing/2010/main" w="9525">
                   <a:solidFill>
                     <a:srgbClr val="000000"/>
                   </a:solidFill>
@@ -1745,7 +1855,7 @@
             </a:ln>
             <a:extLst>
               <a:ext uri="{91240B29-F687-4f45-9708-019B960494DF}">
-                <a14:hiddenLine xmlns:a14="http://schemas.microsoft.com/office/drawing/2010/main" xmlns="" w="9525">
+                <a14:hiddenLine xmlns="" xmlns:a14="http://schemas.microsoft.com/office/drawing/2010/main" w="9525">
                   <a:solidFill>
                     <a:srgbClr val="000000"/>
                   </a:solidFill>
@@ -1835,7 +1945,7 @@
             </a:ln>
             <a:extLst>
               <a:ext uri="{91240B29-F687-4f45-9708-019B960494DF}">
-                <a14:hiddenLine xmlns:a14="http://schemas.microsoft.com/office/drawing/2010/main" xmlns="" w="9525">
+                <a14:hiddenLine xmlns="" xmlns:a14="http://schemas.microsoft.com/office/drawing/2010/main" w="9525">
                   <a:solidFill>
                     <a:srgbClr val="000000"/>
                   </a:solidFill>
@@ -1869,7 +1979,7 @@
             </a:ln>
             <a:extLst>
               <a:ext uri="{91240B29-F687-4f45-9708-019B960494DF}">
-                <a14:hiddenLine xmlns:a14="http://schemas.microsoft.com/office/drawing/2010/main" xmlns="" w="9525">
+                <a14:hiddenLine xmlns="" xmlns:a14="http://schemas.microsoft.com/office/drawing/2010/main" w="9525">
                   <a:solidFill>
                     <a:srgbClr val="000000"/>
                   </a:solidFill>
@@ -1959,7 +2069,7 @@
             </a:ln>
             <a:extLst>
               <a:ext uri="{91240B29-F687-4f45-9708-019B960494DF}">
-                <a14:hiddenLine xmlns:a14="http://schemas.microsoft.com/office/drawing/2010/main" xmlns="" w="9525">
+                <a14:hiddenLine xmlns="" xmlns:a14="http://schemas.microsoft.com/office/drawing/2010/main" w="9525">
                   <a:solidFill>
                     <a:srgbClr val="000000"/>
                   </a:solidFill>
@@ -2021,7 +2131,7 @@
             </a:ln>
             <a:extLst>
               <a:ext uri="{91240B29-F687-4f45-9708-019B960494DF}">
-                <a14:hiddenLine xmlns:a14="http://schemas.microsoft.com/office/drawing/2010/main" xmlns="" w="9525">
+                <a14:hiddenLine xmlns="" xmlns:a14="http://schemas.microsoft.com/office/drawing/2010/main" w="9525">
                   <a:solidFill>
                     <a:srgbClr val="000000"/>
                   </a:solidFill>
@@ -2083,7 +2193,7 @@
             </a:ln>
             <a:extLst>
               <a:ext uri="{91240B29-F687-4f45-9708-019B960494DF}">
-                <a14:hiddenLine xmlns:a14="http://schemas.microsoft.com/office/drawing/2010/main" xmlns="" w="9525">
+                <a14:hiddenLine xmlns="" xmlns:a14="http://schemas.microsoft.com/office/drawing/2010/main" w="9525">
                   <a:solidFill>
                     <a:srgbClr val="000000"/>
                   </a:solidFill>
@@ -2173,7 +2283,7 @@
             </a:ln>
             <a:extLst>
               <a:ext uri="{91240B29-F687-4f45-9708-019B960494DF}">
-                <a14:hiddenLine xmlns:a14="http://schemas.microsoft.com/office/drawing/2010/main" xmlns="" w="9525">
+                <a14:hiddenLine xmlns="" xmlns:a14="http://schemas.microsoft.com/office/drawing/2010/main" w="9525">
                   <a:solidFill>
                     <a:srgbClr val="000000"/>
                   </a:solidFill>
@@ -2235,7 +2345,7 @@
             </a:ln>
             <a:extLst>
               <a:ext uri="{91240B29-F687-4f45-9708-019B960494DF}">
-                <a14:hiddenLine xmlns:a14="http://schemas.microsoft.com/office/drawing/2010/main" xmlns="" w="9525">
+                <a14:hiddenLine xmlns="" xmlns:a14="http://schemas.microsoft.com/office/drawing/2010/main" w="9525">
                   <a:solidFill>
                     <a:srgbClr val="000000"/>
                   </a:solidFill>
@@ -2297,7 +2407,7 @@
             </a:ln>
             <a:extLst>
               <a:ext uri="{91240B29-F687-4f45-9708-019B960494DF}">
-                <a14:hiddenLine xmlns:a14="http://schemas.microsoft.com/office/drawing/2010/main" xmlns="" w="9525">
+                <a14:hiddenLine xmlns="" xmlns:a14="http://schemas.microsoft.com/office/drawing/2010/main" w="9525">
                   <a:solidFill>
                     <a:srgbClr val="000000"/>
                   </a:solidFill>
@@ -2387,7 +2497,7 @@
             </a:ln>
             <a:extLst>
               <a:ext uri="{91240B29-F687-4f45-9708-019B960494DF}">
-                <a14:hiddenLine xmlns:a14="http://schemas.microsoft.com/office/drawing/2010/main" xmlns="" w="9525">
+                <a14:hiddenLine xmlns="" xmlns:a14="http://schemas.microsoft.com/office/drawing/2010/main" w="9525">
                   <a:solidFill>
                     <a:srgbClr val="000000"/>
                   </a:solidFill>
@@ -2477,7 +2587,7 @@
             </a:ln>
             <a:extLst>
               <a:ext uri="{91240B29-F687-4f45-9708-019B960494DF}">
-                <a14:hiddenLine xmlns:a14="http://schemas.microsoft.com/office/drawing/2010/main" xmlns="" w="9525">
+                <a14:hiddenLine xmlns="" xmlns:a14="http://schemas.microsoft.com/office/drawing/2010/main" w="9525">
                   <a:solidFill>
                     <a:srgbClr val="000000"/>
                   </a:solidFill>
@@ -2539,7 +2649,7 @@
             </a:ln>
             <a:extLst>
               <a:ext uri="{91240B29-F687-4f45-9708-019B960494DF}">
-                <a14:hiddenLine xmlns:a14="http://schemas.microsoft.com/office/drawing/2010/main" xmlns="" w="9525">
+                <a14:hiddenLine xmlns="" xmlns:a14="http://schemas.microsoft.com/office/drawing/2010/main" w="9525">
                   <a:solidFill>
                     <a:srgbClr val="000000"/>
                   </a:solidFill>
@@ -2649,7 +2759,7 @@
             </a:ln>
             <a:extLst>
               <a:ext uri="{91240B29-F687-4f45-9708-019B960494DF}">
-                <a14:hiddenLine xmlns:a14="http://schemas.microsoft.com/office/drawing/2010/main" xmlns="" w="9525">
+                <a14:hiddenLine xmlns="" xmlns:a14="http://schemas.microsoft.com/office/drawing/2010/main" w="9525">
                   <a:solidFill>
                     <a:srgbClr val="000000"/>
                   </a:solidFill>
@@ -2711,7 +2821,7 @@
             </a:ln>
             <a:extLst>
               <a:ext uri="{91240B29-F687-4f45-9708-019B960494DF}">
-                <a14:hiddenLine xmlns:a14="http://schemas.microsoft.com/office/drawing/2010/main" xmlns="" w="9525">
+                <a14:hiddenLine xmlns="" xmlns:a14="http://schemas.microsoft.com/office/drawing/2010/main" w="9525">
                   <a:solidFill>
                     <a:srgbClr val="000000"/>
                   </a:solidFill>
@@ -2801,7 +2911,7 @@
             </a:ln>
             <a:extLst>
               <a:ext uri="{91240B29-F687-4f45-9708-019B960494DF}">
-                <a14:hiddenLine xmlns:a14="http://schemas.microsoft.com/office/drawing/2010/main" xmlns="" w="9525">
+                <a14:hiddenLine xmlns="" xmlns:a14="http://schemas.microsoft.com/office/drawing/2010/main" w="9525">
                   <a:solidFill>
                     <a:srgbClr val="000000"/>
                   </a:solidFill>
@@ -2891,7 +3001,7 @@
             </a:ln>
             <a:extLst>
               <a:ext uri="{91240B29-F687-4f45-9708-019B960494DF}">
-                <a14:hiddenLine xmlns:a14="http://schemas.microsoft.com/office/drawing/2010/main" xmlns="" w="9525">
+                <a14:hiddenLine xmlns="" xmlns:a14="http://schemas.microsoft.com/office/drawing/2010/main" w="9525">
                   <a:solidFill>
                     <a:srgbClr val="000000"/>
                   </a:solidFill>
@@ -2953,7 +3063,7 @@
             </a:ln>
             <a:extLst>
               <a:ext uri="{91240B29-F687-4f45-9708-019B960494DF}">
-                <a14:hiddenLine xmlns:a14="http://schemas.microsoft.com/office/drawing/2010/main" xmlns="" w="9525">
+                <a14:hiddenLine xmlns="" xmlns:a14="http://schemas.microsoft.com/office/drawing/2010/main" w="9525">
                   <a:solidFill>
                     <a:srgbClr val="000000"/>
                   </a:solidFill>
@@ -3043,7 +3153,7 @@
             </a:ln>
             <a:extLst>
               <a:ext uri="{91240B29-F687-4f45-9708-019B960494DF}">
-                <a14:hiddenLine xmlns:a14="http://schemas.microsoft.com/office/drawing/2010/main" xmlns="" w="9525">
+                <a14:hiddenLine xmlns="" xmlns:a14="http://schemas.microsoft.com/office/drawing/2010/main" w="9525">
                   <a:solidFill>
                     <a:srgbClr val="000000"/>
                   </a:solidFill>
@@ -3133,7 +3243,7 @@
             </a:ln>
             <a:extLst>
               <a:ext uri="{91240B29-F687-4f45-9708-019B960494DF}">
-                <a14:hiddenLine xmlns:a14="http://schemas.microsoft.com/office/drawing/2010/main" xmlns="" w="9525">
+                <a14:hiddenLine xmlns="" xmlns:a14="http://schemas.microsoft.com/office/drawing/2010/main" w="9525">
                   <a:solidFill>
                     <a:srgbClr val="000000"/>
                   </a:solidFill>
@@ -3189,7 +3299,7 @@
             </a:ln>
             <a:extLst>
               <a:ext uri="{91240B29-F687-4f45-9708-019B960494DF}">
-                <a14:hiddenLine xmlns:a14="http://schemas.microsoft.com/office/drawing/2010/main" xmlns="" w="9525">
+                <a14:hiddenLine xmlns="" xmlns:a14="http://schemas.microsoft.com/office/drawing/2010/main" w="9525">
                   <a:solidFill>
                     <a:srgbClr val="000000"/>
                   </a:solidFill>
@@ -3279,7 +3389,7 @@
             </a:ln>
             <a:extLst>
               <a:ext uri="{91240B29-F687-4f45-9708-019B960494DF}">
-                <a14:hiddenLine xmlns:a14="http://schemas.microsoft.com/office/drawing/2010/main" xmlns="" w="9525">
+                <a14:hiddenLine xmlns="" xmlns:a14="http://schemas.microsoft.com/office/drawing/2010/main" w="9525">
                   <a:solidFill>
                     <a:srgbClr val="000000"/>
                   </a:solidFill>
@@ -3335,7 +3445,7 @@
             </a:ln>
             <a:extLst>
               <a:ext uri="{91240B29-F687-4f45-9708-019B960494DF}">
-                <a14:hiddenLine xmlns:a14="http://schemas.microsoft.com/office/drawing/2010/main" xmlns="" w="9525">
+                <a14:hiddenLine xmlns="" xmlns:a14="http://schemas.microsoft.com/office/drawing/2010/main" w="9525">
                   <a:solidFill>
                     <a:srgbClr val="000000"/>
                   </a:solidFill>
@@ -3425,7 +3535,7 @@
             </a:ln>
             <a:extLst>
               <a:ext uri="{91240B29-F687-4f45-9708-019B960494DF}">
-                <a14:hiddenLine xmlns:a14="http://schemas.microsoft.com/office/drawing/2010/main" xmlns="" w="9525">
+                <a14:hiddenLine xmlns="" xmlns:a14="http://schemas.microsoft.com/office/drawing/2010/main" w="9525">
                   <a:solidFill>
                     <a:srgbClr val="000000"/>
                   </a:solidFill>
@@ -3493,7 +3603,7 @@
             </a:ln>
             <a:extLst>
               <a:ext uri="{91240B29-F687-4f45-9708-019B960494DF}">
-                <a14:hiddenLine xmlns:a14="http://schemas.microsoft.com/office/drawing/2010/main" xmlns="" w="9525">
+                <a14:hiddenLine xmlns="" xmlns:a14="http://schemas.microsoft.com/office/drawing/2010/main" w="9525">
                   <a:solidFill>
                     <a:srgbClr val="000000"/>
                   </a:solidFill>
@@ -3583,7 +3693,7 @@
             </a:ln>
             <a:extLst>
               <a:ext uri="{91240B29-F687-4f45-9708-019B960494DF}">
-                <a14:hiddenLine xmlns:a14="http://schemas.microsoft.com/office/drawing/2010/main" xmlns="" w="9525">
+                <a14:hiddenLine xmlns="" xmlns:a14="http://schemas.microsoft.com/office/drawing/2010/main" w="9525">
                   <a:solidFill>
                     <a:srgbClr val="000000"/>
                   </a:solidFill>
@@ -3651,7 +3761,7 @@
             </a:ln>
             <a:extLst>
               <a:ext uri="{91240B29-F687-4f45-9708-019B960494DF}">
-                <a14:hiddenLine xmlns:a14="http://schemas.microsoft.com/office/drawing/2010/main" xmlns="" w="9525">
+                <a14:hiddenLine xmlns="" xmlns:a14="http://schemas.microsoft.com/office/drawing/2010/main" w="9525">
                   <a:solidFill>
                     <a:srgbClr val="000000"/>
                   </a:solidFill>
@@ -3741,7 +3851,7 @@
             </a:ln>
             <a:extLst>
               <a:ext uri="{91240B29-F687-4f45-9708-019B960494DF}">
-                <a14:hiddenLine xmlns:a14="http://schemas.microsoft.com/office/drawing/2010/main" xmlns="" w="9525">
+                <a14:hiddenLine xmlns="" xmlns:a14="http://schemas.microsoft.com/office/drawing/2010/main" w="9525">
                   <a:solidFill>
                     <a:srgbClr val="000000"/>
                   </a:solidFill>
@@ -3775,7 +3885,7 @@
             </a:ln>
             <a:extLst>
               <a:ext uri="{91240B29-F687-4f45-9708-019B960494DF}">
-                <a14:hiddenLine xmlns:a14="http://schemas.microsoft.com/office/drawing/2010/main" xmlns="" w="9525">
+                <a14:hiddenLine xmlns="" xmlns:a14="http://schemas.microsoft.com/office/drawing/2010/main" w="9525">
                   <a:solidFill>
                     <a:srgbClr val="000000"/>
                   </a:solidFill>
@@ -3865,7 +3975,7 @@
             </a:ln>
             <a:extLst>
               <a:ext uri="{91240B29-F687-4f45-9708-019B960494DF}">
-                <a14:hiddenLine xmlns:a14="http://schemas.microsoft.com/office/drawing/2010/main" xmlns="" w="9525">
+                <a14:hiddenLine xmlns="" xmlns:a14="http://schemas.microsoft.com/office/drawing/2010/main" w="9525">
                   <a:solidFill>
                     <a:srgbClr val="000000"/>
                   </a:solidFill>
@@ -3927,7 +4037,7 @@
             </a:ln>
             <a:extLst>
               <a:ext uri="{91240B29-F687-4f45-9708-019B960494DF}">
-                <a14:hiddenLine xmlns:a14="http://schemas.microsoft.com/office/drawing/2010/main" xmlns="" w="9525">
+                <a14:hiddenLine xmlns="" xmlns:a14="http://schemas.microsoft.com/office/drawing/2010/main" w="9525">
                   <a:solidFill>
                     <a:srgbClr val="000000"/>
                   </a:solidFill>
@@ -3989,7 +4099,7 @@
             </a:ln>
             <a:extLst>
               <a:ext uri="{91240B29-F687-4f45-9708-019B960494DF}">
-                <a14:hiddenLine xmlns:a14="http://schemas.microsoft.com/office/drawing/2010/main" xmlns="" w="9525">
+                <a14:hiddenLine xmlns="" xmlns:a14="http://schemas.microsoft.com/office/drawing/2010/main" w="9525">
                   <a:solidFill>
                     <a:srgbClr val="000000"/>
                   </a:solidFill>
@@ -4079,7 +4189,7 @@
             </a:ln>
             <a:extLst>
               <a:ext uri="{91240B29-F687-4f45-9708-019B960494DF}">
-                <a14:hiddenLine xmlns:a14="http://schemas.microsoft.com/office/drawing/2010/main" xmlns="" w="9525">
+                <a14:hiddenLine xmlns="" xmlns:a14="http://schemas.microsoft.com/office/drawing/2010/main" w="9525">
                   <a:solidFill>
                     <a:srgbClr val="000000"/>
                   </a:solidFill>
@@ -4147,7 +4257,7 @@
             </a:ln>
             <a:extLst>
               <a:ext uri="{91240B29-F687-4f45-9708-019B960494DF}">
-                <a14:hiddenLine xmlns:a14="http://schemas.microsoft.com/office/drawing/2010/main" xmlns="" w="9525">
+                <a14:hiddenLine xmlns="" xmlns:a14="http://schemas.microsoft.com/office/drawing/2010/main" w="9525">
                   <a:solidFill>
                     <a:srgbClr val="000000"/>
                   </a:solidFill>
@@ -4209,7 +4319,7 @@
             </a:ln>
             <a:extLst>
               <a:ext uri="{91240B29-F687-4f45-9708-019B960494DF}">
-                <a14:hiddenLine xmlns:a14="http://schemas.microsoft.com/office/drawing/2010/main" xmlns="" w="9525">
+                <a14:hiddenLine xmlns="" xmlns:a14="http://schemas.microsoft.com/office/drawing/2010/main" w="9525">
                   <a:solidFill>
                     <a:srgbClr val="000000"/>
                   </a:solidFill>
@@ -4299,7 +4409,7 @@
             </a:ln>
             <a:extLst>
               <a:ext uri="{91240B29-F687-4f45-9708-019B960494DF}">
-                <a14:hiddenLine xmlns:a14="http://schemas.microsoft.com/office/drawing/2010/main" xmlns="" w="9525">
+                <a14:hiddenLine xmlns="" xmlns:a14="http://schemas.microsoft.com/office/drawing/2010/main" w="9525">
                   <a:solidFill>
                     <a:srgbClr val="000000"/>
                   </a:solidFill>
@@ -4361,7 +4471,7 @@
             </a:ln>
             <a:extLst>
               <a:ext uri="{91240B29-F687-4f45-9708-019B960494DF}">
-                <a14:hiddenLine xmlns:a14="http://schemas.microsoft.com/office/drawing/2010/main" xmlns="" w="9525">
+                <a14:hiddenLine xmlns="" xmlns:a14="http://schemas.microsoft.com/office/drawing/2010/main" w="9525">
                   <a:solidFill>
                     <a:srgbClr val="000000"/>
                   </a:solidFill>
@@ -4451,7 +4561,7 @@
             </a:ln>
             <a:extLst>
               <a:ext uri="{91240B29-F687-4f45-9708-019B960494DF}">
-                <a14:hiddenLine xmlns:a14="http://schemas.microsoft.com/office/drawing/2010/main" xmlns="" w="9525">
+                <a14:hiddenLine xmlns="" xmlns:a14="http://schemas.microsoft.com/office/drawing/2010/main" w="9525">
                   <a:solidFill>
                     <a:srgbClr val="000000"/>
                   </a:solidFill>
@@ -4513,7 +4623,7 @@
             </a:ln>
             <a:extLst>
               <a:ext uri="{91240B29-F687-4f45-9708-019B960494DF}">
-                <a14:hiddenLine xmlns:a14="http://schemas.microsoft.com/office/drawing/2010/main" xmlns="" w="9525">
+                <a14:hiddenLine xmlns="" xmlns:a14="http://schemas.microsoft.com/office/drawing/2010/main" w="9525">
                   <a:solidFill>
                     <a:srgbClr val="000000"/>
                   </a:solidFill>
@@ -4603,7 +4713,7 @@
             </a:ln>
             <a:extLst>
               <a:ext uri="{91240B29-F687-4f45-9708-019B960494DF}">
-                <a14:hiddenLine xmlns:a14="http://schemas.microsoft.com/office/drawing/2010/main" xmlns="" w="9525">
+                <a14:hiddenLine xmlns="" xmlns:a14="http://schemas.microsoft.com/office/drawing/2010/main" w="9525">
                   <a:solidFill>
                     <a:srgbClr val="000000"/>
                   </a:solidFill>
@@ -4637,7 +4747,7 @@
             </a:ln>
             <a:extLst>
               <a:ext uri="{91240B29-F687-4f45-9708-019B960494DF}">
-                <a14:hiddenLine xmlns:a14="http://schemas.microsoft.com/office/drawing/2010/main" xmlns="" w="9525">
+                <a14:hiddenLine xmlns="" xmlns:a14="http://schemas.microsoft.com/office/drawing/2010/main" w="9525">
                   <a:solidFill>
                     <a:srgbClr val="000000"/>
                   </a:solidFill>
@@ -4702,7 +4812,7 @@
             </a:ln>
             <a:extLst>
               <a:ext uri="{91240B29-F687-4f45-9708-019B960494DF}">
-                <a14:hiddenLine xmlns:a14="http://schemas.microsoft.com/office/drawing/2010/main" xmlns="" w="9525">
+                <a14:hiddenLine xmlns="" xmlns:a14="http://schemas.microsoft.com/office/drawing/2010/main" w="9525">
                   <a:solidFill>
                     <a:srgbClr val="000000"/>
                   </a:solidFill>
@@ -4792,7 +4902,7 @@
             </a:ln>
             <a:extLst>
               <a:ext uri="{91240B29-F687-4f45-9708-019B960494DF}">
-                <a14:hiddenLine xmlns:a14="http://schemas.microsoft.com/office/drawing/2010/main" xmlns="" w="9525">
+                <a14:hiddenLine xmlns="" xmlns:a14="http://schemas.microsoft.com/office/drawing/2010/main" w="9525">
                   <a:solidFill>
                     <a:srgbClr val="000000"/>
                   </a:solidFill>
@@ -4854,7 +4964,7 @@
             </a:ln>
             <a:extLst>
               <a:ext uri="{91240B29-F687-4f45-9708-019B960494DF}">
-                <a14:hiddenLine xmlns:a14="http://schemas.microsoft.com/office/drawing/2010/main" xmlns="" w="9525">
+                <a14:hiddenLine xmlns="" xmlns:a14="http://schemas.microsoft.com/office/drawing/2010/main" w="9525">
                   <a:solidFill>
                     <a:srgbClr val="000000"/>
                   </a:solidFill>
@@ -4944,7 +5054,7 @@
             </a:ln>
             <a:extLst>
               <a:ext uri="{91240B29-F687-4f45-9708-019B960494DF}">
-                <a14:hiddenLine xmlns:a14="http://schemas.microsoft.com/office/drawing/2010/main" xmlns="" w="9525">
+                <a14:hiddenLine xmlns="" xmlns:a14="http://schemas.microsoft.com/office/drawing/2010/main" w="9525">
                   <a:solidFill>
                     <a:srgbClr val="000000"/>
                   </a:solidFill>
@@ -5034,7 +5144,7 @@
             </a:ln>
             <a:extLst>
               <a:ext uri="{91240B29-F687-4f45-9708-019B960494DF}">
-                <a14:hiddenLine xmlns:a14="http://schemas.microsoft.com/office/drawing/2010/main" xmlns="" w="9525">
+                <a14:hiddenLine xmlns="" xmlns:a14="http://schemas.microsoft.com/office/drawing/2010/main" w="9525">
                   <a:solidFill>
                     <a:srgbClr val="000000"/>
                   </a:solidFill>
@@ -5099,7 +5209,7 @@
             </a:ln>
             <a:extLst>
               <a:ext uri="{91240B29-F687-4f45-9708-019B960494DF}">
-                <a14:hiddenLine xmlns:a14="http://schemas.microsoft.com/office/drawing/2010/main" xmlns="" w="9525">
+                <a14:hiddenLine xmlns="" xmlns:a14="http://schemas.microsoft.com/office/drawing/2010/main" w="9525">
                   <a:solidFill>
                     <a:srgbClr val="000000"/>
                   </a:solidFill>
@@ -5161,7 +5271,7 @@
             </a:ln>
             <a:extLst>
               <a:ext uri="{91240B29-F687-4f45-9708-019B960494DF}">
-                <a14:hiddenLine xmlns:a14="http://schemas.microsoft.com/office/drawing/2010/main" xmlns="" w="9525">
+                <a14:hiddenLine xmlns="" xmlns:a14="http://schemas.microsoft.com/office/drawing/2010/main" w="9525">
                   <a:solidFill>
                     <a:srgbClr val="000000"/>
                   </a:solidFill>
@@ -5251,7 +5361,7 @@
             </a:ln>
             <a:extLst>
               <a:ext uri="{91240B29-F687-4f45-9708-019B960494DF}">
-                <a14:hiddenLine xmlns:a14="http://schemas.microsoft.com/office/drawing/2010/main" xmlns="" w="9525">
+                <a14:hiddenLine xmlns="" xmlns:a14="http://schemas.microsoft.com/office/drawing/2010/main" w="9525">
                   <a:solidFill>
                     <a:srgbClr val="000000"/>
                   </a:solidFill>
@@ -5341,7 +5451,7 @@
             </a:ln>
             <a:extLst>
               <a:ext uri="{91240B29-F687-4f45-9708-019B960494DF}">
-                <a14:hiddenLine xmlns:a14="http://schemas.microsoft.com/office/drawing/2010/main" xmlns="" w="9525">
+                <a14:hiddenLine xmlns="" xmlns:a14="http://schemas.microsoft.com/office/drawing/2010/main" w="9525">
                   <a:solidFill>
                     <a:srgbClr val="000000"/>
                   </a:solidFill>
@@ -5403,7 +5513,7 @@
             </a:ln>
             <a:extLst>
               <a:ext uri="{91240B29-F687-4f45-9708-019B960494DF}">
-                <a14:hiddenLine xmlns:a14="http://schemas.microsoft.com/office/drawing/2010/main" xmlns="" w="9525">
+                <a14:hiddenLine xmlns="" xmlns:a14="http://schemas.microsoft.com/office/drawing/2010/main" w="9525">
                   <a:solidFill>
                     <a:srgbClr val="000000"/>
                   </a:solidFill>
@@ -5523,7 +5633,7 @@
             </a:ln>
             <a:extLst>
               <a:ext uri="{91240B29-F687-4f45-9708-019B960494DF}">
-                <a14:hiddenLine xmlns:a14="http://schemas.microsoft.com/office/drawing/2010/main" xmlns="" w="9525">
+                <a14:hiddenLine xmlns="" xmlns:a14="http://schemas.microsoft.com/office/drawing/2010/main" w="9525">
                   <a:solidFill>
                     <a:srgbClr val="000000"/>
                   </a:solidFill>
@@ -5591,7 +5701,7 @@
             </a:ln>
             <a:extLst>
               <a:ext uri="{91240B29-F687-4f45-9708-019B960494DF}">
-                <a14:hiddenLine xmlns:a14="http://schemas.microsoft.com/office/drawing/2010/main" xmlns="" w="9525">
+                <a14:hiddenLine xmlns="" xmlns:a14="http://schemas.microsoft.com/office/drawing/2010/main" w="9525">
                   <a:solidFill>
                     <a:srgbClr val="000000"/>
                   </a:solidFill>
@@ -5681,7 +5791,7 @@
             </a:ln>
             <a:extLst>
               <a:ext uri="{91240B29-F687-4f45-9708-019B960494DF}">
-                <a14:hiddenLine xmlns:a14="http://schemas.microsoft.com/office/drawing/2010/main" xmlns="" w="9525">
+                <a14:hiddenLine xmlns="" xmlns:a14="http://schemas.microsoft.com/office/drawing/2010/main" w="9525">
                   <a:solidFill>
                     <a:srgbClr val="000000"/>
                   </a:solidFill>
@@ -5822,7 +5932,7 @@
             <a:fld id="{5923F103-BC34-4FE4-A40E-EDDEECFDA5D0}" type="datetimeFigureOut">
               <a:rPr lang="en-US" smtClean="0"/>
               <a:pPr/>
-              <a:t>4/1/2024</a:t>
+              <a:t>4/2/2024</a:t>
             </a:fld>
             <a:endParaRPr lang="en-US" dirty="0"/>
           </a:p>
@@ -6104,7 +6214,7 @@
           <a:p>
             <a:fld id="{923A1CC3-2375-41D4-9E03-427CAF2A4C1A}" type="datetimeFigureOut">
               <a:rPr lang="en-US" smtClean="0"/>
-              <a:t>4/1/2024</a:t>
+              <a:t>4/2/2024</a:t>
             </a:fld>
             <a:endParaRPr lang="en-US" dirty="0"/>
           </a:p>
@@ -6315,7 +6425,7 @@
           <a:p>
             <a:fld id="{AFF16868-8199-4C2C-A5B1-63AEE139F88E}" type="datetimeFigureOut">
               <a:rPr lang="en-US" smtClean="0"/>
-              <a:t>4/1/2024</a:t>
+              <a:t>4/2/2024</a:t>
             </a:fld>
             <a:endParaRPr lang="en-US" dirty="0"/>
           </a:p>
@@ -6593,7 +6703,7 @@
           <a:p>
             <a:fld id="{AAD9FF7F-6988-44CC-821B-644E70CD2F73}" type="datetimeFigureOut">
               <a:rPr lang="en-US" smtClean="0"/>
-              <a:t>4/1/2024</a:t>
+              <a:t>4/2/2024</a:t>
             </a:fld>
             <a:endParaRPr lang="en-US" dirty="0"/>
           </a:p>
@@ -7042,7 +7152,7 @@
           <a:p>
             <a:fld id="{2BE451C3-0FF4-47C4-B829-773ADF60F88C}" type="datetimeFigureOut">
               <a:rPr lang="en-US" smtClean="0"/>
-              <a:t>4/1/2024</a:t>
+              <a:t>4/2/2024</a:t>
             </a:fld>
             <a:endParaRPr lang="en-US" dirty="0"/>
           </a:p>
@@ -7603,7 +7713,7 @@
           <a:p>
             <a:fld id="{9FE86839-B9D8-4651-8783-F325ECE74E65}" type="datetimeFigureOut">
               <a:rPr lang="en-US" smtClean="0"/>
-              <a:t>4/1/2024</a:t>
+              <a:t>4/2/2024</a:t>
             </a:fld>
             <a:endParaRPr lang="en-US" dirty="0"/>
           </a:p>
@@ -8338,7 +8448,7 @@
           <a:p>
             <a:fld id="{FD484F64-32F6-45C5-931F-ADC1662401D0}" type="datetimeFigureOut">
               <a:rPr lang="en-US" smtClean="0"/>
-              <a:t>4/1/2024</a:t>
+              <a:t>4/2/2024</a:t>
             </a:fld>
             <a:endParaRPr lang="en-US" dirty="0"/>
           </a:p>
@@ -8523,7 +8633,7 @@
           <a:p>
             <a:fld id="{53086D93-FCAC-47E0-A2EE-787E62CA814C}" type="datetimeFigureOut">
               <a:rPr lang="en-US" smtClean="0"/>
-              <a:t>4/1/2024</a:t>
+              <a:t>4/2/2024</a:t>
             </a:fld>
             <a:endParaRPr lang="en-US" dirty="0"/>
           </a:p>
@@ -8718,7 +8828,7 @@
           <a:p>
             <a:fld id="{CDA879A6-0FD0-4734-A311-86BFCA472E6E}" type="datetimeFigureOut">
               <a:rPr lang="en-US" smtClean="0"/>
-              <a:t>4/1/2024</a:t>
+              <a:t>4/2/2024</a:t>
             </a:fld>
             <a:endParaRPr lang="en-US" dirty="0"/>
           </a:p>
@@ -9439,7 +9549,7 @@
           <a:p>
             <a:fld id="{19C9CA7B-DFD4-44B5-8C60-D14B8CD1FB59}" type="datetimeFigureOut">
               <a:rPr lang="en-US" smtClean="0"/>
-              <a:t>4/1/2024</a:t>
+              <a:t>4/2/2024</a:t>
             </a:fld>
             <a:endParaRPr lang="en-US" dirty="0"/>
           </a:p>
@@ -10144,7 +10254,7 @@
           <a:p>
             <a:fld id="{F34E6425-0181-43F2-84FC-787E803FD2F8}" type="datetimeFigureOut">
               <a:rPr lang="en-US" smtClean="0"/>
-              <a:t>4/1/2024</a:t>
+              <a:t>4/2/2024</a:t>
             </a:fld>
             <a:endParaRPr lang="en-US" dirty="0"/>
           </a:p>
@@ -10391,7 +10501,7 @@
           <a:p>
             <a:fld id="{3BDB8791-F1B0-41E7-B7FD-A781E65C4266}" type="datetimeFigureOut">
               <a:rPr lang="en-US" smtClean="0"/>
-              <a:t>4/1/2024</a:t>
+              <a:t>4/2/2024</a:t>
             </a:fld>
             <a:endParaRPr lang="en-US" dirty="0"/>
           </a:p>
@@ -10787,7 +10897,7 @@
           <a:p>
             <a:fld id="{5FDD63B2-E120-4ED8-B27B-C685F510A5FE}" type="datetimeFigureOut">
               <a:rPr lang="en-US" smtClean="0"/>
-              <a:t>4/1/2024</a:t>
+              <a:t>4/2/2024</a:t>
             </a:fld>
             <a:endParaRPr lang="en-US" dirty="0"/>
           </a:p>
@@ -10920,7 +11030,7 @@
           <a:p>
             <a:fld id="{7AA18ACC-A947-437B-A130-35BD54FDF1E9}" type="datetimeFigureOut">
               <a:rPr lang="en-US" smtClean="0"/>
-              <a:t>4/1/2024</a:t>
+              <a:t>4/2/2024</a:t>
             </a:fld>
             <a:endParaRPr lang="en-US" dirty="0"/>
           </a:p>
@@ -11030,7 +11140,7 @@
           <a:p>
             <a:fld id="{7C8D7E02-BCB8-4D50-A234-369438C08659}" type="datetimeFigureOut">
               <a:rPr lang="en-US" smtClean="0"/>
-              <a:t>4/1/2024</a:t>
+              <a:t>4/2/2024</a:t>
             </a:fld>
             <a:endParaRPr lang="en-US" dirty="0"/>
           </a:p>
@@ -11293,7 +11403,7 @@
           <a:p>
             <a:fld id="{76E86A4C-8E40-4F87-A4F0-01A0687C5742}" type="datetimeFigureOut">
               <a:rPr lang="en-US" smtClean="0"/>
-              <a:t>4/1/2024</a:t>
+              <a:t>4/2/2024</a:t>
             </a:fld>
             <a:endParaRPr lang="en-US" dirty="0"/>
           </a:p>
@@ -11588,7 +11698,7 @@
           <a:p>
             <a:fld id="{35E72C73-2D91-4E12-BA25-F0AA0C03599B}" type="datetimeFigureOut">
               <a:rPr lang="en-US" smtClean="0"/>
-              <a:t>4/1/2024</a:t>
+              <a:t>4/2/2024</a:t>
             </a:fld>
             <a:endParaRPr lang="en-US" dirty="0"/>
           </a:p>
@@ -11719,7 +11829,7 @@
           <a:noFill/>
           <a:extLst>
             <a:ext uri="{909E8E84-426E-40dd-AFC4-6F175D3DCCD1}">
-              <a14:hiddenFill xmlns:a14="http://schemas.microsoft.com/office/drawing/2010/main" xmlns="">
+              <a14:hiddenFill xmlns="" xmlns:a14="http://schemas.microsoft.com/office/drawing/2010/main">
                 <a:solidFill>
                   <a:srgbClr val="FFFFFF"/>
                 </a:solidFill>
@@ -11793,7 +11903,7 @@
               </a:ln>
               <a:extLst>
                 <a:ext uri="{91240B29-F687-4f45-9708-019B960494DF}">
-                  <a14:hiddenLine xmlns:a14="http://schemas.microsoft.com/office/drawing/2010/main" xmlns="" w="9525">
+                  <a14:hiddenLine xmlns="" xmlns:a14="http://schemas.microsoft.com/office/drawing/2010/main" w="9525">
                     <a:solidFill>
                       <a:srgbClr val="000000"/>
                     </a:solidFill>
@@ -11883,7 +11993,7 @@
               </a:ln>
               <a:extLst>
                 <a:ext uri="{91240B29-F687-4f45-9708-019B960494DF}">
-                  <a14:hiddenLine xmlns:a14="http://schemas.microsoft.com/office/drawing/2010/main" xmlns="" w="9525">
+                  <a14:hiddenLine xmlns="" xmlns:a14="http://schemas.microsoft.com/office/drawing/2010/main" w="9525">
                     <a:solidFill>
                       <a:srgbClr val="000000"/>
                     </a:solidFill>
@@ -11973,7 +12083,7 @@
               </a:ln>
               <a:extLst>
                 <a:ext uri="{91240B29-F687-4f45-9708-019B960494DF}">
-                  <a14:hiddenLine xmlns:a14="http://schemas.microsoft.com/office/drawing/2010/main" xmlns="" w="9525">
+                  <a14:hiddenLine xmlns="" xmlns:a14="http://schemas.microsoft.com/office/drawing/2010/main" w="9525">
                     <a:solidFill>
                       <a:srgbClr val="000000"/>
                     </a:solidFill>
@@ -12035,7 +12145,7 @@
               </a:ln>
               <a:extLst>
                 <a:ext uri="{91240B29-F687-4f45-9708-019B960494DF}">
-                  <a14:hiddenLine xmlns:a14="http://schemas.microsoft.com/office/drawing/2010/main" xmlns="" w="9525">
+                  <a14:hiddenLine xmlns="" xmlns:a14="http://schemas.microsoft.com/office/drawing/2010/main" w="9525">
                     <a:solidFill>
                       <a:srgbClr val="000000"/>
                     </a:solidFill>
@@ -12125,7 +12235,7 @@
               </a:ln>
               <a:extLst>
                 <a:ext uri="{91240B29-F687-4f45-9708-019B960494DF}">
-                  <a14:hiddenLine xmlns:a14="http://schemas.microsoft.com/office/drawing/2010/main" xmlns="" w="9525">
+                  <a14:hiddenLine xmlns="" xmlns:a14="http://schemas.microsoft.com/office/drawing/2010/main" w="9525">
                     <a:solidFill>
                       <a:srgbClr val="000000"/>
                     </a:solidFill>
@@ -12187,7 +12297,7 @@
               </a:ln>
               <a:extLst>
                 <a:ext uri="{91240B29-F687-4f45-9708-019B960494DF}">
-                  <a14:hiddenLine xmlns:a14="http://schemas.microsoft.com/office/drawing/2010/main" xmlns="" w="9525">
+                  <a14:hiddenLine xmlns="" xmlns:a14="http://schemas.microsoft.com/office/drawing/2010/main" w="9525">
                     <a:solidFill>
                       <a:srgbClr val="000000"/>
                     </a:solidFill>
@@ -12249,7 +12359,7 @@
               </a:ln>
               <a:extLst>
                 <a:ext uri="{91240B29-F687-4f45-9708-019B960494DF}">
-                  <a14:hiddenLine xmlns:a14="http://schemas.microsoft.com/office/drawing/2010/main" xmlns="" w="9525">
+                  <a14:hiddenLine xmlns="" xmlns:a14="http://schemas.microsoft.com/office/drawing/2010/main" w="9525">
                     <a:solidFill>
                       <a:srgbClr val="000000"/>
                     </a:solidFill>
@@ -12339,7 +12449,7 @@
               </a:ln>
               <a:extLst>
                 <a:ext uri="{91240B29-F687-4f45-9708-019B960494DF}">
-                  <a14:hiddenLine xmlns:a14="http://schemas.microsoft.com/office/drawing/2010/main" xmlns="" w="9525">
+                  <a14:hiddenLine xmlns="" xmlns:a14="http://schemas.microsoft.com/office/drawing/2010/main" w="9525">
                     <a:solidFill>
                       <a:srgbClr val="000000"/>
                     </a:solidFill>
@@ -12429,7 +12539,7 @@
               </a:ln>
               <a:extLst>
                 <a:ext uri="{91240B29-F687-4f45-9708-019B960494DF}">
-                  <a14:hiddenLine xmlns:a14="http://schemas.microsoft.com/office/drawing/2010/main" xmlns="" w="9525">
+                  <a14:hiddenLine xmlns="" xmlns:a14="http://schemas.microsoft.com/office/drawing/2010/main" w="9525">
                     <a:solidFill>
                       <a:srgbClr val="000000"/>
                     </a:solidFill>
@@ -12491,7 +12601,7 @@
               </a:ln>
               <a:extLst>
                 <a:ext uri="{91240B29-F687-4f45-9708-019B960494DF}">
-                  <a14:hiddenLine xmlns:a14="http://schemas.microsoft.com/office/drawing/2010/main" xmlns="" w="9525">
+                  <a14:hiddenLine xmlns="" xmlns:a14="http://schemas.microsoft.com/office/drawing/2010/main" w="9525">
                     <a:solidFill>
                       <a:srgbClr val="000000"/>
                     </a:solidFill>
@@ -12601,7 +12711,7 @@
               </a:ln>
               <a:extLst>
                 <a:ext uri="{91240B29-F687-4f45-9708-019B960494DF}">
-                  <a14:hiddenLine xmlns:a14="http://schemas.microsoft.com/office/drawing/2010/main" xmlns="" w="9525">
+                  <a14:hiddenLine xmlns="" xmlns:a14="http://schemas.microsoft.com/office/drawing/2010/main" w="9525">
                     <a:solidFill>
                       <a:srgbClr val="000000"/>
                     </a:solidFill>
@@ -12685,7 +12795,7 @@
               </a:ln>
               <a:extLst>
                 <a:ext uri="{91240B29-F687-4f45-9708-019B960494DF}">
-                  <a14:hiddenLine xmlns:a14="http://schemas.microsoft.com/office/drawing/2010/main" xmlns="" w="9525">
+                  <a14:hiddenLine xmlns="" xmlns:a14="http://schemas.microsoft.com/office/drawing/2010/main" w="9525">
                     <a:solidFill>
                       <a:srgbClr val="000000"/>
                     </a:solidFill>
@@ -12747,7 +12857,7 @@
               </a:ln>
               <a:extLst>
                 <a:ext uri="{91240B29-F687-4f45-9708-019B960494DF}">
-                  <a14:hiddenLine xmlns:a14="http://schemas.microsoft.com/office/drawing/2010/main" xmlns="" w="9525">
+                  <a14:hiddenLine xmlns="" xmlns:a14="http://schemas.microsoft.com/office/drawing/2010/main" w="9525">
                     <a:solidFill>
                       <a:srgbClr val="000000"/>
                     </a:solidFill>
@@ -12809,7 +12919,7 @@
               </a:ln>
               <a:extLst>
                 <a:ext uri="{91240B29-F687-4f45-9708-019B960494DF}">
-                  <a14:hiddenLine xmlns:a14="http://schemas.microsoft.com/office/drawing/2010/main" xmlns="" w="9525">
+                  <a14:hiddenLine xmlns="" xmlns:a14="http://schemas.microsoft.com/office/drawing/2010/main" w="9525">
                     <a:solidFill>
                       <a:srgbClr val="000000"/>
                     </a:solidFill>
@@ -12899,7 +13009,7 @@
               </a:ln>
               <a:extLst>
                 <a:ext uri="{91240B29-F687-4f45-9708-019B960494DF}">
-                  <a14:hiddenLine xmlns:a14="http://schemas.microsoft.com/office/drawing/2010/main" xmlns="" w="9525">
+                  <a14:hiddenLine xmlns="" xmlns:a14="http://schemas.microsoft.com/office/drawing/2010/main" w="9525">
                     <a:solidFill>
                       <a:srgbClr val="000000"/>
                     </a:solidFill>
@@ -12933,7 +13043,7 @@
               </a:ln>
               <a:extLst>
                 <a:ext uri="{91240B29-F687-4f45-9708-019B960494DF}">
-                  <a14:hiddenLine xmlns:a14="http://schemas.microsoft.com/office/drawing/2010/main" xmlns="" w="9525">
+                  <a14:hiddenLine xmlns="" xmlns:a14="http://schemas.microsoft.com/office/drawing/2010/main" w="9525">
                     <a:solidFill>
                       <a:srgbClr val="000000"/>
                     </a:solidFill>
@@ -12998,7 +13108,7 @@
               </a:ln>
               <a:extLst>
                 <a:ext uri="{91240B29-F687-4f45-9708-019B960494DF}">
-                  <a14:hiddenLine xmlns:a14="http://schemas.microsoft.com/office/drawing/2010/main" xmlns="" w="9525">
+                  <a14:hiddenLine xmlns="" xmlns:a14="http://schemas.microsoft.com/office/drawing/2010/main" w="9525">
                     <a:solidFill>
                       <a:srgbClr val="000000"/>
                     </a:solidFill>
@@ -13088,7 +13198,7 @@
               </a:ln>
               <a:extLst>
                 <a:ext uri="{91240B29-F687-4f45-9708-019B960494DF}">
-                  <a14:hiddenLine xmlns:a14="http://schemas.microsoft.com/office/drawing/2010/main" xmlns="" w="9525">
+                  <a14:hiddenLine xmlns="" xmlns:a14="http://schemas.microsoft.com/office/drawing/2010/main" w="9525">
                     <a:solidFill>
                       <a:srgbClr val="000000"/>
                     </a:solidFill>
@@ -13150,7 +13260,7 @@
               </a:ln>
               <a:extLst>
                 <a:ext uri="{91240B29-F687-4f45-9708-019B960494DF}">
-                  <a14:hiddenLine xmlns:a14="http://schemas.microsoft.com/office/drawing/2010/main" xmlns="" w="9525">
+                  <a14:hiddenLine xmlns="" xmlns:a14="http://schemas.microsoft.com/office/drawing/2010/main" w="9525">
                     <a:solidFill>
                       <a:srgbClr val="000000"/>
                     </a:solidFill>
@@ -13240,7 +13350,7 @@
               </a:ln>
               <a:extLst>
                 <a:ext uri="{91240B29-F687-4f45-9708-019B960494DF}">
-                  <a14:hiddenLine xmlns:a14="http://schemas.microsoft.com/office/drawing/2010/main" xmlns="" w="9525">
+                  <a14:hiddenLine xmlns="" xmlns:a14="http://schemas.microsoft.com/office/drawing/2010/main" w="9525">
                     <a:solidFill>
                       <a:srgbClr val="000000"/>
                     </a:solidFill>
@@ -13305,7 +13415,7 @@
               </a:ln>
               <a:extLst>
                 <a:ext uri="{91240B29-F687-4f45-9708-019B960494DF}">
-                  <a14:hiddenLine xmlns:a14="http://schemas.microsoft.com/office/drawing/2010/main" xmlns="" w="9525">
+                  <a14:hiddenLine xmlns="" xmlns:a14="http://schemas.microsoft.com/office/drawing/2010/main" w="9525">
                     <a:solidFill>
                       <a:srgbClr val="000000"/>
                     </a:solidFill>
@@ -13367,7 +13477,7 @@
               </a:ln>
               <a:extLst>
                 <a:ext uri="{91240B29-F687-4f45-9708-019B960494DF}">
-                  <a14:hiddenLine xmlns:a14="http://schemas.microsoft.com/office/drawing/2010/main" xmlns="" w="9525">
+                  <a14:hiddenLine xmlns="" xmlns:a14="http://schemas.microsoft.com/office/drawing/2010/main" w="9525">
                     <a:solidFill>
                       <a:srgbClr val="000000"/>
                     </a:solidFill>
@@ -13457,7 +13567,7 @@
               </a:ln>
               <a:extLst>
                 <a:ext uri="{91240B29-F687-4f45-9708-019B960494DF}">
-                  <a14:hiddenLine xmlns:a14="http://schemas.microsoft.com/office/drawing/2010/main" xmlns="" w="9525">
+                  <a14:hiddenLine xmlns="" xmlns:a14="http://schemas.microsoft.com/office/drawing/2010/main" w="9525">
                     <a:solidFill>
                       <a:srgbClr val="000000"/>
                     </a:solidFill>
@@ -13547,7 +13657,7 @@
               </a:ln>
               <a:extLst>
                 <a:ext uri="{91240B29-F687-4f45-9708-019B960494DF}">
-                  <a14:hiddenLine xmlns:a14="http://schemas.microsoft.com/office/drawing/2010/main" xmlns="" w="9525">
+                  <a14:hiddenLine xmlns="" xmlns:a14="http://schemas.microsoft.com/office/drawing/2010/main" w="9525">
                     <a:solidFill>
                       <a:srgbClr val="000000"/>
                     </a:solidFill>
@@ -13612,7 +13722,7 @@
               </a:ln>
               <a:extLst>
                 <a:ext uri="{91240B29-F687-4f45-9708-019B960494DF}">
-                  <a14:hiddenLine xmlns:a14="http://schemas.microsoft.com/office/drawing/2010/main" xmlns="" w="9525">
+                  <a14:hiddenLine xmlns="" xmlns:a14="http://schemas.microsoft.com/office/drawing/2010/main" w="9525">
                     <a:solidFill>
                       <a:srgbClr val="000000"/>
                     </a:solidFill>
@@ -13732,7 +13842,7 @@
               </a:ln>
               <a:extLst>
                 <a:ext uri="{91240B29-F687-4f45-9708-019B960494DF}">
-                  <a14:hiddenLine xmlns:a14="http://schemas.microsoft.com/office/drawing/2010/main" xmlns="" w="9525">
+                  <a14:hiddenLine xmlns="" xmlns:a14="http://schemas.microsoft.com/office/drawing/2010/main" w="9525">
                     <a:solidFill>
                       <a:srgbClr val="000000"/>
                     </a:solidFill>
@@ -13830,7 +13940,7 @@
               </a:ln>
               <a:extLst>
                 <a:ext uri="{91240B29-F687-4f45-9708-019B960494DF}">
-                  <a14:hiddenLine xmlns:a14="http://schemas.microsoft.com/office/drawing/2010/main" xmlns="" w="9525">
+                  <a14:hiddenLine xmlns="" xmlns:a14="http://schemas.microsoft.com/office/drawing/2010/main" w="9525">
                     <a:solidFill>
                       <a:srgbClr val="000000"/>
                     </a:solidFill>
@@ -13945,7 +14055,7 @@
               </a:ln>
               <a:extLst>
                 <a:ext uri="{91240B29-F687-4f45-9708-019B960494DF}">
-                  <a14:hiddenLine xmlns:a14="http://schemas.microsoft.com/office/drawing/2010/main" xmlns="" w="9525">
+                  <a14:hiddenLine xmlns="" xmlns:a14="http://schemas.microsoft.com/office/drawing/2010/main" w="9525">
                     <a:solidFill>
                       <a:srgbClr val="000000"/>
                     </a:solidFill>
@@ -14035,7 +14145,7 @@
               </a:ln>
               <a:extLst>
                 <a:ext uri="{91240B29-F687-4f45-9708-019B960494DF}">
-                  <a14:hiddenLine xmlns:a14="http://schemas.microsoft.com/office/drawing/2010/main" xmlns="" w="9525">
+                  <a14:hiddenLine xmlns="" xmlns:a14="http://schemas.microsoft.com/office/drawing/2010/main" w="9525">
                     <a:solidFill>
                       <a:srgbClr val="000000"/>
                     </a:solidFill>
@@ -14100,7 +14210,7 @@
               </a:ln>
               <a:extLst>
                 <a:ext uri="{91240B29-F687-4f45-9708-019B960494DF}">
-                  <a14:hiddenLine xmlns:a14="http://schemas.microsoft.com/office/drawing/2010/main" xmlns="" w="9525">
+                  <a14:hiddenLine xmlns="" xmlns:a14="http://schemas.microsoft.com/office/drawing/2010/main" w="9525">
                     <a:solidFill>
                       <a:srgbClr val="000000"/>
                     </a:solidFill>
@@ -14190,7 +14300,7 @@
               </a:ln>
               <a:extLst>
                 <a:ext uri="{91240B29-F687-4f45-9708-019B960494DF}">
-                  <a14:hiddenLine xmlns:a14="http://schemas.microsoft.com/office/drawing/2010/main" xmlns="" w="9525">
+                  <a14:hiddenLine xmlns="" xmlns:a14="http://schemas.microsoft.com/office/drawing/2010/main" w="9525">
                     <a:solidFill>
                       <a:srgbClr val="000000"/>
                     </a:solidFill>
@@ -14258,7 +14368,7 @@
               </a:ln>
               <a:extLst>
                 <a:ext uri="{91240B29-F687-4f45-9708-019B960494DF}">
-                  <a14:hiddenLine xmlns:a14="http://schemas.microsoft.com/office/drawing/2010/main" xmlns="" w="9525">
+                  <a14:hiddenLine xmlns="" xmlns:a14="http://schemas.microsoft.com/office/drawing/2010/main" w="9525">
                     <a:solidFill>
                       <a:srgbClr val="000000"/>
                     </a:solidFill>
@@ -14348,7 +14458,7 @@
               </a:ln>
               <a:extLst>
                 <a:ext uri="{91240B29-F687-4f45-9708-019B960494DF}">
-                  <a14:hiddenLine xmlns:a14="http://schemas.microsoft.com/office/drawing/2010/main" xmlns="" w="9525">
+                  <a14:hiddenLine xmlns="" xmlns:a14="http://schemas.microsoft.com/office/drawing/2010/main" w="9525">
                     <a:solidFill>
                       <a:srgbClr val="000000"/>
                     </a:solidFill>
@@ -14416,7 +14526,7 @@
               </a:ln>
               <a:extLst>
                 <a:ext uri="{91240B29-F687-4f45-9708-019B960494DF}">
-                  <a14:hiddenLine xmlns:a14="http://schemas.microsoft.com/office/drawing/2010/main" xmlns="" w="9525">
+                  <a14:hiddenLine xmlns="" xmlns:a14="http://schemas.microsoft.com/office/drawing/2010/main" w="9525">
                     <a:solidFill>
                       <a:srgbClr val="000000"/>
                     </a:solidFill>
@@ -14506,7 +14616,7 @@
               </a:ln>
               <a:extLst>
                 <a:ext uri="{91240B29-F687-4f45-9708-019B960494DF}">
-                  <a14:hiddenLine xmlns:a14="http://schemas.microsoft.com/office/drawing/2010/main" xmlns="" w="9525">
+                  <a14:hiddenLine xmlns="" xmlns:a14="http://schemas.microsoft.com/office/drawing/2010/main" w="9525">
                     <a:solidFill>
                       <a:srgbClr val="000000"/>
                     </a:solidFill>
@@ -14540,7 +14650,7 @@
               </a:ln>
               <a:extLst>
                 <a:ext uri="{91240B29-F687-4f45-9708-019B960494DF}">
-                  <a14:hiddenLine xmlns:a14="http://schemas.microsoft.com/office/drawing/2010/main" xmlns="" w="9525">
+                  <a14:hiddenLine xmlns="" xmlns:a14="http://schemas.microsoft.com/office/drawing/2010/main" w="9525">
                     <a:solidFill>
                       <a:srgbClr val="000000"/>
                     </a:solidFill>
@@ -14680,7 +14790,7 @@
           <a:p>
             <a:fld id="{2BE451C3-0FF4-47C4-B829-773ADF60F88C}" type="datetimeFigureOut">
               <a:rPr lang="en-US" smtClean="0"/>
-              <a:t>4/1/2024</a:t>
+              <a:t>4/2/2024</a:t>
             </a:fld>
             <a:endParaRPr lang="en-US" dirty="0"/>
           </a:p>
@@ -15218,6 +15328,116 @@
 </p:sld>
 </file>
 
+<file path=ppt/slides/slide10.xml><?xml version="1.0" encoding="utf-8"?>
+<p:sld xmlns:a="http://schemas.openxmlformats.org/drawingml/2006/main" xmlns:r="http://schemas.openxmlformats.org/officeDocument/2006/relationships" xmlns:p="http://schemas.openxmlformats.org/presentationml/2006/main">
+  <p:cSld>
+    <p:spTree>
+      <p:nvGrpSpPr>
+        <p:cNvPr id="1" name="Shape 240"/>
+        <p:cNvGrpSpPr/>
+        <p:nvPr/>
+      </p:nvGrpSpPr>
+      <p:grpSpPr>
+        <a:xfrm>
+          <a:off x="0" y="0"/>
+          <a:ext cx="0" cy="0"/>
+          <a:chOff x="0" y="0"/>
+          <a:chExt cx="0" cy="0"/>
+        </a:xfrm>
+      </p:grpSpPr>
+      <p:sp>
+        <p:nvSpPr>
+          <p:cNvPr id="241" name="Google Shape;241;p24"/>
+          <p:cNvSpPr txBox="1">
+            <a:spLocks noGrp="1"/>
+          </p:cNvSpPr>
+          <p:nvPr>
+            <p:ph type="title"/>
+          </p:nvPr>
+        </p:nvSpPr>
+        <p:spPr>
+          <a:prstGeom prst="rect">
+            <a:avLst/>
+          </a:prstGeom>
+        </p:spPr>
+        <p:txBody>
+          <a:bodyPr spcFirstLastPara="1" wrap="square" lIns="91425" tIns="91425" rIns="91425" bIns="91425" anchor="ctr" anchorCtr="0">
+            <a:normAutofit/>
+          </a:bodyPr>
+          <a:lstStyle/>
+          <a:p>
+            <a:pPr marL="0" lvl="0" indent="0" algn="ctr" rtl="0">
+              <a:spcBef>
+                <a:spcPts val="0"/>
+              </a:spcBef>
+              <a:spcAft>
+                <a:spcPts val="0"/>
+              </a:spcAft>
+              <a:buNone/>
+            </a:pPr>
+            <a:r>
+              <a:rPr lang="en" dirty="0"/>
+              <a:t>Fin</a:t>
+            </a:r>
+            <a:endParaRPr dirty="0"/>
+          </a:p>
+        </p:txBody>
+      </p:sp>
+      <p:sp>
+        <p:nvSpPr>
+          <p:cNvPr id="242" name="Google Shape;242;p24"/>
+          <p:cNvSpPr txBox="1">
+            <a:spLocks noGrp="1"/>
+          </p:cNvSpPr>
+          <p:nvPr>
+            <p:ph type="body" idx="1"/>
+          </p:nvPr>
+        </p:nvSpPr>
+        <p:spPr>
+          <a:prstGeom prst="rect">
+            <a:avLst/>
+          </a:prstGeom>
+        </p:spPr>
+        <p:txBody>
+          <a:bodyPr spcFirstLastPara="1" wrap="square" lIns="91425" tIns="91425" rIns="91425" bIns="91425" anchor="t" anchorCtr="0">
+            <a:noAutofit/>
+          </a:bodyPr>
+          <a:lstStyle/>
+          <a:p>
+            <a:pPr marL="0" lvl="0" indent="0" algn="ctr" rtl="0">
+              <a:spcBef>
+                <a:spcPts val="0"/>
+              </a:spcBef>
+              <a:buNone/>
+            </a:pPr>
+            <a:r>
+              <a:rPr lang="en" dirty="0"/>
+              <a:t>Reach out to Group 3 with any machine maintenance needs…</a:t>
+            </a:r>
+          </a:p>
+          <a:p>
+            <a:pPr marL="0" lvl="0" indent="0" algn="ctr" rtl="0">
+              <a:spcBef>
+                <a:spcPts val="0"/>
+              </a:spcBef>
+              <a:buNone/>
+            </a:pPr>
+            <a:r>
+              <a:rPr lang="en" dirty="0"/>
+              <a:t>Thank you!!</a:t>
+            </a:r>
+            <a:endParaRPr dirty="0"/>
+          </a:p>
+        </p:txBody>
+      </p:sp>
+    </p:spTree>
+  </p:cSld>
+  <p:clrMapOvr>
+    <a:masterClrMapping/>
+  </p:clrMapOvr>
+</p:sld>
+</file>
+
 <file path=ppt/slides/slide2.xml><?xml version="1.0" encoding="utf-8"?>
 <p:sld xmlns:a="http://schemas.openxmlformats.org/drawingml/2006/main" xmlns:r="http://schemas.openxmlformats.org/officeDocument/2006/relationships" xmlns:p="http://schemas.openxmlformats.org/presentationml/2006/main">
   <p:cSld>
@@ -16874,6 +17094,36 @@
           </a:p>
         </p:txBody>
       </p:sp>
+      <p:pic>
+        <p:nvPicPr>
+          <p:cNvPr id="6" name="Picture 5">
+            <a:extLst>
+              <a:ext uri="{FF2B5EF4-FFF2-40B4-BE49-F238E27FC236}">
+                <a16:creationId xmlns:a16="http://schemas.microsoft.com/office/drawing/2014/main" id="{F6B21E4B-52CB-9089-3D02-A829003EB51F}"/>
+              </a:ext>
+            </a:extLst>
+          </p:cNvPr>
+          <p:cNvPicPr>
+            <a:picLocks noChangeAspect="1"/>
+          </p:cNvPicPr>
+          <p:nvPr/>
+        </p:nvPicPr>
+        <p:blipFill>
+          <a:blip r:embed="rId3"/>
+          <a:stretch>
+            <a:fillRect/>
+          </a:stretch>
+        </p:blipFill>
+        <p:spPr>
+          <a:xfrm>
+            <a:off x="856058" y="3806614"/>
+            <a:ext cx="5486400" cy="556177"/>
+          </a:xfrm>
+          <a:prstGeom prst="rect">
+            <a:avLst/>
+          </a:prstGeom>
+        </p:spPr>
+      </p:pic>
     </p:spTree>
     <p:extLst>
       <p:ext uri="{BB962C8B-B14F-4D97-AF65-F5344CB8AC3E}">
@@ -16943,7 +17193,7 @@
                 <a:latin typeface="Arial" panose="020B0604020202020204" pitchFamily="34" charset="0"/>
                 <a:cs typeface="Arial" panose="020B0604020202020204" pitchFamily="34" charset="0"/>
               </a:rPr>
-              <a:t>2) Analyses – Accuracy Scores</a:t>
+              <a:t>2) Analyses – Model Accuracy Scores</a:t>
             </a:r>
             <a:endParaRPr dirty="0">
               <a:latin typeface="Arial" panose="020B0604020202020204" pitchFamily="34" charset="0"/>
@@ -16967,7 +17217,7 @@
           <p:nvPr>
             <p:extLst>
               <p:ext uri="{D42A27DB-BD31-4B8C-83A1-F6EECF244321}">
-                <p14:modId xmlns:p14="http://schemas.microsoft.com/office/powerpoint/2010/main" val="497473192"/>
+                <p14:modId xmlns:p14="http://schemas.microsoft.com/office/powerpoint/2010/main" val="3936043016"/>
               </p:ext>
             </p:extLst>
           </p:nvPr>
@@ -17080,16 +17330,6 @@
                     <a:p>
                       <a:pPr algn="ctr"/>
                       <a:r>
-                        <a:rPr lang="en-US" sz="1200" dirty="0" err="1">
-                          <a:solidFill>
-                            <a:schemeClr val="bg1"/>
-                          </a:solidFill>
-                          <a:latin typeface="Arial" panose="020B0604020202020204" pitchFamily="34" charset="0"/>
-                          <a:cs typeface="Arial" panose="020B0604020202020204" pitchFamily="34" charset="0"/>
-                        </a:rPr>
-                        <a:t>Undersampled</a:t>
-                      </a:r>
-                      <a:r>
                         <a:rPr lang="en-US" sz="1200" dirty="0">
                           <a:solidFill>
                             <a:schemeClr val="bg1"/>
@@ -17097,7 +17337,7 @@
                           <a:latin typeface="Arial" panose="020B0604020202020204" pitchFamily="34" charset="0"/>
                           <a:cs typeface="Arial" panose="020B0604020202020204" pitchFamily="34" charset="0"/>
                         </a:rPr>
-                        <a:t> Data</a:t>
+                        <a:t>Undersampled Data</a:t>
                       </a:r>
                     </a:p>
                   </a:txBody>
@@ -17134,13 +17374,17 @@
                     <a:bodyPr/>
                     <a:lstStyle/>
                     <a:p>
-                      <a:endParaRPr lang="en-US" sz="1200" dirty="0">
-                        <a:solidFill>
-                          <a:schemeClr val="bg1"/>
-                        </a:solidFill>
-                        <a:latin typeface="Arial" panose="020B0604020202020204" pitchFamily="34" charset="0"/>
-                        <a:cs typeface="Arial" panose="020B0604020202020204" pitchFamily="34" charset="0"/>
-                      </a:endParaRPr>
+                      <a:pPr algn="ctr"/>
+                      <a:r>
+                        <a:rPr lang="en-US" sz="1200" dirty="0">
+                          <a:solidFill>
+                            <a:schemeClr val="bg1"/>
+                          </a:solidFill>
+                          <a:latin typeface="Arial" panose="020B0604020202020204" pitchFamily="34" charset="0"/>
+                          <a:cs typeface="Arial" panose="020B0604020202020204" pitchFamily="34" charset="0"/>
+                        </a:rPr>
+                        <a:t>0.79</a:t>
+                      </a:r>
                     </a:p>
                   </a:txBody>
                   <a:tcPr anchor="ctr"/>
@@ -17150,13 +17394,17 @@
                     <a:bodyPr/>
                     <a:lstStyle/>
                     <a:p>
-                      <a:endParaRPr lang="en-US" sz="1200">
-                        <a:solidFill>
-                          <a:schemeClr val="bg1"/>
-                        </a:solidFill>
-                        <a:latin typeface="Arial" panose="020B0604020202020204" pitchFamily="34" charset="0"/>
-                        <a:cs typeface="Arial" panose="020B0604020202020204" pitchFamily="34" charset="0"/>
-                      </a:endParaRPr>
+                      <a:pPr algn="ctr"/>
+                      <a:r>
+                        <a:rPr lang="en-US" sz="1200" dirty="0">
+                          <a:solidFill>
+                            <a:schemeClr val="bg1"/>
+                          </a:solidFill>
+                          <a:latin typeface="Arial" panose="020B0604020202020204" pitchFamily="34" charset="0"/>
+                          <a:cs typeface="Arial" panose="020B0604020202020204" pitchFamily="34" charset="0"/>
+                        </a:rPr>
+                        <a:t>0.79</a:t>
+                      </a:r>
                     </a:p>
                   </a:txBody>
                   <a:tcPr anchor="ctr"/>
@@ -17166,13 +17414,17 @@
                     <a:bodyPr/>
                     <a:lstStyle/>
                     <a:p>
-                      <a:endParaRPr lang="en-US" sz="1200">
-                        <a:solidFill>
-                          <a:schemeClr val="bg1"/>
-                        </a:solidFill>
-                        <a:latin typeface="Arial" panose="020B0604020202020204" pitchFamily="34" charset="0"/>
-                        <a:cs typeface="Arial" panose="020B0604020202020204" pitchFamily="34" charset="0"/>
-                      </a:endParaRPr>
+                      <a:pPr algn="ctr"/>
+                      <a:r>
+                        <a:rPr lang="en-US" sz="1200" dirty="0">
+                          <a:solidFill>
+                            <a:schemeClr val="bg1"/>
+                          </a:solidFill>
+                          <a:latin typeface="Arial" panose="020B0604020202020204" pitchFamily="34" charset="0"/>
+                          <a:cs typeface="Arial" panose="020B0604020202020204" pitchFamily="34" charset="0"/>
+                        </a:rPr>
+                        <a:t>0.79</a:t>
+                      </a:r>
                     </a:p>
                   </a:txBody>
                   <a:tcPr anchor="ctr"/>
@@ -17208,13 +17460,17 @@
                     <a:bodyPr/>
                     <a:lstStyle/>
                     <a:p>
-                      <a:endParaRPr lang="en-US" sz="1200">
-                        <a:solidFill>
-                          <a:schemeClr val="bg1"/>
-                        </a:solidFill>
-                        <a:latin typeface="Arial" panose="020B0604020202020204" pitchFamily="34" charset="0"/>
-                        <a:cs typeface="Arial" panose="020B0604020202020204" pitchFamily="34" charset="0"/>
-                      </a:endParaRPr>
+                      <a:pPr algn="ctr"/>
+                      <a:r>
+                        <a:rPr lang="en-US" sz="1200" dirty="0">
+                          <a:solidFill>
+                            <a:schemeClr val="bg1"/>
+                          </a:solidFill>
+                          <a:latin typeface="Arial" panose="020B0604020202020204" pitchFamily="34" charset="0"/>
+                          <a:cs typeface="Arial" panose="020B0604020202020204" pitchFamily="34" charset="0"/>
+                        </a:rPr>
+                        <a:t>0.83</a:t>
+                      </a:r>
                     </a:p>
                   </a:txBody>
                   <a:tcPr anchor="ctr"/>
@@ -17224,13 +17480,17 @@
                     <a:bodyPr/>
                     <a:lstStyle/>
                     <a:p>
-                      <a:endParaRPr lang="en-US" sz="1200">
-                        <a:solidFill>
-                          <a:schemeClr val="bg1"/>
-                        </a:solidFill>
-                        <a:latin typeface="Arial" panose="020B0604020202020204" pitchFamily="34" charset="0"/>
-                        <a:cs typeface="Arial" panose="020B0604020202020204" pitchFamily="34" charset="0"/>
-                      </a:endParaRPr>
+                      <a:pPr algn="ctr"/>
+                      <a:r>
+                        <a:rPr lang="en-US" sz="1200" dirty="0">
+                          <a:solidFill>
+                            <a:schemeClr val="bg1"/>
+                          </a:solidFill>
+                          <a:latin typeface="Arial" panose="020B0604020202020204" pitchFamily="34" charset="0"/>
+                          <a:cs typeface="Arial" panose="020B0604020202020204" pitchFamily="34" charset="0"/>
+                        </a:rPr>
+                        <a:t>0.83</a:t>
+                      </a:r>
                     </a:p>
                   </a:txBody>
                   <a:tcPr anchor="ctr"/>
@@ -17240,13 +17500,17 @@
                     <a:bodyPr/>
                     <a:lstStyle/>
                     <a:p>
-                      <a:endParaRPr lang="en-US" sz="1200">
-                        <a:solidFill>
-                          <a:schemeClr val="bg1"/>
-                        </a:solidFill>
-                        <a:latin typeface="Arial" panose="020B0604020202020204" pitchFamily="34" charset="0"/>
-                        <a:cs typeface="Arial" panose="020B0604020202020204" pitchFamily="34" charset="0"/>
-                      </a:endParaRPr>
+                      <a:pPr algn="ctr"/>
+                      <a:r>
+                        <a:rPr lang="en-US" sz="1200" dirty="0">
+                          <a:solidFill>
+                            <a:schemeClr val="bg1"/>
+                          </a:solidFill>
+                          <a:latin typeface="Arial" panose="020B0604020202020204" pitchFamily="34" charset="0"/>
+                          <a:cs typeface="Arial" panose="020B0604020202020204" pitchFamily="34" charset="0"/>
+                        </a:rPr>
+                        <a:t>0.83</a:t>
+                      </a:r>
                     </a:p>
                   </a:txBody>
                   <a:tcPr anchor="ctr"/>
@@ -17282,13 +17546,17 @@
                     <a:bodyPr/>
                     <a:lstStyle/>
                     <a:p>
-                      <a:endParaRPr lang="en-US" sz="1200" dirty="0">
-                        <a:solidFill>
-                          <a:schemeClr val="bg1"/>
-                        </a:solidFill>
-                        <a:latin typeface="Arial" panose="020B0604020202020204" pitchFamily="34" charset="0"/>
-                        <a:cs typeface="Arial" panose="020B0604020202020204" pitchFamily="34" charset="0"/>
-                      </a:endParaRPr>
+                      <a:pPr algn="ctr"/>
+                      <a:r>
+                        <a:rPr lang="en-US" sz="1200" dirty="0">
+                          <a:solidFill>
+                            <a:schemeClr val="bg1"/>
+                          </a:solidFill>
+                          <a:latin typeface="Arial" panose="020B0604020202020204" pitchFamily="34" charset="0"/>
+                          <a:cs typeface="Arial" panose="020B0604020202020204" pitchFamily="34" charset="0"/>
+                        </a:rPr>
+                        <a:t>0.90</a:t>
+                      </a:r>
                     </a:p>
                   </a:txBody>
                   <a:tcPr anchor="ctr"/>
@@ -17298,13 +17566,17 @@
                     <a:bodyPr/>
                     <a:lstStyle/>
                     <a:p>
-                      <a:endParaRPr lang="en-US" sz="1200" dirty="0">
-                        <a:solidFill>
-                          <a:schemeClr val="bg1"/>
-                        </a:solidFill>
-                        <a:latin typeface="Arial" panose="020B0604020202020204" pitchFamily="34" charset="0"/>
-                        <a:cs typeface="Arial" panose="020B0604020202020204" pitchFamily="34" charset="0"/>
-                      </a:endParaRPr>
+                      <a:pPr algn="ctr"/>
+                      <a:r>
+                        <a:rPr lang="en-US" sz="1200" dirty="0">
+                          <a:solidFill>
+                            <a:schemeClr val="bg1"/>
+                          </a:solidFill>
+                          <a:latin typeface="Arial" panose="020B0604020202020204" pitchFamily="34" charset="0"/>
+                          <a:cs typeface="Arial" panose="020B0604020202020204" pitchFamily="34" charset="0"/>
+                        </a:rPr>
+                        <a:t>0.90</a:t>
+                      </a:r>
                     </a:p>
                   </a:txBody>
                   <a:tcPr anchor="ctr"/>
@@ -17314,13 +17586,17 @@
                     <a:bodyPr/>
                     <a:lstStyle/>
                     <a:p>
-                      <a:endParaRPr lang="en-US" sz="1200" dirty="0">
-                        <a:solidFill>
-                          <a:schemeClr val="bg1"/>
-                        </a:solidFill>
-                        <a:latin typeface="Arial" panose="020B0604020202020204" pitchFamily="34" charset="0"/>
-                        <a:cs typeface="Arial" panose="020B0604020202020204" pitchFamily="34" charset="0"/>
-                      </a:endParaRPr>
+                      <a:pPr algn="ctr"/>
+                      <a:r>
+                        <a:rPr lang="en-US" sz="1200" dirty="0">
+                          <a:solidFill>
+                            <a:schemeClr val="bg1"/>
+                          </a:solidFill>
+                          <a:latin typeface="Arial" panose="020B0604020202020204" pitchFamily="34" charset="0"/>
+                          <a:cs typeface="Arial" panose="020B0604020202020204" pitchFamily="34" charset="0"/>
+                        </a:rPr>
+                        <a:t>0.90</a:t>
+                      </a:r>
                     </a:p>
                   </a:txBody>
                   <a:tcPr anchor="ctr"/>
@@ -17356,13 +17632,17 @@
                     <a:bodyPr/>
                     <a:lstStyle/>
                     <a:p>
-                      <a:endParaRPr lang="en-US" sz="1200" dirty="0">
-                        <a:solidFill>
-                          <a:schemeClr val="bg1"/>
-                        </a:solidFill>
-                        <a:latin typeface="Arial" panose="020B0604020202020204" pitchFamily="34" charset="0"/>
-                        <a:cs typeface="Arial" panose="020B0604020202020204" pitchFamily="34" charset="0"/>
-                      </a:endParaRPr>
+                      <a:pPr algn="ctr"/>
+                      <a:r>
+                        <a:rPr lang="en-US" sz="1200" dirty="0">
+                          <a:solidFill>
+                            <a:schemeClr val="bg1"/>
+                          </a:solidFill>
+                          <a:latin typeface="Arial" panose="020B0604020202020204" pitchFamily="34" charset="0"/>
+                          <a:cs typeface="Arial" panose="020B0604020202020204" pitchFamily="34" charset="0"/>
+                        </a:rPr>
+                        <a:t>0.89</a:t>
+                      </a:r>
                     </a:p>
                   </a:txBody>
                   <a:tcPr anchor="ctr"/>
@@ -17372,13 +17652,17 @@
                     <a:bodyPr/>
                     <a:lstStyle/>
                     <a:p>
-                      <a:endParaRPr lang="en-US" sz="1200" dirty="0">
-                        <a:solidFill>
-                          <a:schemeClr val="bg1"/>
-                        </a:solidFill>
-                        <a:latin typeface="Arial" panose="020B0604020202020204" pitchFamily="34" charset="0"/>
-                        <a:cs typeface="Arial" panose="020B0604020202020204" pitchFamily="34" charset="0"/>
-                      </a:endParaRPr>
+                      <a:pPr algn="ctr"/>
+                      <a:r>
+                        <a:rPr lang="en-US" sz="1200" dirty="0">
+                          <a:solidFill>
+                            <a:schemeClr val="bg1"/>
+                          </a:solidFill>
+                          <a:latin typeface="Arial" panose="020B0604020202020204" pitchFamily="34" charset="0"/>
+                          <a:cs typeface="Arial" panose="020B0604020202020204" pitchFamily="34" charset="0"/>
+                        </a:rPr>
+                        <a:t>0.89</a:t>
+                      </a:r>
                     </a:p>
                   </a:txBody>
                   <a:tcPr anchor="ctr"/>
@@ -17388,13 +17672,17 @@
                     <a:bodyPr/>
                     <a:lstStyle/>
                     <a:p>
-                      <a:endParaRPr lang="en-US" sz="1200">
-                        <a:solidFill>
-                          <a:schemeClr val="bg1"/>
-                        </a:solidFill>
-                        <a:latin typeface="Arial" panose="020B0604020202020204" pitchFamily="34" charset="0"/>
-                        <a:cs typeface="Arial" panose="020B0604020202020204" pitchFamily="34" charset="0"/>
-                      </a:endParaRPr>
+                      <a:pPr algn="ctr"/>
+                      <a:r>
+                        <a:rPr lang="en-US" sz="1200" dirty="0">
+                          <a:solidFill>
+                            <a:schemeClr val="bg1"/>
+                          </a:solidFill>
+                          <a:latin typeface="Arial" panose="020B0604020202020204" pitchFamily="34" charset="0"/>
+                          <a:cs typeface="Arial" panose="020B0604020202020204" pitchFamily="34" charset="0"/>
+                        </a:rPr>
+                        <a:t>0.89</a:t>
+                      </a:r>
                     </a:p>
                   </a:txBody>
                   <a:tcPr anchor="ctr"/>
@@ -17430,13 +17718,17 @@
                     <a:bodyPr/>
                     <a:lstStyle/>
                     <a:p>
-                      <a:endParaRPr lang="en-US" sz="1200">
-                        <a:solidFill>
-                          <a:schemeClr val="bg1"/>
-                        </a:solidFill>
-                        <a:latin typeface="Arial" panose="020B0604020202020204" pitchFamily="34" charset="0"/>
-                        <a:cs typeface="Arial" panose="020B0604020202020204" pitchFamily="34" charset="0"/>
-                      </a:endParaRPr>
+                      <a:pPr algn="ctr"/>
+                      <a:r>
+                        <a:rPr lang="en-US" sz="1200" dirty="0">
+                          <a:solidFill>
+                            <a:schemeClr val="bg1"/>
+                          </a:solidFill>
+                          <a:latin typeface="Arial" panose="020B0604020202020204" pitchFamily="34" charset="0"/>
+                          <a:cs typeface="Arial" panose="020B0604020202020204" pitchFamily="34" charset="0"/>
+                        </a:rPr>
+                        <a:t>0.88</a:t>
+                      </a:r>
                     </a:p>
                   </a:txBody>
                   <a:tcPr anchor="ctr"/>
@@ -17446,13 +17738,17 @@
                     <a:bodyPr/>
                     <a:lstStyle/>
                     <a:p>
-                      <a:endParaRPr lang="en-US" sz="1200">
-                        <a:solidFill>
-                          <a:schemeClr val="bg1"/>
-                        </a:solidFill>
-                        <a:latin typeface="Arial" panose="020B0604020202020204" pitchFamily="34" charset="0"/>
-                        <a:cs typeface="Arial" panose="020B0604020202020204" pitchFamily="34" charset="0"/>
-                      </a:endParaRPr>
+                      <a:pPr algn="ctr"/>
+                      <a:r>
+                        <a:rPr lang="en-US" sz="1200" dirty="0">
+                          <a:solidFill>
+                            <a:schemeClr val="bg1"/>
+                          </a:solidFill>
+                          <a:latin typeface="Arial" panose="020B0604020202020204" pitchFamily="34" charset="0"/>
+                          <a:cs typeface="Arial" panose="020B0604020202020204" pitchFamily="34" charset="0"/>
+                        </a:rPr>
+                        <a:t>0.88</a:t>
+                      </a:r>
                     </a:p>
                   </a:txBody>
                   <a:tcPr anchor="ctr"/>
@@ -17462,13 +17758,17 @@
                     <a:bodyPr/>
                     <a:lstStyle/>
                     <a:p>
-                      <a:endParaRPr lang="en-US" sz="1200">
-                        <a:solidFill>
-                          <a:schemeClr val="bg1"/>
-                        </a:solidFill>
-                        <a:latin typeface="Arial" panose="020B0604020202020204" pitchFamily="34" charset="0"/>
-                        <a:cs typeface="Arial" panose="020B0604020202020204" pitchFamily="34" charset="0"/>
-                      </a:endParaRPr>
+                      <a:pPr algn="ctr"/>
+                      <a:r>
+                        <a:rPr lang="en-US" sz="1200" dirty="0">
+                          <a:solidFill>
+                            <a:schemeClr val="bg1"/>
+                          </a:solidFill>
+                          <a:latin typeface="Arial" panose="020B0604020202020204" pitchFamily="34" charset="0"/>
+                          <a:cs typeface="Arial" panose="020B0604020202020204" pitchFamily="34" charset="0"/>
+                        </a:rPr>
+                        <a:t>0.88</a:t>
+                      </a:r>
                     </a:p>
                   </a:txBody>
                   <a:tcPr anchor="ctr"/>
@@ -17504,13 +17804,17 @@
                     <a:bodyPr/>
                     <a:lstStyle/>
                     <a:p>
-                      <a:endParaRPr lang="en-US" sz="1200">
-                        <a:solidFill>
-                          <a:schemeClr val="bg1"/>
-                        </a:solidFill>
-                        <a:latin typeface="Arial" panose="020B0604020202020204" pitchFamily="34" charset="0"/>
-                        <a:cs typeface="Arial" panose="020B0604020202020204" pitchFamily="34" charset="0"/>
-                      </a:endParaRPr>
+                      <a:pPr algn="ctr"/>
+                      <a:r>
+                        <a:rPr lang="en-US" sz="1200" dirty="0">
+                          <a:solidFill>
+                            <a:schemeClr val="bg1"/>
+                          </a:solidFill>
+                          <a:latin typeface="Arial" panose="020B0604020202020204" pitchFamily="34" charset="0"/>
+                          <a:cs typeface="Arial" panose="020B0604020202020204" pitchFamily="34" charset="0"/>
+                        </a:rPr>
+                        <a:t>0.88</a:t>
+                      </a:r>
                     </a:p>
                   </a:txBody>
                   <a:tcPr anchor="ctr"/>
@@ -17520,13 +17824,17 @@
                     <a:bodyPr/>
                     <a:lstStyle/>
                     <a:p>
-                      <a:endParaRPr lang="en-US" sz="1200" dirty="0">
-                        <a:solidFill>
-                          <a:schemeClr val="bg1"/>
-                        </a:solidFill>
-                        <a:latin typeface="Arial" panose="020B0604020202020204" pitchFamily="34" charset="0"/>
-                        <a:cs typeface="Arial" panose="020B0604020202020204" pitchFamily="34" charset="0"/>
-                      </a:endParaRPr>
+                      <a:pPr algn="ctr"/>
+                      <a:r>
+                        <a:rPr lang="en-US" sz="1200" dirty="0">
+                          <a:solidFill>
+                            <a:schemeClr val="bg1"/>
+                          </a:solidFill>
+                          <a:latin typeface="Arial" panose="020B0604020202020204" pitchFamily="34" charset="0"/>
+                          <a:cs typeface="Arial" panose="020B0604020202020204" pitchFamily="34" charset="0"/>
+                        </a:rPr>
+                        <a:t>0.88</a:t>
+                      </a:r>
                     </a:p>
                   </a:txBody>
                   <a:tcPr anchor="ctr"/>
@@ -17536,13 +17844,17 @@
                     <a:bodyPr/>
                     <a:lstStyle/>
                     <a:p>
-                      <a:endParaRPr lang="en-US" sz="1200">
-                        <a:solidFill>
-                          <a:schemeClr val="bg1"/>
-                        </a:solidFill>
-                        <a:latin typeface="Arial" panose="020B0604020202020204" pitchFamily="34" charset="0"/>
-                        <a:cs typeface="Arial" panose="020B0604020202020204" pitchFamily="34" charset="0"/>
-                      </a:endParaRPr>
+                      <a:pPr algn="ctr"/>
+                      <a:r>
+                        <a:rPr lang="en-US" sz="1200" dirty="0">
+                          <a:solidFill>
+                            <a:schemeClr val="bg1"/>
+                          </a:solidFill>
+                          <a:latin typeface="Arial" panose="020B0604020202020204" pitchFamily="34" charset="0"/>
+                          <a:cs typeface="Arial" panose="020B0604020202020204" pitchFamily="34" charset="0"/>
+                        </a:rPr>
+                        <a:t>0.88</a:t>
+                      </a:r>
                     </a:p>
                   </a:txBody>
                   <a:tcPr anchor="ctr"/>
@@ -17578,13 +17890,17 @@
                     <a:bodyPr/>
                     <a:lstStyle/>
                     <a:p>
-                      <a:endParaRPr lang="en-US" sz="1200">
-                        <a:solidFill>
-                          <a:schemeClr val="bg1"/>
-                        </a:solidFill>
-                        <a:latin typeface="Arial" panose="020B0604020202020204" pitchFamily="34" charset="0"/>
-                        <a:cs typeface="Arial" panose="020B0604020202020204" pitchFamily="34" charset="0"/>
-                      </a:endParaRPr>
+                      <a:pPr algn="ctr"/>
+                      <a:r>
+                        <a:rPr lang="en-US" sz="1200" dirty="0">
+                          <a:solidFill>
+                            <a:schemeClr val="bg1"/>
+                          </a:solidFill>
+                          <a:latin typeface="Arial" panose="020B0604020202020204" pitchFamily="34" charset="0"/>
+                          <a:cs typeface="Arial" panose="020B0604020202020204" pitchFamily="34" charset="0"/>
+                        </a:rPr>
+                        <a:t>0.87</a:t>
+                      </a:r>
                     </a:p>
                   </a:txBody>
                   <a:tcPr anchor="ctr"/>
@@ -17594,13 +17910,17 @@
                     <a:bodyPr/>
                     <a:lstStyle/>
                     <a:p>
-                      <a:endParaRPr lang="en-US" sz="1200" dirty="0">
-                        <a:solidFill>
-                          <a:schemeClr val="bg1"/>
-                        </a:solidFill>
-                        <a:latin typeface="Arial" panose="020B0604020202020204" pitchFamily="34" charset="0"/>
-                        <a:cs typeface="Arial" panose="020B0604020202020204" pitchFamily="34" charset="0"/>
-                      </a:endParaRPr>
+                      <a:pPr algn="ctr"/>
+                      <a:r>
+                        <a:rPr lang="en-US" sz="1200" dirty="0">
+                          <a:solidFill>
+                            <a:schemeClr val="bg1"/>
+                          </a:solidFill>
+                          <a:latin typeface="Arial" panose="020B0604020202020204" pitchFamily="34" charset="0"/>
+                          <a:cs typeface="Arial" panose="020B0604020202020204" pitchFamily="34" charset="0"/>
+                        </a:rPr>
+                        <a:t>0.87</a:t>
+                      </a:r>
                     </a:p>
                   </a:txBody>
                   <a:tcPr anchor="ctr"/>
@@ -17610,13 +17930,17 @@
                     <a:bodyPr/>
                     <a:lstStyle/>
                     <a:p>
-                      <a:endParaRPr lang="en-US" sz="1200" dirty="0">
-                        <a:solidFill>
-                          <a:schemeClr val="bg1"/>
-                        </a:solidFill>
-                        <a:latin typeface="Arial" panose="020B0604020202020204" pitchFamily="34" charset="0"/>
-                        <a:cs typeface="Arial" panose="020B0604020202020204" pitchFamily="34" charset="0"/>
-                      </a:endParaRPr>
+                      <a:pPr algn="ctr"/>
+                      <a:r>
+                        <a:rPr lang="en-US" sz="1200" dirty="0">
+                          <a:solidFill>
+                            <a:schemeClr val="bg1"/>
+                          </a:solidFill>
+                          <a:latin typeface="Arial" panose="020B0604020202020204" pitchFamily="34" charset="0"/>
+                          <a:cs typeface="Arial" panose="020B0604020202020204" pitchFamily="34" charset="0"/>
+                        </a:rPr>
+                        <a:t>0.87</a:t>
+                      </a:r>
                     </a:p>
                   </a:txBody>
                   <a:tcPr anchor="ctr"/>
@@ -17652,13 +17976,17 @@
                     <a:bodyPr/>
                     <a:lstStyle/>
                     <a:p>
-                      <a:endParaRPr lang="en-US" sz="1200">
-                        <a:solidFill>
-                          <a:schemeClr val="bg1"/>
-                        </a:solidFill>
-                        <a:latin typeface="Arial" panose="020B0604020202020204" pitchFamily="34" charset="0"/>
-                        <a:cs typeface="Arial" panose="020B0604020202020204" pitchFamily="34" charset="0"/>
-                      </a:endParaRPr>
+                      <a:pPr algn="ctr"/>
+                      <a:r>
+                        <a:rPr lang="en-US" sz="1200" dirty="0">
+                          <a:solidFill>
+                            <a:schemeClr val="bg1"/>
+                          </a:solidFill>
+                          <a:latin typeface="Arial" panose="020B0604020202020204" pitchFamily="34" charset="0"/>
+                          <a:cs typeface="Arial" panose="020B0604020202020204" pitchFamily="34" charset="0"/>
+                        </a:rPr>
+                        <a:t>0.86</a:t>
+                      </a:r>
                     </a:p>
                   </a:txBody>
                   <a:tcPr anchor="ctr"/>
@@ -17668,13 +17996,17 @@
                     <a:bodyPr/>
                     <a:lstStyle/>
                     <a:p>
-                      <a:endParaRPr lang="en-US" sz="1200">
-                        <a:solidFill>
-                          <a:schemeClr val="bg1"/>
-                        </a:solidFill>
-                        <a:latin typeface="Arial" panose="020B0604020202020204" pitchFamily="34" charset="0"/>
-                        <a:cs typeface="Arial" panose="020B0604020202020204" pitchFamily="34" charset="0"/>
-                      </a:endParaRPr>
+                      <a:pPr algn="ctr"/>
+                      <a:r>
+                        <a:rPr lang="en-US" sz="1200" dirty="0">
+                          <a:solidFill>
+                            <a:schemeClr val="bg1"/>
+                          </a:solidFill>
+                          <a:latin typeface="Arial" panose="020B0604020202020204" pitchFamily="34" charset="0"/>
+                          <a:cs typeface="Arial" panose="020B0604020202020204" pitchFamily="34" charset="0"/>
+                        </a:rPr>
+                        <a:t>0.86</a:t>
+                      </a:r>
                     </a:p>
                   </a:txBody>
                   <a:tcPr anchor="ctr"/>
@@ -17684,13 +18016,17 @@
                     <a:bodyPr/>
                     <a:lstStyle/>
                     <a:p>
-                      <a:endParaRPr lang="en-US" sz="1200" dirty="0">
-                        <a:solidFill>
-                          <a:schemeClr val="bg1"/>
-                        </a:solidFill>
-                        <a:latin typeface="Arial" panose="020B0604020202020204" pitchFamily="34" charset="0"/>
-                        <a:cs typeface="Arial" panose="020B0604020202020204" pitchFamily="34" charset="0"/>
-                      </a:endParaRPr>
+                      <a:pPr algn="ctr"/>
+                      <a:r>
+                        <a:rPr lang="en-US" sz="1200" dirty="0">
+                          <a:solidFill>
+                            <a:schemeClr val="bg1"/>
+                          </a:solidFill>
+                          <a:latin typeface="Arial" panose="020B0604020202020204" pitchFamily="34" charset="0"/>
+                          <a:cs typeface="Arial" panose="020B0604020202020204" pitchFamily="34" charset="0"/>
+                        </a:rPr>
+                        <a:t>0.86</a:t>
+                      </a:r>
                     </a:p>
                   </a:txBody>
                   <a:tcPr anchor="ctr"/>
@@ -17726,13 +18062,17 @@
                     <a:bodyPr/>
                     <a:lstStyle/>
                     <a:p>
-                      <a:endParaRPr lang="en-US" sz="1200">
-                        <a:solidFill>
-                          <a:schemeClr val="bg1"/>
-                        </a:solidFill>
-                        <a:latin typeface="Arial" panose="020B0604020202020204" pitchFamily="34" charset="0"/>
-                        <a:cs typeface="Arial" panose="020B0604020202020204" pitchFamily="34" charset="0"/>
-                      </a:endParaRPr>
+                      <a:pPr algn="ctr"/>
+                      <a:r>
+                        <a:rPr lang="en-US" sz="1200" dirty="0">
+                          <a:solidFill>
+                            <a:schemeClr val="bg1"/>
+                          </a:solidFill>
+                          <a:latin typeface="Arial" panose="020B0604020202020204" pitchFamily="34" charset="0"/>
+                          <a:cs typeface="Arial" panose="020B0604020202020204" pitchFamily="34" charset="0"/>
+                        </a:rPr>
+                        <a:t>0.80</a:t>
+                      </a:r>
                     </a:p>
                   </a:txBody>
                   <a:tcPr anchor="ctr"/>
@@ -17742,13 +18082,17 @@
                     <a:bodyPr/>
                     <a:lstStyle/>
                     <a:p>
-                      <a:endParaRPr lang="en-US" sz="1200" dirty="0">
-                        <a:solidFill>
-                          <a:schemeClr val="bg1"/>
-                        </a:solidFill>
-                        <a:latin typeface="Arial" panose="020B0604020202020204" pitchFamily="34" charset="0"/>
-                        <a:cs typeface="Arial" panose="020B0604020202020204" pitchFamily="34" charset="0"/>
-                      </a:endParaRPr>
+                      <a:pPr algn="ctr"/>
+                      <a:r>
+                        <a:rPr lang="en-US" sz="1200" dirty="0">
+                          <a:solidFill>
+                            <a:schemeClr val="bg1"/>
+                          </a:solidFill>
+                          <a:latin typeface="Arial" panose="020B0604020202020204" pitchFamily="34" charset="0"/>
+                          <a:cs typeface="Arial" panose="020B0604020202020204" pitchFamily="34" charset="0"/>
+                        </a:rPr>
+                        <a:t>0.80</a:t>
+                      </a:r>
                     </a:p>
                   </a:txBody>
                   <a:tcPr anchor="ctr"/>
@@ -17758,13 +18102,17 @@
                     <a:bodyPr/>
                     <a:lstStyle/>
                     <a:p>
-                      <a:endParaRPr lang="en-US" sz="1200" dirty="0">
-                        <a:solidFill>
-                          <a:schemeClr val="bg1"/>
-                        </a:solidFill>
-                        <a:latin typeface="Arial" panose="020B0604020202020204" pitchFamily="34" charset="0"/>
-                        <a:cs typeface="Arial" panose="020B0604020202020204" pitchFamily="34" charset="0"/>
-                      </a:endParaRPr>
+                      <a:pPr algn="ctr"/>
+                      <a:r>
+                        <a:rPr lang="en-US" sz="1200" dirty="0">
+                          <a:solidFill>
+                            <a:schemeClr val="bg1"/>
+                          </a:solidFill>
+                          <a:latin typeface="Arial" panose="020B0604020202020204" pitchFamily="34" charset="0"/>
+                          <a:cs typeface="Arial" panose="020B0604020202020204" pitchFamily="34" charset="0"/>
+                        </a:rPr>
+                        <a:t>0.80</a:t>
+                      </a:r>
                     </a:p>
                   </a:txBody>
                   <a:tcPr anchor="ctr"/>
@@ -17848,7 +18196,7 @@
                 <a:latin typeface="Arial" panose="020B0604020202020204" pitchFamily="34" charset="0"/>
                 <a:cs typeface="Arial" panose="020B0604020202020204" pitchFamily="34" charset="0"/>
               </a:rPr>
-              <a:t>2) Analyses – Component Weights</a:t>
+              <a:t>2) Analyses – Decision Tree</a:t>
             </a:r>
             <a:endParaRPr dirty="0">
               <a:latin typeface="Arial" panose="020B0604020202020204" pitchFamily="34" charset="0"/>
@@ -17857,51 +18205,10 @@
           </a:p>
         </p:txBody>
       </p:sp>
-      <p:sp>
-        <p:nvSpPr>
-          <p:cNvPr id="3" name="Content Placeholder 2">
-            <a:extLst>
-              <a:ext uri="{FF2B5EF4-FFF2-40B4-BE49-F238E27FC236}">
-                <a16:creationId xmlns:a16="http://schemas.microsoft.com/office/drawing/2014/main" id="{86084C64-28B7-74FA-CCF9-A3E8F95BDC19}"/>
-              </a:ext>
-            </a:extLst>
-          </p:cNvPr>
-          <p:cNvSpPr>
-            <a:spLocks noGrp="1"/>
-          </p:cNvSpPr>
-          <p:nvPr>
-            <p:ph sz="quarter" idx="4"/>
-          </p:nvPr>
-        </p:nvSpPr>
-        <p:spPr>
-          <a:xfrm>
-            <a:off x="856058" y="1207008"/>
-            <a:ext cx="7428406" cy="3285792"/>
-          </a:xfrm>
-        </p:spPr>
-        <p:txBody>
-          <a:bodyPr>
-            <a:noAutofit/>
-          </a:bodyPr>
-          <a:lstStyle/>
-          <a:p>
-            <a:r>
-              <a:rPr lang="en-US" sz="1200" dirty="0">
-                <a:solidFill>
-                  <a:schemeClr val="bg1"/>
-                </a:solidFill>
-                <a:latin typeface="Arial" panose="020B0604020202020204" pitchFamily="34" charset="0"/>
-                <a:cs typeface="Arial" panose="020B0604020202020204" pitchFamily="34" charset="0"/>
-              </a:rPr>
-              <a:t>xxx</a:t>
-            </a:r>
-          </a:p>
-        </p:txBody>
-      </p:sp>
     </p:spTree>
     <p:extLst>
       <p:ext uri="{BB962C8B-B14F-4D97-AF65-F5344CB8AC3E}">
-        <p14:creationId xmlns:p14="http://schemas.microsoft.com/office/powerpoint/2010/main" val="3581652589"/>
+        <p14:creationId xmlns:p14="http://schemas.microsoft.com/office/powerpoint/2010/main" val="2855404005"/>
       </p:ext>
     </p:extLst>
   </p:cSld>
@@ -17967,7 +18274,7 @@
                 <a:latin typeface="Arial" panose="020B0604020202020204" pitchFamily="34" charset="0"/>
                 <a:cs typeface="Arial" panose="020B0604020202020204" pitchFamily="34" charset="0"/>
               </a:rPr>
-              <a:t>2) Conclusions</a:t>
+              <a:t>2) Analyses – Component Weights</a:t>
             </a:r>
             <a:endParaRPr dirty="0">
               <a:latin typeface="Arial" panose="020B0604020202020204" pitchFamily="34" charset="0"/>
@@ -18014,27 +18321,13 @@
               </a:rPr>
               <a:t>xxx</a:t>
             </a:r>
-            <a:endParaRPr kumimoji="0" lang="en-US" sz="900" b="0" i="0" u="none" strike="noStrike" kern="1200" cap="none" spc="0" normalizeH="0" baseline="0" noProof="0" dirty="0">
-              <a:ln>
-                <a:noFill/>
-              </a:ln>
-              <a:solidFill>
-                <a:prstClr val="black"/>
-              </a:solidFill>
-              <a:effectLst/>
-              <a:uLnTx/>
-              <a:uFillTx/>
-              <a:latin typeface="Arial" panose="020B0604020202020204" pitchFamily="34" charset="0"/>
-              <a:ea typeface="+mn-ea"/>
-              <a:cs typeface="Arial" panose="020B0604020202020204" pitchFamily="34" charset="0"/>
-            </a:endParaRPr>
           </a:p>
         </p:txBody>
       </p:sp>
     </p:spTree>
     <p:extLst>
       <p:ext uri="{BB962C8B-B14F-4D97-AF65-F5344CB8AC3E}">
-        <p14:creationId xmlns:p14="http://schemas.microsoft.com/office/powerpoint/2010/main" val="2720268968"/>
+        <p14:creationId xmlns:p14="http://schemas.microsoft.com/office/powerpoint/2010/main" val="3581652589"/>
       </p:ext>
     </p:extLst>
   </p:cSld>
@@ -18100,7 +18393,7 @@
                 <a:latin typeface="Arial" panose="020B0604020202020204" pitchFamily="34" charset="0"/>
                 <a:cs typeface="Arial" panose="020B0604020202020204" pitchFamily="34" charset="0"/>
               </a:rPr>
-              <a:t>3) Next Steps</a:t>
+              <a:t>2) Conclusions</a:t>
             </a:r>
             <a:endParaRPr dirty="0">
               <a:latin typeface="Arial" panose="020B0604020202020204" pitchFamily="34" charset="0"/>
@@ -18145,6 +18438,139 @@
                 <a:latin typeface="Arial" panose="020B0604020202020204" pitchFamily="34" charset="0"/>
                 <a:cs typeface="Arial" panose="020B0604020202020204" pitchFamily="34" charset="0"/>
               </a:rPr>
+              <a:t>xxx</a:t>
+            </a:r>
+            <a:endParaRPr kumimoji="0" lang="en-US" sz="900" b="0" i="0" u="none" strike="noStrike" kern="1200" cap="none" spc="0" normalizeH="0" baseline="0" noProof="0" dirty="0">
+              <a:ln>
+                <a:noFill/>
+              </a:ln>
+              <a:solidFill>
+                <a:prstClr val="black"/>
+              </a:solidFill>
+              <a:effectLst/>
+              <a:uLnTx/>
+              <a:uFillTx/>
+              <a:latin typeface="Arial" panose="020B0604020202020204" pitchFamily="34" charset="0"/>
+              <a:ea typeface="+mn-ea"/>
+              <a:cs typeface="Arial" panose="020B0604020202020204" pitchFamily="34" charset="0"/>
+            </a:endParaRPr>
+          </a:p>
+        </p:txBody>
+      </p:sp>
+    </p:spTree>
+    <p:extLst>
+      <p:ext uri="{BB962C8B-B14F-4D97-AF65-F5344CB8AC3E}">
+        <p14:creationId xmlns:p14="http://schemas.microsoft.com/office/powerpoint/2010/main" val="2720268968"/>
+      </p:ext>
+    </p:extLst>
+  </p:cSld>
+  <p:clrMapOvr>
+    <a:masterClrMapping/>
+  </p:clrMapOvr>
+</p:sld>
+</file>
+
+<file path=ppt/slides/slide9.xml><?xml version="1.0" encoding="utf-8"?>
+<p:sld xmlns:a="http://schemas.openxmlformats.org/drawingml/2006/main" xmlns:r="http://schemas.openxmlformats.org/officeDocument/2006/relationships" xmlns:p="http://schemas.openxmlformats.org/presentationml/2006/main">
+  <p:cSld>
+    <p:spTree>
+      <p:nvGrpSpPr>
+        <p:cNvPr id="1" name="Shape 139"/>
+        <p:cNvGrpSpPr/>
+        <p:nvPr/>
+      </p:nvGrpSpPr>
+      <p:grpSpPr>
+        <a:xfrm>
+          <a:off x="0" y="0"/>
+          <a:ext cx="0" cy="0"/>
+          <a:chOff x="0" y="0"/>
+          <a:chExt cx="0" cy="0"/>
+        </a:xfrm>
+      </p:grpSpPr>
+      <p:sp>
+        <p:nvSpPr>
+          <p:cNvPr id="140" name="Google Shape;140;p15"/>
+          <p:cNvSpPr txBox="1">
+            <a:spLocks noGrp="1"/>
+          </p:cNvSpPr>
+          <p:nvPr>
+            <p:ph type="title"/>
+          </p:nvPr>
+        </p:nvSpPr>
+        <p:spPr>
+          <a:xfrm>
+            <a:off x="856058" y="464345"/>
+            <a:ext cx="7429500" cy="550855"/>
+          </a:xfrm>
+          <a:prstGeom prst="rect">
+            <a:avLst/>
+          </a:prstGeom>
+        </p:spPr>
+        <p:txBody>
+          <a:bodyPr spcFirstLastPara="1" wrap="square" lIns="91425" tIns="91425" rIns="91425" bIns="91425" anchor="t" anchorCtr="0">
+            <a:normAutofit fontScale="90000"/>
+          </a:bodyPr>
+          <a:lstStyle/>
+          <a:p>
+            <a:pPr marL="0" lvl="0" indent="0" algn="l" rtl="0">
+              <a:spcBef>
+                <a:spcPts val="0"/>
+              </a:spcBef>
+              <a:spcAft>
+                <a:spcPts val="0"/>
+              </a:spcAft>
+              <a:buNone/>
+            </a:pPr>
+            <a:r>
+              <a:rPr lang="en" dirty="0">
+                <a:latin typeface="Arial" panose="020B0604020202020204" pitchFamily="34" charset="0"/>
+                <a:cs typeface="Arial" panose="020B0604020202020204" pitchFamily="34" charset="0"/>
+              </a:rPr>
+              <a:t>3) Next Steps</a:t>
+            </a:r>
+            <a:endParaRPr dirty="0">
+              <a:latin typeface="Arial" panose="020B0604020202020204" pitchFamily="34" charset="0"/>
+              <a:cs typeface="Arial" panose="020B0604020202020204" pitchFamily="34" charset="0"/>
+            </a:endParaRPr>
+          </a:p>
+        </p:txBody>
+      </p:sp>
+      <p:sp>
+        <p:nvSpPr>
+          <p:cNvPr id="3" name="Content Placeholder 2">
+            <a:extLst>
+              <a:ext uri="{FF2B5EF4-FFF2-40B4-BE49-F238E27FC236}">
+                <a16:creationId xmlns:a16="http://schemas.microsoft.com/office/drawing/2014/main" id="{86084C64-28B7-74FA-CCF9-A3E8F95BDC19}"/>
+              </a:ext>
+            </a:extLst>
+          </p:cNvPr>
+          <p:cNvSpPr>
+            <a:spLocks noGrp="1"/>
+          </p:cNvSpPr>
+          <p:nvPr>
+            <p:ph sz="quarter" idx="4"/>
+          </p:nvPr>
+        </p:nvSpPr>
+        <p:spPr>
+          <a:xfrm>
+            <a:off x="856058" y="1207008"/>
+            <a:ext cx="7428406" cy="3285792"/>
+          </a:xfrm>
+        </p:spPr>
+        <p:txBody>
+          <a:bodyPr>
+            <a:noAutofit/>
+          </a:bodyPr>
+          <a:lstStyle/>
+          <a:p>
+            <a:r>
+              <a:rPr lang="en-US" sz="1200" dirty="0">
+                <a:solidFill>
+                  <a:schemeClr val="bg1"/>
+                </a:solidFill>
+                <a:latin typeface="Arial" panose="020B0604020202020204" pitchFamily="34" charset="0"/>
+                <a:cs typeface="Arial" panose="020B0604020202020204" pitchFamily="34" charset="0"/>
+              </a:rPr>
               <a:t>x</a:t>
             </a:r>
             <a:r>
@@ -18211,116 +18637,6 @@
         <p14:creationId xmlns:p14="http://schemas.microsoft.com/office/powerpoint/2010/main" val="3794138020"/>
       </p:ext>
     </p:extLst>
-  </p:cSld>
-  <p:clrMapOvr>
-    <a:masterClrMapping/>
-  </p:clrMapOvr>
-</p:sld>
-</file>
-
-<file path=ppt/slides/slide9.xml><?xml version="1.0" encoding="utf-8"?>
-<p:sld xmlns:a="http://schemas.openxmlformats.org/drawingml/2006/main" xmlns:r="http://schemas.openxmlformats.org/officeDocument/2006/relationships" xmlns:p="http://schemas.openxmlformats.org/presentationml/2006/main">
-  <p:cSld>
-    <p:spTree>
-      <p:nvGrpSpPr>
-        <p:cNvPr id="1" name="Shape 240"/>
-        <p:cNvGrpSpPr/>
-        <p:nvPr/>
-      </p:nvGrpSpPr>
-      <p:grpSpPr>
-        <a:xfrm>
-          <a:off x="0" y="0"/>
-          <a:ext cx="0" cy="0"/>
-          <a:chOff x="0" y="0"/>
-          <a:chExt cx="0" cy="0"/>
-        </a:xfrm>
-      </p:grpSpPr>
-      <p:sp>
-        <p:nvSpPr>
-          <p:cNvPr id="241" name="Google Shape;241;p24"/>
-          <p:cNvSpPr txBox="1">
-            <a:spLocks noGrp="1"/>
-          </p:cNvSpPr>
-          <p:nvPr>
-            <p:ph type="title"/>
-          </p:nvPr>
-        </p:nvSpPr>
-        <p:spPr>
-          <a:prstGeom prst="rect">
-            <a:avLst/>
-          </a:prstGeom>
-        </p:spPr>
-        <p:txBody>
-          <a:bodyPr spcFirstLastPara="1" wrap="square" lIns="91425" tIns="91425" rIns="91425" bIns="91425" anchor="ctr" anchorCtr="0">
-            <a:normAutofit/>
-          </a:bodyPr>
-          <a:lstStyle/>
-          <a:p>
-            <a:pPr marL="0" lvl="0" indent="0" algn="ctr" rtl="0">
-              <a:spcBef>
-                <a:spcPts val="0"/>
-              </a:spcBef>
-              <a:spcAft>
-                <a:spcPts val="0"/>
-              </a:spcAft>
-              <a:buNone/>
-            </a:pPr>
-            <a:r>
-              <a:rPr lang="en" dirty="0"/>
-              <a:t>Fin</a:t>
-            </a:r>
-            <a:endParaRPr dirty="0"/>
-          </a:p>
-        </p:txBody>
-      </p:sp>
-      <p:sp>
-        <p:nvSpPr>
-          <p:cNvPr id="242" name="Google Shape;242;p24"/>
-          <p:cNvSpPr txBox="1">
-            <a:spLocks noGrp="1"/>
-          </p:cNvSpPr>
-          <p:nvPr>
-            <p:ph type="body" idx="1"/>
-          </p:nvPr>
-        </p:nvSpPr>
-        <p:spPr>
-          <a:prstGeom prst="rect">
-            <a:avLst/>
-          </a:prstGeom>
-        </p:spPr>
-        <p:txBody>
-          <a:bodyPr spcFirstLastPara="1" wrap="square" lIns="91425" tIns="91425" rIns="91425" bIns="91425" anchor="t" anchorCtr="0">
-            <a:noAutofit/>
-          </a:bodyPr>
-          <a:lstStyle/>
-          <a:p>
-            <a:pPr marL="0" lvl="0" indent="0" algn="ctr" rtl="0">
-              <a:spcBef>
-                <a:spcPts val="0"/>
-              </a:spcBef>
-              <a:buNone/>
-            </a:pPr>
-            <a:r>
-              <a:rPr lang="en" dirty="0"/>
-              <a:t>Reach out to Group 3 with any machine maintenance needs…</a:t>
-            </a:r>
-          </a:p>
-          <a:p>
-            <a:pPr marL="0" lvl="0" indent="0" algn="ctr" rtl="0">
-              <a:spcBef>
-                <a:spcPts val="0"/>
-              </a:spcBef>
-              <a:buNone/>
-            </a:pPr>
-            <a:r>
-              <a:rPr lang="en" dirty="0"/>
-              <a:t>Thank you!!</a:t>
-            </a:r>
-            <a:endParaRPr dirty="0"/>
-          </a:p>
-        </p:txBody>
-      </p:sp>
-    </p:spTree>
   </p:cSld>
   <p:clrMapOvr>
     <a:masterClrMapping/>

--- a/Machine Maintenance Analysis.pptx
+++ b/Machine Maintenance Analysis.pptx
@@ -5,7 +5,7 @@
     <p:sldMasterId id="2147483681" r:id="rId1"/>
   </p:sldMasterIdLst>
   <p:notesMasterIdLst>
-    <p:notesMasterId r:id="rId12"/>
+    <p:notesMasterId r:id="rId11"/>
   </p:notesMasterIdLst>
   <p:sldIdLst>
     <p:sldId id="256" r:id="rId2"/>
@@ -14,20 +14,19 @@
     <p:sldId id="270" r:id="rId5"/>
     <p:sldId id="268" r:id="rId6"/>
     <p:sldId id="273" r:id="rId7"/>
-    <p:sldId id="272" r:id="rId8"/>
+    <p:sldId id="274" r:id="rId8"/>
     <p:sldId id="271" r:id="rId9"/>
-    <p:sldId id="269" r:id="rId10"/>
-    <p:sldId id="267" r:id="rId11"/>
+    <p:sldId id="267" r:id="rId10"/>
   </p:sldIdLst>
   <p:sldSz cx="9144000" cy="5143500" type="screen16x9"/>
   <p:notesSz cx="6858000" cy="9144000"/>
   <p:embeddedFontLst>
     <p:embeddedFont>
       <p:font typeface="Tw Cen MT" panose="020B0602020104020603" pitchFamily="34" charset="0"/>
-      <p:regular r:id="rId13"/>
-      <p:bold r:id="rId14"/>
-      <p:italic r:id="rId15"/>
-      <p:boldItalic r:id="rId16"/>
+      <p:regular r:id="rId12"/>
+      <p:bold r:id="rId13"/>
+      <p:italic r:id="rId14"/>
+      <p:boldItalic r:id="rId15"/>
     </p:embeddedFont>
   </p:embeddedFontLst>
   <p:defaultTextStyle>
@@ -142,6 +141,18 @@
     </p:ext>
   </p:extLst>
 </p:presentation>
+</file>
+
+<file path=ppt/commentAuthors.xml><?xml version="1.0" encoding="utf-8"?>
+<p:cmAuthorLst xmlns:a="http://schemas.openxmlformats.org/drawingml/2006/main" xmlns:r="http://schemas.openxmlformats.org/officeDocument/2006/relationships" xmlns:p="http://schemas.openxmlformats.org/presentationml/2006/main">
+  <p:cmAuthor id="1" name="Sean Patel" initials="SP" lastIdx="1" clrIdx="0">
+    <p:extLst>
+      <p:ext uri="{19B8F6BF-5375-455C-9EA6-DF929625EA0E}">
+        <p15:presenceInfo xmlns:p15="http://schemas.microsoft.com/office/powerpoint/2012/main" userId="Sean Patel" providerId="None"/>
+      </p:ext>
+    </p:extLst>
+  </p:cmAuthor>
+</p:cmAuthorLst>
 </file>
 
 <file path=ppt/notesMasters/notesMaster1.xml><?xml version="1.0" encoding="utf-8"?>
@@ -689,110 +700,6 @@
 </p:notes>
 </file>
 
-<file path=ppt/notesSlides/notesSlide10.xml><?xml version="1.0" encoding="utf-8"?>
-<p:notes xmlns:a="http://schemas.openxmlformats.org/drawingml/2006/main" xmlns:r="http://schemas.openxmlformats.org/officeDocument/2006/relationships" xmlns:p="http://schemas.openxmlformats.org/presentationml/2006/main" showMasterSp="0" showMasterPhAnim="0">
-  <p:cSld>
-    <p:spTree>
-      <p:nvGrpSpPr>
-        <p:cNvPr id="1" name="Shape 237"/>
-        <p:cNvGrpSpPr/>
-        <p:nvPr/>
-      </p:nvGrpSpPr>
-      <p:grpSpPr>
-        <a:xfrm>
-          <a:off x="0" y="0"/>
-          <a:ext cx="0" cy="0"/>
-          <a:chOff x="0" y="0"/>
-          <a:chExt cx="0" cy="0"/>
-        </a:xfrm>
-      </p:grpSpPr>
-      <p:sp>
-        <p:nvSpPr>
-          <p:cNvPr id="238" name="Google Shape;238;g2b8e99db5db_0_238:notes"/>
-          <p:cNvSpPr>
-            <a:spLocks noGrp="1" noRot="1" noChangeAspect="1"/>
-          </p:cNvSpPr>
-          <p:nvPr>
-            <p:ph type="sldImg" idx="2"/>
-          </p:nvPr>
-        </p:nvSpPr>
-        <p:spPr>
-          <a:xfrm>
-            <a:off x="381000" y="685800"/>
-            <a:ext cx="6096000" cy="3429000"/>
-          </a:xfrm>
-          <a:custGeom>
-            <a:avLst/>
-            <a:gdLst/>
-            <a:ahLst/>
-            <a:cxnLst/>
-            <a:rect l="l" t="t" r="r" b="b"/>
-            <a:pathLst>
-              <a:path w="120000" h="120000" extrusionOk="0">
-                <a:moveTo>
-                  <a:pt x="0" y="0"/>
-                </a:moveTo>
-                <a:lnTo>
-                  <a:pt x="120000" y="0"/>
-                </a:lnTo>
-                <a:lnTo>
-                  <a:pt x="120000" y="120000"/>
-                </a:lnTo>
-                <a:lnTo>
-                  <a:pt x="0" y="120000"/>
-                </a:lnTo>
-                <a:close/>
-              </a:path>
-            </a:pathLst>
-          </a:custGeom>
-        </p:spPr>
-      </p:sp>
-      <p:sp>
-        <p:nvSpPr>
-          <p:cNvPr id="239" name="Google Shape;239;g2b8e99db5db_0_238:notes"/>
-          <p:cNvSpPr txBox="1">
-            <a:spLocks noGrp="1"/>
-          </p:cNvSpPr>
-          <p:nvPr>
-            <p:ph type="body" idx="1"/>
-          </p:nvPr>
-        </p:nvSpPr>
-        <p:spPr>
-          <a:xfrm>
-            <a:off x="685800" y="4343400"/>
-            <a:ext cx="5486400" cy="4114800"/>
-          </a:xfrm>
-          <a:prstGeom prst="rect">
-            <a:avLst/>
-          </a:prstGeom>
-        </p:spPr>
-        <p:txBody>
-          <a:bodyPr spcFirstLastPara="1" wrap="square" lIns="91425" tIns="91425" rIns="91425" bIns="91425" anchor="t" anchorCtr="0">
-            <a:noAutofit/>
-          </a:bodyPr>
-          <a:lstStyle/>
-          <a:p>
-            <a:pPr marL="0" lvl="0" indent="0" algn="l" rtl="0">
-              <a:spcBef>
-                <a:spcPts val="0"/>
-              </a:spcBef>
-              <a:spcAft>
-                <a:spcPts val="0"/>
-              </a:spcAft>
-              <a:buNone/>
-            </a:pPr>
-            <a:endParaRPr/>
-          </a:p>
-        </p:txBody>
-      </p:sp>
-    </p:spTree>
-  </p:cSld>
-  <p:clrMapOvr>
-    <a:masterClrMapping/>
-  </p:clrMapOvr>
-</p:notes>
-</file>
-
 <file path=ppt/notesSlides/notesSlide2.xml><?xml version="1.0" encoding="utf-8"?>
 <p:notes xmlns:a="http://schemas.openxmlformats.org/drawingml/2006/main" xmlns:r="http://schemas.openxmlformats.org/officeDocument/2006/relationships" xmlns:p="http://schemas.openxmlformats.org/presentationml/2006/main" showMasterSp="0" showMasterPhAnim="0">
   <p:cSld>
@@ -1427,7 +1334,7 @@
     </p:spTree>
     <p:extLst>
       <p:ext uri="{BB962C8B-B14F-4D97-AF65-F5344CB8AC3E}">
-        <p14:creationId xmlns:p14="http://schemas.microsoft.com/office/powerpoint/2010/main" val="4290693773"/>
+        <p14:creationId xmlns:p14="http://schemas.microsoft.com/office/powerpoint/2010/main" val="3618177173"/>
       </p:ext>
     </p:extLst>
   </p:cSld>
@@ -1551,7 +1458,7 @@
   <p:cSld>
     <p:spTree>
       <p:nvGrpSpPr>
-        <p:cNvPr id="1" name="Shape 136"/>
+        <p:cNvPr id="1" name="Shape 237"/>
         <p:cNvGrpSpPr/>
         <p:nvPr/>
       </p:nvGrpSpPr>
@@ -1565,7 +1472,7 @@
       </p:grpSpPr>
       <p:sp>
         <p:nvSpPr>
-          <p:cNvPr id="137" name="Google Shape;137;g2b8e99db5db_0_125:notes"/>
+          <p:cNvPr id="238" name="Google Shape;238;g2b8e99db5db_0_238:notes"/>
           <p:cNvSpPr>
             <a:spLocks noGrp="1" noRot="1" noChangeAspect="1"/>
           </p:cNvSpPr>
@@ -1606,7 +1513,7 @@
       </p:sp>
       <p:sp>
         <p:nvSpPr>
-          <p:cNvPr id="138" name="Google Shape;138;g2b8e99db5db_0_125:notes"/>
+          <p:cNvPr id="239" name="Google Shape;239;g2b8e99db5db_0_238:notes"/>
           <p:cNvSpPr txBox="1">
             <a:spLocks noGrp="1"/>
           </p:cNvSpPr>
@@ -1643,11 +1550,6 @@
         </p:txBody>
       </p:sp>
     </p:spTree>
-    <p:extLst>
-      <p:ext uri="{BB962C8B-B14F-4D97-AF65-F5344CB8AC3E}">
-        <p14:creationId xmlns:p14="http://schemas.microsoft.com/office/powerpoint/2010/main" val="3856824508"/>
-      </p:ext>
-    </p:extLst>
   </p:cSld>
   <p:clrMapOvr>
     <a:masterClrMapping/>
@@ -1705,7 +1607,7 @@
           <a:noFill/>
           <a:extLst>
             <a:ext uri="{909E8E84-426E-40dd-AFC4-6F175D3DCCD1}">
-              <a14:hiddenFill xmlns="" xmlns:a14="http://schemas.microsoft.com/office/drawing/2010/main">
+              <a14:hiddenFill xmlns:a14="http://schemas.microsoft.com/office/drawing/2010/main" xmlns="">
                 <a:solidFill>
                   <a:srgbClr val="FFFFFF"/>
                 </a:solidFill>
@@ -1765,7 +1667,7 @@
             </a:ln>
             <a:extLst>
               <a:ext uri="{91240B29-F687-4f45-9708-019B960494DF}">
-                <a14:hiddenLine xmlns="" xmlns:a14="http://schemas.microsoft.com/office/drawing/2010/main" w="9525">
+                <a14:hiddenLine xmlns:a14="http://schemas.microsoft.com/office/drawing/2010/main" xmlns="" w="9525">
                   <a:solidFill>
                     <a:srgbClr val="000000"/>
                   </a:solidFill>
@@ -1855,7 +1757,7 @@
             </a:ln>
             <a:extLst>
               <a:ext uri="{91240B29-F687-4f45-9708-019B960494DF}">
-                <a14:hiddenLine xmlns="" xmlns:a14="http://schemas.microsoft.com/office/drawing/2010/main" w="9525">
+                <a14:hiddenLine xmlns:a14="http://schemas.microsoft.com/office/drawing/2010/main" xmlns="" w="9525">
                   <a:solidFill>
                     <a:srgbClr val="000000"/>
                   </a:solidFill>
@@ -1945,7 +1847,7 @@
             </a:ln>
             <a:extLst>
               <a:ext uri="{91240B29-F687-4f45-9708-019B960494DF}">
-                <a14:hiddenLine xmlns="" xmlns:a14="http://schemas.microsoft.com/office/drawing/2010/main" w="9525">
+                <a14:hiddenLine xmlns:a14="http://schemas.microsoft.com/office/drawing/2010/main" xmlns="" w="9525">
                   <a:solidFill>
                     <a:srgbClr val="000000"/>
                   </a:solidFill>
@@ -1979,7 +1881,7 @@
             </a:ln>
             <a:extLst>
               <a:ext uri="{91240B29-F687-4f45-9708-019B960494DF}">
-                <a14:hiddenLine xmlns="" xmlns:a14="http://schemas.microsoft.com/office/drawing/2010/main" w="9525">
+                <a14:hiddenLine xmlns:a14="http://schemas.microsoft.com/office/drawing/2010/main" xmlns="" w="9525">
                   <a:solidFill>
                     <a:srgbClr val="000000"/>
                   </a:solidFill>
@@ -2069,7 +1971,7 @@
             </a:ln>
             <a:extLst>
               <a:ext uri="{91240B29-F687-4f45-9708-019B960494DF}">
-                <a14:hiddenLine xmlns="" xmlns:a14="http://schemas.microsoft.com/office/drawing/2010/main" w="9525">
+                <a14:hiddenLine xmlns:a14="http://schemas.microsoft.com/office/drawing/2010/main" xmlns="" w="9525">
                   <a:solidFill>
                     <a:srgbClr val="000000"/>
                   </a:solidFill>
@@ -2131,7 +2033,7 @@
             </a:ln>
             <a:extLst>
               <a:ext uri="{91240B29-F687-4f45-9708-019B960494DF}">
-                <a14:hiddenLine xmlns="" xmlns:a14="http://schemas.microsoft.com/office/drawing/2010/main" w="9525">
+                <a14:hiddenLine xmlns:a14="http://schemas.microsoft.com/office/drawing/2010/main" xmlns="" w="9525">
                   <a:solidFill>
                     <a:srgbClr val="000000"/>
                   </a:solidFill>
@@ -2193,7 +2095,7 @@
             </a:ln>
             <a:extLst>
               <a:ext uri="{91240B29-F687-4f45-9708-019B960494DF}">
-                <a14:hiddenLine xmlns="" xmlns:a14="http://schemas.microsoft.com/office/drawing/2010/main" w="9525">
+                <a14:hiddenLine xmlns:a14="http://schemas.microsoft.com/office/drawing/2010/main" xmlns="" w="9525">
                   <a:solidFill>
                     <a:srgbClr val="000000"/>
                   </a:solidFill>
@@ -2283,7 +2185,7 @@
             </a:ln>
             <a:extLst>
               <a:ext uri="{91240B29-F687-4f45-9708-019B960494DF}">
-                <a14:hiddenLine xmlns="" xmlns:a14="http://schemas.microsoft.com/office/drawing/2010/main" w="9525">
+                <a14:hiddenLine xmlns:a14="http://schemas.microsoft.com/office/drawing/2010/main" xmlns="" w="9525">
                   <a:solidFill>
                     <a:srgbClr val="000000"/>
                   </a:solidFill>
@@ -2345,7 +2247,7 @@
             </a:ln>
             <a:extLst>
               <a:ext uri="{91240B29-F687-4f45-9708-019B960494DF}">
-                <a14:hiddenLine xmlns="" xmlns:a14="http://schemas.microsoft.com/office/drawing/2010/main" w="9525">
+                <a14:hiddenLine xmlns:a14="http://schemas.microsoft.com/office/drawing/2010/main" xmlns="" w="9525">
                   <a:solidFill>
                     <a:srgbClr val="000000"/>
                   </a:solidFill>
@@ -2407,7 +2309,7 @@
             </a:ln>
             <a:extLst>
               <a:ext uri="{91240B29-F687-4f45-9708-019B960494DF}">
-                <a14:hiddenLine xmlns="" xmlns:a14="http://schemas.microsoft.com/office/drawing/2010/main" w="9525">
+                <a14:hiddenLine xmlns:a14="http://schemas.microsoft.com/office/drawing/2010/main" xmlns="" w="9525">
                   <a:solidFill>
                     <a:srgbClr val="000000"/>
                   </a:solidFill>
@@ -2497,7 +2399,7 @@
             </a:ln>
             <a:extLst>
               <a:ext uri="{91240B29-F687-4f45-9708-019B960494DF}">
-                <a14:hiddenLine xmlns="" xmlns:a14="http://schemas.microsoft.com/office/drawing/2010/main" w="9525">
+                <a14:hiddenLine xmlns:a14="http://schemas.microsoft.com/office/drawing/2010/main" xmlns="" w="9525">
                   <a:solidFill>
                     <a:srgbClr val="000000"/>
                   </a:solidFill>
@@ -2587,7 +2489,7 @@
             </a:ln>
             <a:extLst>
               <a:ext uri="{91240B29-F687-4f45-9708-019B960494DF}">
-                <a14:hiddenLine xmlns="" xmlns:a14="http://schemas.microsoft.com/office/drawing/2010/main" w="9525">
+                <a14:hiddenLine xmlns:a14="http://schemas.microsoft.com/office/drawing/2010/main" xmlns="" w="9525">
                   <a:solidFill>
                     <a:srgbClr val="000000"/>
                   </a:solidFill>
@@ -2649,7 +2551,7 @@
             </a:ln>
             <a:extLst>
               <a:ext uri="{91240B29-F687-4f45-9708-019B960494DF}">
-                <a14:hiddenLine xmlns="" xmlns:a14="http://schemas.microsoft.com/office/drawing/2010/main" w="9525">
+                <a14:hiddenLine xmlns:a14="http://schemas.microsoft.com/office/drawing/2010/main" xmlns="" w="9525">
                   <a:solidFill>
                     <a:srgbClr val="000000"/>
                   </a:solidFill>
@@ -2759,7 +2661,7 @@
             </a:ln>
             <a:extLst>
               <a:ext uri="{91240B29-F687-4f45-9708-019B960494DF}">
-                <a14:hiddenLine xmlns="" xmlns:a14="http://schemas.microsoft.com/office/drawing/2010/main" w="9525">
+                <a14:hiddenLine xmlns:a14="http://schemas.microsoft.com/office/drawing/2010/main" xmlns="" w="9525">
                   <a:solidFill>
                     <a:srgbClr val="000000"/>
                   </a:solidFill>
@@ -2821,7 +2723,7 @@
             </a:ln>
             <a:extLst>
               <a:ext uri="{91240B29-F687-4f45-9708-019B960494DF}">
-                <a14:hiddenLine xmlns="" xmlns:a14="http://schemas.microsoft.com/office/drawing/2010/main" w="9525">
+                <a14:hiddenLine xmlns:a14="http://schemas.microsoft.com/office/drawing/2010/main" xmlns="" w="9525">
                   <a:solidFill>
                     <a:srgbClr val="000000"/>
                   </a:solidFill>
@@ -2911,7 +2813,7 @@
             </a:ln>
             <a:extLst>
               <a:ext uri="{91240B29-F687-4f45-9708-019B960494DF}">
-                <a14:hiddenLine xmlns="" xmlns:a14="http://schemas.microsoft.com/office/drawing/2010/main" w="9525">
+                <a14:hiddenLine xmlns:a14="http://schemas.microsoft.com/office/drawing/2010/main" xmlns="" w="9525">
                   <a:solidFill>
                     <a:srgbClr val="000000"/>
                   </a:solidFill>
@@ -3001,7 +2903,7 @@
             </a:ln>
             <a:extLst>
               <a:ext uri="{91240B29-F687-4f45-9708-019B960494DF}">
-                <a14:hiddenLine xmlns="" xmlns:a14="http://schemas.microsoft.com/office/drawing/2010/main" w="9525">
+                <a14:hiddenLine xmlns:a14="http://schemas.microsoft.com/office/drawing/2010/main" xmlns="" w="9525">
                   <a:solidFill>
                     <a:srgbClr val="000000"/>
                   </a:solidFill>
@@ -3063,7 +2965,7 @@
             </a:ln>
             <a:extLst>
               <a:ext uri="{91240B29-F687-4f45-9708-019B960494DF}">
-                <a14:hiddenLine xmlns="" xmlns:a14="http://schemas.microsoft.com/office/drawing/2010/main" w="9525">
+                <a14:hiddenLine xmlns:a14="http://schemas.microsoft.com/office/drawing/2010/main" xmlns="" w="9525">
                   <a:solidFill>
                     <a:srgbClr val="000000"/>
                   </a:solidFill>
@@ -3153,7 +3055,7 @@
             </a:ln>
             <a:extLst>
               <a:ext uri="{91240B29-F687-4f45-9708-019B960494DF}">
-                <a14:hiddenLine xmlns="" xmlns:a14="http://schemas.microsoft.com/office/drawing/2010/main" w="9525">
+                <a14:hiddenLine xmlns:a14="http://schemas.microsoft.com/office/drawing/2010/main" xmlns="" w="9525">
                   <a:solidFill>
                     <a:srgbClr val="000000"/>
                   </a:solidFill>
@@ -3243,7 +3145,7 @@
             </a:ln>
             <a:extLst>
               <a:ext uri="{91240B29-F687-4f45-9708-019B960494DF}">
-                <a14:hiddenLine xmlns="" xmlns:a14="http://schemas.microsoft.com/office/drawing/2010/main" w="9525">
+                <a14:hiddenLine xmlns:a14="http://schemas.microsoft.com/office/drawing/2010/main" xmlns="" w="9525">
                   <a:solidFill>
                     <a:srgbClr val="000000"/>
                   </a:solidFill>
@@ -3299,7 +3201,7 @@
             </a:ln>
             <a:extLst>
               <a:ext uri="{91240B29-F687-4f45-9708-019B960494DF}">
-                <a14:hiddenLine xmlns="" xmlns:a14="http://schemas.microsoft.com/office/drawing/2010/main" w="9525">
+                <a14:hiddenLine xmlns:a14="http://schemas.microsoft.com/office/drawing/2010/main" xmlns="" w="9525">
                   <a:solidFill>
                     <a:srgbClr val="000000"/>
                   </a:solidFill>
@@ -3389,7 +3291,7 @@
             </a:ln>
             <a:extLst>
               <a:ext uri="{91240B29-F687-4f45-9708-019B960494DF}">
-                <a14:hiddenLine xmlns="" xmlns:a14="http://schemas.microsoft.com/office/drawing/2010/main" w="9525">
+                <a14:hiddenLine xmlns:a14="http://schemas.microsoft.com/office/drawing/2010/main" xmlns="" w="9525">
                   <a:solidFill>
                     <a:srgbClr val="000000"/>
                   </a:solidFill>
@@ -3445,7 +3347,7 @@
             </a:ln>
             <a:extLst>
               <a:ext uri="{91240B29-F687-4f45-9708-019B960494DF}">
-                <a14:hiddenLine xmlns="" xmlns:a14="http://schemas.microsoft.com/office/drawing/2010/main" w="9525">
+                <a14:hiddenLine xmlns:a14="http://schemas.microsoft.com/office/drawing/2010/main" xmlns="" w="9525">
                   <a:solidFill>
                     <a:srgbClr val="000000"/>
                   </a:solidFill>
@@ -3535,7 +3437,7 @@
             </a:ln>
             <a:extLst>
               <a:ext uri="{91240B29-F687-4f45-9708-019B960494DF}">
-                <a14:hiddenLine xmlns="" xmlns:a14="http://schemas.microsoft.com/office/drawing/2010/main" w="9525">
+                <a14:hiddenLine xmlns:a14="http://schemas.microsoft.com/office/drawing/2010/main" xmlns="" w="9525">
                   <a:solidFill>
                     <a:srgbClr val="000000"/>
                   </a:solidFill>
@@ -3603,7 +3505,7 @@
             </a:ln>
             <a:extLst>
               <a:ext uri="{91240B29-F687-4f45-9708-019B960494DF}">
-                <a14:hiddenLine xmlns="" xmlns:a14="http://schemas.microsoft.com/office/drawing/2010/main" w="9525">
+                <a14:hiddenLine xmlns:a14="http://schemas.microsoft.com/office/drawing/2010/main" xmlns="" w="9525">
                   <a:solidFill>
                     <a:srgbClr val="000000"/>
                   </a:solidFill>
@@ -3693,7 +3595,7 @@
             </a:ln>
             <a:extLst>
               <a:ext uri="{91240B29-F687-4f45-9708-019B960494DF}">
-                <a14:hiddenLine xmlns="" xmlns:a14="http://schemas.microsoft.com/office/drawing/2010/main" w="9525">
+                <a14:hiddenLine xmlns:a14="http://schemas.microsoft.com/office/drawing/2010/main" xmlns="" w="9525">
                   <a:solidFill>
                     <a:srgbClr val="000000"/>
                   </a:solidFill>
@@ -3761,7 +3663,7 @@
             </a:ln>
             <a:extLst>
               <a:ext uri="{91240B29-F687-4f45-9708-019B960494DF}">
-                <a14:hiddenLine xmlns="" xmlns:a14="http://schemas.microsoft.com/office/drawing/2010/main" w="9525">
+                <a14:hiddenLine xmlns:a14="http://schemas.microsoft.com/office/drawing/2010/main" xmlns="" w="9525">
                   <a:solidFill>
                     <a:srgbClr val="000000"/>
                   </a:solidFill>
@@ -3851,7 +3753,7 @@
             </a:ln>
             <a:extLst>
               <a:ext uri="{91240B29-F687-4f45-9708-019B960494DF}">
-                <a14:hiddenLine xmlns="" xmlns:a14="http://schemas.microsoft.com/office/drawing/2010/main" w="9525">
+                <a14:hiddenLine xmlns:a14="http://schemas.microsoft.com/office/drawing/2010/main" xmlns="" w="9525">
                   <a:solidFill>
                     <a:srgbClr val="000000"/>
                   </a:solidFill>
@@ -3885,7 +3787,7 @@
             </a:ln>
             <a:extLst>
               <a:ext uri="{91240B29-F687-4f45-9708-019B960494DF}">
-                <a14:hiddenLine xmlns="" xmlns:a14="http://schemas.microsoft.com/office/drawing/2010/main" w="9525">
+                <a14:hiddenLine xmlns:a14="http://schemas.microsoft.com/office/drawing/2010/main" xmlns="" w="9525">
                   <a:solidFill>
                     <a:srgbClr val="000000"/>
                   </a:solidFill>
@@ -3975,7 +3877,7 @@
             </a:ln>
             <a:extLst>
               <a:ext uri="{91240B29-F687-4f45-9708-019B960494DF}">
-                <a14:hiddenLine xmlns="" xmlns:a14="http://schemas.microsoft.com/office/drawing/2010/main" w="9525">
+                <a14:hiddenLine xmlns:a14="http://schemas.microsoft.com/office/drawing/2010/main" xmlns="" w="9525">
                   <a:solidFill>
                     <a:srgbClr val="000000"/>
                   </a:solidFill>
@@ -4037,7 +3939,7 @@
             </a:ln>
             <a:extLst>
               <a:ext uri="{91240B29-F687-4f45-9708-019B960494DF}">
-                <a14:hiddenLine xmlns="" xmlns:a14="http://schemas.microsoft.com/office/drawing/2010/main" w="9525">
+                <a14:hiddenLine xmlns:a14="http://schemas.microsoft.com/office/drawing/2010/main" xmlns="" w="9525">
                   <a:solidFill>
                     <a:srgbClr val="000000"/>
                   </a:solidFill>
@@ -4099,7 +4001,7 @@
             </a:ln>
             <a:extLst>
               <a:ext uri="{91240B29-F687-4f45-9708-019B960494DF}">
-                <a14:hiddenLine xmlns="" xmlns:a14="http://schemas.microsoft.com/office/drawing/2010/main" w="9525">
+                <a14:hiddenLine xmlns:a14="http://schemas.microsoft.com/office/drawing/2010/main" xmlns="" w="9525">
                   <a:solidFill>
                     <a:srgbClr val="000000"/>
                   </a:solidFill>
@@ -4189,7 +4091,7 @@
             </a:ln>
             <a:extLst>
               <a:ext uri="{91240B29-F687-4f45-9708-019B960494DF}">
-                <a14:hiddenLine xmlns="" xmlns:a14="http://schemas.microsoft.com/office/drawing/2010/main" w="9525">
+                <a14:hiddenLine xmlns:a14="http://schemas.microsoft.com/office/drawing/2010/main" xmlns="" w="9525">
                   <a:solidFill>
                     <a:srgbClr val="000000"/>
                   </a:solidFill>
@@ -4257,7 +4159,7 @@
             </a:ln>
             <a:extLst>
               <a:ext uri="{91240B29-F687-4f45-9708-019B960494DF}">
-                <a14:hiddenLine xmlns="" xmlns:a14="http://schemas.microsoft.com/office/drawing/2010/main" w="9525">
+                <a14:hiddenLine xmlns:a14="http://schemas.microsoft.com/office/drawing/2010/main" xmlns="" w="9525">
                   <a:solidFill>
                     <a:srgbClr val="000000"/>
                   </a:solidFill>
@@ -4319,7 +4221,7 @@
             </a:ln>
             <a:extLst>
               <a:ext uri="{91240B29-F687-4f45-9708-019B960494DF}">
-                <a14:hiddenLine xmlns="" xmlns:a14="http://schemas.microsoft.com/office/drawing/2010/main" w="9525">
+                <a14:hiddenLine xmlns:a14="http://schemas.microsoft.com/office/drawing/2010/main" xmlns="" w="9525">
                   <a:solidFill>
                     <a:srgbClr val="000000"/>
                   </a:solidFill>
@@ -4409,7 +4311,7 @@
             </a:ln>
             <a:extLst>
               <a:ext uri="{91240B29-F687-4f45-9708-019B960494DF}">
-                <a14:hiddenLine xmlns="" xmlns:a14="http://schemas.microsoft.com/office/drawing/2010/main" w="9525">
+                <a14:hiddenLine xmlns:a14="http://schemas.microsoft.com/office/drawing/2010/main" xmlns="" w="9525">
                   <a:solidFill>
                     <a:srgbClr val="000000"/>
                   </a:solidFill>
@@ -4471,7 +4373,7 @@
             </a:ln>
             <a:extLst>
               <a:ext uri="{91240B29-F687-4f45-9708-019B960494DF}">
-                <a14:hiddenLine xmlns="" xmlns:a14="http://schemas.microsoft.com/office/drawing/2010/main" w="9525">
+                <a14:hiddenLine xmlns:a14="http://schemas.microsoft.com/office/drawing/2010/main" xmlns="" w="9525">
                   <a:solidFill>
                     <a:srgbClr val="000000"/>
                   </a:solidFill>
@@ -4561,7 +4463,7 @@
             </a:ln>
             <a:extLst>
               <a:ext uri="{91240B29-F687-4f45-9708-019B960494DF}">
-                <a14:hiddenLine xmlns="" xmlns:a14="http://schemas.microsoft.com/office/drawing/2010/main" w="9525">
+                <a14:hiddenLine xmlns:a14="http://schemas.microsoft.com/office/drawing/2010/main" xmlns="" w="9525">
                   <a:solidFill>
                     <a:srgbClr val="000000"/>
                   </a:solidFill>
@@ -4623,7 +4525,7 @@
             </a:ln>
             <a:extLst>
               <a:ext uri="{91240B29-F687-4f45-9708-019B960494DF}">
-                <a14:hiddenLine xmlns="" xmlns:a14="http://schemas.microsoft.com/office/drawing/2010/main" w="9525">
+                <a14:hiddenLine xmlns:a14="http://schemas.microsoft.com/office/drawing/2010/main" xmlns="" w="9525">
                   <a:solidFill>
                     <a:srgbClr val="000000"/>
                   </a:solidFill>
@@ -4713,7 +4615,7 @@
             </a:ln>
             <a:extLst>
               <a:ext uri="{91240B29-F687-4f45-9708-019B960494DF}">
-                <a14:hiddenLine xmlns="" xmlns:a14="http://schemas.microsoft.com/office/drawing/2010/main" w="9525">
+                <a14:hiddenLine xmlns:a14="http://schemas.microsoft.com/office/drawing/2010/main" xmlns="" w="9525">
                   <a:solidFill>
                     <a:srgbClr val="000000"/>
                   </a:solidFill>
@@ -4747,7 +4649,7 @@
             </a:ln>
             <a:extLst>
               <a:ext uri="{91240B29-F687-4f45-9708-019B960494DF}">
-                <a14:hiddenLine xmlns="" xmlns:a14="http://schemas.microsoft.com/office/drawing/2010/main" w="9525">
+                <a14:hiddenLine xmlns:a14="http://schemas.microsoft.com/office/drawing/2010/main" xmlns="" w="9525">
                   <a:solidFill>
                     <a:srgbClr val="000000"/>
                   </a:solidFill>
@@ -4812,7 +4714,7 @@
             </a:ln>
             <a:extLst>
               <a:ext uri="{91240B29-F687-4f45-9708-019B960494DF}">
-                <a14:hiddenLine xmlns="" xmlns:a14="http://schemas.microsoft.com/office/drawing/2010/main" w="9525">
+                <a14:hiddenLine xmlns:a14="http://schemas.microsoft.com/office/drawing/2010/main" xmlns="" w="9525">
                   <a:solidFill>
                     <a:srgbClr val="000000"/>
                   </a:solidFill>
@@ -4902,7 +4804,7 @@
             </a:ln>
             <a:extLst>
               <a:ext uri="{91240B29-F687-4f45-9708-019B960494DF}">
-                <a14:hiddenLine xmlns="" xmlns:a14="http://schemas.microsoft.com/office/drawing/2010/main" w="9525">
+                <a14:hiddenLine xmlns:a14="http://schemas.microsoft.com/office/drawing/2010/main" xmlns="" w="9525">
                   <a:solidFill>
                     <a:srgbClr val="000000"/>
                   </a:solidFill>
@@ -4964,7 +4866,7 @@
             </a:ln>
             <a:extLst>
               <a:ext uri="{91240B29-F687-4f45-9708-019B960494DF}">
-                <a14:hiddenLine xmlns="" xmlns:a14="http://schemas.microsoft.com/office/drawing/2010/main" w="9525">
+                <a14:hiddenLine xmlns:a14="http://schemas.microsoft.com/office/drawing/2010/main" xmlns="" w="9525">
                   <a:solidFill>
                     <a:srgbClr val="000000"/>
                   </a:solidFill>
@@ -5054,7 +4956,7 @@
             </a:ln>
             <a:extLst>
               <a:ext uri="{91240B29-F687-4f45-9708-019B960494DF}">
-                <a14:hiddenLine xmlns="" xmlns:a14="http://schemas.microsoft.com/office/drawing/2010/main" w="9525">
+                <a14:hiddenLine xmlns:a14="http://schemas.microsoft.com/office/drawing/2010/main" xmlns="" w="9525">
                   <a:solidFill>
                     <a:srgbClr val="000000"/>
                   </a:solidFill>
@@ -5144,7 +5046,7 @@
             </a:ln>
             <a:extLst>
               <a:ext uri="{91240B29-F687-4f45-9708-019B960494DF}">
-                <a14:hiddenLine xmlns="" xmlns:a14="http://schemas.microsoft.com/office/drawing/2010/main" w="9525">
+                <a14:hiddenLine xmlns:a14="http://schemas.microsoft.com/office/drawing/2010/main" xmlns="" w="9525">
                   <a:solidFill>
                     <a:srgbClr val="000000"/>
                   </a:solidFill>
@@ -5209,7 +5111,7 @@
             </a:ln>
             <a:extLst>
               <a:ext uri="{91240B29-F687-4f45-9708-019B960494DF}">
-                <a14:hiddenLine xmlns="" xmlns:a14="http://schemas.microsoft.com/office/drawing/2010/main" w="9525">
+                <a14:hiddenLine xmlns:a14="http://schemas.microsoft.com/office/drawing/2010/main" xmlns="" w="9525">
                   <a:solidFill>
                     <a:srgbClr val="000000"/>
                   </a:solidFill>
@@ -5271,7 +5173,7 @@
             </a:ln>
             <a:extLst>
               <a:ext uri="{91240B29-F687-4f45-9708-019B960494DF}">
-                <a14:hiddenLine xmlns="" xmlns:a14="http://schemas.microsoft.com/office/drawing/2010/main" w="9525">
+                <a14:hiddenLine xmlns:a14="http://schemas.microsoft.com/office/drawing/2010/main" xmlns="" w="9525">
                   <a:solidFill>
                     <a:srgbClr val="000000"/>
                   </a:solidFill>
@@ -5361,7 +5263,7 @@
             </a:ln>
             <a:extLst>
               <a:ext uri="{91240B29-F687-4f45-9708-019B960494DF}">
-                <a14:hiddenLine xmlns="" xmlns:a14="http://schemas.microsoft.com/office/drawing/2010/main" w="9525">
+                <a14:hiddenLine xmlns:a14="http://schemas.microsoft.com/office/drawing/2010/main" xmlns="" w="9525">
                   <a:solidFill>
                     <a:srgbClr val="000000"/>
                   </a:solidFill>
@@ -5451,7 +5353,7 @@
             </a:ln>
             <a:extLst>
               <a:ext uri="{91240B29-F687-4f45-9708-019B960494DF}">
-                <a14:hiddenLine xmlns="" xmlns:a14="http://schemas.microsoft.com/office/drawing/2010/main" w="9525">
+                <a14:hiddenLine xmlns:a14="http://schemas.microsoft.com/office/drawing/2010/main" xmlns="" w="9525">
                   <a:solidFill>
                     <a:srgbClr val="000000"/>
                   </a:solidFill>
@@ -5513,7 +5415,7 @@
             </a:ln>
             <a:extLst>
               <a:ext uri="{91240B29-F687-4f45-9708-019B960494DF}">
-                <a14:hiddenLine xmlns="" xmlns:a14="http://schemas.microsoft.com/office/drawing/2010/main" w="9525">
+                <a14:hiddenLine xmlns:a14="http://schemas.microsoft.com/office/drawing/2010/main" xmlns="" w="9525">
                   <a:solidFill>
                     <a:srgbClr val="000000"/>
                   </a:solidFill>
@@ -5633,7 +5535,7 @@
             </a:ln>
             <a:extLst>
               <a:ext uri="{91240B29-F687-4f45-9708-019B960494DF}">
-                <a14:hiddenLine xmlns="" xmlns:a14="http://schemas.microsoft.com/office/drawing/2010/main" w="9525">
+                <a14:hiddenLine xmlns:a14="http://schemas.microsoft.com/office/drawing/2010/main" xmlns="" w="9525">
                   <a:solidFill>
                     <a:srgbClr val="000000"/>
                   </a:solidFill>
@@ -5701,7 +5603,7 @@
             </a:ln>
             <a:extLst>
               <a:ext uri="{91240B29-F687-4f45-9708-019B960494DF}">
-                <a14:hiddenLine xmlns="" xmlns:a14="http://schemas.microsoft.com/office/drawing/2010/main" w="9525">
+                <a14:hiddenLine xmlns:a14="http://schemas.microsoft.com/office/drawing/2010/main" xmlns="" w="9525">
                   <a:solidFill>
                     <a:srgbClr val="000000"/>
                   </a:solidFill>
@@ -5791,7 +5693,7 @@
             </a:ln>
             <a:extLst>
               <a:ext uri="{91240B29-F687-4f45-9708-019B960494DF}">
-                <a14:hiddenLine xmlns="" xmlns:a14="http://schemas.microsoft.com/office/drawing/2010/main" w="9525">
+                <a14:hiddenLine xmlns:a14="http://schemas.microsoft.com/office/drawing/2010/main" xmlns="" w="9525">
                   <a:solidFill>
                     <a:srgbClr val="000000"/>
                   </a:solidFill>
@@ -5932,7 +5834,7 @@
             <a:fld id="{5923F103-BC34-4FE4-A40E-EDDEECFDA5D0}" type="datetimeFigureOut">
               <a:rPr lang="en-US" smtClean="0"/>
               <a:pPr/>
-              <a:t>4/2/2024</a:t>
+              <a:t>4/3/2024</a:t>
             </a:fld>
             <a:endParaRPr lang="en-US" dirty="0"/>
           </a:p>
@@ -6214,7 +6116,7 @@
           <a:p>
             <a:fld id="{923A1CC3-2375-41D4-9E03-427CAF2A4C1A}" type="datetimeFigureOut">
               <a:rPr lang="en-US" smtClean="0"/>
-              <a:t>4/2/2024</a:t>
+              <a:t>4/3/2024</a:t>
             </a:fld>
             <a:endParaRPr lang="en-US" dirty="0"/>
           </a:p>
@@ -6425,7 +6327,7 @@
           <a:p>
             <a:fld id="{AFF16868-8199-4C2C-A5B1-63AEE139F88E}" type="datetimeFigureOut">
               <a:rPr lang="en-US" smtClean="0"/>
-              <a:t>4/2/2024</a:t>
+              <a:t>4/3/2024</a:t>
             </a:fld>
             <a:endParaRPr lang="en-US" dirty="0"/>
           </a:p>
@@ -6703,7 +6605,7 @@
           <a:p>
             <a:fld id="{AAD9FF7F-6988-44CC-821B-644E70CD2F73}" type="datetimeFigureOut">
               <a:rPr lang="en-US" smtClean="0"/>
-              <a:t>4/2/2024</a:t>
+              <a:t>4/3/2024</a:t>
             </a:fld>
             <a:endParaRPr lang="en-US" dirty="0"/>
           </a:p>
@@ -7152,7 +7054,7 @@
           <a:p>
             <a:fld id="{2BE451C3-0FF4-47C4-B829-773ADF60F88C}" type="datetimeFigureOut">
               <a:rPr lang="en-US" smtClean="0"/>
-              <a:t>4/2/2024</a:t>
+              <a:t>4/3/2024</a:t>
             </a:fld>
             <a:endParaRPr lang="en-US" dirty="0"/>
           </a:p>
@@ -7713,7 +7615,7 @@
           <a:p>
             <a:fld id="{9FE86839-B9D8-4651-8783-F325ECE74E65}" type="datetimeFigureOut">
               <a:rPr lang="en-US" smtClean="0"/>
-              <a:t>4/2/2024</a:t>
+              <a:t>4/3/2024</a:t>
             </a:fld>
             <a:endParaRPr lang="en-US" dirty="0"/>
           </a:p>
@@ -8448,7 +8350,7 @@
           <a:p>
             <a:fld id="{FD484F64-32F6-45C5-931F-ADC1662401D0}" type="datetimeFigureOut">
               <a:rPr lang="en-US" smtClean="0"/>
-              <a:t>4/2/2024</a:t>
+              <a:t>4/3/2024</a:t>
             </a:fld>
             <a:endParaRPr lang="en-US" dirty="0"/>
           </a:p>
@@ -8633,7 +8535,7 @@
           <a:p>
             <a:fld id="{53086D93-FCAC-47E0-A2EE-787E62CA814C}" type="datetimeFigureOut">
               <a:rPr lang="en-US" smtClean="0"/>
-              <a:t>4/2/2024</a:t>
+              <a:t>4/3/2024</a:t>
             </a:fld>
             <a:endParaRPr lang="en-US" dirty="0"/>
           </a:p>
@@ -8828,7 +8730,7 @@
           <a:p>
             <a:fld id="{CDA879A6-0FD0-4734-A311-86BFCA472E6E}" type="datetimeFigureOut">
               <a:rPr lang="en-US" smtClean="0"/>
-              <a:t>4/2/2024</a:t>
+              <a:t>4/3/2024</a:t>
             </a:fld>
             <a:endParaRPr lang="en-US" dirty="0"/>
           </a:p>
@@ -9549,7 +9451,7 @@
           <a:p>
             <a:fld id="{19C9CA7B-DFD4-44B5-8C60-D14B8CD1FB59}" type="datetimeFigureOut">
               <a:rPr lang="en-US" smtClean="0"/>
-              <a:t>4/2/2024</a:t>
+              <a:t>4/3/2024</a:t>
             </a:fld>
             <a:endParaRPr lang="en-US" dirty="0"/>
           </a:p>
@@ -10254,7 +10156,7 @@
           <a:p>
             <a:fld id="{F34E6425-0181-43F2-84FC-787E803FD2F8}" type="datetimeFigureOut">
               <a:rPr lang="en-US" smtClean="0"/>
-              <a:t>4/2/2024</a:t>
+              <a:t>4/3/2024</a:t>
             </a:fld>
             <a:endParaRPr lang="en-US" dirty="0"/>
           </a:p>
@@ -10501,7 +10403,7 @@
           <a:p>
             <a:fld id="{3BDB8791-F1B0-41E7-B7FD-A781E65C4266}" type="datetimeFigureOut">
               <a:rPr lang="en-US" smtClean="0"/>
-              <a:t>4/2/2024</a:t>
+              <a:t>4/3/2024</a:t>
             </a:fld>
             <a:endParaRPr lang="en-US" dirty="0"/>
           </a:p>
@@ -10897,7 +10799,7 @@
           <a:p>
             <a:fld id="{5FDD63B2-E120-4ED8-B27B-C685F510A5FE}" type="datetimeFigureOut">
               <a:rPr lang="en-US" smtClean="0"/>
-              <a:t>4/2/2024</a:t>
+              <a:t>4/3/2024</a:t>
             </a:fld>
             <a:endParaRPr lang="en-US" dirty="0"/>
           </a:p>
@@ -11030,7 +10932,7 @@
           <a:p>
             <a:fld id="{7AA18ACC-A947-437B-A130-35BD54FDF1E9}" type="datetimeFigureOut">
               <a:rPr lang="en-US" smtClean="0"/>
-              <a:t>4/2/2024</a:t>
+              <a:t>4/3/2024</a:t>
             </a:fld>
             <a:endParaRPr lang="en-US" dirty="0"/>
           </a:p>
@@ -11140,7 +11042,7 @@
           <a:p>
             <a:fld id="{7C8D7E02-BCB8-4D50-A234-369438C08659}" type="datetimeFigureOut">
               <a:rPr lang="en-US" smtClean="0"/>
-              <a:t>4/2/2024</a:t>
+              <a:t>4/3/2024</a:t>
             </a:fld>
             <a:endParaRPr lang="en-US" dirty="0"/>
           </a:p>
@@ -11403,7 +11305,7 @@
           <a:p>
             <a:fld id="{76E86A4C-8E40-4F87-A4F0-01A0687C5742}" type="datetimeFigureOut">
               <a:rPr lang="en-US" smtClean="0"/>
-              <a:t>4/2/2024</a:t>
+              <a:t>4/3/2024</a:t>
             </a:fld>
             <a:endParaRPr lang="en-US" dirty="0"/>
           </a:p>
@@ -11698,7 +11600,7 @@
           <a:p>
             <a:fld id="{35E72C73-2D91-4E12-BA25-F0AA0C03599B}" type="datetimeFigureOut">
               <a:rPr lang="en-US" smtClean="0"/>
-              <a:t>4/2/2024</a:t>
+              <a:t>4/3/2024</a:t>
             </a:fld>
             <a:endParaRPr lang="en-US" dirty="0"/>
           </a:p>
@@ -11829,7 +11731,7 @@
           <a:noFill/>
           <a:extLst>
             <a:ext uri="{909E8E84-426E-40dd-AFC4-6F175D3DCCD1}">
-              <a14:hiddenFill xmlns="" xmlns:a14="http://schemas.microsoft.com/office/drawing/2010/main">
+              <a14:hiddenFill xmlns:a14="http://schemas.microsoft.com/office/drawing/2010/main" xmlns="">
                 <a:solidFill>
                   <a:srgbClr val="FFFFFF"/>
                 </a:solidFill>
@@ -11903,7 +11805,7 @@
               </a:ln>
               <a:extLst>
                 <a:ext uri="{91240B29-F687-4f45-9708-019B960494DF}">
-                  <a14:hiddenLine xmlns="" xmlns:a14="http://schemas.microsoft.com/office/drawing/2010/main" w="9525">
+                  <a14:hiddenLine xmlns:a14="http://schemas.microsoft.com/office/drawing/2010/main" xmlns="" w="9525">
                     <a:solidFill>
                       <a:srgbClr val="000000"/>
                     </a:solidFill>
@@ -11993,7 +11895,7 @@
               </a:ln>
               <a:extLst>
                 <a:ext uri="{91240B29-F687-4f45-9708-019B960494DF}">
-                  <a14:hiddenLine xmlns="" xmlns:a14="http://schemas.microsoft.com/office/drawing/2010/main" w="9525">
+                  <a14:hiddenLine xmlns:a14="http://schemas.microsoft.com/office/drawing/2010/main" xmlns="" w="9525">
                     <a:solidFill>
                       <a:srgbClr val="000000"/>
                     </a:solidFill>
@@ -12083,7 +11985,7 @@
               </a:ln>
               <a:extLst>
                 <a:ext uri="{91240B29-F687-4f45-9708-019B960494DF}">
-                  <a14:hiddenLine xmlns="" xmlns:a14="http://schemas.microsoft.com/office/drawing/2010/main" w="9525">
+                  <a14:hiddenLine xmlns:a14="http://schemas.microsoft.com/office/drawing/2010/main" xmlns="" w="9525">
                     <a:solidFill>
                       <a:srgbClr val="000000"/>
                     </a:solidFill>
@@ -12145,7 +12047,7 @@
               </a:ln>
               <a:extLst>
                 <a:ext uri="{91240B29-F687-4f45-9708-019B960494DF}">
-                  <a14:hiddenLine xmlns="" xmlns:a14="http://schemas.microsoft.com/office/drawing/2010/main" w="9525">
+                  <a14:hiddenLine xmlns:a14="http://schemas.microsoft.com/office/drawing/2010/main" xmlns="" w="9525">
                     <a:solidFill>
                       <a:srgbClr val="000000"/>
                     </a:solidFill>
@@ -12235,7 +12137,7 @@
               </a:ln>
               <a:extLst>
                 <a:ext uri="{91240B29-F687-4f45-9708-019B960494DF}">
-                  <a14:hiddenLine xmlns="" xmlns:a14="http://schemas.microsoft.com/office/drawing/2010/main" w="9525">
+                  <a14:hiddenLine xmlns:a14="http://schemas.microsoft.com/office/drawing/2010/main" xmlns="" w="9525">
                     <a:solidFill>
                       <a:srgbClr val="000000"/>
                     </a:solidFill>
@@ -12297,7 +12199,7 @@
               </a:ln>
               <a:extLst>
                 <a:ext uri="{91240B29-F687-4f45-9708-019B960494DF}">
-                  <a14:hiddenLine xmlns="" xmlns:a14="http://schemas.microsoft.com/office/drawing/2010/main" w="9525">
+                  <a14:hiddenLine xmlns:a14="http://schemas.microsoft.com/office/drawing/2010/main" xmlns="" w="9525">
                     <a:solidFill>
                       <a:srgbClr val="000000"/>
                     </a:solidFill>
@@ -12359,7 +12261,7 @@
               </a:ln>
               <a:extLst>
                 <a:ext uri="{91240B29-F687-4f45-9708-019B960494DF}">
-                  <a14:hiddenLine xmlns="" xmlns:a14="http://schemas.microsoft.com/office/drawing/2010/main" w="9525">
+                  <a14:hiddenLine xmlns:a14="http://schemas.microsoft.com/office/drawing/2010/main" xmlns="" w="9525">
                     <a:solidFill>
                       <a:srgbClr val="000000"/>
                     </a:solidFill>
@@ -12449,7 +12351,7 @@
               </a:ln>
               <a:extLst>
                 <a:ext uri="{91240B29-F687-4f45-9708-019B960494DF}">
-                  <a14:hiddenLine xmlns="" xmlns:a14="http://schemas.microsoft.com/office/drawing/2010/main" w="9525">
+                  <a14:hiddenLine xmlns:a14="http://schemas.microsoft.com/office/drawing/2010/main" xmlns="" w="9525">
                     <a:solidFill>
                       <a:srgbClr val="000000"/>
                     </a:solidFill>
@@ -12539,7 +12441,7 @@
               </a:ln>
               <a:extLst>
                 <a:ext uri="{91240B29-F687-4f45-9708-019B960494DF}">
-                  <a14:hiddenLine xmlns="" xmlns:a14="http://schemas.microsoft.com/office/drawing/2010/main" w="9525">
+                  <a14:hiddenLine xmlns:a14="http://schemas.microsoft.com/office/drawing/2010/main" xmlns="" w="9525">
                     <a:solidFill>
                       <a:srgbClr val="000000"/>
                     </a:solidFill>
@@ -12601,7 +12503,7 @@
               </a:ln>
               <a:extLst>
                 <a:ext uri="{91240B29-F687-4f45-9708-019B960494DF}">
-                  <a14:hiddenLine xmlns="" xmlns:a14="http://schemas.microsoft.com/office/drawing/2010/main" w="9525">
+                  <a14:hiddenLine xmlns:a14="http://schemas.microsoft.com/office/drawing/2010/main" xmlns="" w="9525">
                     <a:solidFill>
                       <a:srgbClr val="000000"/>
                     </a:solidFill>
@@ -12711,7 +12613,7 @@
               </a:ln>
               <a:extLst>
                 <a:ext uri="{91240B29-F687-4f45-9708-019B960494DF}">
-                  <a14:hiddenLine xmlns="" xmlns:a14="http://schemas.microsoft.com/office/drawing/2010/main" w="9525">
+                  <a14:hiddenLine xmlns:a14="http://schemas.microsoft.com/office/drawing/2010/main" xmlns="" w="9525">
                     <a:solidFill>
                       <a:srgbClr val="000000"/>
                     </a:solidFill>
@@ -12795,7 +12697,7 @@
               </a:ln>
               <a:extLst>
                 <a:ext uri="{91240B29-F687-4f45-9708-019B960494DF}">
-                  <a14:hiddenLine xmlns="" xmlns:a14="http://schemas.microsoft.com/office/drawing/2010/main" w="9525">
+                  <a14:hiddenLine xmlns:a14="http://schemas.microsoft.com/office/drawing/2010/main" xmlns="" w="9525">
                     <a:solidFill>
                       <a:srgbClr val="000000"/>
                     </a:solidFill>
@@ -12857,7 +12759,7 @@
               </a:ln>
               <a:extLst>
                 <a:ext uri="{91240B29-F687-4f45-9708-019B960494DF}">
-                  <a14:hiddenLine xmlns="" xmlns:a14="http://schemas.microsoft.com/office/drawing/2010/main" w="9525">
+                  <a14:hiddenLine xmlns:a14="http://schemas.microsoft.com/office/drawing/2010/main" xmlns="" w="9525">
                     <a:solidFill>
                       <a:srgbClr val="000000"/>
                     </a:solidFill>
@@ -12919,7 +12821,7 @@
               </a:ln>
               <a:extLst>
                 <a:ext uri="{91240B29-F687-4f45-9708-019B960494DF}">
-                  <a14:hiddenLine xmlns="" xmlns:a14="http://schemas.microsoft.com/office/drawing/2010/main" w="9525">
+                  <a14:hiddenLine xmlns:a14="http://schemas.microsoft.com/office/drawing/2010/main" xmlns="" w="9525">
                     <a:solidFill>
                       <a:srgbClr val="000000"/>
                     </a:solidFill>
@@ -13009,7 +12911,7 @@
               </a:ln>
               <a:extLst>
                 <a:ext uri="{91240B29-F687-4f45-9708-019B960494DF}">
-                  <a14:hiddenLine xmlns="" xmlns:a14="http://schemas.microsoft.com/office/drawing/2010/main" w="9525">
+                  <a14:hiddenLine xmlns:a14="http://schemas.microsoft.com/office/drawing/2010/main" xmlns="" w="9525">
                     <a:solidFill>
                       <a:srgbClr val="000000"/>
                     </a:solidFill>
@@ -13043,7 +12945,7 @@
               </a:ln>
               <a:extLst>
                 <a:ext uri="{91240B29-F687-4f45-9708-019B960494DF}">
-                  <a14:hiddenLine xmlns="" xmlns:a14="http://schemas.microsoft.com/office/drawing/2010/main" w="9525">
+                  <a14:hiddenLine xmlns:a14="http://schemas.microsoft.com/office/drawing/2010/main" xmlns="" w="9525">
                     <a:solidFill>
                       <a:srgbClr val="000000"/>
                     </a:solidFill>
@@ -13108,7 +13010,7 @@
               </a:ln>
               <a:extLst>
                 <a:ext uri="{91240B29-F687-4f45-9708-019B960494DF}">
-                  <a14:hiddenLine xmlns="" xmlns:a14="http://schemas.microsoft.com/office/drawing/2010/main" w="9525">
+                  <a14:hiddenLine xmlns:a14="http://schemas.microsoft.com/office/drawing/2010/main" xmlns="" w="9525">
                     <a:solidFill>
                       <a:srgbClr val="000000"/>
                     </a:solidFill>
@@ -13198,7 +13100,7 @@
               </a:ln>
               <a:extLst>
                 <a:ext uri="{91240B29-F687-4f45-9708-019B960494DF}">
-                  <a14:hiddenLine xmlns="" xmlns:a14="http://schemas.microsoft.com/office/drawing/2010/main" w="9525">
+                  <a14:hiddenLine xmlns:a14="http://schemas.microsoft.com/office/drawing/2010/main" xmlns="" w="9525">
                     <a:solidFill>
                       <a:srgbClr val="000000"/>
                     </a:solidFill>
@@ -13260,7 +13162,7 @@
               </a:ln>
               <a:extLst>
                 <a:ext uri="{91240B29-F687-4f45-9708-019B960494DF}">
-                  <a14:hiddenLine xmlns="" xmlns:a14="http://schemas.microsoft.com/office/drawing/2010/main" w="9525">
+                  <a14:hiddenLine xmlns:a14="http://schemas.microsoft.com/office/drawing/2010/main" xmlns="" w="9525">
                     <a:solidFill>
                       <a:srgbClr val="000000"/>
                     </a:solidFill>
@@ -13350,7 +13252,7 @@
               </a:ln>
               <a:extLst>
                 <a:ext uri="{91240B29-F687-4f45-9708-019B960494DF}">
-                  <a14:hiddenLine xmlns="" xmlns:a14="http://schemas.microsoft.com/office/drawing/2010/main" w="9525">
+                  <a14:hiddenLine xmlns:a14="http://schemas.microsoft.com/office/drawing/2010/main" xmlns="" w="9525">
                     <a:solidFill>
                       <a:srgbClr val="000000"/>
                     </a:solidFill>
@@ -13415,7 +13317,7 @@
               </a:ln>
               <a:extLst>
                 <a:ext uri="{91240B29-F687-4f45-9708-019B960494DF}">
-                  <a14:hiddenLine xmlns="" xmlns:a14="http://schemas.microsoft.com/office/drawing/2010/main" w="9525">
+                  <a14:hiddenLine xmlns:a14="http://schemas.microsoft.com/office/drawing/2010/main" xmlns="" w="9525">
                     <a:solidFill>
                       <a:srgbClr val="000000"/>
                     </a:solidFill>
@@ -13477,7 +13379,7 @@
               </a:ln>
               <a:extLst>
                 <a:ext uri="{91240B29-F687-4f45-9708-019B960494DF}">
-                  <a14:hiddenLine xmlns="" xmlns:a14="http://schemas.microsoft.com/office/drawing/2010/main" w="9525">
+                  <a14:hiddenLine xmlns:a14="http://schemas.microsoft.com/office/drawing/2010/main" xmlns="" w="9525">
                     <a:solidFill>
                       <a:srgbClr val="000000"/>
                     </a:solidFill>
@@ -13567,7 +13469,7 @@
               </a:ln>
               <a:extLst>
                 <a:ext uri="{91240B29-F687-4f45-9708-019B960494DF}">
-                  <a14:hiddenLine xmlns="" xmlns:a14="http://schemas.microsoft.com/office/drawing/2010/main" w="9525">
+                  <a14:hiddenLine xmlns:a14="http://schemas.microsoft.com/office/drawing/2010/main" xmlns="" w="9525">
                     <a:solidFill>
                       <a:srgbClr val="000000"/>
                     </a:solidFill>
@@ -13657,7 +13559,7 @@
               </a:ln>
               <a:extLst>
                 <a:ext uri="{91240B29-F687-4f45-9708-019B960494DF}">
-                  <a14:hiddenLine xmlns="" xmlns:a14="http://schemas.microsoft.com/office/drawing/2010/main" w="9525">
+                  <a14:hiddenLine xmlns:a14="http://schemas.microsoft.com/office/drawing/2010/main" xmlns="" w="9525">
                     <a:solidFill>
                       <a:srgbClr val="000000"/>
                     </a:solidFill>
@@ -13722,7 +13624,7 @@
               </a:ln>
               <a:extLst>
                 <a:ext uri="{91240B29-F687-4f45-9708-019B960494DF}">
-                  <a14:hiddenLine xmlns="" xmlns:a14="http://schemas.microsoft.com/office/drawing/2010/main" w="9525">
+                  <a14:hiddenLine xmlns:a14="http://schemas.microsoft.com/office/drawing/2010/main" xmlns="" w="9525">
                     <a:solidFill>
                       <a:srgbClr val="000000"/>
                     </a:solidFill>
@@ -13842,7 +13744,7 @@
               </a:ln>
               <a:extLst>
                 <a:ext uri="{91240B29-F687-4f45-9708-019B960494DF}">
-                  <a14:hiddenLine xmlns="" xmlns:a14="http://schemas.microsoft.com/office/drawing/2010/main" w="9525">
+                  <a14:hiddenLine xmlns:a14="http://schemas.microsoft.com/office/drawing/2010/main" xmlns="" w="9525">
                     <a:solidFill>
                       <a:srgbClr val="000000"/>
                     </a:solidFill>
@@ -13940,7 +13842,7 @@
               </a:ln>
               <a:extLst>
                 <a:ext uri="{91240B29-F687-4f45-9708-019B960494DF}">
-                  <a14:hiddenLine xmlns="" xmlns:a14="http://schemas.microsoft.com/office/drawing/2010/main" w="9525">
+                  <a14:hiddenLine xmlns:a14="http://schemas.microsoft.com/office/drawing/2010/main" xmlns="" w="9525">
                     <a:solidFill>
                       <a:srgbClr val="000000"/>
                     </a:solidFill>
@@ -14055,7 +13957,7 @@
               </a:ln>
               <a:extLst>
                 <a:ext uri="{91240B29-F687-4f45-9708-019B960494DF}">
-                  <a14:hiddenLine xmlns="" xmlns:a14="http://schemas.microsoft.com/office/drawing/2010/main" w="9525">
+                  <a14:hiddenLine xmlns:a14="http://schemas.microsoft.com/office/drawing/2010/main" xmlns="" w="9525">
                     <a:solidFill>
                       <a:srgbClr val="000000"/>
                     </a:solidFill>
@@ -14145,7 +14047,7 @@
               </a:ln>
               <a:extLst>
                 <a:ext uri="{91240B29-F687-4f45-9708-019B960494DF}">
-                  <a14:hiddenLine xmlns="" xmlns:a14="http://schemas.microsoft.com/office/drawing/2010/main" w="9525">
+                  <a14:hiddenLine xmlns:a14="http://schemas.microsoft.com/office/drawing/2010/main" xmlns="" w="9525">
                     <a:solidFill>
                       <a:srgbClr val="000000"/>
                     </a:solidFill>
@@ -14210,7 +14112,7 @@
               </a:ln>
               <a:extLst>
                 <a:ext uri="{91240B29-F687-4f45-9708-019B960494DF}">
-                  <a14:hiddenLine xmlns="" xmlns:a14="http://schemas.microsoft.com/office/drawing/2010/main" w="9525">
+                  <a14:hiddenLine xmlns:a14="http://schemas.microsoft.com/office/drawing/2010/main" xmlns="" w="9525">
                     <a:solidFill>
                       <a:srgbClr val="000000"/>
                     </a:solidFill>
@@ -14300,7 +14202,7 @@
               </a:ln>
               <a:extLst>
                 <a:ext uri="{91240B29-F687-4f45-9708-019B960494DF}">
-                  <a14:hiddenLine xmlns="" xmlns:a14="http://schemas.microsoft.com/office/drawing/2010/main" w="9525">
+                  <a14:hiddenLine xmlns:a14="http://schemas.microsoft.com/office/drawing/2010/main" xmlns="" w="9525">
                     <a:solidFill>
                       <a:srgbClr val="000000"/>
                     </a:solidFill>
@@ -14368,7 +14270,7 @@
               </a:ln>
               <a:extLst>
                 <a:ext uri="{91240B29-F687-4f45-9708-019B960494DF}">
-                  <a14:hiddenLine xmlns="" xmlns:a14="http://schemas.microsoft.com/office/drawing/2010/main" w="9525">
+                  <a14:hiddenLine xmlns:a14="http://schemas.microsoft.com/office/drawing/2010/main" xmlns="" w="9525">
                     <a:solidFill>
                       <a:srgbClr val="000000"/>
                     </a:solidFill>
@@ -14458,7 +14360,7 @@
               </a:ln>
               <a:extLst>
                 <a:ext uri="{91240B29-F687-4f45-9708-019B960494DF}">
-                  <a14:hiddenLine xmlns="" xmlns:a14="http://schemas.microsoft.com/office/drawing/2010/main" w="9525">
+                  <a14:hiddenLine xmlns:a14="http://schemas.microsoft.com/office/drawing/2010/main" xmlns="" w="9525">
                     <a:solidFill>
                       <a:srgbClr val="000000"/>
                     </a:solidFill>
@@ -14526,7 +14428,7 @@
               </a:ln>
               <a:extLst>
                 <a:ext uri="{91240B29-F687-4f45-9708-019B960494DF}">
-                  <a14:hiddenLine xmlns="" xmlns:a14="http://schemas.microsoft.com/office/drawing/2010/main" w="9525">
+                  <a14:hiddenLine xmlns:a14="http://schemas.microsoft.com/office/drawing/2010/main" xmlns="" w="9525">
                     <a:solidFill>
                       <a:srgbClr val="000000"/>
                     </a:solidFill>
@@ -14616,7 +14518,7 @@
               </a:ln>
               <a:extLst>
                 <a:ext uri="{91240B29-F687-4f45-9708-019B960494DF}">
-                  <a14:hiddenLine xmlns="" xmlns:a14="http://schemas.microsoft.com/office/drawing/2010/main" w="9525">
+                  <a14:hiddenLine xmlns:a14="http://schemas.microsoft.com/office/drawing/2010/main" xmlns="" w="9525">
                     <a:solidFill>
                       <a:srgbClr val="000000"/>
                     </a:solidFill>
@@ -14650,7 +14552,7 @@
               </a:ln>
               <a:extLst>
                 <a:ext uri="{91240B29-F687-4f45-9708-019B960494DF}">
-                  <a14:hiddenLine xmlns="" xmlns:a14="http://schemas.microsoft.com/office/drawing/2010/main" w="9525">
+                  <a14:hiddenLine xmlns:a14="http://schemas.microsoft.com/office/drawing/2010/main" xmlns="" w="9525">
                     <a:solidFill>
                       <a:srgbClr val="000000"/>
                     </a:solidFill>
@@ -14790,7 +14692,7 @@
           <a:p>
             <a:fld id="{2BE451C3-0FF4-47C4-B829-773ADF60F88C}" type="datetimeFigureOut">
               <a:rPr lang="en-US" smtClean="0"/>
-              <a:t>4/2/2024</a:t>
+              <a:t>4/3/2024</a:t>
             </a:fld>
             <a:endParaRPr lang="en-US" dirty="0"/>
           </a:p>
@@ -15259,10 +15161,16 @@
               <a:buNone/>
             </a:pPr>
             <a:r>
-              <a:rPr lang="en" dirty="0"/>
+              <a:rPr lang="en" dirty="0">
+                <a:latin typeface="Arial" panose="020B0604020202020204" pitchFamily="34" charset="0"/>
+                <a:cs typeface="Arial" panose="020B0604020202020204" pitchFamily="34" charset="0"/>
+              </a:rPr>
               <a:t>Machine Maintenance Analysis</a:t>
             </a:r>
-            <a:endParaRPr dirty="0"/>
+            <a:endParaRPr dirty="0">
+              <a:latin typeface="Arial" panose="020B0604020202020204" pitchFamily="34" charset="0"/>
+              <a:cs typeface="Arial" panose="020B0604020202020204" pitchFamily="34" charset="0"/>
+            </a:endParaRPr>
           </a:p>
         </p:txBody>
       </p:sp>
@@ -15297,10 +15205,16 @@
               <a:buNone/>
             </a:pPr>
             <a:r>
-              <a:rPr lang="en" dirty="0"/>
+              <a:rPr lang="en" dirty="0">
+                <a:latin typeface="Arial" panose="020B0604020202020204" pitchFamily="34" charset="0"/>
+                <a:cs typeface="Arial" panose="020B0604020202020204" pitchFamily="34" charset="0"/>
+              </a:rPr>
               <a:t>Group 3</a:t>
             </a:r>
-            <a:endParaRPr dirty="0"/>
+            <a:endParaRPr dirty="0">
+              <a:latin typeface="Arial" panose="020B0604020202020204" pitchFamily="34" charset="0"/>
+              <a:cs typeface="Arial" panose="020B0604020202020204" pitchFamily="34" charset="0"/>
+            </a:endParaRPr>
           </a:p>
           <a:p>
             <a:pPr marL="0" lvl="0" indent="0" algn="ctr" rtl="0">
@@ -15313,120 +15227,16 @@
               <a:buNone/>
             </a:pPr>
             <a:r>
-              <a:rPr lang="en" dirty="0"/>
+              <a:rPr lang="en" dirty="0">
+                <a:latin typeface="Arial" panose="020B0604020202020204" pitchFamily="34" charset="0"/>
+                <a:cs typeface="Arial" panose="020B0604020202020204" pitchFamily="34" charset="0"/>
+              </a:rPr>
               <a:t>Peter Hara, Adelle Housker, Rami Ibrahimi, Sean Patel, Laith Yousif</a:t>
             </a:r>
-            <a:endParaRPr dirty="0"/>
-          </a:p>
-        </p:txBody>
-      </p:sp>
-    </p:spTree>
-  </p:cSld>
-  <p:clrMapOvr>
-    <a:masterClrMapping/>
-  </p:clrMapOvr>
-</p:sld>
-</file>
-
-<file path=ppt/slides/slide10.xml><?xml version="1.0" encoding="utf-8"?>
-<p:sld xmlns:a="http://schemas.openxmlformats.org/drawingml/2006/main" xmlns:r="http://schemas.openxmlformats.org/officeDocument/2006/relationships" xmlns:p="http://schemas.openxmlformats.org/presentationml/2006/main">
-  <p:cSld>
-    <p:spTree>
-      <p:nvGrpSpPr>
-        <p:cNvPr id="1" name="Shape 240"/>
-        <p:cNvGrpSpPr/>
-        <p:nvPr/>
-      </p:nvGrpSpPr>
-      <p:grpSpPr>
-        <a:xfrm>
-          <a:off x="0" y="0"/>
-          <a:ext cx="0" cy="0"/>
-          <a:chOff x="0" y="0"/>
-          <a:chExt cx="0" cy="0"/>
-        </a:xfrm>
-      </p:grpSpPr>
-      <p:sp>
-        <p:nvSpPr>
-          <p:cNvPr id="241" name="Google Shape;241;p24"/>
-          <p:cNvSpPr txBox="1">
-            <a:spLocks noGrp="1"/>
-          </p:cNvSpPr>
-          <p:nvPr>
-            <p:ph type="title"/>
-          </p:nvPr>
-        </p:nvSpPr>
-        <p:spPr>
-          <a:prstGeom prst="rect">
-            <a:avLst/>
-          </a:prstGeom>
-        </p:spPr>
-        <p:txBody>
-          <a:bodyPr spcFirstLastPara="1" wrap="square" lIns="91425" tIns="91425" rIns="91425" bIns="91425" anchor="ctr" anchorCtr="0">
-            <a:normAutofit/>
-          </a:bodyPr>
-          <a:lstStyle/>
-          <a:p>
-            <a:pPr marL="0" lvl="0" indent="0" algn="ctr" rtl="0">
-              <a:spcBef>
-                <a:spcPts val="0"/>
-              </a:spcBef>
-              <a:spcAft>
-                <a:spcPts val="0"/>
-              </a:spcAft>
-              <a:buNone/>
-            </a:pPr>
-            <a:r>
-              <a:rPr lang="en" dirty="0"/>
-              <a:t>Fin</a:t>
-            </a:r>
-            <a:endParaRPr dirty="0"/>
-          </a:p>
-        </p:txBody>
-      </p:sp>
-      <p:sp>
-        <p:nvSpPr>
-          <p:cNvPr id="242" name="Google Shape;242;p24"/>
-          <p:cNvSpPr txBox="1">
-            <a:spLocks noGrp="1"/>
-          </p:cNvSpPr>
-          <p:nvPr>
-            <p:ph type="body" idx="1"/>
-          </p:nvPr>
-        </p:nvSpPr>
-        <p:spPr>
-          <a:prstGeom prst="rect">
-            <a:avLst/>
-          </a:prstGeom>
-        </p:spPr>
-        <p:txBody>
-          <a:bodyPr spcFirstLastPara="1" wrap="square" lIns="91425" tIns="91425" rIns="91425" bIns="91425" anchor="t" anchorCtr="0">
-            <a:noAutofit/>
-          </a:bodyPr>
-          <a:lstStyle/>
-          <a:p>
-            <a:pPr marL="0" lvl="0" indent="0" algn="ctr" rtl="0">
-              <a:spcBef>
-                <a:spcPts val="0"/>
-              </a:spcBef>
-              <a:buNone/>
-            </a:pPr>
-            <a:r>
-              <a:rPr lang="en" dirty="0"/>
-              <a:t>Reach out to Group 3 with any machine maintenance needs…</a:t>
-            </a:r>
-          </a:p>
-          <a:p>
-            <a:pPr marL="0" lvl="0" indent="0" algn="ctr" rtl="0">
-              <a:spcBef>
-                <a:spcPts val="0"/>
-              </a:spcBef>
-              <a:buNone/>
-            </a:pPr>
-            <a:r>
-              <a:rPr lang="en" dirty="0"/>
-              <a:t>Thank you!!</a:t>
-            </a:r>
-            <a:endParaRPr dirty="0"/>
+            <a:endParaRPr dirty="0">
+              <a:latin typeface="Arial" panose="020B0604020202020204" pitchFamily="34" charset="0"/>
+              <a:cs typeface="Arial" panose="020B0604020202020204" pitchFamily="34" charset="0"/>
+            </a:endParaRPr>
           </a:p>
         </p:txBody>
       </p:sp>
@@ -15441,6 +15251,14 @@
 <file path=ppt/slides/slide2.xml><?xml version="1.0" encoding="utf-8"?>
 <p:sld xmlns:a="http://schemas.openxmlformats.org/drawingml/2006/main" xmlns:r="http://schemas.openxmlformats.org/officeDocument/2006/relationships" xmlns:p="http://schemas.openxmlformats.org/presentationml/2006/main">
   <p:cSld>
+    <p:bg>
+      <p:bgPr>
+        <a:solidFill>
+          <a:schemeClr val="bg1"/>
+        </a:solidFill>
+        <a:effectLst/>
+      </p:bgPr>
+    </p:bg>
     <p:spTree>
       <p:nvGrpSpPr>
         <p:cNvPr id="1" name="Shape 133"/>
@@ -15515,8 +15333,8 @@
         </p:nvSpPr>
         <p:spPr>
           <a:xfrm>
-            <a:off x="856060" y="1209600"/>
-            <a:ext cx="7429499" cy="3133801"/>
+            <a:off x="2499799" y="1209600"/>
+            <a:ext cx="5785760" cy="766333"/>
           </a:xfrm>
           <a:prstGeom prst="rect">
             <a:avLst/>
@@ -15524,7 +15342,7 @@
         </p:spPr>
         <p:txBody>
           <a:bodyPr spcFirstLastPara="1" wrap="square" lIns="91425" tIns="91425" rIns="91425" bIns="91425" anchor="t" anchorCtr="0">
-            <a:normAutofit/>
+            <a:spAutoFit/>
           </a:bodyPr>
           <a:lstStyle/>
           <a:p>
@@ -15539,17 +15357,468 @@
             </a:pPr>
             <a:r>
               <a:rPr lang="en-US" sz="1050" dirty="0">
-                <a:solidFill>
-                  <a:schemeClr val="bg1"/>
-                </a:solidFill>
                 <a:latin typeface="Arial"/>
                 <a:ea typeface="Arial"/>
                 <a:cs typeface="Arial"/>
                 <a:sym typeface="Arial"/>
               </a:rPr>
-              <a:t>Group 3 analyzed a synthetic dataset for determining machine failures. Six features were provided, while a multivariate target included failure types. Initial hypothesis was that the feature “Tool Wear” The end result was that the feature "Tool Wear" had the biggest impact on machine failure, though various features contribute to different failure types. A company in this situation should develop a preventative maintenance plan to mitigate these issues in the future.</a:t>
+              <a:t>Group 3 analyzed a synthetic dataset for detecting patterns regarding certain machine failures. Six features and two targets were provided – one target was a binary for failure/no failure, while another was a multivariate variable that included six failure types</a:t>
             </a:r>
           </a:p>
+        </p:txBody>
+      </p:sp>
+      <p:sp>
+        <p:nvSpPr>
+          <p:cNvPr id="2" name="Arrow: Pentagon 1">
+            <a:extLst>
+              <a:ext uri="{FF2B5EF4-FFF2-40B4-BE49-F238E27FC236}">
+                <a16:creationId xmlns:a16="http://schemas.microsoft.com/office/drawing/2014/main" id="{839BEBDA-61CD-BC70-2AF0-B1EA8C086A1B}"/>
+              </a:ext>
+            </a:extLst>
+          </p:cNvPr>
+          <p:cNvSpPr/>
+          <p:nvPr/>
+        </p:nvSpPr>
+        <p:spPr>
+          <a:xfrm>
+            <a:off x="856060" y="1301697"/>
+            <a:ext cx="1565664" cy="599465"/>
+          </a:xfrm>
+          <a:prstGeom prst="homePlate">
+            <a:avLst/>
+          </a:prstGeom>
+          <a:solidFill>
+            <a:srgbClr val="31AAC5"/>
+          </a:solidFill>
+          <a:ln>
+            <a:solidFill>
+              <a:schemeClr val="tx1"/>
+            </a:solidFill>
+          </a:ln>
+        </p:spPr>
+        <p:style>
+          <a:lnRef idx="2">
+            <a:schemeClr val="accent5">
+              <a:shade val="15000"/>
+            </a:schemeClr>
+          </a:lnRef>
+          <a:fillRef idx="1">
+            <a:schemeClr val="accent5"/>
+          </a:fillRef>
+          <a:effectRef idx="0">
+            <a:schemeClr val="accent5"/>
+          </a:effectRef>
+          <a:fontRef idx="minor">
+            <a:schemeClr val="lt1"/>
+          </a:fontRef>
+        </p:style>
+        <p:txBody>
+          <a:bodyPr rtlCol="0" anchor="ctr"/>
+          <a:lstStyle/>
+          <a:p>
+            <a:pPr algn="ctr"/>
+            <a:r>
+              <a:rPr lang="en-US" sz="1400" b="1" dirty="0">
+                <a:solidFill>
+                  <a:sysClr val="windowText" lastClr="000000"/>
+                </a:solidFill>
+                <a:latin typeface="Arial" panose="020B0604020202020204" pitchFamily="34" charset="0"/>
+                <a:cs typeface="Arial" panose="020B0604020202020204" pitchFamily="34" charset="0"/>
+              </a:rPr>
+              <a:t>Overview</a:t>
+            </a:r>
+          </a:p>
+        </p:txBody>
+      </p:sp>
+      <p:sp>
+        <p:nvSpPr>
+          <p:cNvPr id="3" name="Arrow: Pentagon 2">
+            <a:extLst>
+              <a:ext uri="{FF2B5EF4-FFF2-40B4-BE49-F238E27FC236}">
+                <a16:creationId xmlns:a16="http://schemas.microsoft.com/office/drawing/2014/main" id="{4F91A1E7-1649-681F-3E7C-6157AE0835BC}"/>
+              </a:ext>
+            </a:extLst>
+          </p:cNvPr>
+          <p:cNvSpPr/>
+          <p:nvPr/>
+        </p:nvSpPr>
+        <p:spPr>
+          <a:xfrm>
+            <a:off x="856060" y="2108691"/>
+            <a:ext cx="1565664" cy="599465"/>
+          </a:xfrm>
+          <a:prstGeom prst="homePlate">
+            <a:avLst/>
+          </a:prstGeom>
+          <a:solidFill>
+            <a:srgbClr val="31AAC5"/>
+          </a:solidFill>
+          <a:ln>
+            <a:solidFill>
+              <a:schemeClr val="tx1"/>
+            </a:solidFill>
+          </a:ln>
+        </p:spPr>
+        <p:style>
+          <a:lnRef idx="2">
+            <a:schemeClr val="accent5">
+              <a:shade val="15000"/>
+            </a:schemeClr>
+          </a:lnRef>
+          <a:fillRef idx="1">
+            <a:schemeClr val="accent5"/>
+          </a:fillRef>
+          <a:effectRef idx="0">
+            <a:schemeClr val="accent5"/>
+          </a:effectRef>
+          <a:fontRef idx="minor">
+            <a:schemeClr val="lt1"/>
+          </a:fontRef>
+        </p:style>
+        <p:txBody>
+          <a:bodyPr rtlCol="0" anchor="ctr"/>
+          <a:lstStyle/>
+          <a:p>
+            <a:pPr algn="ctr"/>
+            <a:r>
+              <a:rPr lang="en-US" sz="1400" b="1" dirty="0">
+                <a:solidFill>
+                  <a:sysClr val="windowText" lastClr="000000"/>
+                </a:solidFill>
+                <a:latin typeface="Arial" panose="020B0604020202020204" pitchFamily="34" charset="0"/>
+                <a:cs typeface="Arial" panose="020B0604020202020204" pitchFamily="34" charset="0"/>
+              </a:rPr>
+              <a:t>Risks</a:t>
+            </a:r>
+          </a:p>
+        </p:txBody>
+      </p:sp>
+      <p:sp>
+        <p:nvSpPr>
+          <p:cNvPr id="4" name="Arrow: Pentagon 3">
+            <a:extLst>
+              <a:ext uri="{FF2B5EF4-FFF2-40B4-BE49-F238E27FC236}">
+                <a16:creationId xmlns:a16="http://schemas.microsoft.com/office/drawing/2014/main" id="{9A7BFB4D-A75C-2FFC-D384-D5EA612CCC9E}"/>
+              </a:ext>
+            </a:extLst>
+          </p:cNvPr>
+          <p:cNvSpPr/>
+          <p:nvPr/>
+        </p:nvSpPr>
+        <p:spPr>
+          <a:xfrm>
+            <a:off x="856060" y="2915685"/>
+            <a:ext cx="1565664" cy="599465"/>
+          </a:xfrm>
+          <a:prstGeom prst="homePlate">
+            <a:avLst/>
+          </a:prstGeom>
+          <a:solidFill>
+            <a:srgbClr val="31AAC5"/>
+          </a:solidFill>
+          <a:ln>
+            <a:solidFill>
+              <a:schemeClr val="tx1"/>
+            </a:solidFill>
+          </a:ln>
+        </p:spPr>
+        <p:style>
+          <a:lnRef idx="2">
+            <a:schemeClr val="accent5">
+              <a:shade val="15000"/>
+            </a:schemeClr>
+          </a:lnRef>
+          <a:fillRef idx="1">
+            <a:schemeClr val="accent5"/>
+          </a:fillRef>
+          <a:effectRef idx="0">
+            <a:schemeClr val="accent5"/>
+          </a:effectRef>
+          <a:fontRef idx="minor">
+            <a:schemeClr val="lt1"/>
+          </a:fontRef>
+        </p:style>
+        <p:txBody>
+          <a:bodyPr rtlCol="0" anchor="ctr"/>
+          <a:lstStyle/>
+          <a:p>
+            <a:pPr algn="ctr"/>
+            <a:r>
+              <a:rPr lang="en-US" sz="1400" b="1" dirty="0">
+                <a:solidFill>
+                  <a:sysClr val="windowText" lastClr="000000"/>
+                </a:solidFill>
+                <a:latin typeface="Arial" panose="020B0604020202020204" pitchFamily="34" charset="0"/>
+                <a:cs typeface="Arial" panose="020B0604020202020204" pitchFamily="34" charset="0"/>
+              </a:rPr>
+              <a:t>Null Hypothesis</a:t>
+            </a:r>
+          </a:p>
+        </p:txBody>
+      </p:sp>
+      <p:sp>
+        <p:nvSpPr>
+          <p:cNvPr id="5" name="Arrow: Pentagon 4">
+            <a:extLst>
+              <a:ext uri="{FF2B5EF4-FFF2-40B4-BE49-F238E27FC236}">
+                <a16:creationId xmlns:a16="http://schemas.microsoft.com/office/drawing/2014/main" id="{4ABAA87B-8DAE-8458-F44B-EA4512E46B17}"/>
+              </a:ext>
+            </a:extLst>
+          </p:cNvPr>
+          <p:cNvSpPr/>
+          <p:nvPr/>
+        </p:nvSpPr>
+        <p:spPr>
+          <a:xfrm>
+            <a:off x="856060" y="3722680"/>
+            <a:ext cx="1565664" cy="599465"/>
+          </a:xfrm>
+          <a:prstGeom prst="homePlate">
+            <a:avLst/>
+          </a:prstGeom>
+          <a:solidFill>
+            <a:srgbClr val="31AAC5"/>
+          </a:solidFill>
+          <a:ln>
+            <a:solidFill>
+              <a:schemeClr val="tx1"/>
+            </a:solidFill>
+          </a:ln>
+        </p:spPr>
+        <p:style>
+          <a:lnRef idx="2">
+            <a:schemeClr val="accent5">
+              <a:shade val="15000"/>
+            </a:schemeClr>
+          </a:lnRef>
+          <a:fillRef idx="1">
+            <a:schemeClr val="accent5"/>
+          </a:fillRef>
+          <a:effectRef idx="0">
+            <a:schemeClr val="accent5"/>
+          </a:effectRef>
+          <a:fontRef idx="minor">
+            <a:schemeClr val="lt1"/>
+          </a:fontRef>
+        </p:style>
+        <p:txBody>
+          <a:bodyPr rtlCol="0" anchor="ctr"/>
+          <a:lstStyle/>
+          <a:p>
+            <a:pPr algn="ctr"/>
+            <a:r>
+              <a:rPr lang="en-US" sz="1400" b="1" dirty="0">
+                <a:solidFill>
+                  <a:sysClr val="windowText" lastClr="000000"/>
+                </a:solidFill>
+                <a:latin typeface="Arial" panose="020B0604020202020204" pitchFamily="34" charset="0"/>
+                <a:cs typeface="Arial" panose="020B0604020202020204" pitchFamily="34" charset="0"/>
+              </a:rPr>
+              <a:t>Approach</a:t>
+            </a:r>
+          </a:p>
+        </p:txBody>
+      </p:sp>
+      <p:sp>
+        <p:nvSpPr>
+          <p:cNvPr id="6" name="Google Shape;135;p14">
+            <a:extLst>
+              <a:ext uri="{FF2B5EF4-FFF2-40B4-BE49-F238E27FC236}">
+                <a16:creationId xmlns:a16="http://schemas.microsoft.com/office/drawing/2014/main" id="{12ABE27A-ED88-4CD2-1071-661BF26FE5EA}"/>
+              </a:ext>
+            </a:extLst>
+          </p:cNvPr>
+          <p:cNvSpPr txBox="1">
+            <a:spLocks/>
+          </p:cNvSpPr>
+          <p:nvPr/>
+        </p:nvSpPr>
+        <p:spPr>
+          <a:xfrm>
+            <a:off x="2499799" y="2019482"/>
+            <a:ext cx="5785760" cy="766333"/>
+          </a:xfrm>
+          <a:prstGeom prst="rect">
+            <a:avLst/>
+          </a:prstGeom>
+        </p:spPr>
+        <p:txBody>
+          <a:bodyPr spcFirstLastPara="1" vert="horz" wrap="square" lIns="91425" tIns="91425" rIns="91425" bIns="91425" rtlCol="0" anchor="t" anchorCtr="0">
+            <a:spAutoFit/>
+          </a:bodyPr>
+          <a:lstStyle>
+            <a:lvl1pPr marL="171450" indent="-171450" algn="l" defTabSz="685800" rtl="0" eaLnBrk="1" latinLnBrk="0" hangingPunct="1">
+              <a:lnSpc>
+                <a:spcPct val="120000"/>
+              </a:lnSpc>
+              <a:spcBef>
+                <a:spcPts val="750"/>
+              </a:spcBef>
+              <a:buSzPct val="125000"/>
+              <a:buFont typeface="Arial" panose="020B0604020202020204" pitchFamily="34" charset="0"/>
+              <a:buChar char="•"/>
+              <a:defRPr sz="1800" kern="1200">
+                <a:solidFill>
+                  <a:schemeClr val="tx1"/>
+                </a:solidFill>
+                <a:latin typeface="+mn-lt"/>
+                <a:ea typeface="+mn-ea"/>
+                <a:cs typeface="+mn-cs"/>
+              </a:defRPr>
+            </a:lvl1pPr>
+            <a:lvl2pPr marL="514350" indent="-171450" algn="l" defTabSz="685800" rtl="0" eaLnBrk="1" latinLnBrk="0" hangingPunct="1">
+              <a:lnSpc>
+                <a:spcPct val="120000"/>
+              </a:lnSpc>
+              <a:spcBef>
+                <a:spcPts val="375"/>
+              </a:spcBef>
+              <a:buSzPct val="125000"/>
+              <a:buFont typeface="Arial" panose="020B0604020202020204" pitchFamily="34" charset="0"/>
+              <a:buChar char="•"/>
+              <a:defRPr sz="1500" kern="1200">
+                <a:solidFill>
+                  <a:schemeClr val="tx1"/>
+                </a:solidFill>
+                <a:latin typeface="+mn-lt"/>
+                <a:ea typeface="+mn-ea"/>
+                <a:cs typeface="+mn-cs"/>
+              </a:defRPr>
+            </a:lvl2pPr>
+            <a:lvl3pPr marL="857250" indent="-171450" algn="l" defTabSz="685800" rtl="0" eaLnBrk="1" latinLnBrk="0" hangingPunct="1">
+              <a:lnSpc>
+                <a:spcPct val="120000"/>
+              </a:lnSpc>
+              <a:spcBef>
+                <a:spcPts val="375"/>
+              </a:spcBef>
+              <a:buSzPct val="125000"/>
+              <a:buFont typeface="Arial" panose="020B0604020202020204" pitchFamily="34" charset="0"/>
+              <a:buChar char="•"/>
+              <a:defRPr sz="1350" kern="1200">
+                <a:solidFill>
+                  <a:schemeClr val="tx1"/>
+                </a:solidFill>
+                <a:latin typeface="+mn-lt"/>
+                <a:ea typeface="+mn-ea"/>
+                <a:cs typeface="+mn-cs"/>
+              </a:defRPr>
+            </a:lvl3pPr>
+            <a:lvl4pPr marL="1200150" indent="-171450" algn="l" defTabSz="685800" rtl="0" eaLnBrk="1" latinLnBrk="0" hangingPunct="1">
+              <a:lnSpc>
+                <a:spcPct val="120000"/>
+              </a:lnSpc>
+              <a:spcBef>
+                <a:spcPts val="375"/>
+              </a:spcBef>
+              <a:buSzPct val="125000"/>
+              <a:buFont typeface="Arial" panose="020B0604020202020204" pitchFamily="34" charset="0"/>
+              <a:buChar char="•"/>
+              <a:defRPr sz="1200" kern="1200">
+                <a:solidFill>
+                  <a:schemeClr val="tx1"/>
+                </a:solidFill>
+                <a:latin typeface="+mn-lt"/>
+                <a:ea typeface="+mn-ea"/>
+                <a:cs typeface="+mn-cs"/>
+              </a:defRPr>
+            </a:lvl4pPr>
+            <a:lvl5pPr marL="1543050" indent="-171450" algn="l" defTabSz="685800" rtl="0" eaLnBrk="1" latinLnBrk="0" hangingPunct="1">
+              <a:lnSpc>
+                <a:spcPct val="120000"/>
+              </a:lnSpc>
+              <a:spcBef>
+                <a:spcPts val="375"/>
+              </a:spcBef>
+              <a:buSzPct val="125000"/>
+              <a:buFont typeface="Arial" panose="020B0604020202020204" pitchFamily="34" charset="0"/>
+              <a:buChar char="•"/>
+              <a:defRPr sz="1200" kern="1200">
+                <a:solidFill>
+                  <a:schemeClr val="tx1"/>
+                </a:solidFill>
+                <a:latin typeface="+mn-lt"/>
+                <a:ea typeface="+mn-ea"/>
+                <a:cs typeface="+mn-cs"/>
+              </a:defRPr>
+            </a:lvl5pPr>
+            <a:lvl6pPr marL="1885950" indent="-171450" algn="l" defTabSz="685800" rtl="0" eaLnBrk="1" latinLnBrk="0" hangingPunct="1">
+              <a:lnSpc>
+                <a:spcPct val="120000"/>
+              </a:lnSpc>
+              <a:spcBef>
+                <a:spcPts val="375"/>
+              </a:spcBef>
+              <a:buSzPct val="125000"/>
+              <a:buFont typeface="Arial" panose="020B0604020202020204" pitchFamily="34" charset="0"/>
+              <a:buChar char="•"/>
+              <a:defRPr sz="1050" kern="1200">
+                <a:solidFill>
+                  <a:schemeClr val="tx1"/>
+                </a:solidFill>
+                <a:latin typeface="+mn-lt"/>
+                <a:ea typeface="+mn-ea"/>
+                <a:cs typeface="+mn-cs"/>
+              </a:defRPr>
+            </a:lvl6pPr>
+            <a:lvl7pPr marL="2228850" indent="-171450" algn="l" defTabSz="685800" rtl="0" eaLnBrk="1" latinLnBrk="0" hangingPunct="1">
+              <a:lnSpc>
+                <a:spcPct val="120000"/>
+              </a:lnSpc>
+              <a:spcBef>
+                <a:spcPts val="375"/>
+              </a:spcBef>
+              <a:buSzPct val="125000"/>
+              <a:buFont typeface="Arial" panose="020B0604020202020204" pitchFamily="34" charset="0"/>
+              <a:buChar char="•"/>
+              <a:defRPr sz="1050" kern="1200">
+                <a:solidFill>
+                  <a:schemeClr val="tx1"/>
+                </a:solidFill>
+                <a:latin typeface="+mn-lt"/>
+                <a:ea typeface="+mn-ea"/>
+                <a:cs typeface="+mn-cs"/>
+              </a:defRPr>
+            </a:lvl7pPr>
+            <a:lvl8pPr marL="2571750" indent="-171450" algn="l" defTabSz="685800" rtl="0" eaLnBrk="1" latinLnBrk="0" hangingPunct="1">
+              <a:lnSpc>
+                <a:spcPct val="120000"/>
+              </a:lnSpc>
+              <a:spcBef>
+                <a:spcPts val="375"/>
+              </a:spcBef>
+              <a:buSzPct val="125000"/>
+              <a:buFont typeface="Arial" panose="020B0604020202020204" pitchFamily="34" charset="0"/>
+              <a:buChar char="•"/>
+              <a:defRPr sz="1050" kern="1200">
+                <a:solidFill>
+                  <a:schemeClr val="tx1"/>
+                </a:solidFill>
+                <a:latin typeface="+mn-lt"/>
+                <a:ea typeface="+mn-ea"/>
+                <a:cs typeface="+mn-cs"/>
+              </a:defRPr>
+            </a:lvl8pPr>
+            <a:lvl9pPr marL="2914650" indent="-171450" algn="l" defTabSz="685800" rtl="0" eaLnBrk="1" latinLnBrk="0" hangingPunct="1">
+              <a:lnSpc>
+                <a:spcPct val="120000"/>
+              </a:lnSpc>
+              <a:spcBef>
+                <a:spcPts val="375"/>
+              </a:spcBef>
+              <a:buSzPct val="125000"/>
+              <a:buFont typeface="Arial" panose="020B0604020202020204" pitchFamily="34" charset="0"/>
+              <a:buChar char="•"/>
+              <a:defRPr sz="1050" kern="1200">
+                <a:solidFill>
+                  <a:schemeClr val="tx1"/>
+                </a:solidFill>
+                <a:latin typeface="+mn-lt"/>
+                <a:ea typeface="+mn-ea"/>
+                <a:cs typeface="+mn-cs"/>
+              </a:defRPr>
+            </a:lvl9pPr>
+          </a:lstStyle>
           <a:p>
             <a:pPr marL="0" lvl="0" indent="0" algn="l" rtl="0">
               <a:spcBef>
@@ -15560,16 +15829,236 @@
               </a:spcAft>
               <a:buNone/>
             </a:pPr>
-            <a:endParaRPr sz="1050" dirty="0">
-              <a:solidFill>
-                <a:schemeClr val="bg1"/>
-              </a:solidFill>
-              <a:latin typeface="Arial"/>
-              <a:ea typeface="Arial"/>
-              <a:cs typeface="Arial"/>
-              <a:sym typeface="Arial"/>
-            </a:endParaRPr>
+            <a:r>
+              <a:rPr lang="en-US" sz="1050" dirty="0">
+                <a:latin typeface="Arial"/>
+                <a:ea typeface="Arial"/>
+                <a:cs typeface="Arial"/>
+                <a:sym typeface="Arial"/>
+              </a:rPr>
+              <a:t>One concern about the dataset was that ~97% of the Failure Types were “No Failure”, indicating a very imbalanced dataset; The team addressed this by comparing the accuracy scores from the as-is data versus oversampled and </a:t>
+            </a:r>
+            <a:r>
+              <a:rPr lang="en-US" sz="1050" dirty="0" err="1">
+                <a:latin typeface="Arial"/>
+                <a:ea typeface="Arial"/>
+                <a:cs typeface="Arial"/>
+                <a:sym typeface="Arial"/>
+              </a:rPr>
+              <a:t>undersampled</a:t>
+            </a:r>
+            <a:r>
+              <a:rPr lang="en-US" sz="1050" dirty="0">
+                <a:latin typeface="Arial"/>
+                <a:ea typeface="Arial"/>
+                <a:cs typeface="Arial"/>
+                <a:sym typeface="Arial"/>
+              </a:rPr>
+              <a:t> versions</a:t>
+            </a:r>
           </a:p>
+        </p:txBody>
+      </p:sp>
+      <p:sp>
+        <p:nvSpPr>
+          <p:cNvPr id="7" name="Google Shape;135;p14">
+            <a:extLst>
+              <a:ext uri="{FF2B5EF4-FFF2-40B4-BE49-F238E27FC236}">
+                <a16:creationId xmlns:a16="http://schemas.microsoft.com/office/drawing/2014/main" id="{4608F97E-10CA-6119-FE73-5603F0C6554A}"/>
+              </a:ext>
+            </a:extLst>
+          </p:cNvPr>
+          <p:cNvSpPr txBox="1">
+            <a:spLocks/>
+          </p:cNvSpPr>
+          <p:nvPr/>
+        </p:nvSpPr>
+        <p:spPr>
+          <a:xfrm>
+            <a:off x="2499799" y="2829364"/>
+            <a:ext cx="5785760" cy="766333"/>
+          </a:xfrm>
+          <a:prstGeom prst="rect">
+            <a:avLst/>
+          </a:prstGeom>
+        </p:spPr>
+        <p:txBody>
+          <a:bodyPr spcFirstLastPara="1" vert="horz" wrap="square" lIns="91425" tIns="91425" rIns="91425" bIns="91425" rtlCol="0" anchor="t" anchorCtr="0">
+            <a:spAutoFit/>
+          </a:bodyPr>
+          <a:lstStyle>
+            <a:lvl1pPr marL="171450" indent="-171450" algn="l" defTabSz="685800" rtl="0" eaLnBrk="1" latinLnBrk="0" hangingPunct="1">
+              <a:lnSpc>
+                <a:spcPct val="120000"/>
+              </a:lnSpc>
+              <a:spcBef>
+                <a:spcPts val="750"/>
+              </a:spcBef>
+              <a:buSzPct val="125000"/>
+              <a:buFont typeface="Arial" panose="020B0604020202020204" pitchFamily="34" charset="0"/>
+              <a:buChar char="•"/>
+              <a:defRPr sz="1800" kern="1200">
+                <a:solidFill>
+                  <a:schemeClr val="tx1"/>
+                </a:solidFill>
+                <a:latin typeface="+mn-lt"/>
+                <a:ea typeface="+mn-ea"/>
+                <a:cs typeface="+mn-cs"/>
+              </a:defRPr>
+            </a:lvl1pPr>
+            <a:lvl2pPr marL="514350" indent="-171450" algn="l" defTabSz="685800" rtl="0" eaLnBrk="1" latinLnBrk="0" hangingPunct="1">
+              <a:lnSpc>
+                <a:spcPct val="120000"/>
+              </a:lnSpc>
+              <a:spcBef>
+                <a:spcPts val="375"/>
+              </a:spcBef>
+              <a:buSzPct val="125000"/>
+              <a:buFont typeface="Arial" panose="020B0604020202020204" pitchFamily="34" charset="0"/>
+              <a:buChar char="•"/>
+              <a:defRPr sz="1500" kern="1200">
+                <a:solidFill>
+                  <a:schemeClr val="tx1"/>
+                </a:solidFill>
+                <a:latin typeface="+mn-lt"/>
+                <a:ea typeface="+mn-ea"/>
+                <a:cs typeface="+mn-cs"/>
+              </a:defRPr>
+            </a:lvl2pPr>
+            <a:lvl3pPr marL="857250" indent="-171450" algn="l" defTabSz="685800" rtl="0" eaLnBrk="1" latinLnBrk="0" hangingPunct="1">
+              <a:lnSpc>
+                <a:spcPct val="120000"/>
+              </a:lnSpc>
+              <a:spcBef>
+                <a:spcPts val="375"/>
+              </a:spcBef>
+              <a:buSzPct val="125000"/>
+              <a:buFont typeface="Arial" panose="020B0604020202020204" pitchFamily="34" charset="0"/>
+              <a:buChar char="•"/>
+              <a:defRPr sz="1350" kern="1200">
+                <a:solidFill>
+                  <a:schemeClr val="tx1"/>
+                </a:solidFill>
+                <a:latin typeface="+mn-lt"/>
+                <a:ea typeface="+mn-ea"/>
+                <a:cs typeface="+mn-cs"/>
+              </a:defRPr>
+            </a:lvl3pPr>
+            <a:lvl4pPr marL="1200150" indent="-171450" algn="l" defTabSz="685800" rtl="0" eaLnBrk="1" latinLnBrk="0" hangingPunct="1">
+              <a:lnSpc>
+                <a:spcPct val="120000"/>
+              </a:lnSpc>
+              <a:spcBef>
+                <a:spcPts val="375"/>
+              </a:spcBef>
+              <a:buSzPct val="125000"/>
+              <a:buFont typeface="Arial" panose="020B0604020202020204" pitchFamily="34" charset="0"/>
+              <a:buChar char="•"/>
+              <a:defRPr sz="1200" kern="1200">
+                <a:solidFill>
+                  <a:schemeClr val="tx1"/>
+                </a:solidFill>
+                <a:latin typeface="+mn-lt"/>
+                <a:ea typeface="+mn-ea"/>
+                <a:cs typeface="+mn-cs"/>
+              </a:defRPr>
+            </a:lvl4pPr>
+            <a:lvl5pPr marL="1543050" indent="-171450" algn="l" defTabSz="685800" rtl="0" eaLnBrk="1" latinLnBrk="0" hangingPunct="1">
+              <a:lnSpc>
+                <a:spcPct val="120000"/>
+              </a:lnSpc>
+              <a:spcBef>
+                <a:spcPts val="375"/>
+              </a:spcBef>
+              <a:buSzPct val="125000"/>
+              <a:buFont typeface="Arial" panose="020B0604020202020204" pitchFamily="34" charset="0"/>
+              <a:buChar char="•"/>
+              <a:defRPr sz="1200" kern="1200">
+                <a:solidFill>
+                  <a:schemeClr val="tx1"/>
+                </a:solidFill>
+                <a:latin typeface="+mn-lt"/>
+                <a:ea typeface="+mn-ea"/>
+                <a:cs typeface="+mn-cs"/>
+              </a:defRPr>
+            </a:lvl5pPr>
+            <a:lvl6pPr marL="1885950" indent="-171450" algn="l" defTabSz="685800" rtl="0" eaLnBrk="1" latinLnBrk="0" hangingPunct="1">
+              <a:lnSpc>
+                <a:spcPct val="120000"/>
+              </a:lnSpc>
+              <a:spcBef>
+                <a:spcPts val="375"/>
+              </a:spcBef>
+              <a:buSzPct val="125000"/>
+              <a:buFont typeface="Arial" panose="020B0604020202020204" pitchFamily="34" charset="0"/>
+              <a:buChar char="•"/>
+              <a:defRPr sz="1050" kern="1200">
+                <a:solidFill>
+                  <a:schemeClr val="tx1"/>
+                </a:solidFill>
+                <a:latin typeface="+mn-lt"/>
+                <a:ea typeface="+mn-ea"/>
+                <a:cs typeface="+mn-cs"/>
+              </a:defRPr>
+            </a:lvl6pPr>
+            <a:lvl7pPr marL="2228850" indent="-171450" algn="l" defTabSz="685800" rtl="0" eaLnBrk="1" latinLnBrk="0" hangingPunct="1">
+              <a:lnSpc>
+                <a:spcPct val="120000"/>
+              </a:lnSpc>
+              <a:spcBef>
+                <a:spcPts val="375"/>
+              </a:spcBef>
+              <a:buSzPct val="125000"/>
+              <a:buFont typeface="Arial" panose="020B0604020202020204" pitchFamily="34" charset="0"/>
+              <a:buChar char="•"/>
+              <a:defRPr sz="1050" kern="1200">
+                <a:solidFill>
+                  <a:schemeClr val="tx1"/>
+                </a:solidFill>
+                <a:latin typeface="+mn-lt"/>
+                <a:ea typeface="+mn-ea"/>
+                <a:cs typeface="+mn-cs"/>
+              </a:defRPr>
+            </a:lvl7pPr>
+            <a:lvl8pPr marL="2571750" indent="-171450" algn="l" defTabSz="685800" rtl="0" eaLnBrk="1" latinLnBrk="0" hangingPunct="1">
+              <a:lnSpc>
+                <a:spcPct val="120000"/>
+              </a:lnSpc>
+              <a:spcBef>
+                <a:spcPts val="375"/>
+              </a:spcBef>
+              <a:buSzPct val="125000"/>
+              <a:buFont typeface="Arial" panose="020B0604020202020204" pitchFamily="34" charset="0"/>
+              <a:buChar char="•"/>
+              <a:defRPr sz="1050" kern="1200">
+                <a:solidFill>
+                  <a:schemeClr val="tx1"/>
+                </a:solidFill>
+                <a:latin typeface="+mn-lt"/>
+                <a:ea typeface="+mn-ea"/>
+                <a:cs typeface="+mn-cs"/>
+              </a:defRPr>
+            </a:lvl8pPr>
+            <a:lvl9pPr marL="2914650" indent="-171450" algn="l" defTabSz="685800" rtl="0" eaLnBrk="1" latinLnBrk="0" hangingPunct="1">
+              <a:lnSpc>
+                <a:spcPct val="120000"/>
+              </a:lnSpc>
+              <a:spcBef>
+                <a:spcPts val="375"/>
+              </a:spcBef>
+              <a:buSzPct val="125000"/>
+              <a:buFont typeface="Arial" panose="020B0604020202020204" pitchFamily="34" charset="0"/>
+              <a:buChar char="•"/>
+              <a:defRPr sz="1050" kern="1200">
+                <a:solidFill>
+                  <a:schemeClr val="tx1"/>
+                </a:solidFill>
+                <a:latin typeface="+mn-lt"/>
+                <a:ea typeface="+mn-ea"/>
+                <a:cs typeface="+mn-cs"/>
+              </a:defRPr>
+            </a:lvl9pPr>
+          </a:lstStyle>
           <a:p>
             <a:pPr marL="0" lvl="0" indent="0" algn="l" rtl="0">
               <a:spcBef>
@@ -15582,44 +16071,218 @@
             </a:pPr>
             <a:r>
               <a:rPr lang="en-US" sz="1050" dirty="0">
-                <a:solidFill>
-                  <a:schemeClr val="bg1"/>
-                </a:solidFill>
                 <a:latin typeface="Arial"/>
                 <a:ea typeface="Arial"/>
                 <a:cs typeface="Arial"/>
                 <a:sym typeface="Arial"/>
               </a:rPr>
-              <a:t>The team approached this analysis in the following manner:</a:t>
+              <a:t>The team’s initial hypothesis was that the feature “Tool Wear” would have the biggest impact on likelihood of machine failure, but that there would be particular features that would contribute more regularly to each of the six different failure types</a:t>
             </a:r>
           </a:p>
+        </p:txBody>
+      </p:sp>
+      <p:sp>
+        <p:nvSpPr>
+          <p:cNvPr id="8" name="Google Shape;135;p14">
+            <a:extLst>
+              <a:ext uri="{FF2B5EF4-FFF2-40B4-BE49-F238E27FC236}">
+                <a16:creationId xmlns:a16="http://schemas.microsoft.com/office/drawing/2014/main" id="{5ED3E8E1-876B-F64C-3210-7D9FA1F014E5}"/>
+              </a:ext>
+            </a:extLst>
+          </p:cNvPr>
+          <p:cNvSpPr txBox="1">
+            <a:spLocks/>
+          </p:cNvSpPr>
+          <p:nvPr/>
+        </p:nvSpPr>
+        <p:spPr>
+          <a:xfrm>
+            <a:off x="2499799" y="3639245"/>
+            <a:ext cx="5785760" cy="766333"/>
+          </a:xfrm>
+          <a:prstGeom prst="rect">
+            <a:avLst/>
+          </a:prstGeom>
+        </p:spPr>
+        <p:txBody>
+          <a:bodyPr spcFirstLastPara="1" vert="horz" wrap="square" lIns="91425" tIns="91425" rIns="91425" bIns="91425" rtlCol="0" anchor="t" anchorCtr="0">
+            <a:spAutoFit/>
+          </a:bodyPr>
+          <a:lstStyle>
+            <a:lvl1pPr marL="171450" indent="-171450" algn="l" defTabSz="685800" rtl="0" eaLnBrk="1" latinLnBrk="0" hangingPunct="1">
+              <a:lnSpc>
+                <a:spcPct val="120000"/>
+              </a:lnSpc>
+              <a:spcBef>
+                <a:spcPts val="750"/>
+              </a:spcBef>
+              <a:buSzPct val="125000"/>
+              <a:buFont typeface="Arial" panose="020B0604020202020204" pitchFamily="34" charset="0"/>
+              <a:buChar char="•"/>
+              <a:defRPr sz="1800" kern="1200">
+                <a:solidFill>
+                  <a:schemeClr val="tx1"/>
+                </a:solidFill>
+                <a:latin typeface="+mn-lt"/>
+                <a:ea typeface="+mn-ea"/>
+                <a:cs typeface="+mn-cs"/>
+              </a:defRPr>
+            </a:lvl1pPr>
+            <a:lvl2pPr marL="514350" indent="-171450" algn="l" defTabSz="685800" rtl="0" eaLnBrk="1" latinLnBrk="0" hangingPunct="1">
+              <a:lnSpc>
+                <a:spcPct val="120000"/>
+              </a:lnSpc>
+              <a:spcBef>
+                <a:spcPts val="375"/>
+              </a:spcBef>
+              <a:buSzPct val="125000"/>
+              <a:buFont typeface="Arial" panose="020B0604020202020204" pitchFamily="34" charset="0"/>
+              <a:buChar char="•"/>
+              <a:defRPr sz="1500" kern="1200">
+                <a:solidFill>
+                  <a:schemeClr val="tx1"/>
+                </a:solidFill>
+                <a:latin typeface="+mn-lt"/>
+                <a:ea typeface="+mn-ea"/>
+                <a:cs typeface="+mn-cs"/>
+              </a:defRPr>
+            </a:lvl2pPr>
+            <a:lvl3pPr marL="857250" indent="-171450" algn="l" defTabSz="685800" rtl="0" eaLnBrk="1" latinLnBrk="0" hangingPunct="1">
+              <a:lnSpc>
+                <a:spcPct val="120000"/>
+              </a:lnSpc>
+              <a:spcBef>
+                <a:spcPts val="375"/>
+              </a:spcBef>
+              <a:buSzPct val="125000"/>
+              <a:buFont typeface="Arial" panose="020B0604020202020204" pitchFamily="34" charset="0"/>
+              <a:buChar char="•"/>
+              <a:defRPr sz="1350" kern="1200">
+                <a:solidFill>
+                  <a:schemeClr val="tx1"/>
+                </a:solidFill>
+                <a:latin typeface="+mn-lt"/>
+                <a:ea typeface="+mn-ea"/>
+                <a:cs typeface="+mn-cs"/>
+              </a:defRPr>
+            </a:lvl3pPr>
+            <a:lvl4pPr marL="1200150" indent="-171450" algn="l" defTabSz="685800" rtl="0" eaLnBrk="1" latinLnBrk="0" hangingPunct="1">
+              <a:lnSpc>
+                <a:spcPct val="120000"/>
+              </a:lnSpc>
+              <a:spcBef>
+                <a:spcPts val="375"/>
+              </a:spcBef>
+              <a:buSzPct val="125000"/>
+              <a:buFont typeface="Arial" panose="020B0604020202020204" pitchFamily="34" charset="0"/>
+              <a:buChar char="•"/>
+              <a:defRPr sz="1200" kern="1200">
+                <a:solidFill>
+                  <a:schemeClr val="tx1"/>
+                </a:solidFill>
+                <a:latin typeface="+mn-lt"/>
+                <a:ea typeface="+mn-ea"/>
+                <a:cs typeface="+mn-cs"/>
+              </a:defRPr>
+            </a:lvl4pPr>
+            <a:lvl5pPr marL="1543050" indent="-171450" algn="l" defTabSz="685800" rtl="0" eaLnBrk="1" latinLnBrk="0" hangingPunct="1">
+              <a:lnSpc>
+                <a:spcPct val="120000"/>
+              </a:lnSpc>
+              <a:spcBef>
+                <a:spcPts val="375"/>
+              </a:spcBef>
+              <a:buSzPct val="125000"/>
+              <a:buFont typeface="Arial" panose="020B0604020202020204" pitchFamily="34" charset="0"/>
+              <a:buChar char="•"/>
+              <a:defRPr sz="1200" kern="1200">
+                <a:solidFill>
+                  <a:schemeClr val="tx1"/>
+                </a:solidFill>
+                <a:latin typeface="+mn-lt"/>
+                <a:ea typeface="+mn-ea"/>
+                <a:cs typeface="+mn-cs"/>
+              </a:defRPr>
+            </a:lvl5pPr>
+            <a:lvl6pPr marL="1885950" indent="-171450" algn="l" defTabSz="685800" rtl="0" eaLnBrk="1" latinLnBrk="0" hangingPunct="1">
+              <a:lnSpc>
+                <a:spcPct val="120000"/>
+              </a:lnSpc>
+              <a:spcBef>
+                <a:spcPts val="375"/>
+              </a:spcBef>
+              <a:buSzPct val="125000"/>
+              <a:buFont typeface="Arial" panose="020B0604020202020204" pitchFamily="34" charset="0"/>
+              <a:buChar char="•"/>
+              <a:defRPr sz="1050" kern="1200">
+                <a:solidFill>
+                  <a:schemeClr val="tx1"/>
+                </a:solidFill>
+                <a:latin typeface="+mn-lt"/>
+                <a:ea typeface="+mn-ea"/>
+                <a:cs typeface="+mn-cs"/>
+              </a:defRPr>
+            </a:lvl6pPr>
+            <a:lvl7pPr marL="2228850" indent="-171450" algn="l" defTabSz="685800" rtl="0" eaLnBrk="1" latinLnBrk="0" hangingPunct="1">
+              <a:lnSpc>
+                <a:spcPct val="120000"/>
+              </a:lnSpc>
+              <a:spcBef>
+                <a:spcPts val="375"/>
+              </a:spcBef>
+              <a:buSzPct val="125000"/>
+              <a:buFont typeface="Arial" panose="020B0604020202020204" pitchFamily="34" charset="0"/>
+              <a:buChar char="•"/>
+              <a:defRPr sz="1050" kern="1200">
+                <a:solidFill>
+                  <a:schemeClr val="tx1"/>
+                </a:solidFill>
+                <a:latin typeface="+mn-lt"/>
+                <a:ea typeface="+mn-ea"/>
+                <a:cs typeface="+mn-cs"/>
+              </a:defRPr>
+            </a:lvl7pPr>
+            <a:lvl8pPr marL="2571750" indent="-171450" algn="l" defTabSz="685800" rtl="0" eaLnBrk="1" latinLnBrk="0" hangingPunct="1">
+              <a:lnSpc>
+                <a:spcPct val="120000"/>
+              </a:lnSpc>
+              <a:spcBef>
+                <a:spcPts val="375"/>
+              </a:spcBef>
+              <a:buSzPct val="125000"/>
+              <a:buFont typeface="Arial" panose="020B0604020202020204" pitchFamily="34" charset="0"/>
+              <a:buChar char="•"/>
+              <a:defRPr sz="1050" kern="1200">
+                <a:solidFill>
+                  <a:schemeClr val="tx1"/>
+                </a:solidFill>
+                <a:latin typeface="+mn-lt"/>
+                <a:ea typeface="+mn-ea"/>
+                <a:cs typeface="+mn-cs"/>
+              </a:defRPr>
+            </a:lvl8pPr>
+            <a:lvl9pPr marL="2914650" indent="-171450" algn="l" defTabSz="685800" rtl="0" eaLnBrk="1" latinLnBrk="0" hangingPunct="1">
+              <a:lnSpc>
+                <a:spcPct val="120000"/>
+              </a:lnSpc>
+              <a:spcBef>
+                <a:spcPts val="375"/>
+              </a:spcBef>
+              <a:buSzPct val="125000"/>
+              <a:buFont typeface="Arial" panose="020B0604020202020204" pitchFamily="34" charset="0"/>
+              <a:buChar char="•"/>
+              <a:defRPr sz="1050" kern="1200">
+                <a:solidFill>
+                  <a:schemeClr val="tx1"/>
+                </a:solidFill>
+                <a:latin typeface="+mn-lt"/>
+                <a:ea typeface="+mn-ea"/>
+                <a:cs typeface="+mn-cs"/>
+              </a:defRPr>
+            </a:lvl9pPr>
+          </a:lstStyle>
           <a:p>
-            <a:pPr marL="457200" lvl="0" indent="-295275" algn="l" rtl="0">
-              <a:spcBef>
-                <a:spcPts val="1200"/>
-              </a:spcBef>
-              <a:spcAft>
-                <a:spcPts val="0"/>
-              </a:spcAft>
-              <a:buSzPts val="1050"/>
-              <a:buFont typeface="Arial"/>
-              <a:buAutoNum type="arabicPeriod"/>
-            </a:pPr>
-            <a:r>
-              <a:rPr lang="en-US" sz="1050" i="1" dirty="0">
-                <a:solidFill>
-                  <a:schemeClr val="bg1"/>
-                </a:solidFill>
-                <a:latin typeface="Arial"/>
-                <a:ea typeface="Arial"/>
-                <a:cs typeface="Arial"/>
-                <a:sym typeface="Arial"/>
-              </a:rPr>
-              <a:t>Data Overview</a:t>
-            </a:r>
-          </a:p>
-          <a:p>
-            <a:pPr marL="457200" lvl="0" indent="-295275" algn="l" rtl="0">
+            <a:pPr marL="295275" lvl="0" indent="-295275" algn="l" rtl="0">
               <a:spcBef>
                 <a:spcPts val="0"/>
               </a:spcBef>
@@ -15631,20 +16294,17 @@
               <a:buAutoNum type="arabicPeriod"/>
             </a:pPr>
             <a:r>
-              <a:rPr lang="en-US" sz="1050" i="1" dirty="0">
-                <a:solidFill>
-                  <a:schemeClr val="bg1"/>
-                </a:solidFill>
+              <a:rPr lang="en-US" sz="1050" dirty="0">
                 <a:latin typeface="Arial"/>
                 <a:ea typeface="Arial"/>
                 <a:cs typeface="Arial"/>
                 <a:sym typeface="Arial"/>
               </a:rPr>
-              <a:t>Analyses and Conclusions</a:t>
+              <a:t>Data Overview</a:t>
             </a:r>
           </a:p>
           <a:p>
-            <a:pPr marL="457200" lvl="0" indent="-295275" algn="l" rtl="0">
+            <a:pPr marL="295275" lvl="0" indent="-295275" algn="l" rtl="0">
               <a:spcBef>
                 <a:spcPts val="0"/>
               </a:spcBef>
@@ -15656,16 +16316,35 @@
               <a:buAutoNum type="arabicPeriod"/>
             </a:pPr>
             <a:r>
-              <a:rPr lang="en-US" sz="1050" i="1" dirty="0">
-                <a:solidFill>
-                  <a:schemeClr val="bg1"/>
-                </a:solidFill>
+              <a:rPr lang="en-US" sz="1050" dirty="0">
                 <a:latin typeface="Arial"/>
                 <a:ea typeface="Arial"/>
                 <a:cs typeface="Arial"/>
                 <a:sym typeface="Arial"/>
               </a:rPr>
-              <a:t>Next Steps</a:t>
+              <a:t>Analyses</a:t>
+            </a:r>
+          </a:p>
+          <a:p>
+            <a:pPr marL="295275" lvl="0" indent="-295275" algn="l" rtl="0">
+              <a:spcBef>
+                <a:spcPts val="0"/>
+              </a:spcBef>
+              <a:spcAft>
+                <a:spcPts val="0"/>
+              </a:spcAft>
+              <a:buSzPts val="1050"/>
+              <a:buFont typeface="Arial"/>
+              <a:buAutoNum type="arabicPeriod"/>
+            </a:pPr>
+            <a:r>
+              <a:rPr lang="en-US" sz="1050" dirty="0">
+                <a:latin typeface="Arial"/>
+                <a:ea typeface="Arial"/>
+                <a:cs typeface="Arial"/>
+                <a:sym typeface="Arial"/>
+              </a:rPr>
+              <a:t>Conclusions &amp; Next Steps</a:t>
             </a:r>
           </a:p>
         </p:txBody>
@@ -15681,6 +16360,14 @@
 <file path=ppt/slides/slide3.xml><?xml version="1.0" encoding="utf-8"?>
 <p:sld xmlns:a="http://schemas.openxmlformats.org/drawingml/2006/main" xmlns:r="http://schemas.openxmlformats.org/officeDocument/2006/relationships" xmlns:p="http://schemas.openxmlformats.org/presentationml/2006/main">
   <p:cSld>
+    <p:bg>
+      <p:bgPr>
+        <a:solidFill>
+          <a:schemeClr val="bg1"/>
+        </a:solidFill>
+        <a:effectLst/>
+      </p:bgPr>
+    </p:bg>
     <p:spTree>
       <p:nvGrpSpPr>
         <p:cNvPr id="1" name="Shape 139"/>
@@ -15761,8 +16448,8 @@
         </p:nvSpPr>
         <p:spPr>
           <a:xfrm>
-            <a:off x="4626765" y="1207008"/>
-            <a:ext cx="3658793" cy="3285792"/>
+            <a:off x="4626765" y="1500615"/>
+            <a:ext cx="3658793" cy="915988"/>
           </a:xfrm>
         </p:spPr>
         <p:txBody>
@@ -15771,24 +16458,9 @@
           </a:bodyPr>
           <a:lstStyle/>
           <a:p>
-            <a:r>
-              <a:rPr lang="en-US" sz="1200" dirty="0">
-                <a:solidFill>
-                  <a:schemeClr val="bg1"/>
-                </a:solidFill>
-                <a:latin typeface="Arial" panose="020B0604020202020204" pitchFamily="34" charset="0"/>
-                <a:cs typeface="Arial" panose="020B0604020202020204" pitchFamily="34" charset="0"/>
-              </a:rPr>
-              <a:t>IDs</a:t>
-            </a:r>
-          </a:p>
-          <a:p>
-            <a:pPr lvl="1"/>
+            <a:pPr marL="174625" lvl="1"/>
             <a:r>
               <a:rPr lang="en-US" sz="1100" dirty="0">
-                <a:solidFill>
-                  <a:schemeClr val="bg1"/>
-                </a:solidFill>
                 <a:latin typeface="Arial" panose="020B0604020202020204" pitchFamily="34" charset="0"/>
                 <a:cs typeface="Arial" panose="020B0604020202020204" pitchFamily="34" charset="0"/>
               </a:rPr>
@@ -15796,9 +16468,6 @@
             </a:r>
             <a:r>
               <a:rPr lang="en-US" sz="900" dirty="0">
-                <a:solidFill>
-                  <a:schemeClr val="bg1"/>
-                </a:solidFill>
                 <a:latin typeface="Arial" panose="020B0604020202020204" pitchFamily="34" charset="0"/>
                 <a:cs typeface="Arial" panose="020B0604020202020204" pitchFamily="34" charset="0"/>
               </a:rPr>
@@ -15806,12 +16475,9 @@
             </a:r>
           </a:p>
           <a:p>
-            <a:pPr lvl="1"/>
+            <a:pPr marL="174625" lvl="1"/>
             <a:r>
               <a:rPr lang="en-US" sz="1100" dirty="0" err="1">
-                <a:solidFill>
-                  <a:schemeClr val="bg1"/>
-                </a:solidFill>
                 <a:latin typeface="Arial" panose="020B0604020202020204" pitchFamily="34" charset="0"/>
                 <a:cs typeface="Arial" panose="020B0604020202020204" pitchFamily="34" charset="0"/>
               </a:rPr>
@@ -15819,9 +16485,6 @@
             </a:r>
             <a:r>
               <a:rPr lang="en-US" sz="1100" dirty="0">
-                <a:solidFill>
-                  <a:schemeClr val="bg1"/>
-                </a:solidFill>
                 <a:latin typeface="Arial" panose="020B0604020202020204" pitchFamily="34" charset="0"/>
                 <a:cs typeface="Arial" panose="020B0604020202020204" pitchFamily="34" charset="0"/>
               </a:rPr>
@@ -15829,82 +16492,58 @@
             </a:r>
             <a:r>
               <a:rPr lang="en-US" sz="900" dirty="0">
-                <a:solidFill>
-                  <a:schemeClr val="bg1"/>
-                </a:solidFill>
                 <a:latin typeface="Arial" panose="020B0604020202020204" pitchFamily="34" charset="0"/>
                 <a:cs typeface="Arial" panose="020B0604020202020204" pitchFamily="34" charset="0"/>
               </a:rPr>
-              <a:t>Consisting of a letter L, M, or H for low (50% of all products), medium (30%), or high (20%) as product quality variants and a variant-specific serial number</a:t>
+              <a:t>Consisting of a letter L, M, or H for Low (50% of all products), Medium (30%), or High (20%) as product quality variants and a variant-specific serial number</a:t>
             </a:r>
-          </a:p>
-          <a:p>
-            <a:r>
-              <a:rPr lang="en-US" sz="1200" dirty="0">
-                <a:solidFill>
-                  <a:schemeClr val="bg1"/>
-                </a:solidFill>
-                <a:latin typeface="Arial" panose="020B0604020202020204" pitchFamily="34" charset="0"/>
-                <a:cs typeface="Arial" panose="020B0604020202020204" pitchFamily="34" charset="0"/>
-              </a:rPr>
-              <a:t>Targets</a:t>
-            </a:r>
-          </a:p>
-          <a:p>
-            <a:pPr lvl="1"/>
-            <a:r>
-              <a:rPr lang="en-US" sz="1100" dirty="0">
-                <a:solidFill>
-                  <a:schemeClr val="bg1"/>
-                </a:solidFill>
-                <a:latin typeface="Arial" panose="020B0604020202020204" pitchFamily="34" charset="0"/>
-                <a:cs typeface="Arial" panose="020B0604020202020204" pitchFamily="34" charset="0"/>
-              </a:rPr>
-              <a:t>Target: </a:t>
-            </a:r>
-            <a:r>
-              <a:rPr lang="en-US" sz="900" dirty="0">
-                <a:solidFill>
-                  <a:schemeClr val="bg1"/>
-                </a:solidFill>
-                <a:latin typeface="Arial" panose="020B0604020202020204" pitchFamily="34" charset="0"/>
-                <a:cs typeface="Arial" panose="020B0604020202020204" pitchFamily="34" charset="0"/>
-              </a:rPr>
-              <a:t>0 (No Failure) or 1 (Failure)</a:t>
-            </a:r>
-          </a:p>
-          <a:p>
-            <a:pPr lvl="1"/>
-            <a:r>
-              <a:rPr lang="en-US" sz="1100" dirty="0">
-                <a:solidFill>
-                  <a:schemeClr val="bg1"/>
-                </a:solidFill>
-                <a:latin typeface="Arial" panose="020B0604020202020204" pitchFamily="34" charset="0"/>
-                <a:cs typeface="Arial" panose="020B0604020202020204" pitchFamily="34" charset="0"/>
-              </a:rPr>
-              <a:t>Failure Type: </a:t>
-            </a:r>
-            <a:r>
-              <a:rPr lang="en-US" sz="900" dirty="0">
-                <a:solidFill>
-                  <a:schemeClr val="bg1"/>
-                </a:solidFill>
-                <a:latin typeface="Arial" panose="020B0604020202020204" pitchFamily="34" charset="0"/>
-                <a:cs typeface="Arial" panose="020B0604020202020204" pitchFamily="34" charset="0"/>
-              </a:rPr>
-              <a:t>Heat Dissipation Failure, Overstrain Failure, No Failure, Power Failure, Random Failures, Tool Wear Failure</a:t>
-            </a:r>
-            <a:endParaRPr lang="en-US" sz="950" dirty="0">
-              <a:solidFill>
-                <a:schemeClr val="bg1"/>
-              </a:solidFill>
-              <a:latin typeface="Arial" panose="020B0604020202020204" pitchFamily="34" charset="0"/>
-              <a:cs typeface="Arial" panose="020B0604020202020204" pitchFamily="34" charset="0"/>
-            </a:endParaRPr>
           </a:p>
         </p:txBody>
       </p:sp>
+      <p:cxnSp>
+        <p:nvCxnSpPr>
+          <p:cNvPr id="7" name="Straight Connector 6">
+            <a:extLst>
+              <a:ext uri="{FF2B5EF4-FFF2-40B4-BE49-F238E27FC236}">
+                <a16:creationId xmlns:a16="http://schemas.microsoft.com/office/drawing/2014/main" id="{3AB354D3-8D60-F9E9-1049-F2B134AD212C}"/>
+              </a:ext>
+            </a:extLst>
+          </p:cNvPr>
+          <p:cNvCxnSpPr>
+            <a:cxnSpLocks/>
+            <a:endCxn id="4" idx="1"/>
+          </p:cNvCxnSpPr>
+          <p:nvPr/>
+        </p:nvCxnSpPr>
+        <p:spPr>
+          <a:xfrm flipV="1">
+            <a:off x="856058" y="1345508"/>
+            <a:ext cx="1403825" cy="0"/>
+          </a:xfrm>
+          <a:prstGeom prst="line">
+            <a:avLst/>
+          </a:prstGeom>
+          <a:ln>
+            <a:solidFill>
+              <a:srgbClr val="49C6DB"/>
+            </a:solidFill>
+          </a:ln>
+        </p:spPr>
+        <p:style>
+          <a:lnRef idx="1">
+            <a:schemeClr val="accent1"/>
+          </a:lnRef>
+          <a:fillRef idx="0">
+            <a:schemeClr val="accent1"/>
+          </a:fillRef>
+          <a:effectRef idx="0">
+            <a:schemeClr val="accent1"/>
+          </a:effectRef>
+          <a:fontRef idx="minor">
+            <a:schemeClr val="tx1"/>
+          </a:fontRef>
+        </p:style>
+      </p:cxnSp>
       <p:sp>
         <p:nvSpPr>
           <p:cNvPr id="3" name="Content Placeholder 2">
@@ -15923,8 +16562,8 @@
         </p:nvSpPr>
         <p:spPr>
           <a:xfrm>
-            <a:off x="856058" y="1207008"/>
-            <a:ext cx="3656408" cy="3285792"/>
+            <a:off x="856058" y="1500615"/>
+            <a:ext cx="3656408" cy="2992185"/>
           </a:xfrm>
         </p:spPr>
         <p:txBody>
@@ -15933,24 +16572,9 @@
           </a:bodyPr>
           <a:lstStyle/>
           <a:p>
-            <a:r>
-              <a:rPr lang="en-US" sz="1200" dirty="0">
-                <a:solidFill>
-                  <a:schemeClr val="bg1"/>
-                </a:solidFill>
-                <a:latin typeface="Arial" panose="020B0604020202020204" pitchFamily="34" charset="0"/>
-                <a:cs typeface="Arial" panose="020B0604020202020204" pitchFamily="34" charset="0"/>
-              </a:rPr>
-              <a:t>Features</a:t>
-            </a:r>
-          </a:p>
-          <a:p>
-            <a:pPr lvl="1"/>
+            <a:pPr marL="174625" lvl="1"/>
             <a:r>
               <a:rPr lang="en-US" sz="1100" dirty="0">
-                <a:solidFill>
-                  <a:schemeClr val="bg1"/>
-                </a:solidFill>
                 <a:latin typeface="Arial" panose="020B0604020202020204" pitchFamily="34" charset="0"/>
                 <a:cs typeface="Arial" panose="020B0604020202020204" pitchFamily="34" charset="0"/>
               </a:rPr>
@@ -15958,29 +16582,20 @@
             </a:r>
             <a:r>
               <a:rPr lang="en-US" sz="900" dirty="0">
-                <a:solidFill>
-                  <a:schemeClr val="bg1"/>
-                </a:solidFill>
                 <a:latin typeface="Arial" panose="020B0604020202020204" pitchFamily="34" charset="0"/>
                 <a:cs typeface="Arial" panose="020B0604020202020204" pitchFamily="34" charset="0"/>
               </a:rPr>
-              <a:t>Consisting of a letter L, M, or H for low, medium, or high</a:t>
+              <a:t>Consisting of a letter L, M, or H for Low, Medium, or High</a:t>
             </a:r>
             <a:endParaRPr lang="en-US" sz="1100" dirty="0">
-              <a:solidFill>
-                <a:schemeClr val="bg1"/>
-              </a:solidFill>
               <a:latin typeface="Arial" panose="020B0604020202020204" pitchFamily="34" charset="0"/>
               <a:cs typeface="Arial" panose="020B0604020202020204" pitchFamily="34" charset="0"/>
             </a:endParaRPr>
           </a:p>
           <a:p>
-            <a:pPr lvl="1"/>
+            <a:pPr marL="174625" lvl="1"/>
             <a:r>
               <a:rPr lang="en-US" sz="1100" dirty="0">
-                <a:solidFill>
-                  <a:schemeClr val="bg1"/>
-                </a:solidFill>
                 <a:latin typeface="Arial" panose="020B0604020202020204" pitchFamily="34" charset="0"/>
                 <a:cs typeface="Arial" panose="020B0604020202020204" pitchFamily="34" charset="0"/>
               </a:rPr>
@@ -15988,9 +16603,6 @@
             </a:r>
             <a:r>
               <a:rPr lang="en-US" sz="900" dirty="0">
-                <a:solidFill>
-                  <a:schemeClr val="bg1"/>
-                </a:solidFill>
                 <a:latin typeface="Arial" panose="020B0604020202020204" pitchFamily="34" charset="0"/>
                 <a:cs typeface="Arial" panose="020B0604020202020204" pitchFamily="34" charset="0"/>
               </a:rPr>
@@ -15998,7 +16610,7 @@
             </a:r>
           </a:p>
           <a:p>
-            <a:pPr marL="514350" marR="0" lvl="1" indent="-171450" algn="l" defTabSz="685800" rtl="0" eaLnBrk="1" fontAlgn="auto" latinLnBrk="0" hangingPunct="1">
+            <a:pPr marL="174625" marR="0" lvl="1" algn="l" defTabSz="685800" rtl="0" eaLnBrk="1" fontAlgn="auto" latinLnBrk="0" hangingPunct="1">
               <a:spcBef>
                 <a:spcPts val="375"/>
               </a:spcBef>
@@ -16017,9 +16629,6 @@
                 <a:ln>
                   <a:noFill/>
                 </a:ln>
-                <a:solidFill>
-                  <a:prstClr val="black"/>
-                </a:solidFill>
                 <a:effectLst/>
                 <a:uLnTx/>
                 <a:uFillTx/>
@@ -16034,9 +16643,6 @@
                 <a:ln>
                   <a:noFill/>
                 </a:ln>
-                <a:solidFill>
-                  <a:prstClr val="black"/>
-                </a:solidFill>
                 <a:effectLst/>
                 <a:uLnTx/>
                 <a:uFillTx/>
@@ -16048,7 +16654,7 @@
             </a:r>
           </a:p>
           <a:p>
-            <a:pPr marL="514350" marR="0" lvl="1" indent="-171450" algn="l" defTabSz="685800" rtl="0" eaLnBrk="1" fontAlgn="auto" latinLnBrk="0" hangingPunct="1">
+            <a:pPr marL="174625" marR="0" lvl="1" algn="l" defTabSz="685800" rtl="0" eaLnBrk="1" fontAlgn="auto" latinLnBrk="0" hangingPunct="1">
               <a:spcBef>
                 <a:spcPts val="375"/>
               </a:spcBef>
@@ -16067,9 +16673,6 @@
                 <a:ln>
                   <a:noFill/>
                 </a:ln>
-                <a:solidFill>
-                  <a:prstClr val="black"/>
-                </a:solidFill>
                 <a:effectLst/>
                 <a:uLnTx/>
                 <a:uFillTx/>
@@ -16084,9 +16687,6 @@
                 <a:ln>
                   <a:noFill/>
                 </a:ln>
-                <a:solidFill>
-                  <a:prstClr val="black"/>
-                </a:solidFill>
                 <a:effectLst/>
                 <a:uLnTx/>
                 <a:uFillTx/>
@@ -16094,45 +16694,11 @@
                 <a:ea typeface="+mn-ea"/>
                 <a:cs typeface="Arial" panose="020B0604020202020204" pitchFamily="34" charset="0"/>
               </a:rPr>
-              <a:t>Calculated from </a:t>
-            </a:r>
-            <a:r>
-              <a:rPr kumimoji="0" lang="en-US" sz="900" b="0" i="0" u="none" strike="noStrike" kern="1200" cap="none" spc="0" normalizeH="0" baseline="0" noProof="0" dirty="0" err="1">
-                <a:ln>
-                  <a:noFill/>
-                </a:ln>
-                <a:solidFill>
-                  <a:prstClr val="black"/>
-                </a:solidFill>
-                <a:effectLst/>
-                <a:uLnTx/>
-                <a:uFillTx/>
-                <a:latin typeface="Arial" panose="020B0604020202020204" pitchFamily="34" charset="0"/>
-                <a:ea typeface="+mn-ea"/>
-                <a:cs typeface="Arial" panose="020B0604020202020204" pitchFamily="34" charset="0"/>
-              </a:rPr>
-              <a:t>powerpower</a:t>
-            </a:r>
-            <a:r>
-              <a:rPr kumimoji="0" lang="en-US" sz="900" b="0" i="0" u="none" strike="noStrike" kern="1200" cap="none" spc="0" normalizeH="0" baseline="0" noProof="0" dirty="0">
-                <a:ln>
-                  <a:noFill/>
-                </a:ln>
-                <a:solidFill>
-                  <a:prstClr val="black"/>
-                </a:solidFill>
-                <a:effectLst/>
-                <a:uLnTx/>
-                <a:uFillTx/>
-                <a:latin typeface="Arial" panose="020B0604020202020204" pitchFamily="34" charset="0"/>
-                <a:ea typeface="+mn-ea"/>
-                <a:cs typeface="Arial" panose="020B0604020202020204" pitchFamily="34" charset="0"/>
-              </a:rPr>
-              <a:t> of 2860 W, overlaid with a normally distributed noise</a:t>
+              <a:t>Calculated from power of 2860 W, overlaid with a normally distributed noise</a:t>
             </a:r>
           </a:p>
           <a:p>
-            <a:pPr marL="514350" marR="0" lvl="1" indent="-171450" algn="l" defTabSz="685800" rtl="0" eaLnBrk="1" fontAlgn="auto" latinLnBrk="0" hangingPunct="1">
+            <a:pPr marL="174625" marR="0" lvl="1" algn="l" defTabSz="685800" rtl="0" eaLnBrk="1" fontAlgn="auto" latinLnBrk="0" hangingPunct="1">
               <a:spcBef>
                 <a:spcPts val="375"/>
               </a:spcBef>
@@ -16151,9 +16717,6 @@
                 <a:ln>
                   <a:noFill/>
                 </a:ln>
-                <a:solidFill>
-                  <a:prstClr val="black"/>
-                </a:solidFill>
                 <a:effectLst/>
                 <a:uLnTx/>
                 <a:uFillTx/>
@@ -16168,9 +16731,6 @@
                 <a:ln>
                   <a:noFill/>
                 </a:ln>
-                <a:solidFill>
-                  <a:prstClr val="black"/>
-                </a:solidFill>
                 <a:effectLst/>
                 <a:uLnTx/>
                 <a:uFillTx/>
@@ -16185,9 +16745,6 @@
                 <a:ln>
                   <a:noFill/>
                 </a:ln>
-                <a:solidFill>
-                  <a:prstClr val="black"/>
-                </a:solidFill>
                 <a:effectLst/>
                 <a:uLnTx/>
                 <a:uFillTx/>
@@ -16202,9 +16759,6 @@
                 <a:ln>
                   <a:noFill/>
                 </a:ln>
-                <a:solidFill>
-                  <a:prstClr val="black"/>
-                </a:solidFill>
                 <a:effectLst/>
                 <a:uLnTx/>
                 <a:uFillTx/>
@@ -16216,7 +16770,7 @@
             </a:r>
           </a:p>
           <a:p>
-            <a:pPr marL="514350" marR="0" lvl="1" indent="-171450" algn="l" defTabSz="685800" rtl="0" eaLnBrk="1" fontAlgn="auto" latinLnBrk="0" hangingPunct="1">
+            <a:pPr marL="174625" marR="0" lvl="1" algn="l" defTabSz="685800" rtl="0" eaLnBrk="1" fontAlgn="auto" latinLnBrk="0" hangingPunct="1">
               <a:spcBef>
                 <a:spcPts val="375"/>
               </a:spcBef>
@@ -16235,9 +16789,6 @@
                 <a:ln>
                   <a:noFill/>
                 </a:ln>
-                <a:solidFill>
-                  <a:prstClr val="black"/>
-                </a:solidFill>
                 <a:effectLst/>
                 <a:uLnTx/>
                 <a:uFillTx/>
@@ -16252,9 +16803,6 @@
                 <a:ln>
                   <a:noFill/>
                 </a:ln>
-                <a:solidFill>
-                  <a:prstClr val="black"/>
-                </a:solidFill>
                 <a:effectLst/>
                 <a:uLnTx/>
                 <a:uFillTx/>
@@ -16262,7 +16810,7 @@
                 <a:ea typeface="+mn-ea"/>
                 <a:cs typeface="Arial" panose="020B0604020202020204" pitchFamily="34" charset="0"/>
               </a:rPr>
-              <a:t>The quality variants H/M/L add 5/3/2 minutes of tool wear to the used tool in the process. and a 'machine failure' label that indicates, whether the machine has failed in this particular data point for any of the following failure modes are true</a:t>
+              <a:t>The quality variants H/M/L add 5/3/2 minutes of tool wear to the used tool in the process and a 'machine failure' label that indicates whether the machine has failed in this particular data point for any of the indicated failure modes</a:t>
             </a:r>
           </a:p>
         </p:txBody>
@@ -16291,13 +16839,16 @@
         </p:spPr>
         <p:txBody>
           <a:bodyPr anchor="ctr">
-            <a:normAutofit lnSpcReduction="10000"/>
+            <a:normAutofit/>
           </a:bodyPr>
           <a:lstStyle/>
           <a:p>
             <a:pPr algn="r"/>
             <a:r>
-              <a:rPr lang="en-US" sz="1400" i="1" cap="none" dirty="0">
+              <a:rPr lang="en-US" sz="1200" i="1" cap="none" dirty="0">
+                <a:solidFill>
+                  <a:srgbClr val="49C6DB"/>
+                </a:solidFill>
                 <a:latin typeface="Arial" panose="020B0604020202020204" pitchFamily="34" charset="0"/>
                 <a:cs typeface="Arial" panose="020B0604020202020204" pitchFamily="34" charset="0"/>
               </a:rPr>
@@ -16307,7 +16858,10 @@
           <a:p>
             <a:pPr algn="r"/>
             <a:r>
-              <a:rPr lang="en-US" sz="1400" i="1" cap="none" dirty="0">
+              <a:rPr lang="en-US" sz="1200" i="1" cap="none" dirty="0">
+                <a:solidFill>
+                  <a:srgbClr val="49C6DB"/>
+                </a:solidFill>
                 <a:latin typeface="Arial" panose="020B0604020202020204" pitchFamily="34" charset="0"/>
                 <a:cs typeface="Arial" panose="020B0604020202020204" pitchFamily="34" charset="0"/>
               </a:rPr>
@@ -16527,9 +17081,6 @@
             </a:pPr>
             <a:r>
               <a:rPr lang="en-US" sz="800" i="1" cap="none" dirty="0">
-                <a:solidFill>
-                  <a:schemeClr val="bg1"/>
-                </a:solidFill>
                 <a:latin typeface="Arial" panose="020B0604020202020204" pitchFamily="34" charset="0"/>
                 <a:cs typeface="Arial" panose="020B0604020202020204" pitchFamily="34" charset="0"/>
               </a:rPr>
@@ -16547,9 +17098,6 @@
             </a:pPr>
             <a:r>
               <a:rPr lang="en-US" sz="800" i="1" cap="none" dirty="0">
-                <a:solidFill>
-                  <a:schemeClr val="bg1"/>
-                </a:solidFill>
                 <a:latin typeface="Arial" panose="020B0604020202020204" pitchFamily="34" charset="0"/>
                 <a:cs typeface="Arial" panose="020B0604020202020204" pitchFamily="34" charset="0"/>
               </a:rPr>
@@ -16558,6 +17106,1138 @@
           </a:p>
         </p:txBody>
       </p:sp>
+      <p:sp>
+        <p:nvSpPr>
+          <p:cNvPr id="4" name="Content Placeholder 2">
+            <a:extLst>
+              <a:ext uri="{FF2B5EF4-FFF2-40B4-BE49-F238E27FC236}">
+                <a16:creationId xmlns:a16="http://schemas.microsoft.com/office/drawing/2014/main" id="{F7F9A53C-84DA-E3D9-C17C-5CCF95C2E2F5}"/>
+              </a:ext>
+            </a:extLst>
+          </p:cNvPr>
+          <p:cNvSpPr txBox="1">
+            <a:spLocks/>
+          </p:cNvSpPr>
+          <p:nvPr/>
+        </p:nvSpPr>
+        <p:spPr>
+          <a:xfrm>
+            <a:off x="2259883" y="1207008"/>
+            <a:ext cx="848757" cy="276999"/>
+          </a:xfrm>
+          <a:prstGeom prst="rect">
+            <a:avLst/>
+          </a:prstGeom>
+        </p:spPr>
+        <p:txBody>
+          <a:bodyPr vert="horz" wrap="none" lIns="91440" tIns="45720" rIns="91440" bIns="45720" rtlCol="0">
+            <a:spAutoFit/>
+          </a:bodyPr>
+          <a:lstStyle>
+            <a:lvl1pPr marL="171450" indent="-171450" algn="l" defTabSz="685800" rtl="0" eaLnBrk="1" latinLnBrk="0" hangingPunct="1">
+              <a:lnSpc>
+                <a:spcPct val="120000"/>
+              </a:lnSpc>
+              <a:spcBef>
+                <a:spcPts val="750"/>
+              </a:spcBef>
+              <a:buSzPct val="125000"/>
+              <a:buFont typeface="Arial" panose="020B0604020202020204" pitchFamily="34" charset="0"/>
+              <a:buChar char="•"/>
+              <a:defRPr sz="1800" kern="1200">
+                <a:solidFill>
+                  <a:schemeClr val="tx1"/>
+                </a:solidFill>
+                <a:latin typeface="+mn-lt"/>
+                <a:ea typeface="+mn-ea"/>
+                <a:cs typeface="+mn-cs"/>
+              </a:defRPr>
+            </a:lvl1pPr>
+            <a:lvl2pPr marL="514350" indent="-171450" algn="l" defTabSz="685800" rtl="0" eaLnBrk="1" latinLnBrk="0" hangingPunct="1">
+              <a:lnSpc>
+                <a:spcPct val="120000"/>
+              </a:lnSpc>
+              <a:spcBef>
+                <a:spcPts val="375"/>
+              </a:spcBef>
+              <a:buSzPct val="125000"/>
+              <a:buFont typeface="Arial" panose="020B0604020202020204" pitchFamily="34" charset="0"/>
+              <a:buChar char="•"/>
+              <a:defRPr sz="1500" kern="1200">
+                <a:solidFill>
+                  <a:schemeClr val="tx1"/>
+                </a:solidFill>
+                <a:latin typeface="+mn-lt"/>
+                <a:ea typeface="+mn-ea"/>
+                <a:cs typeface="+mn-cs"/>
+              </a:defRPr>
+            </a:lvl2pPr>
+            <a:lvl3pPr marL="857250" indent="-171450" algn="l" defTabSz="685800" rtl="0" eaLnBrk="1" latinLnBrk="0" hangingPunct="1">
+              <a:lnSpc>
+                <a:spcPct val="120000"/>
+              </a:lnSpc>
+              <a:spcBef>
+                <a:spcPts val="375"/>
+              </a:spcBef>
+              <a:buSzPct val="125000"/>
+              <a:buFont typeface="Arial" panose="020B0604020202020204" pitchFamily="34" charset="0"/>
+              <a:buChar char="•"/>
+              <a:defRPr sz="1350" kern="1200">
+                <a:solidFill>
+                  <a:schemeClr val="tx1"/>
+                </a:solidFill>
+                <a:latin typeface="+mn-lt"/>
+                <a:ea typeface="+mn-ea"/>
+                <a:cs typeface="+mn-cs"/>
+              </a:defRPr>
+            </a:lvl3pPr>
+            <a:lvl4pPr marL="1200150" indent="-171450" algn="l" defTabSz="685800" rtl="0" eaLnBrk="1" latinLnBrk="0" hangingPunct="1">
+              <a:lnSpc>
+                <a:spcPct val="120000"/>
+              </a:lnSpc>
+              <a:spcBef>
+                <a:spcPts val="375"/>
+              </a:spcBef>
+              <a:buSzPct val="125000"/>
+              <a:buFont typeface="Arial" panose="020B0604020202020204" pitchFamily="34" charset="0"/>
+              <a:buChar char="•"/>
+              <a:defRPr sz="1200" kern="1200">
+                <a:solidFill>
+                  <a:schemeClr val="tx1"/>
+                </a:solidFill>
+                <a:latin typeface="+mn-lt"/>
+                <a:ea typeface="+mn-ea"/>
+                <a:cs typeface="+mn-cs"/>
+              </a:defRPr>
+            </a:lvl4pPr>
+            <a:lvl5pPr marL="1543050" indent="-171450" algn="l" defTabSz="685800" rtl="0" eaLnBrk="1" latinLnBrk="0" hangingPunct="1">
+              <a:lnSpc>
+                <a:spcPct val="120000"/>
+              </a:lnSpc>
+              <a:spcBef>
+                <a:spcPts val="375"/>
+              </a:spcBef>
+              <a:buSzPct val="125000"/>
+              <a:buFont typeface="Arial" panose="020B0604020202020204" pitchFamily="34" charset="0"/>
+              <a:buChar char="•"/>
+              <a:defRPr sz="1200" kern="1200">
+                <a:solidFill>
+                  <a:schemeClr val="tx1"/>
+                </a:solidFill>
+                <a:latin typeface="+mn-lt"/>
+                <a:ea typeface="+mn-ea"/>
+                <a:cs typeface="+mn-cs"/>
+              </a:defRPr>
+            </a:lvl5pPr>
+            <a:lvl6pPr marL="1885950" indent="-171450" algn="l" defTabSz="685800" rtl="0" eaLnBrk="1" latinLnBrk="0" hangingPunct="1">
+              <a:lnSpc>
+                <a:spcPct val="120000"/>
+              </a:lnSpc>
+              <a:spcBef>
+                <a:spcPts val="375"/>
+              </a:spcBef>
+              <a:buSzPct val="125000"/>
+              <a:buFont typeface="Arial" panose="020B0604020202020204" pitchFamily="34" charset="0"/>
+              <a:buChar char="•"/>
+              <a:defRPr sz="1050" kern="1200">
+                <a:solidFill>
+                  <a:schemeClr val="tx1"/>
+                </a:solidFill>
+                <a:latin typeface="+mn-lt"/>
+                <a:ea typeface="+mn-ea"/>
+                <a:cs typeface="+mn-cs"/>
+              </a:defRPr>
+            </a:lvl6pPr>
+            <a:lvl7pPr marL="2228850" indent="-171450" algn="l" defTabSz="685800" rtl="0" eaLnBrk="1" latinLnBrk="0" hangingPunct="1">
+              <a:lnSpc>
+                <a:spcPct val="120000"/>
+              </a:lnSpc>
+              <a:spcBef>
+                <a:spcPts val="375"/>
+              </a:spcBef>
+              <a:buSzPct val="125000"/>
+              <a:buFont typeface="Arial" panose="020B0604020202020204" pitchFamily="34" charset="0"/>
+              <a:buChar char="•"/>
+              <a:defRPr sz="1050" kern="1200">
+                <a:solidFill>
+                  <a:schemeClr val="tx1"/>
+                </a:solidFill>
+                <a:latin typeface="+mn-lt"/>
+                <a:ea typeface="+mn-ea"/>
+                <a:cs typeface="+mn-cs"/>
+              </a:defRPr>
+            </a:lvl7pPr>
+            <a:lvl8pPr marL="2571750" indent="-171450" algn="l" defTabSz="685800" rtl="0" eaLnBrk="1" latinLnBrk="0" hangingPunct="1">
+              <a:lnSpc>
+                <a:spcPct val="120000"/>
+              </a:lnSpc>
+              <a:spcBef>
+                <a:spcPts val="375"/>
+              </a:spcBef>
+              <a:buSzPct val="125000"/>
+              <a:buFont typeface="Arial" panose="020B0604020202020204" pitchFamily="34" charset="0"/>
+              <a:buChar char="•"/>
+              <a:defRPr sz="1050" kern="1200">
+                <a:solidFill>
+                  <a:schemeClr val="tx1"/>
+                </a:solidFill>
+                <a:latin typeface="+mn-lt"/>
+                <a:ea typeface="+mn-ea"/>
+                <a:cs typeface="+mn-cs"/>
+              </a:defRPr>
+            </a:lvl8pPr>
+            <a:lvl9pPr marL="2914650" indent="-171450" algn="l" defTabSz="685800" rtl="0" eaLnBrk="1" latinLnBrk="0" hangingPunct="1">
+              <a:lnSpc>
+                <a:spcPct val="120000"/>
+              </a:lnSpc>
+              <a:spcBef>
+                <a:spcPts val="375"/>
+              </a:spcBef>
+              <a:buSzPct val="125000"/>
+              <a:buFont typeface="Arial" panose="020B0604020202020204" pitchFamily="34" charset="0"/>
+              <a:buChar char="•"/>
+              <a:defRPr sz="1050" kern="1200">
+                <a:solidFill>
+                  <a:schemeClr val="tx1"/>
+                </a:solidFill>
+                <a:latin typeface="+mn-lt"/>
+                <a:ea typeface="+mn-ea"/>
+                <a:cs typeface="+mn-cs"/>
+              </a:defRPr>
+            </a:lvl9pPr>
+          </a:lstStyle>
+          <a:p>
+            <a:pPr marL="0" indent="0" algn="ctr">
+              <a:lnSpc>
+                <a:spcPct val="100000"/>
+              </a:lnSpc>
+              <a:spcBef>
+                <a:spcPts val="0"/>
+              </a:spcBef>
+              <a:buFont typeface="Arial" panose="020B0604020202020204" pitchFamily="34" charset="0"/>
+              <a:buNone/>
+            </a:pPr>
+            <a:r>
+              <a:rPr lang="en-US" sz="1200" b="1" cap="small" dirty="0">
+                <a:solidFill>
+                  <a:srgbClr val="49C6DB"/>
+                </a:solidFill>
+                <a:latin typeface="Arial" panose="020B0604020202020204" pitchFamily="34" charset="0"/>
+                <a:cs typeface="Arial" panose="020B0604020202020204" pitchFamily="34" charset="0"/>
+              </a:rPr>
+              <a:t>Features</a:t>
+            </a:r>
+          </a:p>
+        </p:txBody>
+      </p:sp>
+      <p:cxnSp>
+        <p:nvCxnSpPr>
+          <p:cNvPr id="10" name="Straight Connector 9">
+            <a:extLst>
+              <a:ext uri="{FF2B5EF4-FFF2-40B4-BE49-F238E27FC236}">
+                <a16:creationId xmlns:a16="http://schemas.microsoft.com/office/drawing/2014/main" id="{6A2F4648-0977-8D8A-7C52-7F144490A5DF}"/>
+              </a:ext>
+            </a:extLst>
+          </p:cNvPr>
+          <p:cNvCxnSpPr>
+            <a:cxnSpLocks/>
+            <a:stCxn id="4" idx="3"/>
+          </p:cNvCxnSpPr>
+          <p:nvPr/>
+        </p:nvCxnSpPr>
+        <p:spPr>
+          <a:xfrm>
+            <a:off x="3108640" y="1345508"/>
+            <a:ext cx="1403826" cy="0"/>
+          </a:xfrm>
+          <a:prstGeom prst="line">
+            <a:avLst/>
+          </a:prstGeom>
+          <a:ln>
+            <a:solidFill>
+              <a:srgbClr val="49C6DB"/>
+            </a:solidFill>
+          </a:ln>
+        </p:spPr>
+        <p:style>
+          <a:lnRef idx="1">
+            <a:schemeClr val="accent1"/>
+          </a:lnRef>
+          <a:fillRef idx="0">
+            <a:schemeClr val="accent1"/>
+          </a:fillRef>
+          <a:effectRef idx="0">
+            <a:schemeClr val="accent1"/>
+          </a:effectRef>
+          <a:fontRef idx="minor">
+            <a:schemeClr val="tx1"/>
+          </a:fontRef>
+        </p:style>
+      </p:cxnSp>
+      <p:sp>
+        <p:nvSpPr>
+          <p:cNvPr id="12" name="Content Placeholder 1">
+            <a:extLst>
+              <a:ext uri="{FF2B5EF4-FFF2-40B4-BE49-F238E27FC236}">
+                <a16:creationId xmlns:a16="http://schemas.microsoft.com/office/drawing/2014/main" id="{C0726F60-B9E7-AC4A-6FCC-CE292E6045CB}"/>
+              </a:ext>
+            </a:extLst>
+          </p:cNvPr>
+          <p:cNvSpPr txBox="1">
+            <a:spLocks/>
+          </p:cNvSpPr>
+          <p:nvPr/>
+        </p:nvSpPr>
+        <p:spPr>
+          <a:xfrm>
+            <a:off x="4626765" y="2996707"/>
+            <a:ext cx="3658793" cy="837068"/>
+          </a:xfrm>
+          <a:prstGeom prst="rect">
+            <a:avLst/>
+          </a:prstGeom>
+        </p:spPr>
+        <p:txBody>
+          <a:bodyPr vert="horz" lIns="91440" tIns="45720" rIns="91440" bIns="45720" rtlCol="0">
+            <a:normAutofit/>
+          </a:bodyPr>
+          <a:lstStyle>
+            <a:lvl1pPr marL="171450" indent="-171450" algn="l" defTabSz="685800" rtl="0" eaLnBrk="1" latinLnBrk="0" hangingPunct="1">
+              <a:lnSpc>
+                <a:spcPct val="120000"/>
+              </a:lnSpc>
+              <a:spcBef>
+                <a:spcPts val="750"/>
+              </a:spcBef>
+              <a:buSzPct val="125000"/>
+              <a:buFont typeface="Arial" panose="020B0604020202020204" pitchFamily="34" charset="0"/>
+              <a:buChar char="•"/>
+              <a:defRPr sz="1800" kern="1200">
+                <a:solidFill>
+                  <a:schemeClr val="tx1"/>
+                </a:solidFill>
+                <a:latin typeface="+mn-lt"/>
+                <a:ea typeface="+mn-ea"/>
+                <a:cs typeface="+mn-cs"/>
+              </a:defRPr>
+            </a:lvl1pPr>
+            <a:lvl2pPr marL="514350" indent="-171450" algn="l" defTabSz="685800" rtl="0" eaLnBrk="1" latinLnBrk="0" hangingPunct="1">
+              <a:lnSpc>
+                <a:spcPct val="120000"/>
+              </a:lnSpc>
+              <a:spcBef>
+                <a:spcPts val="375"/>
+              </a:spcBef>
+              <a:buSzPct val="125000"/>
+              <a:buFont typeface="Arial" panose="020B0604020202020204" pitchFamily="34" charset="0"/>
+              <a:buChar char="•"/>
+              <a:defRPr sz="1500" kern="1200">
+                <a:solidFill>
+                  <a:schemeClr val="tx1"/>
+                </a:solidFill>
+                <a:latin typeface="+mn-lt"/>
+                <a:ea typeface="+mn-ea"/>
+                <a:cs typeface="+mn-cs"/>
+              </a:defRPr>
+            </a:lvl2pPr>
+            <a:lvl3pPr marL="857250" indent="-171450" algn="l" defTabSz="685800" rtl="0" eaLnBrk="1" latinLnBrk="0" hangingPunct="1">
+              <a:lnSpc>
+                <a:spcPct val="120000"/>
+              </a:lnSpc>
+              <a:spcBef>
+                <a:spcPts val="375"/>
+              </a:spcBef>
+              <a:buSzPct val="125000"/>
+              <a:buFont typeface="Arial" panose="020B0604020202020204" pitchFamily="34" charset="0"/>
+              <a:buChar char="•"/>
+              <a:defRPr sz="1350" kern="1200">
+                <a:solidFill>
+                  <a:schemeClr val="tx1"/>
+                </a:solidFill>
+                <a:latin typeface="+mn-lt"/>
+                <a:ea typeface="+mn-ea"/>
+                <a:cs typeface="+mn-cs"/>
+              </a:defRPr>
+            </a:lvl3pPr>
+            <a:lvl4pPr marL="1200150" indent="-171450" algn="l" defTabSz="685800" rtl="0" eaLnBrk="1" latinLnBrk="0" hangingPunct="1">
+              <a:lnSpc>
+                <a:spcPct val="120000"/>
+              </a:lnSpc>
+              <a:spcBef>
+                <a:spcPts val="375"/>
+              </a:spcBef>
+              <a:buSzPct val="125000"/>
+              <a:buFont typeface="Arial" panose="020B0604020202020204" pitchFamily="34" charset="0"/>
+              <a:buChar char="•"/>
+              <a:defRPr sz="1200" kern="1200">
+                <a:solidFill>
+                  <a:schemeClr val="tx1"/>
+                </a:solidFill>
+                <a:latin typeface="+mn-lt"/>
+                <a:ea typeface="+mn-ea"/>
+                <a:cs typeface="+mn-cs"/>
+              </a:defRPr>
+            </a:lvl4pPr>
+            <a:lvl5pPr marL="1543050" indent="-171450" algn="l" defTabSz="685800" rtl="0" eaLnBrk="1" latinLnBrk="0" hangingPunct="1">
+              <a:lnSpc>
+                <a:spcPct val="120000"/>
+              </a:lnSpc>
+              <a:spcBef>
+                <a:spcPts val="375"/>
+              </a:spcBef>
+              <a:buSzPct val="125000"/>
+              <a:buFont typeface="Arial" panose="020B0604020202020204" pitchFamily="34" charset="0"/>
+              <a:buChar char="•"/>
+              <a:defRPr sz="1200" kern="1200">
+                <a:solidFill>
+                  <a:schemeClr val="tx1"/>
+                </a:solidFill>
+                <a:latin typeface="+mn-lt"/>
+                <a:ea typeface="+mn-ea"/>
+                <a:cs typeface="+mn-cs"/>
+              </a:defRPr>
+            </a:lvl5pPr>
+            <a:lvl6pPr marL="1885950" indent="-171450" algn="l" defTabSz="685800" rtl="0" eaLnBrk="1" latinLnBrk="0" hangingPunct="1">
+              <a:lnSpc>
+                <a:spcPct val="120000"/>
+              </a:lnSpc>
+              <a:spcBef>
+                <a:spcPts val="375"/>
+              </a:spcBef>
+              <a:buSzPct val="125000"/>
+              <a:buFont typeface="Arial" panose="020B0604020202020204" pitchFamily="34" charset="0"/>
+              <a:buChar char="•"/>
+              <a:defRPr sz="1050" kern="1200">
+                <a:solidFill>
+                  <a:schemeClr val="tx1"/>
+                </a:solidFill>
+                <a:latin typeface="+mn-lt"/>
+                <a:ea typeface="+mn-ea"/>
+                <a:cs typeface="+mn-cs"/>
+              </a:defRPr>
+            </a:lvl6pPr>
+            <a:lvl7pPr marL="2228850" indent="-171450" algn="l" defTabSz="685800" rtl="0" eaLnBrk="1" latinLnBrk="0" hangingPunct="1">
+              <a:lnSpc>
+                <a:spcPct val="120000"/>
+              </a:lnSpc>
+              <a:spcBef>
+                <a:spcPts val="375"/>
+              </a:spcBef>
+              <a:buSzPct val="125000"/>
+              <a:buFont typeface="Arial" panose="020B0604020202020204" pitchFamily="34" charset="0"/>
+              <a:buChar char="•"/>
+              <a:defRPr sz="1050" kern="1200">
+                <a:solidFill>
+                  <a:schemeClr val="tx1"/>
+                </a:solidFill>
+                <a:latin typeface="+mn-lt"/>
+                <a:ea typeface="+mn-ea"/>
+                <a:cs typeface="+mn-cs"/>
+              </a:defRPr>
+            </a:lvl7pPr>
+            <a:lvl8pPr marL="2571750" indent="-171450" algn="l" defTabSz="685800" rtl="0" eaLnBrk="1" latinLnBrk="0" hangingPunct="1">
+              <a:lnSpc>
+                <a:spcPct val="120000"/>
+              </a:lnSpc>
+              <a:spcBef>
+                <a:spcPts val="375"/>
+              </a:spcBef>
+              <a:buSzPct val="125000"/>
+              <a:buFont typeface="Arial" panose="020B0604020202020204" pitchFamily="34" charset="0"/>
+              <a:buChar char="•"/>
+              <a:defRPr sz="1050" kern="1200">
+                <a:solidFill>
+                  <a:schemeClr val="tx1"/>
+                </a:solidFill>
+                <a:latin typeface="+mn-lt"/>
+                <a:ea typeface="+mn-ea"/>
+                <a:cs typeface="+mn-cs"/>
+              </a:defRPr>
+            </a:lvl8pPr>
+            <a:lvl9pPr marL="2914650" indent="-171450" algn="l" defTabSz="685800" rtl="0" eaLnBrk="1" latinLnBrk="0" hangingPunct="1">
+              <a:lnSpc>
+                <a:spcPct val="120000"/>
+              </a:lnSpc>
+              <a:spcBef>
+                <a:spcPts val="375"/>
+              </a:spcBef>
+              <a:buSzPct val="125000"/>
+              <a:buFont typeface="Arial" panose="020B0604020202020204" pitchFamily="34" charset="0"/>
+              <a:buChar char="•"/>
+              <a:defRPr sz="1050" kern="1200">
+                <a:solidFill>
+                  <a:schemeClr val="tx1"/>
+                </a:solidFill>
+                <a:latin typeface="+mn-lt"/>
+                <a:ea typeface="+mn-ea"/>
+                <a:cs typeface="+mn-cs"/>
+              </a:defRPr>
+            </a:lvl9pPr>
+          </a:lstStyle>
+          <a:p>
+            <a:pPr marL="174625" lvl="1"/>
+            <a:r>
+              <a:rPr lang="en-US" sz="1100" dirty="0">
+                <a:latin typeface="Arial" panose="020B0604020202020204" pitchFamily="34" charset="0"/>
+                <a:cs typeface="Arial" panose="020B0604020202020204" pitchFamily="34" charset="0"/>
+              </a:rPr>
+              <a:t>Target: </a:t>
+            </a:r>
+            <a:r>
+              <a:rPr lang="en-US" sz="900" dirty="0">
+                <a:latin typeface="Arial" panose="020B0604020202020204" pitchFamily="34" charset="0"/>
+                <a:cs typeface="Arial" panose="020B0604020202020204" pitchFamily="34" charset="0"/>
+              </a:rPr>
+              <a:t>0 (No Failure) or 1 (Failure)</a:t>
+            </a:r>
+          </a:p>
+          <a:p>
+            <a:pPr marL="174625" lvl="1"/>
+            <a:r>
+              <a:rPr lang="en-US" sz="1100" dirty="0">
+                <a:latin typeface="Arial" panose="020B0604020202020204" pitchFamily="34" charset="0"/>
+                <a:cs typeface="Arial" panose="020B0604020202020204" pitchFamily="34" charset="0"/>
+              </a:rPr>
+              <a:t>Failure Type: </a:t>
+            </a:r>
+            <a:r>
+              <a:rPr lang="en-US" sz="900" dirty="0">
+                <a:latin typeface="Arial" panose="020B0604020202020204" pitchFamily="34" charset="0"/>
+                <a:cs typeface="Arial" panose="020B0604020202020204" pitchFamily="34" charset="0"/>
+              </a:rPr>
+              <a:t>Heat Dissipation Failure, Overstrain Failure, No Failure, Power Failure, Random Failures, Tool Wear Failure</a:t>
+            </a:r>
+            <a:endParaRPr lang="en-US" sz="950" dirty="0">
+              <a:latin typeface="Arial" panose="020B0604020202020204" pitchFamily="34" charset="0"/>
+              <a:cs typeface="Arial" panose="020B0604020202020204" pitchFamily="34" charset="0"/>
+            </a:endParaRPr>
+          </a:p>
+        </p:txBody>
+      </p:sp>
+      <p:cxnSp>
+        <p:nvCxnSpPr>
+          <p:cNvPr id="18" name="Straight Connector 17">
+            <a:extLst>
+              <a:ext uri="{FF2B5EF4-FFF2-40B4-BE49-F238E27FC236}">
+                <a16:creationId xmlns:a16="http://schemas.microsoft.com/office/drawing/2014/main" id="{DAE98F88-582E-C9F9-8D3A-97D2E7309D5C}"/>
+              </a:ext>
+            </a:extLst>
+          </p:cNvPr>
+          <p:cNvCxnSpPr>
+            <a:cxnSpLocks/>
+            <a:endCxn id="19" idx="1"/>
+          </p:cNvCxnSpPr>
+          <p:nvPr/>
+        </p:nvCxnSpPr>
+        <p:spPr>
+          <a:xfrm flipV="1">
+            <a:off x="4631535" y="1345508"/>
+            <a:ext cx="1618049" cy="0"/>
+          </a:xfrm>
+          <a:prstGeom prst="line">
+            <a:avLst/>
+          </a:prstGeom>
+          <a:ln>
+            <a:solidFill>
+              <a:srgbClr val="49C6DB"/>
+            </a:solidFill>
+          </a:ln>
+        </p:spPr>
+        <p:style>
+          <a:lnRef idx="1">
+            <a:schemeClr val="accent1"/>
+          </a:lnRef>
+          <a:fillRef idx="0">
+            <a:schemeClr val="accent1"/>
+          </a:fillRef>
+          <a:effectRef idx="0">
+            <a:schemeClr val="accent1"/>
+          </a:effectRef>
+          <a:fontRef idx="minor">
+            <a:schemeClr val="tx1"/>
+          </a:fontRef>
+        </p:style>
+      </p:cxnSp>
+      <p:sp>
+        <p:nvSpPr>
+          <p:cNvPr id="19" name="Content Placeholder 2">
+            <a:extLst>
+              <a:ext uri="{FF2B5EF4-FFF2-40B4-BE49-F238E27FC236}">
+                <a16:creationId xmlns:a16="http://schemas.microsoft.com/office/drawing/2014/main" id="{56C24BD4-1A65-FE4B-01A9-9552E169E959}"/>
+              </a:ext>
+            </a:extLst>
+          </p:cNvPr>
+          <p:cNvSpPr txBox="1">
+            <a:spLocks/>
+          </p:cNvSpPr>
+          <p:nvPr/>
+        </p:nvSpPr>
+        <p:spPr>
+          <a:xfrm>
+            <a:off x="6249584" y="1207008"/>
+            <a:ext cx="420308" cy="276999"/>
+          </a:xfrm>
+          <a:prstGeom prst="rect">
+            <a:avLst/>
+          </a:prstGeom>
+        </p:spPr>
+        <p:txBody>
+          <a:bodyPr vert="horz" wrap="none" lIns="91440" tIns="45720" rIns="91440" bIns="45720" rtlCol="0">
+            <a:spAutoFit/>
+          </a:bodyPr>
+          <a:lstStyle>
+            <a:lvl1pPr marL="171450" indent="-171450" algn="l" defTabSz="685800" rtl="0" eaLnBrk="1" latinLnBrk="0" hangingPunct="1">
+              <a:lnSpc>
+                <a:spcPct val="120000"/>
+              </a:lnSpc>
+              <a:spcBef>
+                <a:spcPts val="750"/>
+              </a:spcBef>
+              <a:buSzPct val="125000"/>
+              <a:buFont typeface="Arial" panose="020B0604020202020204" pitchFamily="34" charset="0"/>
+              <a:buChar char="•"/>
+              <a:defRPr sz="1800" kern="1200">
+                <a:solidFill>
+                  <a:schemeClr val="tx1"/>
+                </a:solidFill>
+                <a:latin typeface="+mn-lt"/>
+                <a:ea typeface="+mn-ea"/>
+                <a:cs typeface="+mn-cs"/>
+              </a:defRPr>
+            </a:lvl1pPr>
+            <a:lvl2pPr marL="514350" indent="-171450" algn="l" defTabSz="685800" rtl="0" eaLnBrk="1" latinLnBrk="0" hangingPunct="1">
+              <a:lnSpc>
+                <a:spcPct val="120000"/>
+              </a:lnSpc>
+              <a:spcBef>
+                <a:spcPts val="375"/>
+              </a:spcBef>
+              <a:buSzPct val="125000"/>
+              <a:buFont typeface="Arial" panose="020B0604020202020204" pitchFamily="34" charset="0"/>
+              <a:buChar char="•"/>
+              <a:defRPr sz="1500" kern="1200">
+                <a:solidFill>
+                  <a:schemeClr val="tx1"/>
+                </a:solidFill>
+                <a:latin typeface="+mn-lt"/>
+                <a:ea typeface="+mn-ea"/>
+                <a:cs typeface="+mn-cs"/>
+              </a:defRPr>
+            </a:lvl2pPr>
+            <a:lvl3pPr marL="857250" indent="-171450" algn="l" defTabSz="685800" rtl="0" eaLnBrk="1" latinLnBrk="0" hangingPunct="1">
+              <a:lnSpc>
+                <a:spcPct val="120000"/>
+              </a:lnSpc>
+              <a:spcBef>
+                <a:spcPts val="375"/>
+              </a:spcBef>
+              <a:buSzPct val="125000"/>
+              <a:buFont typeface="Arial" panose="020B0604020202020204" pitchFamily="34" charset="0"/>
+              <a:buChar char="•"/>
+              <a:defRPr sz="1350" kern="1200">
+                <a:solidFill>
+                  <a:schemeClr val="tx1"/>
+                </a:solidFill>
+                <a:latin typeface="+mn-lt"/>
+                <a:ea typeface="+mn-ea"/>
+                <a:cs typeface="+mn-cs"/>
+              </a:defRPr>
+            </a:lvl3pPr>
+            <a:lvl4pPr marL="1200150" indent="-171450" algn="l" defTabSz="685800" rtl="0" eaLnBrk="1" latinLnBrk="0" hangingPunct="1">
+              <a:lnSpc>
+                <a:spcPct val="120000"/>
+              </a:lnSpc>
+              <a:spcBef>
+                <a:spcPts val="375"/>
+              </a:spcBef>
+              <a:buSzPct val="125000"/>
+              <a:buFont typeface="Arial" panose="020B0604020202020204" pitchFamily="34" charset="0"/>
+              <a:buChar char="•"/>
+              <a:defRPr sz="1200" kern="1200">
+                <a:solidFill>
+                  <a:schemeClr val="tx1"/>
+                </a:solidFill>
+                <a:latin typeface="+mn-lt"/>
+                <a:ea typeface="+mn-ea"/>
+                <a:cs typeface="+mn-cs"/>
+              </a:defRPr>
+            </a:lvl4pPr>
+            <a:lvl5pPr marL="1543050" indent="-171450" algn="l" defTabSz="685800" rtl="0" eaLnBrk="1" latinLnBrk="0" hangingPunct="1">
+              <a:lnSpc>
+                <a:spcPct val="120000"/>
+              </a:lnSpc>
+              <a:spcBef>
+                <a:spcPts val="375"/>
+              </a:spcBef>
+              <a:buSzPct val="125000"/>
+              <a:buFont typeface="Arial" panose="020B0604020202020204" pitchFamily="34" charset="0"/>
+              <a:buChar char="•"/>
+              <a:defRPr sz="1200" kern="1200">
+                <a:solidFill>
+                  <a:schemeClr val="tx1"/>
+                </a:solidFill>
+                <a:latin typeface="+mn-lt"/>
+                <a:ea typeface="+mn-ea"/>
+                <a:cs typeface="+mn-cs"/>
+              </a:defRPr>
+            </a:lvl5pPr>
+            <a:lvl6pPr marL="1885950" indent="-171450" algn="l" defTabSz="685800" rtl="0" eaLnBrk="1" latinLnBrk="0" hangingPunct="1">
+              <a:lnSpc>
+                <a:spcPct val="120000"/>
+              </a:lnSpc>
+              <a:spcBef>
+                <a:spcPts val="375"/>
+              </a:spcBef>
+              <a:buSzPct val="125000"/>
+              <a:buFont typeface="Arial" panose="020B0604020202020204" pitchFamily="34" charset="0"/>
+              <a:buChar char="•"/>
+              <a:defRPr sz="1050" kern="1200">
+                <a:solidFill>
+                  <a:schemeClr val="tx1"/>
+                </a:solidFill>
+                <a:latin typeface="+mn-lt"/>
+                <a:ea typeface="+mn-ea"/>
+                <a:cs typeface="+mn-cs"/>
+              </a:defRPr>
+            </a:lvl6pPr>
+            <a:lvl7pPr marL="2228850" indent="-171450" algn="l" defTabSz="685800" rtl="0" eaLnBrk="1" latinLnBrk="0" hangingPunct="1">
+              <a:lnSpc>
+                <a:spcPct val="120000"/>
+              </a:lnSpc>
+              <a:spcBef>
+                <a:spcPts val="375"/>
+              </a:spcBef>
+              <a:buSzPct val="125000"/>
+              <a:buFont typeface="Arial" panose="020B0604020202020204" pitchFamily="34" charset="0"/>
+              <a:buChar char="•"/>
+              <a:defRPr sz="1050" kern="1200">
+                <a:solidFill>
+                  <a:schemeClr val="tx1"/>
+                </a:solidFill>
+                <a:latin typeface="+mn-lt"/>
+                <a:ea typeface="+mn-ea"/>
+                <a:cs typeface="+mn-cs"/>
+              </a:defRPr>
+            </a:lvl7pPr>
+            <a:lvl8pPr marL="2571750" indent="-171450" algn="l" defTabSz="685800" rtl="0" eaLnBrk="1" latinLnBrk="0" hangingPunct="1">
+              <a:lnSpc>
+                <a:spcPct val="120000"/>
+              </a:lnSpc>
+              <a:spcBef>
+                <a:spcPts val="375"/>
+              </a:spcBef>
+              <a:buSzPct val="125000"/>
+              <a:buFont typeface="Arial" panose="020B0604020202020204" pitchFamily="34" charset="0"/>
+              <a:buChar char="•"/>
+              <a:defRPr sz="1050" kern="1200">
+                <a:solidFill>
+                  <a:schemeClr val="tx1"/>
+                </a:solidFill>
+                <a:latin typeface="+mn-lt"/>
+                <a:ea typeface="+mn-ea"/>
+                <a:cs typeface="+mn-cs"/>
+              </a:defRPr>
+            </a:lvl8pPr>
+            <a:lvl9pPr marL="2914650" indent="-171450" algn="l" defTabSz="685800" rtl="0" eaLnBrk="1" latinLnBrk="0" hangingPunct="1">
+              <a:lnSpc>
+                <a:spcPct val="120000"/>
+              </a:lnSpc>
+              <a:spcBef>
+                <a:spcPts val="375"/>
+              </a:spcBef>
+              <a:buSzPct val="125000"/>
+              <a:buFont typeface="Arial" panose="020B0604020202020204" pitchFamily="34" charset="0"/>
+              <a:buChar char="•"/>
+              <a:defRPr sz="1050" kern="1200">
+                <a:solidFill>
+                  <a:schemeClr val="tx1"/>
+                </a:solidFill>
+                <a:latin typeface="+mn-lt"/>
+                <a:ea typeface="+mn-ea"/>
+                <a:cs typeface="+mn-cs"/>
+              </a:defRPr>
+            </a:lvl9pPr>
+          </a:lstStyle>
+          <a:p>
+            <a:pPr marL="0" indent="0" algn="ctr">
+              <a:lnSpc>
+                <a:spcPct val="100000"/>
+              </a:lnSpc>
+              <a:spcBef>
+                <a:spcPts val="0"/>
+              </a:spcBef>
+              <a:buFont typeface="Arial" panose="020B0604020202020204" pitchFamily="34" charset="0"/>
+              <a:buNone/>
+            </a:pPr>
+            <a:r>
+              <a:rPr lang="en-US" sz="1200" b="1" cap="small" dirty="0">
+                <a:solidFill>
+                  <a:srgbClr val="49C6DB"/>
+                </a:solidFill>
+                <a:latin typeface="Arial" panose="020B0604020202020204" pitchFamily="34" charset="0"/>
+                <a:cs typeface="Arial" panose="020B0604020202020204" pitchFamily="34" charset="0"/>
+              </a:rPr>
+              <a:t>IDs</a:t>
+            </a:r>
+          </a:p>
+        </p:txBody>
+      </p:sp>
+      <p:cxnSp>
+        <p:nvCxnSpPr>
+          <p:cNvPr id="20" name="Straight Connector 19">
+            <a:extLst>
+              <a:ext uri="{FF2B5EF4-FFF2-40B4-BE49-F238E27FC236}">
+                <a16:creationId xmlns:a16="http://schemas.microsoft.com/office/drawing/2014/main" id="{815B46F0-A3E0-9308-6859-02439AF79650}"/>
+              </a:ext>
+            </a:extLst>
+          </p:cNvPr>
+          <p:cNvCxnSpPr>
+            <a:cxnSpLocks/>
+            <a:stCxn id="19" idx="3"/>
+          </p:cNvCxnSpPr>
+          <p:nvPr/>
+        </p:nvCxnSpPr>
+        <p:spPr>
+          <a:xfrm>
+            <a:off x="6669892" y="1345508"/>
+            <a:ext cx="1618051" cy="0"/>
+          </a:xfrm>
+          <a:prstGeom prst="line">
+            <a:avLst/>
+          </a:prstGeom>
+          <a:ln>
+            <a:solidFill>
+              <a:srgbClr val="49C6DB"/>
+            </a:solidFill>
+          </a:ln>
+        </p:spPr>
+        <p:style>
+          <a:lnRef idx="1">
+            <a:schemeClr val="accent1"/>
+          </a:lnRef>
+          <a:fillRef idx="0">
+            <a:schemeClr val="accent1"/>
+          </a:fillRef>
+          <a:effectRef idx="0">
+            <a:schemeClr val="accent1"/>
+          </a:effectRef>
+          <a:fontRef idx="minor">
+            <a:schemeClr val="tx1"/>
+          </a:fontRef>
+        </p:style>
+      </p:cxnSp>
+      <p:cxnSp>
+        <p:nvCxnSpPr>
+          <p:cNvPr id="21" name="Straight Connector 20">
+            <a:extLst>
+              <a:ext uri="{FF2B5EF4-FFF2-40B4-BE49-F238E27FC236}">
+                <a16:creationId xmlns:a16="http://schemas.microsoft.com/office/drawing/2014/main" id="{DDC21C3C-3197-2504-AE11-DCB907236F98}"/>
+              </a:ext>
+            </a:extLst>
+          </p:cNvPr>
+          <p:cNvCxnSpPr>
+            <a:cxnSpLocks/>
+            <a:endCxn id="22" idx="1"/>
+          </p:cNvCxnSpPr>
+          <p:nvPr/>
+        </p:nvCxnSpPr>
+        <p:spPr>
+          <a:xfrm>
+            <a:off x="4631535" y="2846013"/>
+            <a:ext cx="1438609" cy="0"/>
+          </a:xfrm>
+          <a:prstGeom prst="line">
+            <a:avLst/>
+          </a:prstGeom>
+          <a:ln>
+            <a:solidFill>
+              <a:srgbClr val="49C6DB"/>
+            </a:solidFill>
+          </a:ln>
+        </p:spPr>
+        <p:style>
+          <a:lnRef idx="1">
+            <a:schemeClr val="accent1"/>
+          </a:lnRef>
+          <a:fillRef idx="0">
+            <a:schemeClr val="accent1"/>
+          </a:fillRef>
+          <a:effectRef idx="0">
+            <a:schemeClr val="accent1"/>
+          </a:effectRef>
+          <a:fontRef idx="minor">
+            <a:schemeClr val="tx1"/>
+          </a:fontRef>
+        </p:style>
+      </p:cxnSp>
+      <p:sp>
+        <p:nvSpPr>
+          <p:cNvPr id="22" name="Content Placeholder 2">
+            <a:extLst>
+              <a:ext uri="{FF2B5EF4-FFF2-40B4-BE49-F238E27FC236}">
+                <a16:creationId xmlns:a16="http://schemas.microsoft.com/office/drawing/2014/main" id="{00648046-842F-DF2A-A91B-F6E2AB556EDE}"/>
+              </a:ext>
+            </a:extLst>
+          </p:cNvPr>
+          <p:cNvSpPr txBox="1">
+            <a:spLocks/>
+          </p:cNvSpPr>
+          <p:nvPr/>
+        </p:nvSpPr>
+        <p:spPr>
+          <a:xfrm>
+            <a:off x="6070144" y="2707513"/>
+            <a:ext cx="779188" cy="276999"/>
+          </a:xfrm>
+          <a:prstGeom prst="rect">
+            <a:avLst/>
+          </a:prstGeom>
+        </p:spPr>
+        <p:txBody>
+          <a:bodyPr vert="horz" wrap="none" lIns="91440" tIns="45720" rIns="91440" bIns="45720" rtlCol="0">
+            <a:spAutoFit/>
+          </a:bodyPr>
+          <a:lstStyle>
+            <a:lvl1pPr marL="171450" indent="-171450" algn="l" defTabSz="685800" rtl="0" eaLnBrk="1" latinLnBrk="0" hangingPunct="1">
+              <a:lnSpc>
+                <a:spcPct val="120000"/>
+              </a:lnSpc>
+              <a:spcBef>
+                <a:spcPts val="750"/>
+              </a:spcBef>
+              <a:buSzPct val="125000"/>
+              <a:buFont typeface="Arial" panose="020B0604020202020204" pitchFamily="34" charset="0"/>
+              <a:buChar char="•"/>
+              <a:defRPr sz="1800" kern="1200">
+                <a:solidFill>
+                  <a:schemeClr val="tx1"/>
+                </a:solidFill>
+                <a:latin typeface="+mn-lt"/>
+                <a:ea typeface="+mn-ea"/>
+                <a:cs typeface="+mn-cs"/>
+              </a:defRPr>
+            </a:lvl1pPr>
+            <a:lvl2pPr marL="514350" indent="-171450" algn="l" defTabSz="685800" rtl="0" eaLnBrk="1" latinLnBrk="0" hangingPunct="1">
+              <a:lnSpc>
+                <a:spcPct val="120000"/>
+              </a:lnSpc>
+              <a:spcBef>
+                <a:spcPts val="375"/>
+              </a:spcBef>
+              <a:buSzPct val="125000"/>
+              <a:buFont typeface="Arial" panose="020B0604020202020204" pitchFamily="34" charset="0"/>
+              <a:buChar char="•"/>
+              <a:defRPr sz="1500" kern="1200">
+                <a:solidFill>
+                  <a:schemeClr val="tx1"/>
+                </a:solidFill>
+                <a:latin typeface="+mn-lt"/>
+                <a:ea typeface="+mn-ea"/>
+                <a:cs typeface="+mn-cs"/>
+              </a:defRPr>
+            </a:lvl2pPr>
+            <a:lvl3pPr marL="857250" indent="-171450" algn="l" defTabSz="685800" rtl="0" eaLnBrk="1" latinLnBrk="0" hangingPunct="1">
+              <a:lnSpc>
+                <a:spcPct val="120000"/>
+              </a:lnSpc>
+              <a:spcBef>
+                <a:spcPts val="375"/>
+              </a:spcBef>
+              <a:buSzPct val="125000"/>
+              <a:buFont typeface="Arial" panose="020B0604020202020204" pitchFamily="34" charset="0"/>
+              <a:buChar char="•"/>
+              <a:defRPr sz="1350" kern="1200">
+                <a:solidFill>
+                  <a:schemeClr val="tx1"/>
+                </a:solidFill>
+                <a:latin typeface="+mn-lt"/>
+                <a:ea typeface="+mn-ea"/>
+                <a:cs typeface="+mn-cs"/>
+              </a:defRPr>
+            </a:lvl3pPr>
+            <a:lvl4pPr marL="1200150" indent="-171450" algn="l" defTabSz="685800" rtl="0" eaLnBrk="1" latinLnBrk="0" hangingPunct="1">
+              <a:lnSpc>
+                <a:spcPct val="120000"/>
+              </a:lnSpc>
+              <a:spcBef>
+                <a:spcPts val="375"/>
+              </a:spcBef>
+              <a:buSzPct val="125000"/>
+              <a:buFont typeface="Arial" panose="020B0604020202020204" pitchFamily="34" charset="0"/>
+              <a:buChar char="•"/>
+              <a:defRPr sz="1200" kern="1200">
+                <a:solidFill>
+                  <a:schemeClr val="tx1"/>
+                </a:solidFill>
+                <a:latin typeface="+mn-lt"/>
+                <a:ea typeface="+mn-ea"/>
+                <a:cs typeface="+mn-cs"/>
+              </a:defRPr>
+            </a:lvl4pPr>
+            <a:lvl5pPr marL="1543050" indent="-171450" algn="l" defTabSz="685800" rtl="0" eaLnBrk="1" latinLnBrk="0" hangingPunct="1">
+              <a:lnSpc>
+                <a:spcPct val="120000"/>
+              </a:lnSpc>
+              <a:spcBef>
+                <a:spcPts val="375"/>
+              </a:spcBef>
+              <a:buSzPct val="125000"/>
+              <a:buFont typeface="Arial" panose="020B0604020202020204" pitchFamily="34" charset="0"/>
+              <a:buChar char="•"/>
+              <a:defRPr sz="1200" kern="1200">
+                <a:solidFill>
+                  <a:schemeClr val="tx1"/>
+                </a:solidFill>
+                <a:latin typeface="+mn-lt"/>
+                <a:ea typeface="+mn-ea"/>
+                <a:cs typeface="+mn-cs"/>
+              </a:defRPr>
+            </a:lvl5pPr>
+            <a:lvl6pPr marL="1885950" indent="-171450" algn="l" defTabSz="685800" rtl="0" eaLnBrk="1" latinLnBrk="0" hangingPunct="1">
+              <a:lnSpc>
+                <a:spcPct val="120000"/>
+              </a:lnSpc>
+              <a:spcBef>
+                <a:spcPts val="375"/>
+              </a:spcBef>
+              <a:buSzPct val="125000"/>
+              <a:buFont typeface="Arial" panose="020B0604020202020204" pitchFamily="34" charset="0"/>
+              <a:buChar char="•"/>
+              <a:defRPr sz="1050" kern="1200">
+                <a:solidFill>
+                  <a:schemeClr val="tx1"/>
+                </a:solidFill>
+                <a:latin typeface="+mn-lt"/>
+                <a:ea typeface="+mn-ea"/>
+                <a:cs typeface="+mn-cs"/>
+              </a:defRPr>
+            </a:lvl6pPr>
+            <a:lvl7pPr marL="2228850" indent="-171450" algn="l" defTabSz="685800" rtl="0" eaLnBrk="1" latinLnBrk="0" hangingPunct="1">
+              <a:lnSpc>
+                <a:spcPct val="120000"/>
+              </a:lnSpc>
+              <a:spcBef>
+                <a:spcPts val="375"/>
+              </a:spcBef>
+              <a:buSzPct val="125000"/>
+              <a:buFont typeface="Arial" panose="020B0604020202020204" pitchFamily="34" charset="0"/>
+              <a:buChar char="•"/>
+              <a:defRPr sz="1050" kern="1200">
+                <a:solidFill>
+                  <a:schemeClr val="tx1"/>
+                </a:solidFill>
+                <a:latin typeface="+mn-lt"/>
+                <a:ea typeface="+mn-ea"/>
+                <a:cs typeface="+mn-cs"/>
+              </a:defRPr>
+            </a:lvl7pPr>
+            <a:lvl8pPr marL="2571750" indent="-171450" algn="l" defTabSz="685800" rtl="0" eaLnBrk="1" latinLnBrk="0" hangingPunct="1">
+              <a:lnSpc>
+                <a:spcPct val="120000"/>
+              </a:lnSpc>
+              <a:spcBef>
+                <a:spcPts val="375"/>
+              </a:spcBef>
+              <a:buSzPct val="125000"/>
+              <a:buFont typeface="Arial" panose="020B0604020202020204" pitchFamily="34" charset="0"/>
+              <a:buChar char="•"/>
+              <a:defRPr sz="1050" kern="1200">
+                <a:solidFill>
+                  <a:schemeClr val="tx1"/>
+                </a:solidFill>
+                <a:latin typeface="+mn-lt"/>
+                <a:ea typeface="+mn-ea"/>
+                <a:cs typeface="+mn-cs"/>
+              </a:defRPr>
+            </a:lvl8pPr>
+            <a:lvl9pPr marL="2914650" indent="-171450" algn="l" defTabSz="685800" rtl="0" eaLnBrk="1" latinLnBrk="0" hangingPunct="1">
+              <a:lnSpc>
+                <a:spcPct val="120000"/>
+              </a:lnSpc>
+              <a:spcBef>
+                <a:spcPts val="375"/>
+              </a:spcBef>
+              <a:buSzPct val="125000"/>
+              <a:buFont typeface="Arial" panose="020B0604020202020204" pitchFamily="34" charset="0"/>
+              <a:buChar char="•"/>
+              <a:defRPr sz="1050" kern="1200">
+                <a:solidFill>
+                  <a:schemeClr val="tx1"/>
+                </a:solidFill>
+                <a:latin typeface="+mn-lt"/>
+                <a:ea typeface="+mn-ea"/>
+                <a:cs typeface="+mn-cs"/>
+              </a:defRPr>
+            </a:lvl9pPr>
+          </a:lstStyle>
+          <a:p>
+            <a:pPr marL="0" indent="0" algn="ctr">
+              <a:lnSpc>
+                <a:spcPct val="100000"/>
+              </a:lnSpc>
+              <a:spcBef>
+                <a:spcPts val="0"/>
+              </a:spcBef>
+              <a:buFont typeface="Arial" panose="020B0604020202020204" pitchFamily="34" charset="0"/>
+              <a:buNone/>
+            </a:pPr>
+            <a:r>
+              <a:rPr lang="en-US" sz="1200" b="1" cap="small" dirty="0">
+                <a:solidFill>
+                  <a:srgbClr val="49C6DB"/>
+                </a:solidFill>
+                <a:latin typeface="Arial" panose="020B0604020202020204" pitchFamily="34" charset="0"/>
+                <a:cs typeface="Arial" panose="020B0604020202020204" pitchFamily="34" charset="0"/>
+              </a:rPr>
+              <a:t>Targets</a:t>
+            </a:r>
+          </a:p>
+        </p:txBody>
+      </p:sp>
+      <p:cxnSp>
+        <p:nvCxnSpPr>
+          <p:cNvPr id="23" name="Straight Connector 22">
+            <a:extLst>
+              <a:ext uri="{FF2B5EF4-FFF2-40B4-BE49-F238E27FC236}">
+                <a16:creationId xmlns:a16="http://schemas.microsoft.com/office/drawing/2014/main" id="{2CA0F922-771E-0632-B076-E2AC6E7C8F7B}"/>
+              </a:ext>
+            </a:extLst>
+          </p:cNvPr>
+          <p:cNvCxnSpPr>
+            <a:cxnSpLocks/>
+            <a:stCxn id="22" idx="3"/>
+          </p:cNvCxnSpPr>
+          <p:nvPr/>
+        </p:nvCxnSpPr>
+        <p:spPr>
+          <a:xfrm>
+            <a:off x="6849332" y="2846013"/>
+            <a:ext cx="1438611" cy="0"/>
+          </a:xfrm>
+          <a:prstGeom prst="line">
+            <a:avLst/>
+          </a:prstGeom>
+          <a:ln>
+            <a:solidFill>
+              <a:srgbClr val="49C6DB"/>
+            </a:solidFill>
+          </a:ln>
+        </p:spPr>
+        <p:style>
+          <a:lnRef idx="1">
+            <a:schemeClr val="accent1"/>
+          </a:lnRef>
+          <a:fillRef idx="0">
+            <a:schemeClr val="accent1"/>
+          </a:fillRef>
+          <a:effectRef idx="0">
+            <a:schemeClr val="accent1"/>
+          </a:effectRef>
+          <a:fontRef idx="minor">
+            <a:schemeClr val="tx1"/>
+          </a:fontRef>
+        </p:style>
+      </p:cxnSp>
     </p:spTree>
   </p:cSld>
   <p:clrMapOvr>
@@ -16569,6 +18249,14 @@
 <file path=ppt/slides/slide4.xml><?xml version="1.0" encoding="utf-8"?>
 <p:sld xmlns:a="http://schemas.openxmlformats.org/drawingml/2006/main" xmlns:r="http://schemas.openxmlformats.org/officeDocument/2006/relationships" xmlns:p="http://schemas.openxmlformats.org/presentationml/2006/main">
   <p:cSld>
+    <p:bg>
+      <p:bgPr>
+        <a:solidFill>
+          <a:schemeClr val="bg1"/>
+        </a:solidFill>
+        <a:effectLst/>
+      </p:bgPr>
+    </p:bg>
     <p:spTree>
       <p:nvGrpSpPr>
         <p:cNvPr id="1" name="Shape 139"/>
@@ -16649,34 +18337,19 @@
         </p:nvSpPr>
         <p:spPr>
           <a:xfrm>
-            <a:off x="856058" y="1207008"/>
-            <a:ext cx="3657600" cy="3285792"/>
+            <a:off x="2306178" y="1207008"/>
+            <a:ext cx="5978286" cy="1294522"/>
           </a:xfrm>
         </p:spPr>
         <p:txBody>
-          <a:bodyPr>
-            <a:noAutofit/>
+          <a:bodyPr wrap="square">
+            <a:spAutoFit/>
           </a:bodyPr>
           <a:lstStyle/>
           <a:p>
-            <a:r>
-              <a:rPr lang="en-US" sz="1200" dirty="0">
-                <a:solidFill>
-                  <a:schemeClr val="bg1"/>
-                </a:solidFill>
-                <a:latin typeface="Arial" panose="020B0604020202020204" pitchFamily="34" charset="0"/>
-                <a:cs typeface="Arial" panose="020B0604020202020204" pitchFamily="34" charset="0"/>
-              </a:rPr>
-              <a:t>Data Cleaning and Manipulation</a:t>
-            </a:r>
-          </a:p>
-          <a:p>
-            <a:pPr lvl="1"/>
+            <a:pPr marL="174625" lvl="1"/>
             <a:r>
               <a:rPr lang="en-US" sz="1100" dirty="0">
-                <a:solidFill>
-                  <a:schemeClr val="bg1"/>
-                </a:solidFill>
                 <a:latin typeface="Arial" panose="020B0604020202020204" pitchFamily="34" charset="0"/>
                 <a:cs typeface="Arial" panose="020B0604020202020204" pitchFamily="34" charset="0"/>
               </a:rPr>
@@ -16684,9 +18357,6 @@
             </a:r>
             <a:r>
               <a:rPr lang="en-US" sz="1100" dirty="0" err="1">
-                <a:solidFill>
-                  <a:schemeClr val="bg1"/>
-                </a:solidFill>
                 <a:latin typeface="Arial" panose="020B0604020202020204" pitchFamily="34" charset="0"/>
                 <a:cs typeface="Arial" panose="020B0604020202020204" pitchFamily="34" charset="0"/>
               </a:rPr>
@@ -16694,9 +18364,6 @@
             </a:r>
             <a:r>
               <a:rPr lang="en-US" sz="1100" dirty="0">
-                <a:solidFill>
-                  <a:schemeClr val="bg1"/>
-                </a:solidFill>
                 <a:latin typeface="Arial" panose="020B0604020202020204" pitchFamily="34" charset="0"/>
                 <a:cs typeface="Arial" panose="020B0604020202020204" pitchFamily="34" charset="0"/>
               </a:rPr>
@@ -16704,12 +18371,9 @@
             </a:r>
           </a:p>
           <a:p>
-            <a:pPr lvl="1"/>
+            <a:pPr marL="174625" lvl="1"/>
             <a:r>
               <a:rPr lang="en-US" sz="1100" dirty="0">
-                <a:solidFill>
-                  <a:schemeClr val="bg1"/>
-                </a:solidFill>
                 <a:latin typeface="Arial" panose="020B0604020202020204" pitchFamily="34" charset="0"/>
                 <a:cs typeface="Arial" panose="020B0604020202020204" pitchFamily="34" charset="0"/>
               </a:rPr>
@@ -16717,12 +18381,9 @@
             </a:r>
           </a:p>
           <a:p>
-            <a:pPr lvl="1"/>
+            <a:pPr marL="174625" lvl="1"/>
             <a:r>
               <a:rPr lang="en-US" sz="1100" dirty="0">
-                <a:solidFill>
-                  <a:schemeClr val="bg1"/>
-                </a:solidFill>
                 <a:latin typeface="Arial" panose="020B0604020202020204" pitchFamily="34" charset="0"/>
                 <a:cs typeface="Arial" panose="020B0604020202020204" pitchFamily="34" charset="0"/>
               </a:rPr>
@@ -16730,12 +18391,9 @@
             </a:r>
           </a:p>
           <a:p>
-            <a:pPr lvl="1"/>
+            <a:pPr marL="174625" lvl="1"/>
             <a:r>
               <a:rPr lang="en-US" sz="1100" dirty="0">
-                <a:solidFill>
-                  <a:schemeClr val="bg1"/>
-                </a:solidFill>
                 <a:latin typeface="Arial" panose="020B0604020202020204" pitchFamily="34" charset="0"/>
                 <a:cs typeface="Arial" panose="020B0604020202020204" pitchFamily="34" charset="0"/>
               </a:rPr>
@@ -16743,9 +18401,6 @@
             </a:r>
             <a:r>
               <a:rPr lang="en-US" sz="1100" dirty="0" err="1">
-                <a:solidFill>
-                  <a:schemeClr val="bg1"/>
-                </a:solidFill>
                 <a:latin typeface="Arial" panose="020B0604020202020204" pitchFamily="34" charset="0"/>
                 <a:cs typeface="Arial" panose="020B0604020202020204" pitchFamily="34" charset="0"/>
               </a:rPr>
@@ -16753,9 +18408,6 @@
             </a:r>
             <a:r>
               <a:rPr lang="en-US" sz="1100" dirty="0">
-                <a:solidFill>
-                  <a:schemeClr val="bg1"/>
-                </a:solidFill>
                 <a:latin typeface="Arial" panose="020B0604020202020204" pitchFamily="34" charset="0"/>
                 <a:cs typeface="Arial" panose="020B0604020202020204" pitchFamily="34" charset="0"/>
               </a:rPr>
@@ -16763,29 +18415,20 @@
             </a:r>
             <a:r>
               <a:rPr lang="en-US" sz="1100" dirty="0" err="1">
-                <a:solidFill>
-                  <a:schemeClr val="bg1"/>
-                </a:solidFill>
                 <a:latin typeface="Arial" panose="020B0604020202020204" pitchFamily="34" charset="0"/>
                 <a:cs typeface="Arial" panose="020B0604020202020204" pitchFamily="34" charset="0"/>
               </a:rPr>
               <a:t>MinMaxScaler</a:t>
             </a:r>
             <a:endParaRPr lang="en-US" sz="1100" dirty="0">
-              <a:solidFill>
-                <a:schemeClr val="bg1"/>
-              </a:solidFill>
               <a:latin typeface="Arial" panose="020B0604020202020204" pitchFamily="34" charset="0"/>
               <a:cs typeface="Arial" panose="020B0604020202020204" pitchFamily="34" charset="0"/>
             </a:endParaRPr>
           </a:p>
           <a:p>
-            <a:pPr lvl="1"/>
+            <a:pPr marL="174625" lvl="1"/>
             <a:r>
               <a:rPr lang="en-US" sz="1100" dirty="0">
-                <a:solidFill>
-                  <a:schemeClr val="bg1"/>
-                </a:solidFill>
                 <a:latin typeface="Arial" panose="020B0604020202020204" pitchFamily="34" charset="0"/>
                 <a:cs typeface="Arial" panose="020B0604020202020204" pitchFamily="34" charset="0"/>
               </a:rPr>
@@ -16795,9 +18438,6 @@
               <a:ln>
                 <a:noFill/>
               </a:ln>
-              <a:solidFill>
-                <a:prstClr val="black"/>
-              </a:solidFill>
               <a:effectLst/>
               <a:uLnTx/>
               <a:uFillTx/>
@@ -16824,8 +18464,8 @@
         </p:nvSpPr>
         <p:spPr>
           <a:xfrm>
-            <a:off x="4626864" y="1207008"/>
-            <a:ext cx="3657600" cy="3285792"/>
+            <a:off x="2306178" y="3420373"/>
+            <a:ext cx="5978286" cy="1436123"/>
           </a:xfrm>
           <a:prstGeom prst="rect">
             <a:avLst/>
@@ -17009,24 +18649,13 @@
             </a:lvl9pPr>
           </a:lstStyle>
           <a:p>
-            <a:r>
-              <a:rPr lang="en-US" sz="1200" dirty="0">
-                <a:solidFill>
-                  <a:schemeClr val="bg1"/>
-                </a:solidFill>
-                <a:latin typeface="Arial" panose="020B0604020202020204" pitchFamily="34" charset="0"/>
-                <a:cs typeface="Arial" panose="020B0604020202020204" pitchFamily="34" charset="0"/>
-              </a:rPr>
-              <a:t>Pipeline</a:t>
-            </a:r>
-          </a:p>
-          <a:p>
-            <a:pPr lvl="1"/>
+            <a:pPr>
+              <a:spcBef>
+                <a:spcPts val="375"/>
+              </a:spcBef>
+            </a:pPr>
             <a:r>
               <a:rPr lang="en-US" sz="1100" dirty="0">
-                <a:solidFill>
-                  <a:schemeClr val="bg1"/>
-                </a:solidFill>
                 <a:latin typeface="Arial" panose="020B0604020202020204" pitchFamily="34" charset="0"/>
                 <a:cs typeface="Arial" panose="020B0604020202020204" pitchFamily="34" charset="0"/>
               </a:rPr>
@@ -17034,12 +18663,13 @@
             </a:r>
           </a:p>
           <a:p>
-            <a:pPr lvl="1"/>
+            <a:pPr>
+              <a:spcBef>
+                <a:spcPts val="375"/>
+              </a:spcBef>
+            </a:pPr>
             <a:r>
               <a:rPr lang="en-US" sz="1100" dirty="0">
-                <a:solidFill>
-                  <a:schemeClr val="bg1"/>
-                </a:solidFill>
                 <a:latin typeface="Arial" panose="020B0604020202020204" pitchFamily="34" charset="0"/>
                 <a:cs typeface="Arial" panose="020B0604020202020204" pitchFamily="34" charset="0"/>
               </a:rPr>
@@ -17047,12 +18677,13 @@
             </a:r>
           </a:p>
           <a:p>
-            <a:pPr lvl="1"/>
+            <a:pPr>
+              <a:spcBef>
+                <a:spcPts val="375"/>
+              </a:spcBef>
+            </a:pPr>
             <a:r>
               <a:rPr lang="en-US" sz="1100" dirty="0">
-                <a:solidFill>
-                  <a:schemeClr val="bg1"/>
-                </a:solidFill>
                 <a:latin typeface="Arial" panose="020B0604020202020204" pitchFamily="34" charset="0"/>
                 <a:cs typeface="Arial" panose="020B0604020202020204" pitchFamily="34" charset="0"/>
               </a:rPr>
@@ -17060,37 +18691,24 @@
             </a:r>
           </a:p>
           <a:p>
-            <a:pPr lvl="2"/>
+            <a:pPr lvl="1"/>
             <a:r>
               <a:rPr lang="en-US" sz="1100" dirty="0">
-                <a:solidFill>
-                  <a:schemeClr val="bg1"/>
-                </a:solidFill>
                 <a:latin typeface="Arial" panose="020B0604020202020204" pitchFamily="34" charset="0"/>
                 <a:cs typeface="Arial" panose="020B0604020202020204" pitchFamily="34" charset="0"/>
               </a:rPr>
-              <a:t>9 supervised learning regression models</a:t>
+              <a:t>9 supervised learning regression / classification models</a:t>
             </a:r>
           </a:p>
           <a:p>
-            <a:pPr lvl="2"/>
+            <a:pPr lvl="1"/>
             <a:r>
               <a:rPr lang="en-US" sz="1100" dirty="0">
-                <a:solidFill>
-                  <a:schemeClr val="bg1"/>
-                </a:solidFill>
                 <a:latin typeface="Arial" panose="020B0604020202020204" pitchFamily="34" charset="0"/>
                 <a:cs typeface="Arial" panose="020B0604020202020204" pitchFamily="34" charset="0"/>
               </a:rPr>
               <a:t>Grid search to optimize search</a:t>
             </a:r>
-            <a:endParaRPr lang="en-US" sz="1100" dirty="0">
-              <a:solidFill>
-                <a:prstClr val="black"/>
-              </a:solidFill>
-              <a:latin typeface="Arial" panose="020B0604020202020204" pitchFamily="34" charset="0"/>
-              <a:cs typeface="Arial" panose="020B0604020202020204" pitchFamily="34" charset="0"/>
-            </a:endParaRPr>
           </a:p>
         </p:txBody>
       </p:sp>
@@ -17116,7 +18734,7 @@
         </p:blipFill>
         <p:spPr>
           <a:xfrm>
-            <a:off x="856058" y="3806614"/>
+            <a:off x="2552121" y="2571750"/>
             <a:ext cx="5486400" cy="556177"/>
           </a:xfrm>
           <a:prstGeom prst="rect">
@@ -17124,6 +18742,646 @@
           </a:prstGeom>
         </p:spPr>
       </p:pic>
+      <p:sp>
+        <p:nvSpPr>
+          <p:cNvPr id="2" name="Oval 1">
+            <a:extLst>
+              <a:ext uri="{FF2B5EF4-FFF2-40B4-BE49-F238E27FC236}">
+                <a16:creationId xmlns:a16="http://schemas.microsoft.com/office/drawing/2014/main" id="{DE6F9000-4D80-E023-0676-8FBAC75AB28E}"/>
+              </a:ext>
+            </a:extLst>
+          </p:cNvPr>
+          <p:cNvSpPr/>
+          <p:nvPr/>
+        </p:nvSpPr>
+        <p:spPr>
+          <a:xfrm>
+            <a:off x="1181067" y="1248243"/>
+            <a:ext cx="685800" cy="685800"/>
+          </a:xfrm>
+          <a:prstGeom prst="ellipse">
+            <a:avLst/>
+          </a:prstGeom>
+          <a:solidFill>
+            <a:srgbClr val="49C6DB"/>
+          </a:solidFill>
+          <a:ln>
+            <a:noFill/>
+          </a:ln>
+        </p:spPr>
+        <p:style>
+          <a:lnRef idx="2">
+            <a:schemeClr val="accent1">
+              <a:shade val="15000"/>
+            </a:schemeClr>
+          </a:lnRef>
+          <a:fillRef idx="1">
+            <a:schemeClr val="accent1"/>
+          </a:fillRef>
+          <a:effectRef idx="0">
+            <a:schemeClr val="accent1"/>
+          </a:effectRef>
+          <a:fontRef idx="minor">
+            <a:schemeClr val="lt1"/>
+          </a:fontRef>
+        </p:style>
+        <p:txBody>
+          <a:bodyPr rtlCol="0" anchor="ctr"/>
+          <a:lstStyle/>
+          <a:p>
+            <a:pPr algn="ctr"/>
+            <a:endParaRPr lang="en-US"/>
+          </a:p>
+        </p:txBody>
+      </p:sp>
+      <p:sp>
+        <p:nvSpPr>
+          <p:cNvPr id="4" name="Content Placeholder 2">
+            <a:extLst>
+              <a:ext uri="{FF2B5EF4-FFF2-40B4-BE49-F238E27FC236}">
+                <a16:creationId xmlns:a16="http://schemas.microsoft.com/office/drawing/2014/main" id="{0F483122-E973-9B0D-B4A8-1ADF12CDE082}"/>
+              </a:ext>
+            </a:extLst>
+          </p:cNvPr>
+          <p:cNvSpPr txBox="1">
+            <a:spLocks/>
+          </p:cNvSpPr>
+          <p:nvPr/>
+        </p:nvSpPr>
+        <p:spPr>
+          <a:xfrm>
+            <a:off x="856058" y="1934043"/>
+            <a:ext cx="1335819" cy="526252"/>
+          </a:xfrm>
+          <a:prstGeom prst="rect">
+            <a:avLst/>
+          </a:prstGeom>
+        </p:spPr>
+        <p:txBody>
+          <a:bodyPr vert="horz" lIns="91440" tIns="45720" rIns="91440" bIns="45720" rtlCol="0">
+            <a:noAutofit/>
+          </a:bodyPr>
+          <a:lstStyle>
+            <a:lvl1pPr marL="171450" indent="-171450" algn="l" defTabSz="685800" rtl="0" eaLnBrk="1" latinLnBrk="0" hangingPunct="1">
+              <a:lnSpc>
+                <a:spcPct val="120000"/>
+              </a:lnSpc>
+              <a:spcBef>
+                <a:spcPts val="750"/>
+              </a:spcBef>
+              <a:buSzPct val="125000"/>
+              <a:buFont typeface="Arial" panose="020B0604020202020204" pitchFamily="34" charset="0"/>
+              <a:buChar char="•"/>
+              <a:defRPr sz="1800" kern="1200">
+                <a:solidFill>
+                  <a:schemeClr val="tx1"/>
+                </a:solidFill>
+                <a:latin typeface="+mn-lt"/>
+                <a:ea typeface="+mn-ea"/>
+                <a:cs typeface="+mn-cs"/>
+              </a:defRPr>
+            </a:lvl1pPr>
+            <a:lvl2pPr marL="514350" indent="-171450" algn="l" defTabSz="685800" rtl="0" eaLnBrk="1" latinLnBrk="0" hangingPunct="1">
+              <a:lnSpc>
+                <a:spcPct val="120000"/>
+              </a:lnSpc>
+              <a:spcBef>
+                <a:spcPts val="375"/>
+              </a:spcBef>
+              <a:buSzPct val="125000"/>
+              <a:buFont typeface="Arial" panose="020B0604020202020204" pitchFamily="34" charset="0"/>
+              <a:buChar char="•"/>
+              <a:defRPr sz="1500" kern="1200">
+                <a:solidFill>
+                  <a:schemeClr val="tx1"/>
+                </a:solidFill>
+                <a:latin typeface="+mn-lt"/>
+                <a:ea typeface="+mn-ea"/>
+                <a:cs typeface="+mn-cs"/>
+              </a:defRPr>
+            </a:lvl2pPr>
+            <a:lvl3pPr marL="857250" indent="-171450" algn="l" defTabSz="685800" rtl="0" eaLnBrk="1" latinLnBrk="0" hangingPunct="1">
+              <a:lnSpc>
+                <a:spcPct val="120000"/>
+              </a:lnSpc>
+              <a:spcBef>
+                <a:spcPts val="375"/>
+              </a:spcBef>
+              <a:buSzPct val="125000"/>
+              <a:buFont typeface="Arial" panose="020B0604020202020204" pitchFamily="34" charset="0"/>
+              <a:buChar char="•"/>
+              <a:defRPr sz="1350" kern="1200">
+                <a:solidFill>
+                  <a:schemeClr val="tx1"/>
+                </a:solidFill>
+                <a:latin typeface="+mn-lt"/>
+                <a:ea typeface="+mn-ea"/>
+                <a:cs typeface="+mn-cs"/>
+              </a:defRPr>
+            </a:lvl3pPr>
+            <a:lvl4pPr marL="1200150" indent="-171450" algn="l" defTabSz="685800" rtl="0" eaLnBrk="1" latinLnBrk="0" hangingPunct="1">
+              <a:lnSpc>
+                <a:spcPct val="120000"/>
+              </a:lnSpc>
+              <a:spcBef>
+                <a:spcPts val="375"/>
+              </a:spcBef>
+              <a:buSzPct val="125000"/>
+              <a:buFont typeface="Arial" panose="020B0604020202020204" pitchFamily="34" charset="0"/>
+              <a:buChar char="•"/>
+              <a:defRPr sz="1200" kern="1200">
+                <a:solidFill>
+                  <a:schemeClr val="tx1"/>
+                </a:solidFill>
+                <a:latin typeface="+mn-lt"/>
+                <a:ea typeface="+mn-ea"/>
+                <a:cs typeface="+mn-cs"/>
+              </a:defRPr>
+            </a:lvl4pPr>
+            <a:lvl5pPr marL="1543050" indent="-171450" algn="l" defTabSz="685800" rtl="0" eaLnBrk="1" latinLnBrk="0" hangingPunct="1">
+              <a:lnSpc>
+                <a:spcPct val="120000"/>
+              </a:lnSpc>
+              <a:spcBef>
+                <a:spcPts val="375"/>
+              </a:spcBef>
+              <a:buSzPct val="125000"/>
+              <a:buFont typeface="Arial" panose="020B0604020202020204" pitchFamily="34" charset="0"/>
+              <a:buChar char="•"/>
+              <a:defRPr sz="1200" kern="1200">
+                <a:solidFill>
+                  <a:schemeClr val="tx1"/>
+                </a:solidFill>
+                <a:latin typeface="+mn-lt"/>
+                <a:ea typeface="+mn-ea"/>
+                <a:cs typeface="+mn-cs"/>
+              </a:defRPr>
+            </a:lvl5pPr>
+            <a:lvl6pPr marL="1885950" indent="-171450" algn="l" defTabSz="685800" rtl="0" eaLnBrk="1" latinLnBrk="0" hangingPunct="1">
+              <a:lnSpc>
+                <a:spcPct val="120000"/>
+              </a:lnSpc>
+              <a:spcBef>
+                <a:spcPts val="375"/>
+              </a:spcBef>
+              <a:buSzPct val="125000"/>
+              <a:buFont typeface="Arial" panose="020B0604020202020204" pitchFamily="34" charset="0"/>
+              <a:buChar char="•"/>
+              <a:defRPr sz="1050" kern="1200">
+                <a:solidFill>
+                  <a:schemeClr val="tx1"/>
+                </a:solidFill>
+                <a:latin typeface="+mn-lt"/>
+                <a:ea typeface="+mn-ea"/>
+                <a:cs typeface="+mn-cs"/>
+              </a:defRPr>
+            </a:lvl6pPr>
+            <a:lvl7pPr marL="2228850" indent="-171450" algn="l" defTabSz="685800" rtl="0" eaLnBrk="1" latinLnBrk="0" hangingPunct="1">
+              <a:lnSpc>
+                <a:spcPct val="120000"/>
+              </a:lnSpc>
+              <a:spcBef>
+                <a:spcPts val="375"/>
+              </a:spcBef>
+              <a:buSzPct val="125000"/>
+              <a:buFont typeface="Arial" panose="020B0604020202020204" pitchFamily="34" charset="0"/>
+              <a:buChar char="•"/>
+              <a:defRPr sz="1050" kern="1200">
+                <a:solidFill>
+                  <a:schemeClr val="tx1"/>
+                </a:solidFill>
+                <a:latin typeface="+mn-lt"/>
+                <a:ea typeface="+mn-ea"/>
+                <a:cs typeface="+mn-cs"/>
+              </a:defRPr>
+            </a:lvl7pPr>
+            <a:lvl8pPr marL="2571750" indent="-171450" algn="l" defTabSz="685800" rtl="0" eaLnBrk="1" latinLnBrk="0" hangingPunct="1">
+              <a:lnSpc>
+                <a:spcPct val="120000"/>
+              </a:lnSpc>
+              <a:spcBef>
+                <a:spcPts val="375"/>
+              </a:spcBef>
+              <a:buSzPct val="125000"/>
+              <a:buFont typeface="Arial" panose="020B0604020202020204" pitchFamily="34" charset="0"/>
+              <a:buChar char="•"/>
+              <a:defRPr sz="1050" kern="1200">
+                <a:solidFill>
+                  <a:schemeClr val="tx1"/>
+                </a:solidFill>
+                <a:latin typeface="+mn-lt"/>
+                <a:ea typeface="+mn-ea"/>
+                <a:cs typeface="+mn-cs"/>
+              </a:defRPr>
+            </a:lvl8pPr>
+            <a:lvl9pPr marL="2914650" indent="-171450" algn="l" defTabSz="685800" rtl="0" eaLnBrk="1" latinLnBrk="0" hangingPunct="1">
+              <a:lnSpc>
+                <a:spcPct val="120000"/>
+              </a:lnSpc>
+              <a:spcBef>
+                <a:spcPts val="375"/>
+              </a:spcBef>
+              <a:buSzPct val="125000"/>
+              <a:buFont typeface="Arial" panose="020B0604020202020204" pitchFamily="34" charset="0"/>
+              <a:buChar char="•"/>
+              <a:defRPr sz="1050" kern="1200">
+                <a:solidFill>
+                  <a:schemeClr val="tx1"/>
+                </a:solidFill>
+                <a:latin typeface="+mn-lt"/>
+                <a:ea typeface="+mn-ea"/>
+                <a:cs typeface="+mn-cs"/>
+              </a:defRPr>
+            </a:lvl9pPr>
+          </a:lstStyle>
+          <a:p>
+            <a:pPr marL="3175" lvl="1" indent="0" algn="ctr">
+              <a:buNone/>
+            </a:pPr>
+            <a:r>
+              <a:rPr lang="en-US" sz="1200" b="1" dirty="0">
+                <a:solidFill>
+                  <a:srgbClr val="49C6DB"/>
+                </a:solidFill>
+                <a:latin typeface="Arial" panose="020B0604020202020204" pitchFamily="34" charset="0"/>
+                <a:cs typeface="Arial" panose="020B0604020202020204" pitchFamily="34" charset="0"/>
+              </a:rPr>
+              <a:t>Data Cleaning &amp; Manipulation</a:t>
+            </a:r>
+          </a:p>
+        </p:txBody>
+      </p:sp>
+      <p:sp>
+        <p:nvSpPr>
+          <p:cNvPr id="8" name="Oval 7">
+            <a:extLst>
+              <a:ext uri="{FF2B5EF4-FFF2-40B4-BE49-F238E27FC236}">
+                <a16:creationId xmlns:a16="http://schemas.microsoft.com/office/drawing/2014/main" id="{A80598D6-33D7-DACB-AD06-6B3D96C9BBEB}"/>
+              </a:ext>
+            </a:extLst>
+          </p:cNvPr>
+          <p:cNvSpPr/>
+          <p:nvPr/>
+        </p:nvSpPr>
+        <p:spPr>
+          <a:xfrm>
+            <a:off x="1181067" y="3532408"/>
+            <a:ext cx="685800" cy="685800"/>
+          </a:xfrm>
+          <a:prstGeom prst="ellipse">
+            <a:avLst/>
+          </a:prstGeom>
+          <a:solidFill>
+            <a:srgbClr val="49C6DB"/>
+          </a:solidFill>
+          <a:ln>
+            <a:noFill/>
+          </a:ln>
+        </p:spPr>
+        <p:style>
+          <a:lnRef idx="2">
+            <a:schemeClr val="accent1">
+              <a:shade val="15000"/>
+            </a:schemeClr>
+          </a:lnRef>
+          <a:fillRef idx="1">
+            <a:schemeClr val="accent1"/>
+          </a:fillRef>
+          <a:effectRef idx="0">
+            <a:schemeClr val="accent1"/>
+          </a:effectRef>
+          <a:fontRef idx="minor">
+            <a:schemeClr val="lt1"/>
+          </a:fontRef>
+        </p:style>
+        <p:txBody>
+          <a:bodyPr rtlCol="0" anchor="ctr"/>
+          <a:lstStyle/>
+          <a:p>
+            <a:pPr algn="ctr"/>
+            <a:endParaRPr lang="en-US"/>
+          </a:p>
+        </p:txBody>
+      </p:sp>
+      <p:sp>
+        <p:nvSpPr>
+          <p:cNvPr id="9" name="Content Placeholder 2">
+            <a:extLst>
+              <a:ext uri="{FF2B5EF4-FFF2-40B4-BE49-F238E27FC236}">
+                <a16:creationId xmlns:a16="http://schemas.microsoft.com/office/drawing/2014/main" id="{E5197E09-0DA0-E1D5-44B8-F075DC490947}"/>
+              </a:ext>
+            </a:extLst>
+          </p:cNvPr>
+          <p:cNvSpPr txBox="1">
+            <a:spLocks/>
+          </p:cNvSpPr>
+          <p:nvPr/>
+        </p:nvSpPr>
+        <p:spPr>
+          <a:xfrm>
+            <a:off x="856058" y="4218208"/>
+            <a:ext cx="1335819" cy="526252"/>
+          </a:xfrm>
+          <a:prstGeom prst="rect">
+            <a:avLst/>
+          </a:prstGeom>
+        </p:spPr>
+        <p:txBody>
+          <a:bodyPr vert="horz" lIns="91440" tIns="45720" rIns="91440" bIns="45720" rtlCol="0">
+            <a:noAutofit/>
+          </a:bodyPr>
+          <a:lstStyle>
+            <a:lvl1pPr marL="171450" indent="-171450" algn="l" defTabSz="685800" rtl="0" eaLnBrk="1" latinLnBrk="0" hangingPunct="1">
+              <a:lnSpc>
+                <a:spcPct val="120000"/>
+              </a:lnSpc>
+              <a:spcBef>
+                <a:spcPts val="750"/>
+              </a:spcBef>
+              <a:buSzPct val="125000"/>
+              <a:buFont typeface="Arial" panose="020B0604020202020204" pitchFamily="34" charset="0"/>
+              <a:buChar char="•"/>
+              <a:defRPr sz="1800" kern="1200">
+                <a:solidFill>
+                  <a:schemeClr val="tx1"/>
+                </a:solidFill>
+                <a:latin typeface="+mn-lt"/>
+                <a:ea typeface="+mn-ea"/>
+                <a:cs typeface="+mn-cs"/>
+              </a:defRPr>
+            </a:lvl1pPr>
+            <a:lvl2pPr marL="514350" indent="-171450" algn="l" defTabSz="685800" rtl="0" eaLnBrk="1" latinLnBrk="0" hangingPunct="1">
+              <a:lnSpc>
+                <a:spcPct val="120000"/>
+              </a:lnSpc>
+              <a:spcBef>
+                <a:spcPts val="375"/>
+              </a:spcBef>
+              <a:buSzPct val="125000"/>
+              <a:buFont typeface="Arial" panose="020B0604020202020204" pitchFamily="34" charset="0"/>
+              <a:buChar char="•"/>
+              <a:defRPr sz="1500" kern="1200">
+                <a:solidFill>
+                  <a:schemeClr val="tx1"/>
+                </a:solidFill>
+                <a:latin typeface="+mn-lt"/>
+                <a:ea typeface="+mn-ea"/>
+                <a:cs typeface="+mn-cs"/>
+              </a:defRPr>
+            </a:lvl2pPr>
+            <a:lvl3pPr marL="857250" indent="-171450" algn="l" defTabSz="685800" rtl="0" eaLnBrk="1" latinLnBrk="0" hangingPunct="1">
+              <a:lnSpc>
+                <a:spcPct val="120000"/>
+              </a:lnSpc>
+              <a:spcBef>
+                <a:spcPts val="375"/>
+              </a:spcBef>
+              <a:buSzPct val="125000"/>
+              <a:buFont typeface="Arial" panose="020B0604020202020204" pitchFamily="34" charset="0"/>
+              <a:buChar char="•"/>
+              <a:defRPr sz="1350" kern="1200">
+                <a:solidFill>
+                  <a:schemeClr val="tx1"/>
+                </a:solidFill>
+                <a:latin typeface="+mn-lt"/>
+                <a:ea typeface="+mn-ea"/>
+                <a:cs typeface="+mn-cs"/>
+              </a:defRPr>
+            </a:lvl3pPr>
+            <a:lvl4pPr marL="1200150" indent="-171450" algn="l" defTabSz="685800" rtl="0" eaLnBrk="1" latinLnBrk="0" hangingPunct="1">
+              <a:lnSpc>
+                <a:spcPct val="120000"/>
+              </a:lnSpc>
+              <a:spcBef>
+                <a:spcPts val="375"/>
+              </a:spcBef>
+              <a:buSzPct val="125000"/>
+              <a:buFont typeface="Arial" panose="020B0604020202020204" pitchFamily="34" charset="0"/>
+              <a:buChar char="•"/>
+              <a:defRPr sz="1200" kern="1200">
+                <a:solidFill>
+                  <a:schemeClr val="tx1"/>
+                </a:solidFill>
+                <a:latin typeface="+mn-lt"/>
+                <a:ea typeface="+mn-ea"/>
+                <a:cs typeface="+mn-cs"/>
+              </a:defRPr>
+            </a:lvl4pPr>
+            <a:lvl5pPr marL="1543050" indent="-171450" algn="l" defTabSz="685800" rtl="0" eaLnBrk="1" latinLnBrk="0" hangingPunct="1">
+              <a:lnSpc>
+                <a:spcPct val="120000"/>
+              </a:lnSpc>
+              <a:spcBef>
+                <a:spcPts val="375"/>
+              </a:spcBef>
+              <a:buSzPct val="125000"/>
+              <a:buFont typeface="Arial" panose="020B0604020202020204" pitchFamily="34" charset="0"/>
+              <a:buChar char="•"/>
+              <a:defRPr sz="1200" kern="1200">
+                <a:solidFill>
+                  <a:schemeClr val="tx1"/>
+                </a:solidFill>
+                <a:latin typeface="+mn-lt"/>
+                <a:ea typeface="+mn-ea"/>
+                <a:cs typeface="+mn-cs"/>
+              </a:defRPr>
+            </a:lvl5pPr>
+            <a:lvl6pPr marL="1885950" indent="-171450" algn="l" defTabSz="685800" rtl="0" eaLnBrk="1" latinLnBrk="0" hangingPunct="1">
+              <a:lnSpc>
+                <a:spcPct val="120000"/>
+              </a:lnSpc>
+              <a:spcBef>
+                <a:spcPts val="375"/>
+              </a:spcBef>
+              <a:buSzPct val="125000"/>
+              <a:buFont typeface="Arial" panose="020B0604020202020204" pitchFamily="34" charset="0"/>
+              <a:buChar char="•"/>
+              <a:defRPr sz="1050" kern="1200">
+                <a:solidFill>
+                  <a:schemeClr val="tx1"/>
+                </a:solidFill>
+                <a:latin typeface="+mn-lt"/>
+                <a:ea typeface="+mn-ea"/>
+                <a:cs typeface="+mn-cs"/>
+              </a:defRPr>
+            </a:lvl6pPr>
+            <a:lvl7pPr marL="2228850" indent="-171450" algn="l" defTabSz="685800" rtl="0" eaLnBrk="1" latinLnBrk="0" hangingPunct="1">
+              <a:lnSpc>
+                <a:spcPct val="120000"/>
+              </a:lnSpc>
+              <a:spcBef>
+                <a:spcPts val="375"/>
+              </a:spcBef>
+              <a:buSzPct val="125000"/>
+              <a:buFont typeface="Arial" panose="020B0604020202020204" pitchFamily="34" charset="0"/>
+              <a:buChar char="•"/>
+              <a:defRPr sz="1050" kern="1200">
+                <a:solidFill>
+                  <a:schemeClr val="tx1"/>
+                </a:solidFill>
+                <a:latin typeface="+mn-lt"/>
+                <a:ea typeface="+mn-ea"/>
+                <a:cs typeface="+mn-cs"/>
+              </a:defRPr>
+            </a:lvl7pPr>
+            <a:lvl8pPr marL="2571750" indent="-171450" algn="l" defTabSz="685800" rtl="0" eaLnBrk="1" latinLnBrk="0" hangingPunct="1">
+              <a:lnSpc>
+                <a:spcPct val="120000"/>
+              </a:lnSpc>
+              <a:spcBef>
+                <a:spcPts val="375"/>
+              </a:spcBef>
+              <a:buSzPct val="125000"/>
+              <a:buFont typeface="Arial" panose="020B0604020202020204" pitchFamily="34" charset="0"/>
+              <a:buChar char="•"/>
+              <a:defRPr sz="1050" kern="1200">
+                <a:solidFill>
+                  <a:schemeClr val="tx1"/>
+                </a:solidFill>
+                <a:latin typeface="+mn-lt"/>
+                <a:ea typeface="+mn-ea"/>
+                <a:cs typeface="+mn-cs"/>
+              </a:defRPr>
+            </a:lvl8pPr>
+            <a:lvl9pPr marL="2914650" indent="-171450" algn="l" defTabSz="685800" rtl="0" eaLnBrk="1" latinLnBrk="0" hangingPunct="1">
+              <a:lnSpc>
+                <a:spcPct val="120000"/>
+              </a:lnSpc>
+              <a:spcBef>
+                <a:spcPts val="375"/>
+              </a:spcBef>
+              <a:buSzPct val="125000"/>
+              <a:buFont typeface="Arial" panose="020B0604020202020204" pitchFamily="34" charset="0"/>
+              <a:buChar char="•"/>
+              <a:defRPr sz="1050" kern="1200">
+                <a:solidFill>
+                  <a:schemeClr val="tx1"/>
+                </a:solidFill>
+                <a:latin typeface="+mn-lt"/>
+                <a:ea typeface="+mn-ea"/>
+                <a:cs typeface="+mn-cs"/>
+              </a:defRPr>
+            </a:lvl9pPr>
+          </a:lstStyle>
+          <a:p>
+            <a:pPr marL="3175" lvl="1" indent="0" algn="ctr">
+              <a:buNone/>
+            </a:pPr>
+            <a:r>
+              <a:rPr lang="en-US" sz="1200" b="1" dirty="0">
+                <a:solidFill>
+                  <a:srgbClr val="49C6DB"/>
+                </a:solidFill>
+                <a:latin typeface="Arial" panose="020B0604020202020204" pitchFamily="34" charset="0"/>
+                <a:cs typeface="Arial" panose="020B0604020202020204" pitchFamily="34" charset="0"/>
+              </a:rPr>
+              <a:t>Pipeline</a:t>
+            </a:r>
+          </a:p>
+        </p:txBody>
+      </p:sp>
+      <p:pic>
+        <p:nvPicPr>
+          <p:cNvPr id="12" name="Picture 11">
+            <a:extLst>
+              <a:ext uri="{FF2B5EF4-FFF2-40B4-BE49-F238E27FC236}">
+                <a16:creationId xmlns:a16="http://schemas.microsoft.com/office/drawing/2014/main" id="{73C192E2-0B52-6449-4D85-6865BB5ED0E1}"/>
+              </a:ext>
+            </a:extLst>
+          </p:cNvPr>
+          <p:cNvPicPr>
+            <a:picLocks noChangeAspect="1"/>
+          </p:cNvPicPr>
+          <p:nvPr/>
+        </p:nvPicPr>
+        <p:blipFill>
+          <a:blip r:embed="rId4"/>
+          <a:stretch>
+            <a:fillRect/>
+          </a:stretch>
+        </p:blipFill>
+        <p:spPr>
+          <a:xfrm>
+            <a:off x="1295367" y="1362543"/>
+            <a:ext cx="457200" cy="457200"/>
+          </a:xfrm>
+          <a:prstGeom prst="rect">
+            <a:avLst/>
+          </a:prstGeom>
+        </p:spPr>
+      </p:pic>
+      <p:pic>
+        <p:nvPicPr>
+          <p:cNvPr id="14" name="Picture 13">
+            <a:extLst>
+              <a:ext uri="{FF2B5EF4-FFF2-40B4-BE49-F238E27FC236}">
+                <a16:creationId xmlns:a16="http://schemas.microsoft.com/office/drawing/2014/main" id="{83A30305-9CEE-B911-1BCE-B8AF5A3DC4C9}"/>
+              </a:ext>
+            </a:extLst>
+          </p:cNvPr>
+          <p:cNvPicPr>
+            <a:picLocks noChangeAspect="1"/>
+          </p:cNvPicPr>
+          <p:nvPr/>
+        </p:nvPicPr>
+        <p:blipFill>
+          <a:blip r:embed="rId5"/>
+          <a:stretch>
+            <a:fillRect/>
+          </a:stretch>
+        </p:blipFill>
+        <p:spPr>
+          <a:xfrm>
+            <a:off x="1295367" y="3646708"/>
+            <a:ext cx="457200" cy="457200"/>
+          </a:xfrm>
+          <a:prstGeom prst="rect">
+            <a:avLst/>
+          </a:prstGeom>
+        </p:spPr>
+      </p:pic>
+      <p:cxnSp>
+        <p:nvCxnSpPr>
+          <p:cNvPr id="15" name="Straight Connector 14">
+            <a:extLst>
+              <a:ext uri="{FF2B5EF4-FFF2-40B4-BE49-F238E27FC236}">
+                <a16:creationId xmlns:a16="http://schemas.microsoft.com/office/drawing/2014/main" id="{972DDF40-8030-C952-D393-866EDC60A395}"/>
+              </a:ext>
+            </a:extLst>
+          </p:cNvPr>
+          <p:cNvCxnSpPr/>
+          <p:nvPr/>
+        </p:nvCxnSpPr>
+        <p:spPr>
+          <a:xfrm>
+            <a:off x="936740" y="3274150"/>
+            <a:ext cx="7348818" cy="0"/>
+          </a:xfrm>
+          <a:prstGeom prst="line">
+            <a:avLst/>
+          </a:prstGeom>
+          <a:ln>
+            <a:solidFill>
+              <a:schemeClr val="tx1"/>
+            </a:solidFill>
+            <a:prstDash val="dash"/>
+          </a:ln>
+        </p:spPr>
+        <p:style>
+          <a:lnRef idx="1">
+            <a:schemeClr val="accent1"/>
+          </a:lnRef>
+          <a:fillRef idx="0">
+            <a:schemeClr val="accent1"/>
+          </a:fillRef>
+          <a:effectRef idx="0">
+            <a:schemeClr val="accent1"/>
+          </a:effectRef>
+          <a:fontRef idx="minor">
+            <a:schemeClr val="tx1"/>
+          </a:fontRef>
+        </p:style>
+      </p:cxnSp>
     </p:spTree>
     <p:extLst>
       <p:ext uri="{BB962C8B-B14F-4D97-AF65-F5344CB8AC3E}">
@@ -17140,6 +19398,14 @@
 <file path=ppt/slides/slide5.xml><?xml version="1.0" encoding="utf-8"?>
 <p:sld xmlns:a="http://schemas.openxmlformats.org/drawingml/2006/main" xmlns:r="http://schemas.openxmlformats.org/officeDocument/2006/relationships" xmlns:p="http://schemas.openxmlformats.org/presentationml/2006/main">
   <p:cSld>
+    <p:bg>
+      <p:bgPr>
+        <a:solidFill>
+          <a:schemeClr val="bg1"/>
+        </a:solidFill>
+        <a:effectLst/>
+      </p:bgPr>
+    </p:bg>
     <p:spTree>
       <p:nvGrpSpPr>
         <p:cNvPr id="1" name="Shape 139"/>
@@ -17217,7 +19483,7 @@
           <p:nvPr>
             <p:extLst>
               <p:ext uri="{D42A27DB-BD31-4B8C-83A1-F6EECF244321}">
-                <p14:modId xmlns:p14="http://schemas.microsoft.com/office/powerpoint/2010/main" val="3936043016"/>
+                <p14:modId xmlns:p14="http://schemas.microsoft.com/office/powerpoint/2010/main" val="462371053"/>
               </p:ext>
             </p:extLst>
           </p:nvPr>
@@ -17272,7 +19538,7 @@
                       <a:r>
                         <a:rPr lang="en-US" sz="1200" dirty="0">
                           <a:solidFill>
-                            <a:schemeClr val="bg1"/>
+                            <a:schemeClr val="tx1"/>
                           </a:solidFill>
                           <a:latin typeface="Arial" panose="020B0604020202020204" pitchFamily="34" charset="0"/>
                           <a:cs typeface="Arial" panose="020B0604020202020204" pitchFamily="34" charset="0"/>
@@ -17292,7 +19558,7 @@
                       <a:r>
                         <a:rPr lang="en-US" sz="1200" dirty="0">
                           <a:solidFill>
-                            <a:schemeClr val="bg1"/>
+                            <a:schemeClr val="tx1"/>
                           </a:solidFill>
                           <a:latin typeface="Arial" panose="020B0604020202020204" pitchFamily="34" charset="0"/>
                           <a:cs typeface="Arial" panose="020B0604020202020204" pitchFamily="34" charset="0"/>
@@ -17312,7 +19578,7 @@
                       <a:r>
                         <a:rPr lang="en-US" sz="1200" dirty="0">
                           <a:solidFill>
-                            <a:schemeClr val="bg1"/>
+                            <a:schemeClr val="tx1"/>
                           </a:solidFill>
                           <a:latin typeface="Arial" panose="020B0604020202020204" pitchFamily="34" charset="0"/>
                           <a:cs typeface="Arial" panose="020B0604020202020204" pitchFamily="34" charset="0"/>
@@ -17332,7 +19598,7 @@
                       <a:r>
                         <a:rPr lang="en-US" sz="1200" dirty="0">
                           <a:solidFill>
-                            <a:schemeClr val="bg1"/>
+                            <a:schemeClr val="tx1"/>
                           </a:solidFill>
                           <a:latin typeface="Arial" panose="020B0604020202020204" pitchFamily="34" charset="0"/>
                           <a:cs typeface="Arial" panose="020B0604020202020204" pitchFamily="34" charset="0"/>
@@ -17358,7 +19624,7 @@
                       <a:r>
                         <a:rPr lang="en-US" sz="1200" dirty="0">
                           <a:solidFill>
-                            <a:schemeClr val="bg1"/>
+                            <a:schemeClr val="tx1"/>
                           </a:solidFill>
                           <a:latin typeface="Arial" panose="020B0604020202020204" pitchFamily="34" charset="0"/>
                           <a:cs typeface="Arial" panose="020B0604020202020204" pitchFamily="34" charset="0"/>
@@ -17378,7 +19644,7 @@
                       <a:r>
                         <a:rPr lang="en-US" sz="1200" dirty="0">
                           <a:solidFill>
-                            <a:schemeClr val="bg1"/>
+                            <a:schemeClr val="tx1"/>
                           </a:solidFill>
                           <a:latin typeface="Arial" panose="020B0604020202020204" pitchFamily="34" charset="0"/>
                           <a:cs typeface="Arial" panose="020B0604020202020204" pitchFamily="34" charset="0"/>
@@ -17398,7 +19664,7 @@
                       <a:r>
                         <a:rPr lang="en-US" sz="1200" dirty="0">
                           <a:solidFill>
-                            <a:schemeClr val="bg1"/>
+                            <a:schemeClr val="tx1"/>
                           </a:solidFill>
                           <a:latin typeface="Arial" panose="020B0604020202020204" pitchFamily="34" charset="0"/>
                           <a:cs typeface="Arial" panose="020B0604020202020204" pitchFamily="34" charset="0"/>
@@ -17418,7 +19684,7 @@
                       <a:r>
                         <a:rPr lang="en-US" sz="1200" dirty="0">
                           <a:solidFill>
-                            <a:schemeClr val="bg1"/>
+                            <a:schemeClr val="tx1"/>
                           </a:solidFill>
                           <a:latin typeface="Arial" panose="020B0604020202020204" pitchFamily="34" charset="0"/>
                           <a:cs typeface="Arial" panose="020B0604020202020204" pitchFamily="34" charset="0"/>
@@ -17444,7 +19710,7 @@
                       <a:r>
                         <a:rPr lang="en-US" sz="1200" dirty="0">
                           <a:solidFill>
-                            <a:schemeClr val="bg1"/>
+                            <a:schemeClr val="tx1"/>
                           </a:solidFill>
                           <a:latin typeface="Arial" panose="020B0604020202020204" pitchFamily="34" charset="0"/>
                           <a:cs typeface="Arial" panose="020B0604020202020204" pitchFamily="34" charset="0"/>
@@ -17464,7 +19730,7 @@
                       <a:r>
                         <a:rPr lang="en-US" sz="1200" dirty="0">
                           <a:solidFill>
-                            <a:schemeClr val="bg1"/>
+                            <a:schemeClr val="tx1"/>
                           </a:solidFill>
                           <a:latin typeface="Arial" panose="020B0604020202020204" pitchFamily="34" charset="0"/>
                           <a:cs typeface="Arial" panose="020B0604020202020204" pitchFamily="34" charset="0"/>
@@ -17484,7 +19750,7 @@
                       <a:r>
                         <a:rPr lang="en-US" sz="1200" dirty="0">
                           <a:solidFill>
-                            <a:schemeClr val="bg1"/>
+                            <a:schemeClr val="tx1"/>
                           </a:solidFill>
                           <a:latin typeface="Arial" panose="020B0604020202020204" pitchFamily="34" charset="0"/>
                           <a:cs typeface="Arial" panose="020B0604020202020204" pitchFamily="34" charset="0"/>
@@ -17504,7 +19770,7 @@
                       <a:r>
                         <a:rPr lang="en-US" sz="1200" dirty="0">
                           <a:solidFill>
-                            <a:schemeClr val="bg1"/>
+                            <a:schemeClr val="tx1"/>
                           </a:solidFill>
                           <a:latin typeface="Arial" panose="020B0604020202020204" pitchFamily="34" charset="0"/>
                           <a:cs typeface="Arial" panose="020B0604020202020204" pitchFamily="34" charset="0"/>
@@ -17530,7 +19796,7 @@
                       <a:r>
                         <a:rPr lang="en-US" sz="1200" dirty="0">
                           <a:solidFill>
-                            <a:schemeClr val="bg1"/>
+                            <a:schemeClr val="tx1"/>
                           </a:solidFill>
                           <a:latin typeface="Arial" panose="020B0604020202020204" pitchFamily="34" charset="0"/>
                           <a:cs typeface="Arial" panose="020B0604020202020204" pitchFamily="34" charset="0"/>
@@ -17550,7 +19816,7 @@
                       <a:r>
                         <a:rPr lang="en-US" sz="1200" dirty="0">
                           <a:solidFill>
-                            <a:schemeClr val="bg1"/>
+                            <a:schemeClr val="tx1"/>
                           </a:solidFill>
                           <a:latin typeface="Arial" panose="020B0604020202020204" pitchFamily="34" charset="0"/>
                           <a:cs typeface="Arial" panose="020B0604020202020204" pitchFamily="34" charset="0"/>
@@ -17570,7 +19836,7 @@
                       <a:r>
                         <a:rPr lang="en-US" sz="1200" dirty="0">
                           <a:solidFill>
-                            <a:schemeClr val="bg1"/>
+                            <a:schemeClr val="tx1"/>
                           </a:solidFill>
                           <a:latin typeface="Arial" panose="020B0604020202020204" pitchFamily="34" charset="0"/>
                           <a:cs typeface="Arial" panose="020B0604020202020204" pitchFamily="34" charset="0"/>
@@ -17590,7 +19856,7 @@
                       <a:r>
                         <a:rPr lang="en-US" sz="1200" dirty="0">
                           <a:solidFill>
-                            <a:schemeClr val="bg1"/>
+                            <a:schemeClr val="tx1"/>
                           </a:solidFill>
                           <a:latin typeface="Arial" panose="020B0604020202020204" pitchFamily="34" charset="0"/>
                           <a:cs typeface="Arial" panose="020B0604020202020204" pitchFamily="34" charset="0"/>
@@ -17616,7 +19882,7 @@
                       <a:r>
                         <a:rPr lang="en-US" sz="1200" dirty="0">
                           <a:solidFill>
-                            <a:schemeClr val="bg1"/>
+                            <a:schemeClr val="tx1"/>
                           </a:solidFill>
                           <a:latin typeface="Arial" panose="020B0604020202020204" pitchFamily="34" charset="0"/>
                           <a:cs typeface="Arial" panose="020B0604020202020204" pitchFamily="34" charset="0"/>
@@ -17636,7 +19902,7 @@
                       <a:r>
                         <a:rPr lang="en-US" sz="1200" dirty="0">
                           <a:solidFill>
-                            <a:schemeClr val="bg1"/>
+                            <a:schemeClr val="tx1"/>
                           </a:solidFill>
                           <a:latin typeface="Arial" panose="020B0604020202020204" pitchFamily="34" charset="0"/>
                           <a:cs typeface="Arial" panose="020B0604020202020204" pitchFamily="34" charset="0"/>
@@ -17656,7 +19922,7 @@
                       <a:r>
                         <a:rPr lang="en-US" sz="1200" dirty="0">
                           <a:solidFill>
-                            <a:schemeClr val="bg1"/>
+                            <a:schemeClr val="tx1"/>
                           </a:solidFill>
                           <a:latin typeface="Arial" panose="020B0604020202020204" pitchFamily="34" charset="0"/>
                           <a:cs typeface="Arial" panose="020B0604020202020204" pitchFamily="34" charset="0"/>
@@ -17676,7 +19942,7 @@
                       <a:r>
                         <a:rPr lang="en-US" sz="1200" dirty="0">
                           <a:solidFill>
-                            <a:schemeClr val="bg1"/>
+                            <a:schemeClr val="tx1"/>
                           </a:solidFill>
                           <a:latin typeface="Arial" panose="020B0604020202020204" pitchFamily="34" charset="0"/>
                           <a:cs typeface="Arial" panose="020B0604020202020204" pitchFamily="34" charset="0"/>
@@ -17702,7 +19968,7 @@
                       <a:r>
                         <a:rPr lang="en-US" sz="1200" dirty="0">
                           <a:solidFill>
-                            <a:schemeClr val="bg1"/>
+                            <a:schemeClr val="tx1"/>
                           </a:solidFill>
                           <a:latin typeface="Arial" panose="020B0604020202020204" pitchFamily="34" charset="0"/>
                           <a:cs typeface="Arial" panose="020B0604020202020204" pitchFamily="34" charset="0"/>
@@ -17722,7 +19988,7 @@
                       <a:r>
                         <a:rPr lang="en-US" sz="1200" dirty="0">
                           <a:solidFill>
-                            <a:schemeClr val="bg1"/>
+                            <a:schemeClr val="tx1"/>
                           </a:solidFill>
                           <a:latin typeface="Arial" panose="020B0604020202020204" pitchFamily="34" charset="0"/>
                           <a:cs typeface="Arial" panose="020B0604020202020204" pitchFamily="34" charset="0"/>
@@ -17742,7 +20008,7 @@
                       <a:r>
                         <a:rPr lang="en-US" sz="1200" dirty="0">
                           <a:solidFill>
-                            <a:schemeClr val="bg1"/>
+                            <a:schemeClr val="tx1"/>
                           </a:solidFill>
                           <a:latin typeface="Arial" panose="020B0604020202020204" pitchFamily="34" charset="0"/>
                           <a:cs typeface="Arial" panose="020B0604020202020204" pitchFamily="34" charset="0"/>
@@ -17762,7 +20028,7 @@
                       <a:r>
                         <a:rPr lang="en-US" sz="1200" dirty="0">
                           <a:solidFill>
-                            <a:schemeClr val="bg1"/>
+                            <a:schemeClr val="tx1"/>
                           </a:solidFill>
                           <a:latin typeface="Arial" panose="020B0604020202020204" pitchFamily="34" charset="0"/>
                           <a:cs typeface="Arial" panose="020B0604020202020204" pitchFamily="34" charset="0"/>
@@ -17788,7 +20054,7 @@
                       <a:r>
                         <a:rPr lang="en-US" sz="1200" dirty="0">
                           <a:solidFill>
-                            <a:schemeClr val="bg1"/>
+                            <a:schemeClr val="tx1"/>
                           </a:solidFill>
                           <a:latin typeface="Arial" panose="020B0604020202020204" pitchFamily="34" charset="0"/>
                           <a:cs typeface="Arial" panose="020B0604020202020204" pitchFamily="34" charset="0"/>
@@ -17808,7 +20074,7 @@
                       <a:r>
                         <a:rPr lang="en-US" sz="1200" dirty="0">
                           <a:solidFill>
-                            <a:schemeClr val="bg1"/>
+                            <a:schemeClr val="tx1"/>
                           </a:solidFill>
                           <a:latin typeface="Arial" panose="020B0604020202020204" pitchFamily="34" charset="0"/>
                           <a:cs typeface="Arial" panose="020B0604020202020204" pitchFamily="34" charset="0"/>
@@ -17828,7 +20094,7 @@
                       <a:r>
                         <a:rPr lang="en-US" sz="1200" dirty="0">
                           <a:solidFill>
-                            <a:schemeClr val="bg1"/>
+                            <a:schemeClr val="tx1"/>
                           </a:solidFill>
                           <a:latin typeface="Arial" panose="020B0604020202020204" pitchFamily="34" charset="0"/>
                           <a:cs typeface="Arial" panose="020B0604020202020204" pitchFamily="34" charset="0"/>
@@ -17848,7 +20114,7 @@
                       <a:r>
                         <a:rPr lang="en-US" sz="1200" dirty="0">
                           <a:solidFill>
-                            <a:schemeClr val="bg1"/>
+                            <a:schemeClr val="tx1"/>
                           </a:solidFill>
                           <a:latin typeface="Arial" panose="020B0604020202020204" pitchFamily="34" charset="0"/>
                           <a:cs typeface="Arial" panose="020B0604020202020204" pitchFamily="34" charset="0"/>
@@ -17874,7 +20140,7 @@
                       <a:r>
                         <a:rPr lang="en-US" sz="1200" dirty="0">
                           <a:solidFill>
-                            <a:schemeClr val="bg1"/>
+                            <a:schemeClr val="tx1"/>
                           </a:solidFill>
                           <a:latin typeface="Arial" panose="020B0604020202020204" pitchFamily="34" charset="0"/>
                           <a:cs typeface="Arial" panose="020B0604020202020204" pitchFamily="34" charset="0"/>
@@ -17894,7 +20160,7 @@
                       <a:r>
                         <a:rPr lang="en-US" sz="1200" dirty="0">
                           <a:solidFill>
-                            <a:schemeClr val="bg1"/>
+                            <a:schemeClr val="tx1"/>
                           </a:solidFill>
                           <a:latin typeface="Arial" panose="020B0604020202020204" pitchFamily="34" charset="0"/>
                           <a:cs typeface="Arial" panose="020B0604020202020204" pitchFamily="34" charset="0"/>
@@ -17914,7 +20180,7 @@
                       <a:r>
                         <a:rPr lang="en-US" sz="1200" dirty="0">
                           <a:solidFill>
-                            <a:schemeClr val="bg1"/>
+                            <a:schemeClr val="tx1"/>
                           </a:solidFill>
                           <a:latin typeface="Arial" panose="020B0604020202020204" pitchFamily="34" charset="0"/>
                           <a:cs typeface="Arial" panose="020B0604020202020204" pitchFamily="34" charset="0"/>
@@ -17934,7 +20200,7 @@
                       <a:r>
                         <a:rPr lang="en-US" sz="1200" dirty="0">
                           <a:solidFill>
-                            <a:schemeClr val="bg1"/>
+                            <a:schemeClr val="tx1"/>
                           </a:solidFill>
                           <a:latin typeface="Arial" panose="020B0604020202020204" pitchFamily="34" charset="0"/>
                           <a:cs typeface="Arial" panose="020B0604020202020204" pitchFamily="34" charset="0"/>
@@ -17960,7 +20226,7 @@
                       <a:r>
                         <a:rPr lang="en-US" sz="1200" dirty="0">
                           <a:solidFill>
-                            <a:schemeClr val="bg1"/>
+                            <a:schemeClr val="tx1"/>
                           </a:solidFill>
                           <a:latin typeface="Arial" panose="020B0604020202020204" pitchFamily="34" charset="0"/>
                           <a:cs typeface="Arial" panose="020B0604020202020204" pitchFamily="34" charset="0"/>
@@ -17980,7 +20246,7 @@
                       <a:r>
                         <a:rPr lang="en-US" sz="1200" dirty="0">
                           <a:solidFill>
-                            <a:schemeClr val="bg1"/>
+                            <a:schemeClr val="tx1"/>
                           </a:solidFill>
                           <a:latin typeface="Arial" panose="020B0604020202020204" pitchFamily="34" charset="0"/>
                           <a:cs typeface="Arial" panose="020B0604020202020204" pitchFamily="34" charset="0"/>
@@ -18000,7 +20266,7 @@
                       <a:r>
                         <a:rPr lang="en-US" sz="1200" dirty="0">
                           <a:solidFill>
-                            <a:schemeClr val="bg1"/>
+                            <a:schemeClr val="tx1"/>
                           </a:solidFill>
                           <a:latin typeface="Arial" panose="020B0604020202020204" pitchFamily="34" charset="0"/>
                           <a:cs typeface="Arial" panose="020B0604020202020204" pitchFamily="34" charset="0"/>
@@ -18020,7 +20286,7 @@
                       <a:r>
                         <a:rPr lang="en-US" sz="1200" dirty="0">
                           <a:solidFill>
-                            <a:schemeClr val="bg1"/>
+                            <a:schemeClr val="tx1"/>
                           </a:solidFill>
                           <a:latin typeface="Arial" panose="020B0604020202020204" pitchFamily="34" charset="0"/>
                           <a:cs typeface="Arial" panose="020B0604020202020204" pitchFamily="34" charset="0"/>
@@ -18046,7 +20312,7 @@
                       <a:r>
                         <a:rPr lang="en-US" sz="1200" dirty="0">
                           <a:solidFill>
-                            <a:schemeClr val="bg1"/>
+                            <a:schemeClr val="tx1"/>
                           </a:solidFill>
                           <a:latin typeface="Arial" panose="020B0604020202020204" pitchFamily="34" charset="0"/>
                           <a:cs typeface="Arial" panose="020B0604020202020204" pitchFamily="34" charset="0"/>
@@ -18066,7 +20332,7 @@
                       <a:r>
                         <a:rPr lang="en-US" sz="1200" dirty="0">
                           <a:solidFill>
-                            <a:schemeClr val="bg1"/>
+                            <a:schemeClr val="tx1"/>
                           </a:solidFill>
                           <a:latin typeface="Arial" panose="020B0604020202020204" pitchFamily="34" charset="0"/>
                           <a:cs typeface="Arial" panose="020B0604020202020204" pitchFamily="34" charset="0"/>
@@ -18086,7 +20352,7 @@
                       <a:r>
                         <a:rPr lang="en-US" sz="1200" dirty="0">
                           <a:solidFill>
-                            <a:schemeClr val="bg1"/>
+                            <a:schemeClr val="tx1"/>
                           </a:solidFill>
                           <a:latin typeface="Arial" panose="020B0604020202020204" pitchFamily="34" charset="0"/>
                           <a:cs typeface="Arial" panose="020B0604020202020204" pitchFamily="34" charset="0"/>
@@ -18106,7 +20372,7 @@
                       <a:r>
                         <a:rPr lang="en-US" sz="1200" dirty="0">
                           <a:solidFill>
-                            <a:schemeClr val="bg1"/>
+                            <a:schemeClr val="tx1"/>
                           </a:solidFill>
                           <a:latin typeface="Arial" panose="020B0604020202020204" pitchFamily="34" charset="0"/>
                           <a:cs typeface="Arial" panose="020B0604020202020204" pitchFamily="34" charset="0"/>
@@ -18143,6 +20409,14 @@
 <file path=ppt/slides/slide6.xml><?xml version="1.0" encoding="utf-8"?>
 <p:sld xmlns:a="http://schemas.openxmlformats.org/drawingml/2006/main" xmlns:r="http://schemas.openxmlformats.org/officeDocument/2006/relationships" xmlns:p="http://schemas.openxmlformats.org/presentationml/2006/main">
   <p:cSld>
+    <p:bg>
+      <p:bgPr>
+        <a:solidFill>
+          <a:schemeClr val="bg1"/>
+        </a:solidFill>
+        <a:effectLst/>
+      </p:bgPr>
+    </p:bg>
     <p:spTree>
       <p:nvGrpSpPr>
         <p:cNvPr id="1" name="Shape 139"/>
@@ -18205,6 +20479,53 @@
           </a:p>
         </p:txBody>
       </p:sp>
+      <p:pic>
+        <p:nvPicPr>
+          <p:cNvPr id="1026" name="Picture 2">
+            <a:extLst>
+              <a:ext uri="{FF2B5EF4-FFF2-40B4-BE49-F238E27FC236}">
+                <a16:creationId xmlns:a16="http://schemas.microsoft.com/office/drawing/2014/main" id="{62DA9674-1EEA-9090-C434-B5DFBF871B59}"/>
+              </a:ext>
+            </a:extLst>
+          </p:cNvPr>
+          <p:cNvPicPr>
+            <a:picLocks noChangeAspect="1" noChangeArrowheads="1"/>
+          </p:cNvPicPr>
+          <p:nvPr/>
+        </p:nvPicPr>
+        <p:blipFill>
+          <a:blip r:embed="rId3">
+            <a:extLst>
+              <a:ext uri="{28A0092B-C50C-407E-A947-70E740481C1C}">
+                <a14:useLocalDpi xmlns:a14="http://schemas.microsoft.com/office/drawing/2010/main" val="0"/>
+              </a:ext>
+            </a:extLst>
+          </a:blip>
+          <a:srcRect/>
+          <a:stretch>
+            <a:fillRect/>
+          </a:stretch>
+        </p:blipFill>
+        <p:spPr bwMode="auto">
+          <a:xfrm>
+            <a:off x="914400" y="1470327"/>
+            <a:ext cx="7315200" cy="2682240"/>
+          </a:xfrm>
+          <a:prstGeom prst="rect">
+            <a:avLst/>
+          </a:prstGeom>
+          <a:noFill/>
+          <a:extLst>
+            <a:ext uri="{909E8E84-426E-40DD-AFC4-6F175D3DCCD1}">
+              <a14:hiddenFill xmlns:a14="http://schemas.microsoft.com/office/drawing/2010/main">
+                <a:solidFill>
+                  <a:srgbClr val="FFFFFF"/>
+                </a:solidFill>
+              </a14:hiddenFill>
+            </a:ext>
+          </a:extLst>
+        </p:spPr>
+      </p:pic>
     </p:spTree>
     <p:extLst>
       <p:ext uri="{BB962C8B-B14F-4D97-AF65-F5344CB8AC3E}">
@@ -18221,6 +20542,14 @@
 <file path=ppt/slides/slide7.xml><?xml version="1.0" encoding="utf-8"?>
 <p:sld xmlns:a="http://schemas.openxmlformats.org/drawingml/2006/main" xmlns:r="http://schemas.openxmlformats.org/officeDocument/2006/relationships" xmlns:p="http://schemas.openxmlformats.org/presentationml/2006/main">
   <p:cSld>
+    <p:bg>
+      <p:bgPr>
+        <a:solidFill>
+          <a:schemeClr val="bg1"/>
+        </a:solidFill>
+        <a:effectLst/>
+      </p:bgPr>
+    </p:bg>
     <p:spTree>
       <p:nvGrpSpPr>
         <p:cNvPr id="1" name="Shape 139"/>
@@ -18274,7 +20603,7 @@
                 <a:latin typeface="Arial" panose="020B0604020202020204" pitchFamily="34" charset="0"/>
                 <a:cs typeface="Arial" panose="020B0604020202020204" pitchFamily="34" charset="0"/>
               </a:rPr>
-              <a:t>2) Analyses – Component Weights</a:t>
+              <a:t>2) Analyses – Feature Contribution</a:t>
             </a:r>
             <a:endParaRPr dirty="0">
               <a:latin typeface="Arial" panose="020B0604020202020204" pitchFamily="34" charset="0"/>
@@ -18283,51 +20612,2368 @@
           </a:p>
         </p:txBody>
       </p:sp>
-      <p:sp>
-        <p:nvSpPr>
-          <p:cNvPr id="3" name="Content Placeholder 2">
+      <p:graphicFrame>
+        <p:nvGraphicFramePr>
+          <p:cNvPr id="5" name="Table 4">
             <a:extLst>
               <a:ext uri="{FF2B5EF4-FFF2-40B4-BE49-F238E27FC236}">
-                <a16:creationId xmlns:a16="http://schemas.microsoft.com/office/drawing/2014/main" id="{86084C64-28B7-74FA-CCF9-A3E8F95BDC19}"/>
+                <a16:creationId xmlns:a16="http://schemas.microsoft.com/office/drawing/2014/main" id="{60CE0267-B797-6428-FDDF-4EC6444858A4}"/>
               </a:ext>
             </a:extLst>
           </p:cNvPr>
-          <p:cNvSpPr>
-            <a:spLocks noGrp="1"/>
+          <p:cNvGraphicFramePr>
+            <a:graphicFrameLocks noGrp="1"/>
+          </p:cNvGraphicFramePr>
+          <p:nvPr>
+            <p:extLst>
+              <p:ext uri="{D42A27DB-BD31-4B8C-83A1-F6EECF244321}">
+                <p14:modId xmlns:p14="http://schemas.microsoft.com/office/powerpoint/2010/main" val="778805447"/>
+              </p:ext>
+            </p:extLst>
+          </p:nvPr>
+        </p:nvGraphicFramePr>
+        <p:xfrm>
+          <a:off x="1333427" y="1070187"/>
+          <a:ext cx="2724785" cy="1828800"/>
+        </p:xfrm>
+        <a:graphic>
+          <a:graphicData uri="http://schemas.openxmlformats.org/drawingml/2006/table">
+            <a:tbl>
+              <a:tblPr firstRow="1" bandRow="1">
+                <a:tableStyleId>{9D7B26C5-4107-4FEC-AEDC-1716B250A1EF}</a:tableStyleId>
+              </a:tblPr>
+              <a:tblGrid>
+                <a:gridCol w="1867218">
+                  <a:extLst>
+                    <a:ext uri="{9D8B030D-6E8A-4147-A177-3AD203B41FA5}">
+                      <a16:colId xmlns:a16="http://schemas.microsoft.com/office/drawing/2014/main" val="2012366367"/>
+                    </a:ext>
+                  </a:extLst>
+                </a:gridCol>
+                <a:gridCol w="857567">
+                  <a:extLst>
+                    <a:ext uri="{9D8B030D-6E8A-4147-A177-3AD203B41FA5}">
+                      <a16:colId xmlns:a16="http://schemas.microsoft.com/office/drawing/2014/main" val="3006864667"/>
+                    </a:ext>
+                  </a:extLst>
+                </a:gridCol>
+              </a:tblGrid>
+              <a:tr h="304800">
+                <a:tc>
+                  <a:txBody>
+                    <a:bodyPr/>
+                    <a:lstStyle/>
+                    <a:p>
+                      <a:pPr algn="ctr"/>
+                      <a:r>
+                        <a:rPr lang="en-US" sz="1200" dirty="0">
+                          <a:solidFill>
+                            <a:schemeClr val="tx1"/>
+                          </a:solidFill>
+                          <a:latin typeface="Arial" panose="020B0604020202020204" pitchFamily="34" charset="0"/>
+                          <a:cs typeface="Arial" panose="020B0604020202020204" pitchFamily="34" charset="0"/>
+                        </a:rPr>
+                        <a:t>Feature</a:t>
+                      </a:r>
+                    </a:p>
+                  </a:txBody>
+                  <a:tcPr anchor="ctr"/>
+                </a:tc>
+                <a:tc>
+                  <a:txBody>
+                    <a:bodyPr/>
+                    <a:lstStyle/>
+                    <a:p>
+                      <a:pPr algn="ctr"/>
+                      <a:r>
+                        <a:rPr lang="en-US" sz="1200" dirty="0">
+                          <a:solidFill>
+                            <a:schemeClr val="tx1"/>
+                          </a:solidFill>
+                          <a:latin typeface="Arial" panose="020B0604020202020204" pitchFamily="34" charset="0"/>
+                          <a:cs typeface="Arial" panose="020B0604020202020204" pitchFamily="34" charset="0"/>
+                        </a:rPr>
+                        <a:t>Weight</a:t>
+                      </a:r>
+                    </a:p>
+                  </a:txBody>
+                  <a:tcPr anchor="ctr"/>
+                </a:tc>
+                <a:extLst>
+                  <a:ext uri="{0D108BD9-81ED-4DB2-BD59-A6C34878D82A}">
+                    <a16:rowId xmlns:a16="http://schemas.microsoft.com/office/drawing/2014/main" val="4077809550"/>
+                  </a:ext>
+                </a:extLst>
+              </a:tr>
+              <a:tr h="304800">
+                <a:tc>
+                  <a:txBody>
+                    <a:bodyPr/>
+                    <a:lstStyle/>
+                    <a:p>
+                      <a:r>
+                        <a:rPr lang="en-US" sz="1200" dirty="0">
+                          <a:solidFill>
+                            <a:schemeClr val="tx1"/>
+                          </a:solidFill>
+                          <a:latin typeface="Arial" panose="020B0604020202020204" pitchFamily="34" charset="0"/>
+                          <a:cs typeface="Arial" panose="020B0604020202020204" pitchFamily="34" charset="0"/>
+                        </a:rPr>
+                        <a:t>Torque [Nm]</a:t>
+                      </a:r>
+                    </a:p>
+                  </a:txBody>
+                  <a:tcPr anchor="ctr"/>
+                </a:tc>
+                <a:tc>
+                  <a:txBody>
+                    <a:bodyPr/>
+                    <a:lstStyle/>
+                    <a:p>
+                      <a:pPr algn="ctr"/>
+                      <a:r>
+                        <a:rPr lang="en-US" sz="1200" dirty="0">
+                          <a:solidFill>
+                            <a:schemeClr val="tx1"/>
+                          </a:solidFill>
+                          <a:latin typeface="Arial" panose="020B0604020202020204" pitchFamily="34" charset="0"/>
+                          <a:cs typeface="Arial" panose="020B0604020202020204" pitchFamily="34" charset="0"/>
+                        </a:rPr>
+                        <a:t>0.320955</a:t>
+                      </a:r>
+                    </a:p>
+                  </a:txBody>
+                  <a:tcPr anchor="ctr"/>
+                </a:tc>
+                <a:extLst>
+                  <a:ext uri="{0D108BD9-81ED-4DB2-BD59-A6C34878D82A}">
+                    <a16:rowId xmlns:a16="http://schemas.microsoft.com/office/drawing/2014/main" val="3820341412"/>
+                  </a:ext>
+                </a:extLst>
+              </a:tr>
+              <a:tr h="304800">
+                <a:tc>
+                  <a:txBody>
+                    <a:bodyPr/>
+                    <a:lstStyle/>
+                    <a:p>
+                      <a:r>
+                        <a:rPr lang="en-US" sz="1200" dirty="0">
+                          <a:solidFill>
+                            <a:schemeClr val="tx1"/>
+                          </a:solidFill>
+                          <a:latin typeface="Arial" panose="020B0604020202020204" pitchFamily="34" charset="0"/>
+                          <a:cs typeface="Arial" panose="020B0604020202020204" pitchFamily="34" charset="0"/>
+                        </a:rPr>
+                        <a:t>Rotational speed [rpm]</a:t>
+                      </a:r>
+                    </a:p>
+                  </a:txBody>
+                  <a:tcPr anchor="ctr"/>
+                </a:tc>
+                <a:tc>
+                  <a:txBody>
+                    <a:bodyPr/>
+                    <a:lstStyle/>
+                    <a:p>
+                      <a:pPr algn="ctr"/>
+                      <a:r>
+                        <a:rPr lang="en-US" sz="1200" dirty="0">
+                          <a:solidFill>
+                            <a:schemeClr val="tx1"/>
+                          </a:solidFill>
+                          <a:latin typeface="Arial" panose="020B0604020202020204" pitchFamily="34" charset="0"/>
+                          <a:cs typeface="Arial" panose="020B0604020202020204" pitchFamily="34" charset="0"/>
+                        </a:rPr>
+                        <a:t>0.214712</a:t>
+                      </a:r>
+                    </a:p>
+                  </a:txBody>
+                  <a:tcPr anchor="ctr"/>
+                </a:tc>
+                <a:extLst>
+                  <a:ext uri="{0D108BD9-81ED-4DB2-BD59-A6C34878D82A}">
+                    <a16:rowId xmlns:a16="http://schemas.microsoft.com/office/drawing/2014/main" val="2727219094"/>
+                  </a:ext>
+                </a:extLst>
+              </a:tr>
+              <a:tr h="304800">
+                <a:tc>
+                  <a:txBody>
+                    <a:bodyPr/>
+                    <a:lstStyle/>
+                    <a:p>
+                      <a:r>
+                        <a:rPr lang="en-US" sz="1200" dirty="0">
+                          <a:solidFill>
+                            <a:schemeClr val="tx1"/>
+                          </a:solidFill>
+                          <a:latin typeface="Arial" panose="020B0604020202020204" pitchFamily="34" charset="0"/>
+                          <a:cs typeface="Arial" panose="020B0604020202020204" pitchFamily="34" charset="0"/>
+                        </a:rPr>
+                        <a:t>Air temperature [K]</a:t>
+                      </a:r>
+                    </a:p>
+                  </a:txBody>
+                  <a:tcPr anchor="ctr"/>
+                </a:tc>
+                <a:tc>
+                  <a:txBody>
+                    <a:bodyPr/>
+                    <a:lstStyle/>
+                    <a:p>
+                      <a:pPr algn="ctr"/>
+                      <a:r>
+                        <a:rPr lang="en-US" sz="1200" dirty="0">
+                          <a:solidFill>
+                            <a:schemeClr val="tx1"/>
+                          </a:solidFill>
+                          <a:latin typeface="Arial" panose="020B0604020202020204" pitchFamily="34" charset="0"/>
+                          <a:cs typeface="Arial" panose="020B0604020202020204" pitchFamily="34" charset="0"/>
+                        </a:rPr>
+                        <a:t>0.161565</a:t>
+                      </a:r>
+                    </a:p>
+                  </a:txBody>
+                  <a:tcPr anchor="ctr"/>
+                </a:tc>
+                <a:extLst>
+                  <a:ext uri="{0D108BD9-81ED-4DB2-BD59-A6C34878D82A}">
+                    <a16:rowId xmlns:a16="http://schemas.microsoft.com/office/drawing/2014/main" val="826801147"/>
+                  </a:ext>
+                </a:extLst>
+              </a:tr>
+              <a:tr h="304800">
+                <a:tc>
+                  <a:txBody>
+                    <a:bodyPr/>
+                    <a:lstStyle/>
+                    <a:p>
+                      <a:r>
+                        <a:rPr lang="en-US" sz="1200" dirty="0">
+                          <a:solidFill>
+                            <a:schemeClr val="tx1"/>
+                          </a:solidFill>
+                          <a:latin typeface="Arial" panose="020B0604020202020204" pitchFamily="34" charset="0"/>
+                          <a:cs typeface="Arial" panose="020B0604020202020204" pitchFamily="34" charset="0"/>
+                        </a:rPr>
+                        <a:t>Tool wear [min]</a:t>
+                      </a:r>
+                    </a:p>
+                  </a:txBody>
+                  <a:tcPr anchor="ctr"/>
+                </a:tc>
+                <a:tc>
+                  <a:txBody>
+                    <a:bodyPr/>
+                    <a:lstStyle/>
+                    <a:p>
+                      <a:pPr algn="ctr"/>
+                      <a:r>
+                        <a:rPr lang="en-US" sz="1200" dirty="0">
+                          <a:solidFill>
+                            <a:schemeClr val="tx1"/>
+                          </a:solidFill>
+                          <a:latin typeface="Arial" panose="020B0604020202020204" pitchFamily="34" charset="0"/>
+                          <a:cs typeface="Arial" panose="020B0604020202020204" pitchFamily="34" charset="0"/>
+                        </a:rPr>
+                        <a:t>0.153936</a:t>
+                      </a:r>
+                    </a:p>
+                  </a:txBody>
+                  <a:tcPr anchor="ctr"/>
+                </a:tc>
+                <a:extLst>
+                  <a:ext uri="{0D108BD9-81ED-4DB2-BD59-A6C34878D82A}">
+                    <a16:rowId xmlns:a16="http://schemas.microsoft.com/office/drawing/2014/main" val="3950869344"/>
+                  </a:ext>
+                </a:extLst>
+              </a:tr>
+              <a:tr h="304800">
+                <a:tc>
+                  <a:txBody>
+                    <a:bodyPr/>
+                    <a:lstStyle/>
+                    <a:p>
+                      <a:r>
+                        <a:rPr lang="en-US" sz="1200" dirty="0">
+                          <a:solidFill>
+                            <a:schemeClr val="tx1"/>
+                          </a:solidFill>
+                          <a:latin typeface="Arial" panose="020B0604020202020204" pitchFamily="34" charset="0"/>
+                          <a:cs typeface="Arial" panose="020B0604020202020204" pitchFamily="34" charset="0"/>
+                        </a:rPr>
+                        <a:t>Process temperature [K]</a:t>
+                      </a:r>
+                    </a:p>
+                  </a:txBody>
+                  <a:tcPr anchor="ctr"/>
+                </a:tc>
+                <a:tc>
+                  <a:txBody>
+                    <a:bodyPr/>
+                    <a:lstStyle/>
+                    <a:p>
+                      <a:pPr algn="ctr"/>
+                      <a:r>
+                        <a:rPr lang="en-US" sz="1200" dirty="0">
+                          <a:solidFill>
+                            <a:schemeClr val="tx1"/>
+                          </a:solidFill>
+                          <a:latin typeface="Arial" panose="020B0604020202020204" pitchFamily="34" charset="0"/>
+                          <a:cs typeface="Arial" panose="020B0604020202020204" pitchFamily="34" charset="0"/>
+                        </a:rPr>
+                        <a:t>0.148831</a:t>
+                      </a:r>
+                    </a:p>
+                  </a:txBody>
+                  <a:tcPr anchor="ctr"/>
+                </a:tc>
+                <a:extLst>
+                  <a:ext uri="{0D108BD9-81ED-4DB2-BD59-A6C34878D82A}">
+                    <a16:rowId xmlns:a16="http://schemas.microsoft.com/office/drawing/2014/main" val="3803779599"/>
+                  </a:ext>
+                </a:extLst>
+              </a:tr>
+            </a:tbl>
+          </a:graphicData>
+        </a:graphic>
+      </p:graphicFrame>
+      <p:graphicFrame>
+        <p:nvGraphicFramePr>
+          <p:cNvPr id="6" name="Table 5">
+            <a:extLst>
+              <a:ext uri="{FF2B5EF4-FFF2-40B4-BE49-F238E27FC236}">
+                <a16:creationId xmlns:a16="http://schemas.microsoft.com/office/drawing/2014/main" id="{9870DDAA-765F-597B-0DA3-0FF72DD77F8A}"/>
+              </a:ext>
+            </a:extLst>
+          </p:cNvPr>
+          <p:cNvGraphicFramePr>
+            <a:graphicFrameLocks noGrp="1"/>
+          </p:cNvGraphicFramePr>
+          <p:nvPr>
+            <p:extLst>
+              <p:ext uri="{D42A27DB-BD31-4B8C-83A1-F6EECF244321}">
+                <p14:modId xmlns:p14="http://schemas.microsoft.com/office/powerpoint/2010/main" val="2024333526"/>
+              </p:ext>
+            </p:extLst>
+          </p:nvPr>
+        </p:nvGraphicFramePr>
+        <p:xfrm>
+          <a:off x="5138180" y="1070187"/>
+          <a:ext cx="3147378" cy="1828800"/>
+        </p:xfrm>
+        <a:graphic>
+          <a:graphicData uri="http://schemas.openxmlformats.org/drawingml/2006/table">
+            <a:tbl>
+              <a:tblPr firstRow="1" bandRow="1">
+                <a:tableStyleId>{9D7B26C5-4107-4FEC-AEDC-1716B250A1EF}</a:tableStyleId>
+              </a:tblPr>
+              <a:tblGrid>
+                <a:gridCol w="1867218">
+                  <a:extLst>
+                    <a:ext uri="{9D8B030D-6E8A-4147-A177-3AD203B41FA5}">
+                      <a16:colId xmlns:a16="http://schemas.microsoft.com/office/drawing/2014/main" val="2012366367"/>
+                    </a:ext>
+                  </a:extLst>
+                </a:gridCol>
+                <a:gridCol w="1280160">
+                  <a:extLst>
+                    <a:ext uri="{9D8B030D-6E8A-4147-A177-3AD203B41FA5}">
+                      <a16:colId xmlns:a16="http://schemas.microsoft.com/office/drawing/2014/main" val="3006864667"/>
+                    </a:ext>
+                  </a:extLst>
+                </a:gridCol>
+              </a:tblGrid>
+              <a:tr h="304800">
+                <a:tc>
+                  <a:txBody>
+                    <a:bodyPr/>
+                    <a:lstStyle/>
+                    <a:p>
+                      <a:pPr algn="ctr"/>
+                      <a:r>
+                        <a:rPr lang="en-US" sz="1200" dirty="0">
+                          <a:solidFill>
+                            <a:schemeClr val="tx1"/>
+                          </a:solidFill>
+                          <a:latin typeface="Arial" panose="020B0604020202020204" pitchFamily="34" charset="0"/>
+                          <a:cs typeface="Arial" panose="020B0604020202020204" pitchFamily="34" charset="0"/>
+                        </a:rPr>
+                        <a:t>Feature</a:t>
+                      </a:r>
+                    </a:p>
+                  </a:txBody>
+                  <a:tcPr anchor="ctr"/>
+                </a:tc>
+                <a:tc>
+                  <a:txBody>
+                    <a:bodyPr/>
+                    <a:lstStyle/>
+                    <a:p>
+                      <a:pPr algn="ctr"/>
+                      <a:r>
+                        <a:rPr lang="en-US" sz="1200" dirty="0">
+                          <a:solidFill>
+                            <a:schemeClr val="tx1"/>
+                          </a:solidFill>
+                          <a:latin typeface="Arial" panose="020B0604020202020204" pitchFamily="34" charset="0"/>
+                          <a:cs typeface="Arial" panose="020B0604020202020204" pitchFamily="34" charset="0"/>
+                        </a:rPr>
+                        <a:t>P-Values</a:t>
+                      </a:r>
+                    </a:p>
+                  </a:txBody>
+                  <a:tcPr anchor="ctr"/>
+                </a:tc>
+                <a:extLst>
+                  <a:ext uri="{0D108BD9-81ED-4DB2-BD59-A6C34878D82A}">
+                    <a16:rowId xmlns:a16="http://schemas.microsoft.com/office/drawing/2014/main" val="4077809550"/>
+                  </a:ext>
+                </a:extLst>
+              </a:tr>
+              <a:tr h="304800">
+                <a:tc>
+                  <a:txBody>
+                    <a:bodyPr/>
+                    <a:lstStyle/>
+                    <a:p>
+                      <a:r>
+                        <a:rPr lang="en-US" sz="1200" dirty="0">
+                          <a:solidFill>
+                            <a:schemeClr val="tx1"/>
+                          </a:solidFill>
+                          <a:latin typeface="Arial" panose="020B0604020202020204" pitchFamily="34" charset="0"/>
+                          <a:cs typeface="Arial" panose="020B0604020202020204" pitchFamily="34" charset="0"/>
+                        </a:rPr>
+                        <a:t>Torque [Nm]</a:t>
+                      </a:r>
+                    </a:p>
+                  </a:txBody>
+                  <a:tcPr anchor="ctr"/>
+                </a:tc>
+                <a:tc>
+                  <a:txBody>
+                    <a:bodyPr/>
+                    <a:lstStyle/>
+                    <a:p>
+                      <a:pPr algn="ctr"/>
+                      <a:r>
+                        <a:rPr lang="en-US" sz="1200" dirty="0">
+                          <a:solidFill>
+                            <a:schemeClr val="tx1"/>
+                          </a:solidFill>
+                          <a:latin typeface="Arial" panose="020B0604020202020204" pitchFamily="34" charset="0"/>
+                          <a:cs typeface="Arial" panose="020B0604020202020204" pitchFamily="34" charset="0"/>
+                        </a:rPr>
+                        <a:t>1.488773e</a:t>
+                      </a:r>
+                      <a:r>
+                        <a:rPr lang="en-US" sz="1200" baseline="30000" dirty="0">
+                          <a:solidFill>
+                            <a:schemeClr val="tx1"/>
+                          </a:solidFill>
+                          <a:latin typeface="Arial" panose="020B0604020202020204" pitchFamily="34" charset="0"/>
+                          <a:cs typeface="Arial" panose="020B0604020202020204" pitchFamily="34" charset="0"/>
+                        </a:rPr>
+                        <a:t>-102</a:t>
+                      </a:r>
+                    </a:p>
+                  </a:txBody>
+                  <a:tcPr anchor="ctr"/>
+                </a:tc>
+                <a:extLst>
+                  <a:ext uri="{0D108BD9-81ED-4DB2-BD59-A6C34878D82A}">
+                    <a16:rowId xmlns:a16="http://schemas.microsoft.com/office/drawing/2014/main" val="3820341412"/>
+                  </a:ext>
+                </a:extLst>
+              </a:tr>
+              <a:tr h="304800">
+                <a:tc>
+                  <a:txBody>
+                    <a:bodyPr/>
+                    <a:lstStyle/>
+                    <a:p>
+                      <a:r>
+                        <a:rPr lang="en-US" sz="1200" dirty="0">
+                          <a:solidFill>
+                            <a:schemeClr val="tx1"/>
+                          </a:solidFill>
+                          <a:latin typeface="Arial" panose="020B0604020202020204" pitchFamily="34" charset="0"/>
+                          <a:cs typeface="Arial" panose="020B0604020202020204" pitchFamily="34" charset="0"/>
+                        </a:rPr>
+                        <a:t>Rotational speed [rpm]</a:t>
+                      </a:r>
+                    </a:p>
+                  </a:txBody>
+                  <a:tcPr anchor="ctr"/>
+                </a:tc>
+                <a:tc>
+                  <a:txBody>
+                    <a:bodyPr/>
+                    <a:lstStyle/>
+                    <a:p>
+                      <a:pPr algn="ctr"/>
+                      <a:r>
+                        <a:rPr lang="en-US" sz="1200" dirty="0">
+                          <a:solidFill>
+                            <a:schemeClr val="tx1"/>
+                          </a:solidFill>
+                          <a:latin typeface="Arial" panose="020B0604020202020204" pitchFamily="34" charset="0"/>
+                          <a:cs typeface="Arial" panose="020B0604020202020204" pitchFamily="34" charset="0"/>
+                        </a:rPr>
+                        <a:t>2.432644e</a:t>
+                      </a:r>
+                      <a:r>
+                        <a:rPr lang="en-US" sz="1200" kern="1200" baseline="30000" dirty="0">
+                          <a:solidFill>
+                            <a:schemeClr val="tx1"/>
+                          </a:solidFill>
+                          <a:latin typeface="Arial" panose="020B0604020202020204" pitchFamily="34" charset="0"/>
+                          <a:ea typeface="+mn-ea"/>
+                          <a:cs typeface="Arial" panose="020B0604020202020204" pitchFamily="34" charset="0"/>
+                        </a:rPr>
+                        <a:t>-83</a:t>
+                      </a:r>
+                    </a:p>
+                  </a:txBody>
+                  <a:tcPr anchor="ctr"/>
+                </a:tc>
+                <a:extLst>
+                  <a:ext uri="{0D108BD9-81ED-4DB2-BD59-A6C34878D82A}">
+                    <a16:rowId xmlns:a16="http://schemas.microsoft.com/office/drawing/2014/main" val="2727219094"/>
+                  </a:ext>
+                </a:extLst>
+              </a:tr>
+              <a:tr h="304800">
+                <a:tc>
+                  <a:txBody>
+                    <a:bodyPr/>
+                    <a:lstStyle/>
+                    <a:p>
+                      <a:pPr marL="0" marR="0" lvl="0" indent="0" algn="l" defTabSz="685800" rtl="0" eaLnBrk="1" fontAlgn="auto" latinLnBrk="0" hangingPunct="1">
+                        <a:lnSpc>
+                          <a:spcPct val="100000"/>
+                        </a:lnSpc>
+                        <a:spcBef>
+                          <a:spcPts val="0"/>
+                        </a:spcBef>
+                        <a:spcAft>
+                          <a:spcPts val="0"/>
+                        </a:spcAft>
+                        <a:buClrTx/>
+                        <a:buSzTx/>
+                        <a:buFontTx/>
+                        <a:buNone/>
+                        <a:tabLst/>
+                        <a:defRPr/>
+                      </a:pPr>
+                      <a:r>
+                        <a:rPr lang="en-US" sz="1200" dirty="0">
+                          <a:solidFill>
+                            <a:schemeClr val="tx1"/>
+                          </a:solidFill>
+                          <a:latin typeface="Arial" panose="020B0604020202020204" pitchFamily="34" charset="0"/>
+                          <a:cs typeface="Arial" panose="020B0604020202020204" pitchFamily="34" charset="0"/>
+                        </a:rPr>
+                        <a:t>Tool wear [min]</a:t>
+                      </a:r>
+                    </a:p>
+                  </a:txBody>
+                  <a:tcPr anchor="ctr"/>
+                </a:tc>
+                <a:tc>
+                  <a:txBody>
+                    <a:bodyPr/>
+                    <a:lstStyle/>
+                    <a:p>
+                      <a:pPr algn="ctr"/>
+                      <a:r>
+                        <a:rPr lang="en-US" sz="1200" dirty="0">
+                          <a:solidFill>
+                            <a:schemeClr val="tx1"/>
+                          </a:solidFill>
+                          <a:latin typeface="Arial" panose="020B0604020202020204" pitchFamily="34" charset="0"/>
+                          <a:cs typeface="Arial" panose="020B0604020202020204" pitchFamily="34" charset="0"/>
+                        </a:rPr>
+                        <a:t>1.856158e</a:t>
+                      </a:r>
+                      <a:r>
+                        <a:rPr lang="en-US" sz="1200" kern="1200" baseline="30000" dirty="0">
+                          <a:solidFill>
+                            <a:schemeClr val="tx1"/>
+                          </a:solidFill>
+                          <a:latin typeface="Arial" panose="020B0604020202020204" pitchFamily="34" charset="0"/>
+                          <a:ea typeface="+mn-ea"/>
+                          <a:cs typeface="Arial" panose="020B0604020202020204" pitchFamily="34" charset="0"/>
+                        </a:rPr>
+                        <a:t>-26</a:t>
+                      </a:r>
+                    </a:p>
+                  </a:txBody>
+                  <a:tcPr anchor="ctr"/>
+                </a:tc>
+                <a:extLst>
+                  <a:ext uri="{0D108BD9-81ED-4DB2-BD59-A6C34878D82A}">
+                    <a16:rowId xmlns:a16="http://schemas.microsoft.com/office/drawing/2014/main" val="826801147"/>
+                  </a:ext>
+                </a:extLst>
+              </a:tr>
+              <a:tr h="304800">
+                <a:tc>
+                  <a:txBody>
+                    <a:bodyPr/>
+                    <a:lstStyle/>
+                    <a:p>
+                      <a:r>
+                        <a:rPr lang="en-US" sz="1200" dirty="0">
+                          <a:solidFill>
+                            <a:schemeClr val="tx1"/>
+                          </a:solidFill>
+                          <a:latin typeface="Arial" panose="020B0604020202020204" pitchFamily="34" charset="0"/>
+                          <a:cs typeface="Arial" panose="020B0604020202020204" pitchFamily="34" charset="0"/>
+                        </a:rPr>
+                        <a:t>Air temperature [K]</a:t>
+                      </a:r>
+                    </a:p>
+                  </a:txBody>
+                  <a:tcPr anchor="ctr"/>
+                </a:tc>
+                <a:tc>
+                  <a:txBody>
+                    <a:bodyPr/>
+                    <a:lstStyle/>
+                    <a:p>
+                      <a:pPr algn="ctr"/>
+                      <a:r>
+                        <a:rPr lang="en-US" sz="1200" dirty="0">
+                          <a:solidFill>
+                            <a:schemeClr val="tx1"/>
+                          </a:solidFill>
+                          <a:latin typeface="Arial" panose="020B0604020202020204" pitchFamily="34" charset="0"/>
+                          <a:cs typeface="Arial" panose="020B0604020202020204" pitchFamily="34" charset="0"/>
+                        </a:rPr>
+                        <a:t>1.361908e</a:t>
+                      </a:r>
+                      <a:r>
+                        <a:rPr lang="en-US" sz="1200" kern="1200" baseline="30000" dirty="0">
+                          <a:solidFill>
+                            <a:schemeClr val="tx1"/>
+                          </a:solidFill>
+                          <a:latin typeface="Arial" panose="020B0604020202020204" pitchFamily="34" charset="0"/>
+                          <a:ea typeface="+mn-ea"/>
+                          <a:cs typeface="Arial" panose="020B0604020202020204" pitchFamily="34" charset="0"/>
+                        </a:rPr>
+                        <a:t>-19</a:t>
+                      </a:r>
+                    </a:p>
+                  </a:txBody>
+                  <a:tcPr anchor="ctr"/>
+                </a:tc>
+                <a:extLst>
+                  <a:ext uri="{0D108BD9-81ED-4DB2-BD59-A6C34878D82A}">
+                    <a16:rowId xmlns:a16="http://schemas.microsoft.com/office/drawing/2014/main" val="3950869344"/>
+                  </a:ext>
+                </a:extLst>
+              </a:tr>
+              <a:tr h="304800">
+                <a:tc>
+                  <a:txBody>
+                    <a:bodyPr/>
+                    <a:lstStyle/>
+                    <a:p>
+                      <a:r>
+                        <a:rPr lang="en-US" sz="1200" dirty="0">
+                          <a:solidFill>
+                            <a:schemeClr val="tx1"/>
+                          </a:solidFill>
+                          <a:latin typeface="Arial" panose="020B0604020202020204" pitchFamily="34" charset="0"/>
+                          <a:cs typeface="Arial" panose="020B0604020202020204" pitchFamily="34" charset="0"/>
+                        </a:rPr>
+                        <a:t>Process temperature [K]</a:t>
+                      </a:r>
+                    </a:p>
+                  </a:txBody>
+                  <a:tcPr anchor="ctr"/>
+                </a:tc>
+                <a:tc>
+                  <a:txBody>
+                    <a:bodyPr/>
+                    <a:lstStyle/>
+                    <a:p>
+                      <a:pPr algn="ctr"/>
+                      <a:r>
+                        <a:rPr lang="en-US" sz="1200" dirty="0">
+                          <a:solidFill>
+                            <a:schemeClr val="tx1"/>
+                          </a:solidFill>
+                          <a:latin typeface="Arial" panose="020B0604020202020204" pitchFamily="34" charset="0"/>
+                          <a:cs typeface="Arial" panose="020B0604020202020204" pitchFamily="34" charset="0"/>
+                        </a:rPr>
+                        <a:t>3.944958e</a:t>
+                      </a:r>
+                      <a:r>
+                        <a:rPr lang="en-US" sz="1200" kern="1200" baseline="30000" dirty="0">
+                          <a:solidFill>
+                            <a:schemeClr val="tx1"/>
+                          </a:solidFill>
+                          <a:latin typeface="Arial" panose="020B0604020202020204" pitchFamily="34" charset="0"/>
+                          <a:ea typeface="+mn-ea"/>
+                          <a:cs typeface="Arial" panose="020B0604020202020204" pitchFamily="34" charset="0"/>
+                        </a:rPr>
+                        <a:t>-11</a:t>
+                      </a:r>
+                    </a:p>
+                  </a:txBody>
+                  <a:tcPr anchor="ctr"/>
+                </a:tc>
+                <a:extLst>
+                  <a:ext uri="{0D108BD9-81ED-4DB2-BD59-A6C34878D82A}">
+                    <a16:rowId xmlns:a16="http://schemas.microsoft.com/office/drawing/2014/main" val="3803779599"/>
+                  </a:ext>
+                </a:extLst>
+              </a:tr>
+            </a:tbl>
+          </a:graphicData>
+        </a:graphic>
+      </p:graphicFrame>
+      <p:graphicFrame>
+        <p:nvGraphicFramePr>
+          <p:cNvPr id="7" name="Table 6">
+            <a:extLst>
+              <a:ext uri="{FF2B5EF4-FFF2-40B4-BE49-F238E27FC236}">
+                <a16:creationId xmlns:a16="http://schemas.microsoft.com/office/drawing/2014/main" id="{21781D0D-4016-7D70-A22C-2AC1C2554024}"/>
+              </a:ext>
+            </a:extLst>
+          </p:cNvPr>
+          <p:cNvGraphicFramePr>
+            <a:graphicFrameLocks noGrp="1"/>
+          </p:cNvGraphicFramePr>
+          <p:nvPr>
+            <p:extLst>
+              <p:ext uri="{D42A27DB-BD31-4B8C-83A1-F6EECF244321}">
+                <p14:modId xmlns:p14="http://schemas.microsoft.com/office/powerpoint/2010/main" val="4290327467"/>
+              </p:ext>
+            </p:extLst>
+          </p:nvPr>
+        </p:nvGraphicFramePr>
+        <p:xfrm>
+          <a:off x="1333427" y="3158913"/>
+          <a:ext cx="2724785" cy="1828800"/>
+        </p:xfrm>
+        <a:graphic>
+          <a:graphicData uri="http://schemas.openxmlformats.org/drawingml/2006/table">
+            <a:tbl>
+              <a:tblPr firstRow="1" bandRow="1">
+                <a:tableStyleId>{9D7B26C5-4107-4FEC-AEDC-1716B250A1EF}</a:tableStyleId>
+              </a:tblPr>
+              <a:tblGrid>
+                <a:gridCol w="1867218">
+                  <a:extLst>
+                    <a:ext uri="{9D8B030D-6E8A-4147-A177-3AD203B41FA5}">
+                      <a16:colId xmlns:a16="http://schemas.microsoft.com/office/drawing/2014/main" val="2012366367"/>
+                    </a:ext>
+                  </a:extLst>
+                </a:gridCol>
+                <a:gridCol w="857567">
+                  <a:extLst>
+                    <a:ext uri="{9D8B030D-6E8A-4147-A177-3AD203B41FA5}">
+                      <a16:colId xmlns:a16="http://schemas.microsoft.com/office/drawing/2014/main" val="3006864667"/>
+                    </a:ext>
+                  </a:extLst>
+                </a:gridCol>
+              </a:tblGrid>
+              <a:tr h="304800">
+                <a:tc>
+                  <a:txBody>
+                    <a:bodyPr/>
+                    <a:lstStyle/>
+                    <a:p>
+                      <a:pPr algn="ctr"/>
+                      <a:r>
+                        <a:rPr lang="en-US" sz="1200" dirty="0">
+                          <a:solidFill>
+                            <a:schemeClr val="tx1"/>
+                          </a:solidFill>
+                          <a:latin typeface="Arial" panose="020B0604020202020204" pitchFamily="34" charset="0"/>
+                          <a:cs typeface="Arial" panose="020B0604020202020204" pitchFamily="34" charset="0"/>
+                        </a:rPr>
+                        <a:t>Component 1</a:t>
+                      </a:r>
+                    </a:p>
+                  </a:txBody>
+                  <a:tcPr anchor="ctr"/>
+                </a:tc>
+                <a:tc>
+                  <a:txBody>
+                    <a:bodyPr/>
+                    <a:lstStyle/>
+                    <a:p>
+                      <a:pPr algn="ctr"/>
+                      <a:r>
+                        <a:rPr lang="en-US" sz="1200" dirty="0">
+                          <a:solidFill>
+                            <a:schemeClr val="tx1"/>
+                          </a:solidFill>
+                          <a:latin typeface="Arial" panose="020B0604020202020204" pitchFamily="34" charset="0"/>
+                          <a:cs typeface="Arial" panose="020B0604020202020204" pitchFamily="34" charset="0"/>
+                        </a:rPr>
+                        <a:t>Weights</a:t>
+                      </a:r>
+                    </a:p>
+                  </a:txBody>
+                  <a:tcPr anchor="ctr"/>
+                </a:tc>
+                <a:extLst>
+                  <a:ext uri="{0D108BD9-81ED-4DB2-BD59-A6C34878D82A}">
+                    <a16:rowId xmlns:a16="http://schemas.microsoft.com/office/drawing/2014/main" val="4077809550"/>
+                  </a:ext>
+                </a:extLst>
+              </a:tr>
+              <a:tr h="304800">
+                <a:tc>
+                  <a:txBody>
+                    <a:bodyPr/>
+                    <a:lstStyle/>
+                    <a:p>
+                      <a:r>
+                        <a:rPr lang="en-US" sz="1200" dirty="0">
+                          <a:solidFill>
+                            <a:schemeClr val="tx1"/>
+                          </a:solidFill>
+                          <a:latin typeface="Arial" panose="020B0604020202020204" pitchFamily="34" charset="0"/>
+                          <a:cs typeface="Arial" panose="020B0604020202020204" pitchFamily="34" charset="0"/>
+                        </a:rPr>
+                        <a:t>Torque [Nm]</a:t>
+                      </a:r>
+                    </a:p>
+                  </a:txBody>
+                  <a:tcPr anchor="ctr"/>
+                </a:tc>
+                <a:tc>
+                  <a:txBody>
+                    <a:bodyPr/>
+                    <a:lstStyle/>
+                    <a:p>
+                      <a:pPr algn="ctr"/>
+                      <a:r>
+                        <a:rPr lang="en-US" sz="1200" dirty="0">
+                          <a:solidFill>
+                            <a:schemeClr val="tx1"/>
+                          </a:solidFill>
+                          <a:latin typeface="Arial" panose="020B0604020202020204" pitchFamily="34" charset="0"/>
+                          <a:cs typeface="Arial" panose="020B0604020202020204" pitchFamily="34" charset="0"/>
+                        </a:rPr>
+                        <a:t>-0.996</a:t>
+                      </a:r>
+                    </a:p>
+                  </a:txBody>
+                  <a:tcPr anchor="ctr"/>
+                </a:tc>
+                <a:extLst>
+                  <a:ext uri="{0D108BD9-81ED-4DB2-BD59-A6C34878D82A}">
+                    <a16:rowId xmlns:a16="http://schemas.microsoft.com/office/drawing/2014/main" val="3820341412"/>
+                  </a:ext>
+                </a:extLst>
+              </a:tr>
+              <a:tr h="304800">
+                <a:tc>
+                  <a:txBody>
+                    <a:bodyPr/>
+                    <a:lstStyle/>
+                    <a:p>
+                      <a:r>
+                        <a:rPr lang="en-US" sz="1200" dirty="0">
+                          <a:solidFill>
+                            <a:schemeClr val="tx1"/>
+                          </a:solidFill>
+                          <a:latin typeface="Arial" panose="020B0604020202020204" pitchFamily="34" charset="0"/>
+                          <a:cs typeface="Arial" panose="020B0604020202020204" pitchFamily="34" charset="0"/>
+                        </a:rPr>
+                        <a:t>Rotational speed [rpm]</a:t>
+                      </a:r>
+                    </a:p>
+                  </a:txBody>
+                  <a:tcPr anchor="ctr"/>
+                </a:tc>
+                <a:tc>
+                  <a:txBody>
+                    <a:bodyPr/>
+                    <a:lstStyle/>
+                    <a:p>
+                      <a:pPr algn="ctr"/>
+                      <a:r>
+                        <a:rPr lang="en-US" sz="1200" dirty="0">
+                          <a:solidFill>
+                            <a:schemeClr val="tx1"/>
+                          </a:solidFill>
+                          <a:latin typeface="Arial" panose="020B0604020202020204" pitchFamily="34" charset="0"/>
+                          <a:cs typeface="Arial" panose="020B0604020202020204" pitchFamily="34" charset="0"/>
+                        </a:rPr>
+                        <a:t>0.092</a:t>
+                      </a:r>
+                    </a:p>
+                  </a:txBody>
+                  <a:tcPr anchor="ctr"/>
+                </a:tc>
+                <a:extLst>
+                  <a:ext uri="{0D108BD9-81ED-4DB2-BD59-A6C34878D82A}">
+                    <a16:rowId xmlns:a16="http://schemas.microsoft.com/office/drawing/2014/main" val="2727219094"/>
+                  </a:ext>
+                </a:extLst>
+              </a:tr>
+              <a:tr h="304800">
+                <a:tc>
+                  <a:txBody>
+                    <a:bodyPr/>
+                    <a:lstStyle/>
+                    <a:p>
+                      <a:r>
+                        <a:rPr lang="en-US" sz="1200" dirty="0">
+                          <a:solidFill>
+                            <a:schemeClr val="tx1"/>
+                          </a:solidFill>
+                          <a:latin typeface="Arial" panose="020B0604020202020204" pitchFamily="34" charset="0"/>
+                          <a:cs typeface="Arial" panose="020B0604020202020204" pitchFamily="34" charset="0"/>
+                        </a:rPr>
+                        <a:t>Type = L</a:t>
+                      </a:r>
+                    </a:p>
+                  </a:txBody>
+                  <a:tcPr anchor="ctr"/>
+                </a:tc>
+                <a:tc>
+                  <a:txBody>
+                    <a:bodyPr/>
+                    <a:lstStyle/>
+                    <a:p>
+                      <a:pPr algn="ctr"/>
+                      <a:r>
+                        <a:rPr lang="en-US" sz="1200" dirty="0">
+                          <a:solidFill>
+                            <a:schemeClr val="tx1"/>
+                          </a:solidFill>
+                          <a:latin typeface="Arial" panose="020B0604020202020204" pitchFamily="34" charset="0"/>
+                          <a:cs typeface="Arial" panose="020B0604020202020204" pitchFamily="34" charset="0"/>
+                        </a:rPr>
+                        <a:t>-0.008</a:t>
+                      </a:r>
+                    </a:p>
+                  </a:txBody>
+                  <a:tcPr anchor="ctr"/>
+                </a:tc>
+                <a:extLst>
+                  <a:ext uri="{0D108BD9-81ED-4DB2-BD59-A6C34878D82A}">
+                    <a16:rowId xmlns:a16="http://schemas.microsoft.com/office/drawing/2014/main" val="826801147"/>
+                  </a:ext>
+                </a:extLst>
+              </a:tr>
+              <a:tr h="304800">
+                <a:tc>
+                  <a:txBody>
+                    <a:bodyPr/>
+                    <a:lstStyle/>
+                    <a:p>
+                      <a:r>
+                        <a:rPr lang="en-US" sz="1200" dirty="0">
+                          <a:solidFill>
+                            <a:schemeClr val="tx1"/>
+                          </a:solidFill>
+                          <a:latin typeface="Arial" panose="020B0604020202020204" pitchFamily="34" charset="0"/>
+                          <a:cs typeface="Arial" panose="020B0604020202020204" pitchFamily="34" charset="0"/>
+                        </a:rPr>
+                        <a:t>Type = M</a:t>
+                      </a:r>
+                    </a:p>
+                  </a:txBody>
+                  <a:tcPr anchor="ctr"/>
+                </a:tc>
+                <a:tc>
+                  <a:txBody>
+                    <a:bodyPr/>
+                    <a:lstStyle/>
+                    <a:p>
+                      <a:pPr algn="ctr"/>
+                      <a:r>
+                        <a:rPr lang="en-US" sz="1200" dirty="0">
+                          <a:solidFill>
+                            <a:schemeClr val="tx1"/>
+                          </a:solidFill>
+                          <a:latin typeface="Arial" panose="020B0604020202020204" pitchFamily="34" charset="0"/>
+                          <a:cs typeface="Arial" panose="020B0604020202020204" pitchFamily="34" charset="0"/>
+                        </a:rPr>
+                        <a:t>0.007</a:t>
+                      </a:r>
+                    </a:p>
+                  </a:txBody>
+                  <a:tcPr anchor="ctr"/>
+                </a:tc>
+                <a:extLst>
+                  <a:ext uri="{0D108BD9-81ED-4DB2-BD59-A6C34878D82A}">
+                    <a16:rowId xmlns:a16="http://schemas.microsoft.com/office/drawing/2014/main" val="3950869344"/>
+                  </a:ext>
+                </a:extLst>
+              </a:tr>
+              <a:tr h="304800">
+                <a:tc>
+                  <a:txBody>
+                    <a:bodyPr/>
+                    <a:lstStyle/>
+                    <a:p>
+                      <a:r>
+                        <a:rPr lang="en-US" sz="1200" dirty="0">
+                          <a:solidFill>
+                            <a:schemeClr val="tx1"/>
+                          </a:solidFill>
+                          <a:latin typeface="Arial" panose="020B0604020202020204" pitchFamily="34" charset="0"/>
+                          <a:cs typeface="Arial" panose="020B0604020202020204" pitchFamily="34" charset="0"/>
+                        </a:rPr>
+                        <a:t>Air temperature [K]</a:t>
+                      </a:r>
+                    </a:p>
+                  </a:txBody>
+                  <a:tcPr anchor="ctr"/>
+                </a:tc>
+                <a:tc>
+                  <a:txBody>
+                    <a:bodyPr/>
+                    <a:lstStyle/>
+                    <a:p>
+                      <a:pPr algn="ctr"/>
+                      <a:r>
+                        <a:rPr lang="en-US" sz="1200" dirty="0">
+                          <a:solidFill>
+                            <a:schemeClr val="tx1"/>
+                          </a:solidFill>
+                          <a:latin typeface="Arial" panose="020B0604020202020204" pitchFamily="34" charset="0"/>
+                          <a:cs typeface="Arial" panose="020B0604020202020204" pitchFamily="34" charset="0"/>
+                        </a:rPr>
+                        <a:t>0.003</a:t>
+                      </a:r>
+                    </a:p>
+                  </a:txBody>
+                  <a:tcPr anchor="ctr"/>
+                </a:tc>
+                <a:extLst>
+                  <a:ext uri="{0D108BD9-81ED-4DB2-BD59-A6C34878D82A}">
+                    <a16:rowId xmlns:a16="http://schemas.microsoft.com/office/drawing/2014/main" val="3803779599"/>
+                  </a:ext>
+                </a:extLst>
+              </a:tr>
+            </a:tbl>
+          </a:graphicData>
+        </a:graphic>
+      </p:graphicFrame>
+      <p:sp>
+        <p:nvSpPr>
+          <p:cNvPr id="10" name="Content Placeholder 2">
+            <a:extLst>
+              <a:ext uri="{FF2B5EF4-FFF2-40B4-BE49-F238E27FC236}">
+                <a16:creationId xmlns:a16="http://schemas.microsoft.com/office/drawing/2014/main" id="{068222F3-1519-C288-2550-E8E23A5352E3}"/>
+              </a:ext>
+            </a:extLst>
+          </p:cNvPr>
+          <p:cNvSpPr txBox="1">
+            <a:spLocks/>
           </p:cNvSpPr>
-          <p:nvPr>
-            <p:ph sz="quarter" idx="4"/>
-          </p:nvPr>
+          <p:nvPr/>
         </p:nvSpPr>
         <p:spPr>
-          <a:xfrm>
-            <a:off x="856058" y="1207008"/>
-            <a:ext cx="7428406" cy="3285792"/>
+          <a:xfrm rot="16200000">
+            <a:off x="116195" y="1846087"/>
+            <a:ext cx="1641091" cy="276999"/>
           </a:xfrm>
+          <a:prstGeom prst="rect">
+            <a:avLst/>
+          </a:prstGeom>
         </p:spPr>
         <p:txBody>
-          <a:bodyPr>
-            <a:noAutofit/>
+          <a:bodyPr vert="horz" wrap="none" lIns="91440" tIns="45720" rIns="91440" bIns="45720" rtlCol="0" anchor="ctr">
+            <a:spAutoFit/>
           </a:bodyPr>
-          <a:lstStyle/>
+          <a:lstStyle>
+            <a:lvl1pPr marL="171450" indent="-171450" algn="l" defTabSz="685800" rtl="0" eaLnBrk="1" latinLnBrk="0" hangingPunct="1">
+              <a:lnSpc>
+                <a:spcPct val="120000"/>
+              </a:lnSpc>
+              <a:spcBef>
+                <a:spcPts val="750"/>
+              </a:spcBef>
+              <a:buSzPct val="125000"/>
+              <a:buFont typeface="Arial" panose="020B0604020202020204" pitchFamily="34" charset="0"/>
+              <a:buChar char="•"/>
+              <a:defRPr sz="1800" kern="1200">
+                <a:solidFill>
+                  <a:schemeClr val="tx1"/>
+                </a:solidFill>
+                <a:latin typeface="+mn-lt"/>
+                <a:ea typeface="+mn-ea"/>
+                <a:cs typeface="+mn-cs"/>
+              </a:defRPr>
+            </a:lvl1pPr>
+            <a:lvl2pPr marL="514350" indent="-171450" algn="l" defTabSz="685800" rtl="0" eaLnBrk="1" latinLnBrk="0" hangingPunct="1">
+              <a:lnSpc>
+                <a:spcPct val="120000"/>
+              </a:lnSpc>
+              <a:spcBef>
+                <a:spcPts val="375"/>
+              </a:spcBef>
+              <a:buSzPct val="125000"/>
+              <a:buFont typeface="Arial" panose="020B0604020202020204" pitchFamily="34" charset="0"/>
+              <a:buChar char="•"/>
+              <a:defRPr sz="1500" kern="1200">
+                <a:solidFill>
+                  <a:schemeClr val="tx1"/>
+                </a:solidFill>
+                <a:latin typeface="+mn-lt"/>
+                <a:ea typeface="+mn-ea"/>
+                <a:cs typeface="+mn-cs"/>
+              </a:defRPr>
+            </a:lvl2pPr>
+            <a:lvl3pPr marL="857250" indent="-171450" algn="l" defTabSz="685800" rtl="0" eaLnBrk="1" latinLnBrk="0" hangingPunct="1">
+              <a:lnSpc>
+                <a:spcPct val="120000"/>
+              </a:lnSpc>
+              <a:spcBef>
+                <a:spcPts val="375"/>
+              </a:spcBef>
+              <a:buSzPct val="125000"/>
+              <a:buFont typeface="Arial" panose="020B0604020202020204" pitchFamily="34" charset="0"/>
+              <a:buChar char="•"/>
+              <a:defRPr sz="1350" kern="1200">
+                <a:solidFill>
+                  <a:schemeClr val="tx1"/>
+                </a:solidFill>
+                <a:latin typeface="+mn-lt"/>
+                <a:ea typeface="+mn-ea"/>
+                <a:cs typeface="+mn-cs"/>
+              </a:defRPr>
+            </a:lvl3pPr>
+            <a:lvl4pPr marL="1200150" indent="-171450" algn="l" defTabSz="685800" rtl="0" eaLnBrk="1" latinLnBrk="0" hangingPunct="1">
+              <a:lnSpc>
+                <a:spcPct val="120000"/>
+              </a:lnSpc>
+              <a:spcBef>
+                <a:spcPts val="375"/>
+              </a:spcBef>
+              <a:buSzPct val="125000"/>
+              <a:buFont typeface="Arial" panose="020B0604020202020204" pitchFamily="34" charset="0"/>
+              <a:buChar char="•"/>
+              <a:defRPr sz="1200" kern="1200">
+                <a:solidFill>
+                  <a:schemeClr val="tx1"/>
+                </a:solidFill>
+                <a:latin typeface="+mn-lt"/>
+                <a:ea typeface="+mn-ea"/>
+                <a:cs typeface="+mn-cs"/>
+              </a:defRPr>
+            </a:lvl4pPr>
+            <a:lvl5pPr marL="1543050" indent="-171450" algn="l" defTabSz="685800" rtl="0" eaLnBrk="1" latinLnBrk="0" hangingPunct="1">
+              <a:lnSpc>
+                <a:spcPct val="120000"/>
+              </a:lnSpc>
+              <a:spcBef>
+                <a:spcPts val="375"/>
+              </a:spcBef>
+              <a:buSzPct val="125000"/>
+              <a:buFont typeface="Arial" panose="020B0604020202020204" pitchFamily="34" charset="0"/>
+              <a:buChar char="•"/>
+              <a:defRPr sz="1200" kern="1200">
+                <a:solidFill>
+                  <a:schemeClr val="tx1"/>
+                </a:solidFill>
+                <a:latin typeface="+mn-lt"/>
+                <a:ea typeface="+mn-ea"/>
+                <a:cs typeface="+mn-cs"/>
+              </a:defRPr>
+            </a:lvl5pPr>
+            <a:lvl6pPr marL="1885950" indent="-171450" algn="l" defTabSz="685800" rtl="0" eaLnBrk="1" latinLnBrk="0" hangingPunct="1">
+              <a:lnSpc>
+                <a:spcPct val="120000"/>
+              </a:lnSpc>
+              <a:spcBef>
+                <a:spcPts val="375"/>
+              </a:spcBef>
+              <a:buSzPct val="125000"/>
+              <a:buFont typeface="Arial" panose="020B0604020202020204" pitchFamily="34" charset="0"/>
+              <a:buChar char="•"/>
+              <a:defRPr sz="1050" kern="1200">
+                <a:solidFill>
+                  <a:schemeClr val="tx1"/>
+                </a:solidFill>
+                <a:latin typeface="+mn-lt"/>
+                <a:ea typeface="+mn-ea"/>
+                <a:cs typeface="+mn-cs"/>
+              </a:defRPr>
+            </a:lvl6pPr>
+            <a:lvl7pPr marL="2228850" indent="-171450" algn="l" defTabSz="685800" rtl="0" eaLnBrk="1" latinLnBrk="0" hangingPunct="1">
+              <a:lnSpc>
+                <a:spcPct val="120000"/>
+              </a:lnSpc>
+              <a:spcBef>
+                <a:spcPts val="375"/>
+              </a:spcBef>
+              <a:buSzPct val="125000"/>
+              <a:buFont typeface="Arial" panose="020B0604020202020204" pitchFamily="34" charset="0"/>
+              <a:buChar char="•"/>
+              <a:defRPr sz="1050" kern="1200">
+                <a:solidFill>
+                  <a:schemeClr val="tx1"/>
+                </a:solidFill>
+                <a:latin typeface="+mn-lt"/>
+                <a:ea typeface="+mn-ea"/>
+                <a:cs typeface="+mn-cs"/>
+              </a:defRPr>
+            </a:lvl7pPr>
+            <a:lvl8pPr marL="2571750" indent="-171450" algn="l" defTabSz="685800" rtl="0" eaLnBrk="1" latinLnBrk="0" hangingPunct="1">
+              <a:lnSpc>
+                <a:spcPct val="120000"/>
+              </a:lnSpc>
+              <a:spcBef>
+                <a:spcPts val="375"/>
+              </a:spcBef>
+              <a:buSzPct val="125000"/>
+              <a:buFont typeface="Arial" panose="020B0604020202020204" pitchFamily="34" charset="0"/>
+              <a:buChar char="•"/>
+              <a:defRPr sz="1050" kern="1200">
+                <a:solidFill>
+                  <a:schemeClr val="tx1"/>
+                </a:solidFill>
+                <a:latin typeface="+mn-lt"/>
+                <a:ea typeface="+mn-ea"/>
+                <a:cs typeface="+mn-cs"/>
+              </a:defRPr>
+            </a:lvl8pPr>
+            <a:lvl9pPr marL="2914650" indent="-171450" algn="l" defTabSz="685800" rtl="0" eaLnBrk="1" latinLnBrk="0" hangingPunct="1">
+              <a:lnSpc>
+                <a:spcPct val="120000"/>
+              </a:lnSpc>
+              <a:spcBef>
+                <a:spcPts val="375"/>
+              </a:spcBef>
+              <a:buSzPct val="125000"/>
+              <a:buFont typeface="Arial" panose="020B0604020202020204" pitchFamily="34" charset="0"/>
+              <a:buChar char="•"/>
+              <a:defRPr sz="1050" kern="1200">
+                <a:solidFill>
+                  <a:schemeClr val="tx1"/>
+                </a:solidFill>
+                <a:latin typeface="+mn-lt"/>
+                <a:ea typeface="+mn-ea"/>
+                <a:cs typeface="+mn-cs"/>
+              </a:defRPr>
+            </a:lvl9pPr>
+          </a:lstStyle>
           <a:p>
+            <a:pPr marL="0" indent="0" algn="ctr">
+              <a:lnSpc>
+                <a:spcPct val="100000"/>
+              </a:lnSpc>
+              <a:spcBef>
+                <a:spcPts val="0"/>
+              </a:spcBef>
+              <a:buFont typeface="Arial" panose="020B0604020202020204" pitchFamily="34" charset="0"/>
+              <a:buNone/>
+            </a:pPr>
             <a:r>
-              <a:rPr lang="en-US" sz="1200" dirty="0">
+              <a:rPr lang="en-US" sz="1200" b="1" cap="small" dirty="0">
                 <a:solidFill>
-                  <a:schemeClr val="bg1"/>
+                  <a:srgbClr val="49C6DB"/>
                 </a:solidFill>
                 <a:latin typeface="Arial" panose="020B0604020202020204" pitchFamily="34" charset="0"/>
                 <a:cs typeface="Arial" panose="020B0604020202020204" pitchFamily="34" charset="0"/>
               </a:rPr>
-              <a:t>xxx</a:t>
+              <a:t>Feature Importance</a:t>
             </a:r>
           </a:p>
         </p:txBody>
       </p:sp>
+      <p:cxnSp>
+        <p:nvCxnSpPr>
+          <p:cNvPr id="13" name="Connector: Elbow 12">
+            <a:extLst>
+              <a:ext uri="{FF2B5EF4-FFF2-40B4-BE49-F238E27FC236}">
+                <a16:creationId xmlns:a16="http://schemas.microsoft.com/office/drawing/2014/main" id="{577CE1C6-E168-601A-3757-27E3C1F8209E}"/>
+              </a:ext>
+            </a:extLst>
+          </p:cNvPr>
+          <p:cNvCxnSpPr>
+            <a:stCxn id="10" idx="3"/>
+          </p:cNvCxnSpPr>
+          <p:nvPr/>
+        </p:nvCxnSpPr>
+        <p:spPr>
+          <a:xfrm rot="5400000" flipH="1" flipV="1">
+            <a:off x="992943" y="1013985"/>
+            <a:ext cx="93854" cy="206259"/>
+          </a:xfrm>
+          <a:prstGeom prst="bentConnector2">
+            <a:avLst/>
+          </a:prstGeom>
+          <a:ln>
+            <a:solidFill>
+              <a:srgbClr val="49C6DB"/>
+            </a:solidFill>
+          </a:ln>
+        </p:spPr>
+        <p:style>
+          <a:lnRef idx="1">
+            <a:schemeClr val="accent1"/>
+          </a:lnRef>
+          <a:fillRef idx="0">
+            <a:schemeClr val="accent1"/>
+          </a:fillRef>
+          <a:effectRef idx="0">
+            <a:schemeClr val="accent1"/>
+          </a:effectRef>
+          <a:fontRef idx="minor">
+            <a:schemeClr val="tx1"/>
+          </a:fontRef>
+        </p:style>
+      </p:cxnSp>
+      <p:cxnSp>
+        <p:nvCxnSpPr>
+          <p:cNvPr id="14" name="Connector: Elbow 13">
+            <a:extLst>
+              <a:ext uri="{FF2B5EF4-FFF2-40B4-BE49-F238E27FC236}">
+                <a16:creationId xmlns:a16="http://schemas.microsoft.com/office/drawing/2014/main" id="{418C1C99-45EE-DC58-8202-5FF88767F86A}"/>
+              </a:ext>
+            </a:extLst>
+          </p:cNvPr>
+          <p:cNvCxnSpPr>
+            <a:cxnSpLocks/>
+            <a:stCxn id="10" idx="1"/>
+          </p:cNvCxnSpPr>
+          <p:nvPr/>
+        </p:nvCxnSpPr>
+        <p:spPr>
+          <a:xfrm rot="16200000" flipH="1">
+            <a:off x="994970" y="2746903"/>
+            <a:ext cx="93855" cy="210312"/>
+          </a:xfrm>
+          <a:prstGeom prst="bentConnector2">
+            <a:avLst/>
+          </a:prstGeom>
+          <a:ln>
+            <a:solidFill>
+              <a:srgbClr val="49C6DB"/>
+            </a:solidFill>
+          </a:ln>
+        </p:spPr>
+        <p:style>
+          <a:lnRef idx="1">
+            <a:schemeClr val="accent1"/>
+          </a:lnRef>
+          <a:fillRef idx="0">
+            <a:schemeClr val="accent1"/>
+          </a:fillRef>
+          <a:effectRef idx="0">
+            <a:schemeClr val="accent1"/>
+          </a:effectRef>
+          <a:fontRef idx="minor">
+            <a:schemeClr val="tx1"/>
+          </a:fontRef>
+        </p:style>
+      </p:cxnSp>
+      <p:sp>
+        <p:nvSpPr>
+          <p:cNvPr id="17" name="Content Placeholder 2">
+            <a:extLst>
+              <a:ext uri="{FF2B5EF4-FFF2-40B4-BE49-F238E27FC236}">
+                <a16:creationId xmlns:a16="http://schemas.microsoft.com/office/drawing/2014/main" id="{28CC3715-71FA-E3BF-2EFE-B001C0155BA0}"/>
+              </a:ext>
+            </a:extLst>
+          </p:cNvPr>
+          <p:cNvSpPr txBox="1">
+            <a:spLocks/>
+          </p:cNvSpPr>
+          <p:nvPr/>
+        </p:nvSpPr>
+        <p:spPr>
+          <a:xfrm rot="16200000">
+            <a:off x="4037404" y="1846087"/>
+            <a:ext cx="1476944" cy="276999"/>
+          </a:xfrm>
+          <a:prstGeom prst="rect">
+            <a:avLst/>
+          </a:prstGeom>
+        </p:spPr>
+        <p:txBody>
+          <a:bodyPr vert="horz" wrap="none" lIns="91440" tIns="45720" rIns="91440" bIns="45720" rtlCol="0" anchor="ctr">
+            <a:spAutoFit/>
+          </a:bodyPr>
+          <a:lstStyle>
+            <a:lvl1pPr marL="171450" indent="-171450" algn="l" defTabSz="685800" rtl="0" eaLnBrk="1" latinLnBrk="0" hangingPunct="1">
+              <a:lnSpc>
+                <a:spcPct val="120000"/>
+              </a:lnSpc>
+              <a:spcBef>
+                <a:spcPts val="750"/>
+              </a:spcBef>
+              <a:buSzPct val="125000"/>
+              <a:buFont typeface="Arial" panose="020B0604020202020204" pitchFamily="34" charset="0"/>
+              <a:buChar char="•"/>
+              <a:defRPr sz="1800" kern="1200">
+                <a:solidFill>
+                  <a:schemeClr val="tx1"/>
+                </a:solidFill>
+                <a:latin typeface="+mn-lt"/>
+                <a:ea typeface="+mn-ea"/>
+                <a:cs typeface="+mn-cs"/>
+              </a:defRPr>
+            </a:lvl1pPr>
+            <a:lvl2pPr marL="514350" indent="-171450" algn="l" defTabSz="685800" rtl="0" eaLnBrk="1" latinLnBrk="0" hangingPunct="1">
+              <a:lnSpc>
+                <a:spcPct val="120000"/>
+              </a:lnSpc>
+              <a:spcBef>
+                <a:spcPts val="375"/>
+              </a:spcBef>
+              <a:buSzPct val="125000"/>
+              <a:buFont typeface="Arial" panose="020B0604020202020204" pitchFamily="34" charset="0"/>
+              <a:buChar char="•"/>
+              <a:defRPr sz="1500" kern="1200">
+                <a:solidFill>
+                  <a:schemeClr val="tx1"/>
+                </a:solidFill>
+                <a:latin typeface="+mn-lt"/>
+                <a:ea typeface="+mn-ea"/>
+                <a:cs typeface="+mn-cs"/>
+              </a:defRPr>
+            </a:lvl2pPr>
+            <a:lvl3pPr marL="857250" indent="-171450" algn="l" defTabSz="685800" rtl="0" eaLnBrk="1" latinLnBrk="0" hangingPunct="1">
+              <a:lnSpc>
+                <a:spcPct val="120000"/>
+              </a:lnSpc>
+              <a:spcBef>
+                <a:spcPts val="375"/>
+              </a:spcBef>
+              <a:buSzPct val="125000"/>
+              <a:buFont typeface="Arial" panose="020B0604020202020204" pitchFamily="34" charset="0"/>
+              <a:buChar char="•"/>
+              <a:defRPr sz="1350" kern="1200">
+                <a:solidFill>
+                  <a:schemeClr val="tx1"/>
+                </a:solidFill>
+                <a:latin typeface="+mn-lt"/>
+                <a:ea typeface="+mn-ea"/>
+                <a:cs typeface="+mn-cs"/>
+              </a:defRPr>
+            </a:lvl3pPr>
+            <a:lvl4pPr marL="1200150" indent="-171450" algn="l" defTabSz="685800" rtl="0" eaLnBrk="1" latinLnBrk="0" hangingPunct="1">
+              <a:lnSpc>
+                <a:spcPct val="120000"/>
+              </a:lnSpc>
+              <a:spcBef>
+                <a:spcPts val="375"/>
+              </a:spcBef>
+              <a:buSzPct val="125000"/>
+              <a:buFont typeface="Arial" panose="020B0604020202020204" pitchFamily="34" charset="0"/>
+              <a:buChar char="•"/>
+              <a:defRPr sz="1200" kern="1200">
+                <a:solidFill>
+                  <a:schemeClr val="tx1"/>
+                </a:solidFill>
+                <a:latin typeface="+mn-lt"/>
+                <a:ea typeface="+mn-ea"/>
+                <a:cs typeface="+mn-cs"/>
+              </a:defRPr>
+            </a:lvl4pPr>
+            <a:lvl5pPr marL="1543050" indent="-171450" algn="l" defTabSz="685800" rtl="0" eaLnBrk="1" latinLnBrk="0" hangingPunct="1">
+              <a:lnSpc>
+                <a:spcPct val="120000"/>
+              </a:lnSpc>
+              <a:spcBef>
+                <a:spcPts val="375"/>
+              </a:spcBef>
+              <a:buSzPct val="125000"/>
+              <a:buFont typeface="Arial" panose="020B0604020202020204" pitchFamily="34" charset="0"/>
+              <a:buChar char="•"/>
+              <a:defRPr sz="1200" kern="1200">
+                <a:solidFill>
+                  <a:schemeClr val="tx1"/>
+                </a:solidFill>
+                <a:latin typeface="+mn-lt"/>
+                <a:ea typeface="+mn-ea"/>
+                <a:cs typeface="+mn-cs"/>
+              </a:defRPr>
+            </a:lvl5pPr>
+            <a:lvl6pPr marL="1885950" indent="-171450" algn="l" defTabSz="685800" rtl="0" eaLnBrk="1" latinLnBrk="0" hangingPunct="1">
+              <a:lnSpc>
+                <a:spcPct val="120000"/>
+              </a:lnSpc>
+              <a:spcBef>
+                <a:spcPts val="375"/>
+              </a:spcBef>
+              <a:buSzPct val="125000"/>
+              <a:buFont typeface="Arial" panose="020B0604020202020204" pitchFamily="34" charset="0"/>
+              <a:buChar char="•"/>
+              <a:defRPr sz="1050" kern="1200">
+                <a:solidFill>
+                  <a:schemeClr val="tx1"/>
+                </a:solidFill>
+                <a:latin typeface="+mn-lt"/>
+                <a:ea typeface="+mn-ea"/>
+                <a:cs typeface="+mn-cs"/>
+              </a:defRPr>
+            </a:lvl6pPr>
+            <a:lvl7pPr marL="2228850" indent="-171450" algn="l" defTabSz="685800" rtl="0" eaLnBrk="1" latinLnBrk="0" hangingPunct="1">
+              <a:lnSpc>
+                <a:spcPct val="120000"/>
+              </a:lnSpc>
+              <a:spcBef>
+                <a:spcPts val="375"/>
+              </a:spcBef>
+              <a:buSzPct val="125000"/>
+              <a:buFont typeface="Arial" panose="020B0604020202020204" pitchFamily="34" charset="0"/>
+              <a:buChar char="•"/>
+              <a:defRPr sz="1050" kern="1200">
+                <a:solidFill>
+                  <a:schemeClr val="tx1"/>
+                </a:solidFill>
+                <a:latin typeface="+mn-lt"/>
+                <a:ea typeface="+mn-ea"/>
+                <a:cs typeface="+mn-cs"/>
+              </a:defRPr>
+            </a:lvl7pPr>
+            <a:lvl8pPr marL="2571750" indent="-171450" algn="l" defTabSz="685800" rtl="0" eaLnBrk="1" latinLnBrk="0" hangingPunct="1">
+              <a:lnSpc>
+                <a:spcPct val="120000"/>
+              </a:lnSpc>
+              <a:spcBef>
+                <a:spcPts val="375"/>
+              </a:spcBef>
+              <a:buSzPct val="125000"/>
+              <a:buFont typeface="Arial" panose="020B0604020202020204" pitchFamily="34" charset="0"/>
+              <a:buChar char="•"/>
+              <a:defRPr sz="1050" kern="1200">
+                <a:solidFill>
+                  <a:schemeClr val="tx1"/>
+                </a:solidFill>
+                <a:latin typeface="+mn-lt"/>
+                <a:ea typeface="+mn-ea"/>
+                <a:cs typeface="+mn-cs"/>
+              </a:defRPr>
+            </a:lvl8pPr>
+            <a:lvl9pPr marL="2914650" indent="-171450" algn="l" defTabSz="685800" rtl="0" eaLnBrk="1" latinLnBrk="0" hangingPunct="1">
+              <a:lnSpc>
+                <a:spcPct val="120000"/>
+              </a:lnSpc>
+              <a:spcBef>
+                <a:spcPts val="375"/>
+              </a:spcBef>
+              <a:buSzPct val="125000"/>
+              <a:buFont typeface="Arial" panose="020B0604020202020204" pitchFamily="34" charset="0"/>
+              <a:buChar char="•"/>
+              <a:defRPr sz="1050" kern="1200">
+                <a:solidFill>
+                  <a:schemeClr val="tx1"/>
+                </a:solidFill>
+                <a:latin typeface="+mn-lt"/>
+                <a:ea typeface="+mn-ea"/>
+                <a:cs typeface="+mn-cs"/>
+              </a:defRPr>
+            </a:lvl9pPr>
+          </a:lstStyle>
+          <a:p>
+            <a:pPr marL="0" indent="0" algn="ctr">
+              <a:lnSpc>
+                <a:spcPct val="100000"/>
+              </a:lnSpc>
+              <a:spcBef>
+                <a:spcPts val="0"/>
+              </a:spcBef>
+              <a:buFont typeface="Arial" panose="020B0604020202020204" pitchFamily="34" charset="0"/>
+              <a:buNone/>
+            </a:pPr>
+            <a:r>
+              <a:rPr lang="en-US" sz="1200" b="1" cap="small" dirty="0">
+                <a:solidFill>
+                  <a:srgbClr val="49C6DB"/>
+                </a:solidFill>
+                <a:latin typeface="Arial" panose="020B0604020202020204" pitchFamily="34" charset="0"/>
+                <a:cs typeface="Arial" panose="020B0604020202020204" pitchFamily="34" charset="0"/>
+              </a:rPr>
+              <a:t>Feature P-Values</a:t>
+            </a:r>
+          </a:p>
+        </p:txBody>
+      </p:sp>
+      <p:cxnSp>
+        <p:nvCxnSpPr>
+          <p:cNvPr id="18" name="Connector: Elbow 17">
+            <a:extLst>
+              <a:ext uri="{FF2B5EF4-FFF2-40B4-BE49-F238E27FC236}">
+                <a16:creationId xmlns:a16="http://schemas.microsoft.com/office/drawing/2014/main" id="{E0E0EE11-FE8C-B89B-EB88-B65DF39679E4}"/>
+              </a:ext>
+            </a:extLst>
+          </p:cNvPr>
+          <p:cNvCxnSpPr>
+            <a:stCxn id="17" idx="3"/>
+          </p:cNvCxnSpPr>
+          <p:nvPr/>
+        </p:nvCxnSpPr>
+        <p:spPr>
+          <a:xfrm rot="5400000" flipH="1" flipV="1">
+            <a:off x="4791042" y="1055024"/>
+            <a:ext cx="175927" cy="206256"/>
+          </a:xfrm>
+          <a:prstGeom prst="bentConnector2">
+            <a:avLst/>
+          </a:prstGeom>
+          <a:ln>
+            <a:solidFill>
+              <a:srgbClr val="49C6DB"/>
+            </a:solidFill>
+          </a:ln>
+        </p:spPr>
+        <p:style>
+          <a:lnRef idx="1">
+            <a:schemeClr val="accent1"/>
+          </a:lnRef>
+          <a:fillRef idx="0">
+            <a:schemeClr val="accent1"/>
+          </a:fillRef>
+          <a:effectRef idx="0">
+            <a:schemeClr val="accent1"/>
+          </a:effectRef>
+          <a:fontRef idx="minor">
+            <a:schemeClr val="tx1"/>
+          </a:fontRef>
+        </p:style>
+      </p:cxnSp>
+      <p:cxnSp>
+        <p:nvCxnSpPr>
+          <p:cNvPr id="19" name="Connector: Elbow 18">
+            <a:extLst>
+              <a:ext uri="{FF2B5EF4-FFF2-40B4-BE49-F238E27FC236}">
+                <a16:creationId xmlns:a16="http://schemas.microsoft.com/office/drawing/2014/main" id="{EF0ED255-6DD0-FE3D-6690-220CB2A7A38F}"/>
+              </a:ext>
+            </a:extLst>
+          </p:cNvPr>
+          <p:cNvCxnSpPr>
+            <a:cxnSpLocks/>
+            <a:stCxn id="17" idx="1"/>
+          </p:cNvCxnSpPr>
+          <p:nvPr/>
+        </p:nvCxnSpPr>
+        <p:spPr>
+          <a:xfrm rot="16200000" flipH="1">
+            <a:off x="4793070" y="2705866"/>
+            <a:ext cx="175925" cy="210310"/>
+          </a:xfrm>
+          <a:prstGeom prst="bentConnector2">
+            <a:avLst/>
+          </a:prstGeom>
+          <a:ln>
+            <a:solidFill>
+              <a:srgbClr val="49C6DB"/>
+            </a:solidFill>
+          </a:ln>
+        </p:spPr>
+        <p:style>
+          <a:lnRef idx="1">
+            <a:schemeClr val="accent1"/>
+          </a:lnRef>
+          <a:fillRef idx="0">
+            <a:schemeClr val="accent1"/>
+          </a:fillRef>
+          <a:effectRef idx="0">
+            <a:schemeClr val="accent1"/>
+          </a:effectRef>
+          <a:fontRef idx="minor">
+            <a:schemeClr val="tx1"/>
+          </a:fontRef>
+        </p:style>
+      </p:cxnSp>
+      <p:sp>
+        <p:nvSpPr>
+          <p:cNvPr id="22" name="Content Placeholder 2">
+            <a:extLst>
+              <a:ext uri="{FF2B5EF4-FFF2-40B4-BE49-F238E27FC236}">
+                <a16:creationId xmlns:a16="http://schemas.microsoft.com/office/drawing/2014/main" id="{C8D4CBC9-584E-3EFA-531D-EE80FC5A74CD}"/>
+              </a:ext>
+            </a:extLst>
+          </p:cNvPr>
+          <p:cNvSpPr txBox="1">
+            <a:spLocks/>
+          </p:cNvSpPr>
+          <p:nvPr/>
+        </p:nvSpPr>
+        <p:spPr>
+          <a:xfrm rot="16200000">
+            <a:off x="351615" y="3934812"/>
+            <a:ext cx="1170257" cy="276999"/>
+          </a:xfrm>
+          <a:prstGeom prst="rect">
+            <a:avLst/>
+          </a:prstGeom>
+        </p:spPr>
+        <p:txBody>
+          <a:bodyPr vert="horz" wrap="none" lIns="91440" tIns="45720" rIns="91440" bIns="45720" rtlCol="0" anchor="ctr">
+            <a:spAutoFit/>
+          </a:bodyPr>
+          <a:lstStyle>
+            <a:lvl1pPr marL="171450" indent="-171450" algn="l" defTabSz="685800" rtl="0" eaLnBrk="1" latinLnBrk="0" hangingPunct="1">
+              <a:lnSpc>
+                <a:spcPct val="120000"/>
+              </a:lnSpc>
+              <a:spcBef>
+                <a:spcPts val="750"/>
+              </a:spcBef>
+              <a:buSzPct val="125000"/>
+              <a:buFont typeface="Arial" panose="020B0604020202020204" pitchFamily="34" charset="0"/>
+              <a:buChar char="•"/>
+              <a:defRPr sz="1800" kern="1200">
+                <a:solidFill>
+                  <a:schemeClr val="tx1"/>
+                </a:solidFill>
+                <a:latin typeface="+mn-lt"/>
+                <a:ea typeface="+mn-ea"/>
+                <a:cs typeface="+mn-cs"/>
+              </a:defRPr>
+            </a:lvl1pPr>
+            <a:lvl2pPr marL="514350" indent="-171450" algn="l" defTabSz="685800" rtl="0" eaLnBrk="1" latinLnBrk="0" hangingPunct="1">
+              <a:lnSpc>
+                <a:spcPct val="120000"/>
+              </a:lnSpc>
+              <a:spcBef>
+                <a:spcPts val="375"/>
+              </a:spcBef>
+              <a:buSzPct val="125000"/>
+              <a:buFont typeface="Arial" panose="020B0604020202020204" pitchFamily="34" charset="0"/>
+              <a:buChar char="•"/>
+              <a:defRPr sz="1500" kern="1200">
+                <a:solidFill>
+                  <a:schemeClr val="tx1"/>
+                </a:solidFill>
+                <a:latin typeface="+mn-lt"/>
+                <a:ea typeface="+mn-ea"/>
+                <a:cs typeface="+mn-cs"/>
+              </a:defRPr>
+            </a:lvl2pPr>
+            <a:lvl3pPr marL="857250" indent="-171450" algn="l" defTabSz="685800" rtl="0" eaLnBrk="1" latinLnBrk="0" hangingPunct="1">
+              <a:lnSpc>
+                <a:spcPct val="120000"/>
+              </a:lnSpc>
+              <a:spcBef>
+                <a:spcPts val="375"/>
+              </a:spcBef>
+              <a:buSzPct val="125000"/>
+              <a:buFont typeface="Arial" panose="020B0604020202020204" pitchFamily="34" charset="0"/>
+              <a:buChar char="•"/>
+              <a:defRPr sz="1350" kern="1200">
+                <a:solidFill>
+                  <a:schemeClr val="tx1"/>
+                </a:solidFill>
+                <a:latin typeface="+mn-lt"/>
+                <a:ea typeface="+mn-ea"/>
+                <a:cs typeface="+mn-cs"/>
+              </a:defRPr>
+            </a:lvl3pPr>
+            <a:lvl4pPr marL="1200150" indent="-171450" algn="l" defTabSz="685800" rtl="0" eaLnBrk="1" latinLnBrk="0" hangingPunct="1">
+              <a:lnSpc>
+                <a:spcPct val="120000"/>
+              </a:lnSpc>
+              <a:spcBef>
+                <a:spcPts val="375"/>
+              </a:spcBef>
+              <a:buSzPct val="125000"/>
+              <a:buFont typeface="Arial" panose="020B0604020202020204" pitchFamily="34" charset="0"/>
+              <a:buChar char="•"/>
+              <a:defRPr sz="1200" kern="1200">
+                <a:solidFill>
+                  <a:schemeClr val="tx1"/>
+                </a:solidFill>
+                <a:latin typeface="+mn-lt"/>
+                <a:ea typeface="+mn-ea"/>
+                <a:cs typeface="+mn-cs"/>
+              </a:defRPr>
+            </a:lvl4pPr>
+            <a:lvl5pPr marL="1543050" indent="-171450" algn="l" defTabSz="685800" rtl="0" eaLnBrk="1" latinLnBrk="0" hangingPunct="1">
+              <a:lnSpc>
+                <a:spcPct val="120000"/>
+              </a:lnSpc>
+              <a:spcBef>
+                <a:spcPts val="375"/>
+              </a:spcBef>
+              <a:buSzPct val="125000"/>
+              <a:buFont typeface="Arial" panose="020B0604020202020204" pitchFamily="34" charset="0"/>
+              <a:buChar char="•"/>
+              <a:defRPr sz="1200" kern="1200">
+                <a:solidFill>
+                  <a:schemeClr val="tx1"/>
+                </a:solidFill>
+                <a:latin typeface="+mn-lt"/>
+                <a:ea typeface="+mn-ea"/>
+                <a:cs typeface="+mn-cs"/>
+              </a:defRPr>
+            </a:lvl5pPr>
+            <a:lvl6pPr marL="1885950" indent="-171450" algn="l" defTabSz="685800" rtl="0" eaLnBrk="1" latinLnBrk="0" hangingPunct="1">
+              <a:lnSpc>
+                <a:spcPct val="120000"/>
+              </a:lnSpc>
+              <a:spcBef>
+                <a:spcPts val="375"/>
+              </a:spcBef>
+              <a:buSzPct val="125000"/>
+              <a:buFont typeface="Arial" panose="020B0604020202020204" pitchFamily="34" charset="0"/>
+              <a:buChar char="•"/>
+              <a:defRPr sz="1050" kern="1200">
+                <a:solidFill>
+                  <a:schemeClr val="tx1"/>
+                </a:solidFill>
+                <a:latin typeface="+mn-lt"/>
+                <a:ea typeface="+mn-ea"/>
+                <a:cs typeface="+mn-cs"/>
+              </a:defRPr>
+            </a:lvl6pPr>
+            <a:lvl7pPr marL="2228850" indent="-171450" algn="l" defTabSz="685800" rtl="0" eaLnBrk="1" latinLnBrk="0" hangingPunct="1">
+              <a:lnSpc>
+                <a:spcPct val="120000"/>
+              </a:lnSpc>
+              <a:spcBef>
+                <a:spcPts val="375"/>
+              </a:spcBef>
+              <a:buSzPct val="125000"/>
+              <a:buFont typeface="Arial" panose="020B0604020202020204" pitchFamily="34" charset="0"/>
+              <a:buChar char="•"/>
+              <a:defRPr sz="1050" kern="1200">
+                <a:solidFill>
+                  <a:schemeClr val="tx1"/>
+                </a:solidFill>
+                <a:latin typeface="+mn-lt"/>
+                <a:ea typeface="+mn-ea"/>
+                <a:cs typeface="+mn-cs"/>
+              </a:defRPr>
+            </a:lvl7pPr>
+            <a:lvl8pPr marL="2571750" indent="-171450" algn="l" defTabSz="685800" rtl="0" eaLnBrk="1" latinLnBrk="0" hangingPunct="1">
+              <a:lnSpc>
+                <a:spcPct val="120000"/>
+              </a:lnSpc>
+              <a:spcBef>
+                <a:spcPts val="375"/>
+              </a:spcBef>
+              <a:buSzPct val="125000"/>
+              <a:buFont typeface="Arial" panose="020B0604020202020204" pitchFamily="34" charset="0"/>
+              <a:buChar char="•"/>
+              <a:defRPr sz="1050" kern="1200">
+                <a:solidFill>
+                  <a:schemeClr val="tx1"/>
+                </a:solidFill>
+                <a:latin typeface="+mn-lt"/>
+                <a:ea typeface="+mn-ea"/>
+                <a:cs typeface="+mn-cs"/>
+              </a:defRPr>
+            </a:lvl8pPr>
+            <a:lvl9pPr marL="2914650" indent="-171450" algn="l" defTabSz="685800" rtl="0" eaLnBrk="1" latinLnBrk="0" hangingPunct="1">
+              <a:lnSpc>
+                <a:spcPct val="120000"/>
+              </a:lnSpc>
+              <a:spcBef>
+                <a:spcPts val="375"/>
+              </a:spcBef>
+              <a:buSzPct val="125000"/>
+              <a:buFont typeface="Arial" panose="020B0604020202020204" pitchFamily="34" charset="0"/>
+              <a:buChar char="•"/>
+              <a:defRPr sz="1050" kern="1200">
+                <a:solidFill>
+                  <a:schemeClr val="tx1"/>
+                </a:solidFill>
+                <a:latin typeface="+mn-lt"/>
+                <a:ea typeface="+mn-ea"/>
+                <a:cs typeface="+mn-cs"/>
+              </a:defRPr>
+            </a:lvl9pPr>
+          </a:lstStyle>
+          <a:p>
+            <a:pPr marL="0" indent="0" algn="ctr">
+              <a:lnSpc>
+                <a:spcPct val="100000"/>
+              </a:lnSpc>
+              <a:spcBef>
+                <a:spcPts val="0"/>
+              </a:spcBef>
+              <a:buFont typeface="Arial" panose="020B0604020202020204" pitchFamily="34" charset="0"/>
+              <a:buNone/>
+            </a:pPr>
+            <a:r>
+              <a:rPr lang="en-US" sz="1200" b="1" cap="small" dirty="0">
+                <a:solidFill>
+                  <a:srgbClr val="49C6DB"/>
+                </a:solidFill>
+                <a:latin typeface="Arial" panose="020B0604020202020204" pitchFamily="34" charset="0"/>
+                <a:cs typeface="Arial" panose="020B0604020202020204" pitchFamily="34" charset="0"/>
+              </a:rPr>
+              <a:t>PCA Analysis</a:t>
+            </a:r>
+          </a:p>
+        </p:txBody>
+      </p:sp>
+      <p:cxnSp>
+        <p:nvCxnSpPr>
+          <p:cNvPr id="23" name="Connector: Elbow 22">
+            <a:extLst>
+              <a:ext uri="{FF2B5EF4-FFF2-40B4-BE49-F238E27FC236}">
+                <a16:creationId xmlns:a16="http://schemas.microsoft.com/office/drawing/2014/main" id="{20360F2A-F53D-38D7-F35A-F23C028AC3D1}"/>
+              </a:ext>
+            </a:extLst>
+          </p:cNvPr>
+          <p:cNvCxnSpPr>
+            <a:stCxn id="22" idx="3"/>
+          </p:cNvCxnSpPr>
+          <p:nvPr/>
+        </p:nvCxnSpPr>
+        <p:spPr>
+          <a:xfrm rot="5400000" flipH="1" flipV="1">
+            <a:off x="875238" y="3220427"/>
+            <a:ext cx="329263" cy="206251"/>
+          </a:xfrm>
+          <a:prstGeom prst="bentConnector3">
+            <a:avLst>
+              <a:gd name="adj1" fmla="val 99008"/>
+            </a:avLst>
+          </a:prstGeom>
+          <a:ln>
+            <a:solidFill>
+              <a:srgbClr val="49C6DB"/>
+            </a:solidFill>
+          </a:ln>
+        </p:spPr>
+        <p:style>
+          <a:lnRef idx="1">
+            <a:schemeClr val="accent1"/>
+          </a:lnRef>
+          <a:fillRef idx="0">
+            <a:schemeClr val="accent1"/>
+          </a:fillRef>
+          <a:effectRef idx="0">
+            <a:schemeClr val="accent1"/>
+          </a:effectRef>
+          <a:fontRef idx="minor">
+            <a:schemeClr val="tx1"/>
+          </a:fontRef>
+        </p:style>
+      </p:cxnSp>
+      <p:cxnSp>
+        <p:nvCxnSpPr>
+          <p:cNvPr id="24" name="Connector: Elbow 23">
+            <a:extLst>
+              <a:ext uri="{FF2B5EF4-FFF2-40B4-BE49-F238E27FC236}">
+                <a16:creationId xmlns:a16="http://schemas.microsoft.com/office/drawing/2014/main" id="{308300B1-FCE8-E6B5-D56E-4172412BD3DD}"/>
+              </a:ext>
+            </a:extLst>
+          </p:cNvPr>
+          <p:cNvCxnSpPr>
+            <a:cxnSpLocks/>
+            <a:stCxn id="22" idx="1"/>
+          </p:cNvCxnSpPr>
+          <p:nvPr/>
+        </p:nvCxnSpPr>
+        <p:spPr>
+          <a:xfrm rot="16200000" flipH="1">
+            <a:off x="877265" y="4717919"/>
+            <a:ext cx="329264" cy="210306"/>
+          </a:xfrm>
+          <a:prstGeom prst="bentConnector3">
+            <a:avLst>
+              <a:gd name="adj1" fmla="val 99007"/>
+            </a:avLst>
+          </a:prstGeom>
+          <a:ln>
+            <a:solidFill>
+              <a:srgbClr val="49C6DB"/>
+            </a:solidFill>
+          </a:ln>
+        </p:spPr>
+        <p:style>
+          <a:lnRef idx="1">
+            <a:schemeClr val="accent1"/>
+          </a:lnRef>
+          <a:fillRef idx="0">
+            <a:schemeClr val="accent1"/>
+          </a:fillRef>
+          <a:effectRef idx="0">
+            <a:schemeClr val="accent1"/>
+          </a:effectRef>
+          <a:fontRef idx="minor">
+            <a:schemeClr val="tx1"/>
+          </a:fontRef>
+        </p:style>
+      </p:cxnSp>
+      <p:graphicFrame>
+        <p:nvGraphicFramePr>
+          <p:cNvPr id="27" name="Table 26">
+            <a:extLst>
+              <a:ext uri="{FF2B5EF4-FFF2-40B4-BE49-F238E27FC236}">
+                <a16:creationId xmlns:a16="http://schemas.microsoft.com/office/drawing/2014/main" id="{BB10AD24-CA33-1814-1758-70DE033BA576}"/>
+              </a:ext>
+            </a:extLst>
+          </p:cNvPr>
+          <p:cNvGraphicFramePr>
+            <a:graphicFrameLocks noGrp="1"/>
+          </p:cNvGraphicFramePr>
+          <p:nvPr>
+            <p:extLst>
+              <p:ext uri="{D42A27DB-BD31-4B8C-83A1-F6EECF244321}">
+                <p14:modId xmlns:p14="http://schemas.microsoft.com/office/powerpoint/2010/main" val="326339642"/>
+              </p:ext>
+            </p:extLst>
+          </p:nvPr>
+        </p:nvGraphicFramePr>
+        <p:xfrm>
+          <a:off x="5138180" y="3158913"/>
+          <a:ext cx="2724785" cy="1828800"/>
+        </p:xfrm>
+        <a:graphic>
+          <a:graphicData uri="http://schemas.openxmlformats.org/drawingml/2006/table">
+            <a:tbl>
+              <a:tblPr firstRow="1" bandRow="1">
+                <a:tableStyleId>{9D7B26C5-4107-4FEC-AEDC-1716B250A1EF}</a:tableStyleId>
+              </a:tblPr>
+              <a:tblGrid>
+                <a:gridCol w="1867218">
+                  <a:extLst>
+                    <a:ext uri="{9D8B030D-6E8A-4147-A177-3AD203B41FA5}">
+                      <a16:colId xmlns:a16="http://schemas.microsoft.com/office/drawing/2014/main" val="2012366367"/>
+                    </a:ext>
+                  </a:extLst>
+                </a:gridCol>
+                <a:gridCol w="857567">
+                  <a:extLst>
+                    <a:ext uri="{9D8B030D-6E8A-4147-A177-3AD203B41FA5}">
+                      <a16:colId xmlns:a16="http://schemas.microsoft.com/office/drawing/2014/main" val="3006864667"/>
+                    </a:ext>
+                  </a:extLst>
+                </a:gridCol>
+              </a:tblGrid>
+              <a:tr h="304800">
+                <a:tc>
+                  <a:txBody>
+                    <a:bodyPr/>
+                    <a:lstStyle/>
+                    <a:p>
+                      <a:pPr algn="ctr"/>
+                      <a:r>
+                        <a:rPr lang="en-US" sz="1200" dirty="0">
+                          <a:solidFill>
+                            <a:schemeClr val="tx1"/>
+                          </a:solidFill>
+                          <a:latin typeface="Arial" panose="020B0604020202020204" pitchFamily="34" charset="0"/>
+                          <a:cs typeface="Arial" panose="020B0604020202020204" pitchFamily="34" charset="0"/>
+                        </a:rPr>
+                        <a:t>Component 2</a:t>
+                      </a:r>
+                    </a:p>
+                  </a:txBody>
+                  <a:tcPr anchor="ctr"/>
+                </a:tc>
+                <a:tc>
+                  <a:txBody>
+                    <a:bodyPr/>
+                    <a:lstStyle/>
+                    <a:p>
+                      <a:pPr algn="ctr"/>
+                      <a:r>
+                        <a:rPr lang="en-US" sz="1200" dirty="0">
+                          <a:solidFill>
+                            <a:schemeClr val="tx1"/>
+                          </a:solidFill>
+                          <a:latin typeface="Arial" panose="020B0604020202020204" pitchFamily="34" charset="0"/>
+                          <a:cs typeface="Arial" panose="020B0604020202020204" pitchFamily="34" charset="0"/>
+                        </a:rPr>
+                        <a:t>Weights</a:t>
+                      </a:r>
+                    </a:p>
+                  </a:txBody>
+                  <a:tcPr anchor="ctr"/>
+                </a:tc>
+                <a:extLst>
+                  <a:ext uri="{0D108BD9-81ED-4DB2-BD59-A6C34878D82A}">
+                    <a16:rowId xmlns:a16="http://schemas.microsoft.com/office/drawing/2014/main" val="4077809550"/>
+                  </a:ext>
+                </a:extLst>
+              </a:tr>
+              <a:tr h="304800">
+                <a:tc>
+                  <a:txBody>
+                    <a:bodyPr/>
+                    <a:lstStyle/>
+                    <a:p>
+                      <a:r>
+                        <a:rPr lang="en-US" sz="1200" dirty="0">
+                          <a:solidFill>
+                            <a:schemeClr val="tx1"/>
+                          </a:solidFill>
+                          <a:latin typeface="Arial" panose="020B0604020202020204" pitchFamily="34" charset="0"/>
+                          <a:cs typeface="Arial" panose="020B0604020202020204" pitchFamily="34" charset="0"/>
+                        </a:rPr>
+                        <a:t>Type = L</a:t>
+                      </a:r>
+                    </a:p>
+                  </a:txBody>
+                  <a:tcPr anchor="ctr"/>
+                </a:tc>
+                <a:tc>
+                  <a:txBody>
+                    <a:bodyPr/>
+                    <a:lstStyle/>
+                    <a:p>
+                      <a:pPr algn="ctr"/>
+                      <a:r>
+                        <a:rPr lang="en-US" sz="1200" dirty="0">
+                          <a:solidFill>
+                            <a:schemeClr val="tx1"/>
+                          </a:solidFill>
+                          <a:latin typeface="Arial" panose="020B0604020202020204" pitchFamily="34" charset="0"/>
+                          <a:cs typeface="Arial" panose="020B0604020202020204" pitchFamily="34" charset="0"/>
+                        </a:rPr>
+                        <a:t>-0.743</a:t>
+                      </a:r>
+                    </a:p>
+                  </a:txBody>
+                  <a:tcPr anchor="ctr"/>
+                </a:tc>
+                <a:extLst>
+                  <a:ext uri="{0D108BD9-81ED-4DB2-BD59-A6C34878D82A}">
+                    <a16:rowId xmlns:a16="http://schemas.microsoft.com/office/drawing/2014/main" val="3820341412"/>
+                  </a:ext>
+                </a:extLst>
+              </a:tr>
+              <a:tr h="304800">
+                <a:tc>
+                  <a:txBody>
+                    <a:bodyPr/>
+                    <a:lstStyle/>
+                    <a:p>
+                      <a:r>
+                        <a:rPr lang="en-US" sz="1200" dirty="0">
+                          <a:solidFill>
+                            <a:schemeClr val="tx1"/>
+                          </a:solidFill>
+                          <a:latin typeface="Arial" panose="020B0604020202020204" pitchFamily="34" charset="0"/>
+                          <a:cs typeface="Arial" panose="020B0604020202020204" pitchFamily="34" charset="0"/>
+                        </a:rPr>
+                        <a:t>Type = M</a:t>
+                      </a:r>
+                    </a:p>
+                  </a:txBody>
+                  <a:tcPr anchor="ctr"/>
+                </a:tc>
+                <a:tc>
+                  <a:txBody>
+                    <a:bodyPr/>
+                    <a:lstStyle/>
+                    <a:p>
+                      <a:pPr algn="ctr"/>
+                      <a:r>
+                        <a:rPr lang="en-US" sz="1200" dirty="0">
+                          <a:solidFill>
+                            <a:schemeClr val="tx1"/>
+                          </a:solidFill>
+                          <a:latin typeface="Arial" panose="020B0604020202020204" pitchFamily="34" charset="0"/>
+                          <a:cs typeface="Arial" panose="020B0604020202020204" pitchFamily="34" charset="0"/>
+                        </a:rPr>
+                        <a:t>0.664</a:t>
+                      </a:r>
+                    </a:p>
+                  </a:txBody>
+                  <a:tcPr anchor="ctr"/>
+                </a:tc>
+                <a:extLst>
+                  <a:ext uri="{0D108BD9-81ED-4DB2-BD59-A6C34878D82A}">
+                    <a16:rowId xmlns:a16="http://schemas.microsoft.com/office/drawing/2014/main" val="2727219094"/>
+                  </a:ext>
+                </a:extLst>
+              </a:tr>
+              <a:tr h="304800">
+                <a:tc>
+                  <a:txBody>
+                    <a:bodyPr/>
+                    <a:lstStyle/>
+                    <a:p>
+                      <a:r>
+                        <a:rPr lang="en-US" sz="1200" dirty="0">
+                          <a:solidFill>
+                            <a:schemeClr val="tx1"/>
+                          </a:solidFill>
+                          <a:latin typeface="Arial" panose="020B0604020202020204" pitchFamily="34" charset="0"/>
+                          <a:cs typeface="Arial" panose="020B0604020202020204" pitchFamily="34" charset="0"/>
+                        </a:rPr>
+                        <a:t>Type = H</a:t>
+                      </a:r>
+                    </a:p>
+                  </a:txBody>
+                  <a:tcPr anchor="ctr"/>
+                </a:tc>
+                <a:tc>
+                  <a:txBody>
+                    <a:bodyPr/>
+                    <a:lstStyle/>
+                    <a:p>
+                      <a:pPr algn="ctr"/>
+                      <a:r>
+                        <a:rPr lang="en-US" sz="1200" dirty="0">
+                          <a:solidFill>
+                            <a:schemeClr val="tx1"/>
+                          </a:solidFill>
+                          <a:latin typeface="Arial" panose="020B0604020202020204" pitchFamily="34" charset="0"/>
+                          <a:cs typeface="Arial" panose="020B0604020202020204" pitchFamily="34" charset="0"/>
+                        </a:rPr>
+                        <a:t>0.079</a:t>
+                      </a:r>
+                    </a:p>
+                  </a:txBody>
+                  <a:tcPr anchor="ctr"/>
+                </a:tc>
+                <a:extLst>
+                  <a:ext uri="{0D108BD9-81ED-4DB2-BD59-A6C34878D82A}">
+                    <a16:rowId xmlns:a16="http://schemas.microsoft.com/office/drawing/2014/main" val="826801147"/>
+                  </a:ext>
+                </a:extLst>
+              </a:tr>
+              <a:tr h="304800">
+                <a:tc>
+                  <a:txBody>
+                    <a:bodyPr/>
+                    <a:lstStyle/>
+                    <a:p>
+                      <a:r>
+                        <a:rPr lang="en-US" sz="1200" dirty="0">
+                          <a:solidFill>
+                            <a:schemeClr val="tx1"/>
+                          </a:solidFill>
+                          <a:latin typeface="Arial" panose="020B0604020202020204" pitchFamily="34" charset="0"/>
+                          <a:cs typeface="Arial" panose="020B0604020202020204" pitchFamily="34" charset="0"/>
+                        </a:rPr>
+                        <a:t>Torque [Nm]</a:t>
+                      </a:r>
+                    </a:p>
+                  </a:txBody>
+                  <a:tcPr anchor="ctr"/>
+                </a:tc>
+                <a:tc>
+                  <a:txBody>
+                    <a:bodyPr/>
+                    <a:lstStyle/>
+                    <a:p>
+                      <a:pPr algn="ctr"/>
+                      <a:r>
+                        <a:rPr lang="en-US" sz="1200" dirty="0">
+                          <a:solidFill>
+                            <a:schemeClr val="tx1"/>
+                          </a:solidFill>
+                          <a:latin typeface="Arial" panose="020B0604020202020204" pitchFamily="34" charset="0"/>
+                          <a:cs typeface="Arial" panose="020B0604020202020204" pitchFamily="34" charset="0"/>
+                        </a:rPr>
+                        <a:t>0.011</a:t>
+                      </a:r>
+                    </a:p>
+                  </a:txBody>
+                  <a:tcPr anchor="ctr"/>
+                </a:tc>
+                <a:extLst>
+                  <a:ext uri="{0D108BD9-81ED-4DB2-BD59-A6C34878D82A}">
+                    <a16:rowId xmlns:a16="http://schemas.microsoft.com/office/drawing/2014/main" val="3950869344"/>
+                  </a:ext>
+                </a:extLst>
+              </a:tr>
+              <a:tr h="304800">
+                <a:tc>
+                  <a:txBody>
+                    <a:bodyPr/>
+                    <a:lstStyle/>
+                    <a:p>
+                      <a:r>
+                        <a:rPr lang="en-US" sz="1200" dirty="0">
+                          <a:solidFill>
+                            <a:schemeClr val="tx1"/>
+                          </a:solidFill>
+                          <a:latin typeface="Arial" panose="020B0604020202020204" pitchFamily="34" charset="0"/>
+                          <a:cs typeface="Arial" panose="020B0604020202020204" pitchFamily="34" charset="0"/>
+                        </a:rPr>
+                        <a:t>Tool wear [min]</a:t>
+                      </a:r>
+                    </a:p>
+                  </a:txBody>
+                  <a:tcPr anchor="ctr"/>
+                </a:tc>
+                <a:tc>
+                  <a:txBody>
+                    <a:bodyPr/>
+                    <a:lstStyle/>
+                    <a:p>
+                      <a:pPr algn="ctr"/>
+                      <a:r>
+                        <a:rPr lang="en-US" sz="1200" dirty="0">
+                          <a:solidFill>
+                            <a:schemeClr val="tx1"/>
+                          </a:solidFill>
+                          <a:latin typeface="Arial" panose="020B0604020202020204" pitchFamily="34" charset="0"/>
+                          <a:cs typeface="Arial" panose="020B0604020202020204" pitchFamily="34" charset="0"/>
+                        </a:rPr>
+                        <a:t>-0.004</a:t>
+                      </a:r>
+                    </a:p>
+                  </a:txBody>
+                  <a:tcPr anchor="ctr"/>
+                </a:tc>
+                <a:extLst>
+                  <a:ext uri="{0D108BD9-81ED-4DB2-BD59-A6C34878D82A}">
+                    <a16:rowId xmlns:a16="http://schemas.microsoft.com/office/drawing/2014/main" val="3803779599"/>
+                  </a:ext>
+                </a:extLst>
+              </a:tr>
+            </a:tbl>
+          </a:graphicData>
+        </a:graphic>
+      </p:graphicFrame>
+      <p:cxnSp>
+        <p:nvCxnSpPr>
+          <p:cNvPr id="29" name="Straight Connector 28">
+            <a:extLst>
+              <a:ext uri="{FF2B5EF4-FFF2-40B4-BE49-F238E27FC236}">
+                <a16:creationId xmlns:a16="http://schemas.microsoft.com/office/drawing/2014/main" id="{1A51E69C-5F98-4280-BEDF-4A08E539906B}"/>
+              </a:ext>
+            </a:extLst>
+          </p:cNvPr>
+          <p:cNvCxnSpPr/>
+          <p:nvPr/>
+        </p:nvCxnSpPr>
+        <p:spPr>
+          <a:xfrm>
+            <a:off x="936740" y="3028950"/>
+            <a:ext cx="7348818" cy="0"/>
+          </a:xfrm>
+          <a:prstGeom prst="line">
+            <a:avLst/>
+          </a:prstGeom>
+          <a:ln>
+            <a:solidFill>
+              <a:schemeClr val="tx1"/>
+            </a:solidFill>
+            <a:prstDash val="dash"/>
+          </a:ln>
+        </p:spPr>
+        <p:style>
+          <a:lnRef idx="1">
+            <a:schemeClr val="accent1"/>
+          </a:lnRef>
+          <a:fillRef idx="0">
+            <a:schemeClr val="accent1"/>
+          </a:fillRef>
+          <a:effectRef idx="0">
+            <a:schemeClr val="accent1"/>
+          </a:effectRef>
+          <a:fontRef idx="minor">
+            <a:schemeClr val="tx1"/>
+          </a:fontRef>
+        </p:style>
+      </p:cxnSp>
     </p:spTree>
     <p:extLst>
       <p:ext uri="{BB962C8B-B14F-4D97-AF65-F5344CB8AC3E}">
-        <p14:creationId xmlns:p14="http://schemas.microsoft.com/office/powerpoint/2010/main" val="3581652589"/>
+        <p14:creationId xmlns:p14="http://schemas.microsoft.com/office/powerpoint/2010/main" val="3584011593"/>
       </p:ext>
     </p:extLst>
   </p:cSld>
@@ -18340,6 +22986,14 @@
 <file path=ppt/slides/slide8.xml><?xml version="1.0" encoding="utf-8"?>
 <p:sld xmlns:a="http://schemas.openxmlformats.org/drawingml/2006/main" xmlns:r="http://schemas.openxmlformats.org/officeDocument/2006/relationships" xmlns:p="http://schemas.openxmlformats.org/presentationml/2006/main">
   <p:cSld>
+    <p:bg>
+      <p:bgPr>
+        <a:solidFill>
+          <a:schemeClr val="bg1"/>
+        </a:solidFill>
+        <a:effectLst/>
+      </p:bgPr>
+    </p:bg>
     <p:spTree>
       <p:nvGrpSpPr>
         <p:cNvPr id="1" name="Shape 139"/>
@@ -18393,7 +23047,7 @@
                 <a:latin typeface="Arial" panose="020B0604020202020204" pitchFamily="34" charset="0"/>
                 <a:cs typeface="Arial" panose="020B0604020202020204" pitchFamily="34" charset="0"/>
               </a:rPr>
-              <a:t>2) Conclusions</a:t>
+              <a:t>3) Conclusions &amp; Next Steps</a:t>
             </a:r>
             <a:endParaRPr dirty="0">
               <a:latin typeface="Arial" panose="020B0604020202020204" pitchFamily="34" charset="0"/>
@@ -18432,21 +23086,54 @@
           <a:p>
             <a:r>
               <a:rPr lang="en-US" sz="1200" dirty="0">
-                <a:solidFill>
-                  <a:schemeClr val="bg1"/>
-                </a:solidFill>
                 <a:latin typeface="Arial" panose="020B0604020202020204" pitchFamily="34" charset="0"/>
                 <a:cs typeface="Arial" panose="020B0604020202020204" pitchFamily="34" charset="0"/>
               </a:rPr>
-              <a:t>xxx</a:t>
+              <a:t>Contrary to our initial null hypothesis, Torque was the leading cause of machine failure according to our regressions</a:t>
+            </a:r>
+          </a:p>
+          <a:p>
+            <a:r>
+              <a:rPr lang="en-US" sz="1200" dirty="0">
+                <a:latin typeface="Arial" panose="020B0604020202020204" pitchFamily="34" charset="0"/>
+                <a:cs typeface="Arial" panose="020B0604020202020204" pitchFamily="34" charset="0"/>
+              </a:rPr>
+              <a:t>Oversampling vs </a:t>
+            </a:r>
+            <a:r>
+              <a:rPr lang="en-US" sz="1200" dirty="0" err="1">
+                <a:latin typeface="Arial" panose="020B0604020202020204" pitchFamily="34" charset="0"/>
+                <a:cs typeface="Arial" panose="020B0604020202020204" pitchFamily="34" charset="0"/>
+              </a:rPr>
+              <a:t>Undersampling</a:t>
+            </a:r>
+            <a:r>
+              <a:rPr lang="en-US" sz="1200" dirty="0">
+                <a:latin typeface="Arial" panose="020B0604020202020204" pitchFamily="34" charset="0"/>
+                <a:cs typeface="Arial" panose="020B0604020202020204" pitchFamily="34" charset="0"/>
+              </a:rPr>
+              <a:t> impacted the accuracy scores by ______</a:t>
+            </a:r>
+          </a:p>
+          <a:p>
+            <a:r>
+              <a:rPr kumimoji="0" lang="en-US" sz="1200" b="0" i="0" u="none" strike="noStrike" kern="1200" cap="none" spc="0" normalizeH="0" baseline="0" noProof="0" dirty="0">
+                <a:ln>
+                  <a:noFill/>
+                </a:ln>
+                <a:effectLst/>
+                <a:uLnTx/>
+                <a:uFillTx/>
+                <a:latin typeface="Arial" panose="020B0604020202020204" pitchFamily="34" charset="0"/>
+                <a:ea typeface="+mn-ea"/>
+                <a:cs typeface="Arial" panose="020B0604020202020204" pitchFamily="34" charset="0"/>
+              </a:rPr>
+              <a:t>Developing an algorithm that only states “No Failure” will be accurate 96.5% of the time and performs better than any of our models or ChatGPT!</a:t>
             </a:r>
             <a:endParaRPr kumimoji="0" lang="en-US" sz="900" b="0" i="0" u="none" strike="noStrike" kern="1200" cap="none" spc="0" normalizeH="0" baseline="0" noProof="0" dirty="0">
               <a:ln>
                 <a:noFill/>
               </a:ln>
-              <a:solidFill>
-                <a:prstClr val="black"/>
-              </a:solidFill>
               <a:effectLst/>
               <a:uLnTx/>
               <a:uFillTx/>
@@ -18475,7 +23162,7 @@
   <p:cSld>
     <p:spTree>
       <p:nvGrpSpPr>
-        <p:cNvPr id="1" name="Shape 139"/>
+        <p:cNvPr id="1" name="Shape 240"/>
         <p:cNvGrpSpPr/>
         <p:nvPr/>
       </p:nvGrpSpPr>
@@ -18489,7 +23176,7 @@
       </p:grpSpPr>
       <p:sp>
         <p:nvSpPr>
-          <p:cNvPr id="140" name="Google Shape;140;p15"/>
+          <p:cNvPr id="241" name="Google Shape;241;p24"/>
           <p:cNvSpPr txBox="1">
             <a:spLocks noGrp="1"/>
           </p:cNvSpPr>
@@ -18498,21 +23185,17 @@
           </p:nvPr>
         </p:nvSpPr>
         <p:spPr>
-          <a:xfrm>
-            <a:off x="856058" y="464345"/>
-            <a:ext cx="7429500" cy="550855"/>
-          </a:xfrm>
           <a:prstGeom prst="rect">
             <a:avLst/>
           </a:prstGeom>
         </p:spPr>
         <p:txBody>
-          <a:bodyPr spcFirstLastPara="1" wrap="square" lIns="91425" tIns="91425" rIns="91425" bIns="91425" anchor="t" anchorCtr="0">
-            <a:normAutofit fontScale="90000"/>
+          <a:bodyPr spcFirstLastPara="1" wrap="square" lIns="91425" tIns="91425" rIns="91425" bIns="91425" anchor="ctr" anchorCtr="0">
+            <a:normAutofit/>
           </a:bodyPr>
           <a:lstStyle/>
           <a:p>
-            <a:pPr marL="0" lvl="0" indent="0" algn="l" rtl="0">
+            <a:pPr marL="0" lvl="0" indent="0" algn="ctr" rtl="0">
               <a:spcBef>
                 <a:spcPts val="0"/>
               </a:spcBef>
@@ -18526,7 +23209,7 @@
                 <a:latin typeface="Arial" panose="020B0604020202020204" pitchFamily="34" charset="0"/>
                 <a:cs typeface="Arial" panose="020B0604020202020204" pitchFamily="34" charset="0"/>
               </a:rPr>
-              <a:t>3) Next Steps</a:t>
+              <a:t>Fin</a:t>
             </a:r>
             <a:endParaRPr dirty="0">
               <a:latin typeface="Arial" panose="020B0604020202020204" pitchFamily="34" charset="0"/>
@@ -18537,106 +23220,61 @@
       </p:sp>
       <p:sp>
         <p:nvSpPr>
-          <p:cNvPr id="3" name="Content Placeholder 2">
-            <a:extLst>
-              <a:ext uri="{FF2B5EF4-FFF2-40B4-BE49-F238E27FC236}">
-                <a16:creationId xmlns:a16="http://schemas.microsoft.com/office/drawing/2014/main" id="{86084C64-28B7-74FA-CCF9-A3E8F95BDC19}"/>
-              </a:ext>
-            </a:extLst>
-          </p:cNvPr>
-          <p:cNvSpPr>
+          <p:cNvPr id="242" name="Google Shape;242;p24"/>
+          <p:cNvSpPr txBox="1">
             <a:spLocks noGrp="1"/>
           </p:cNvSpPr>
           <p:nvPr>
-            <p:ph sz="quarter" idx="4"/>
+            <p:ph type="body" idx="1"/>
           </p:nvPr>
         </p:nvSpPr>
         <p:spPr>
-          <a:xfrm>
-            <a:off x="856058" y="1207008"/>
-            <a:ext cx="7428406" cy="3285792"/>
-          </a:xfrm>
+          <a:prstGeom prst="rect">
+            <a:avLst/>
+          </a:prstGeom>
         </p:spPr>
         <p:txBody>
-          <a:bodyPr>
+          <a:bodyPr spcFirstLastPara="1" wrap="square" lIns="91425" tIns="91425" rIns="91425" bIns="91425" anchor="t" anchorCtr="0">
             <a:noAutofit/>
           </a:bodyPr>
           <a:lstStyle/>
           <a:p>
+            <a:pPr marL="0" lvl="0" indent="0" algn="ctr" rtl="0">
+              <a:spcBef>
+                <a:spcPts val="0"/>
+              </a:spcBef>
+              <a:buNone/>
+            </a:pPr>
             <a:r>
-              <a:rPr lang="en-US" sz="1200" dirty="0">
-                <a:solidFill>
-                  <a:schemeClr val="bg1"/>
-                </a:solidFill>
+              <a:rPr lang="en" dirty="0">
                 <a:latin typeface="Arial" panose="020B0604020202020204" pitchFamily="34" charset="0"/>
                 <a:cs typeface="Arial" panose="020B0604020202020204" pitchFamily="34" charset="0"/>
               </a:rPr>
-              <a:t>x</a:t>
+              <a:t>Reach out to Group 3 with any machine maintenance needs…</a:t>
             </a:r>
+          </a:p>
+          <a:p>
+            <a:pPr marL="0" lvl="0" indent="0" algn="ctr" rtl="0">
+              <a:spcBef>
+                <a:spcPts val="0"/>
+              </a:spcBef>
+              <a:buNone/>
+            </a:pPr>
             <a:r>
-              <a:rPr lang="en-US" sz="1200">
-                <a:solidFill>
-                  <a:schemeClr val="bg1"/>
-                </a:solidFill>
+              <a:rPr lang="en" dirty="0">
                 <a:latin typeface="Arial" panose="020B0604020202020204" pitchFamily="34" charset="0"/>
                 <a:cs typeface="Arial" panose="020B0604020202020204" pitchFamily="34" charset="0"/>
               </a:rPr>
-              <a:t>xx</a:t>
+              <a:t>Thank you!!</a:t>
             </a:r>
-            <a:endParaRPr lang="en-US" sz="1200" dirty="0">
-              <a:solidFill>
-                <a:schemeClr val="bg1"/>
-              </a:solidFill>
+            <a:endParaRPr dirty="0">
               <a:latin typeface="Arial" panose="020B0604020202020204" pitchFamily="34" charset="0"/>
-              <a:cs typeface="Arial" panose="020B0604020202020204" pitchFamily="34" charset="0"/>
-            </a:endParaRPr>
-          </a:p>
-          <a:p>
-            <a:r>
-              <a:rPr lang="en-US" sz="1200" dirty="0">
-                <a:solidFill>
-                  <a:schemeClr val="bg1"/>
-                </a:solidFill>
-                <a:latin typeface="Arial" panose="020B0604020202020204" pitchFamily="34" charset="0"/>
-                <a:cs typeface="Arial" panose="020B0604020202020204" pitchFamily="34" charset="0"/>
-              </a:rPr>
-              <a:t>xxx</a:t>
-            </a:r>
-          </a:p>
-          <a:p>
-            <a:r>
-              <a:rPr lang="en-US" sz="1200" dirty="0">
-                <a:solidFill>
-                  <a:schemeClr val="bg1"/>
-                </a:solidFill>
-                <a:latin typeface="Arial" panose="020B0604020202020204" pitchFamily="34" charset="0"/>
-                <a:cs typeface="Arial" panose="020B0604020202020204" pitchFamily="34" charset="0"/>
-              </a:rPr>
-              <a:t>Develop a preventative maintenance plan</a:t>
-            </a:r>
-            <a:endParaRPr kumimoji="0" lang="en-US" sz="900" b="0" i="0" u="none" strike="noStrike" kern="1200" cap="none" spc="0" normalizeH="0" baseline="0" noProof="0" dirty="0">
-              <a:ln>
-                <a:noFill/>
-              </a:ln>
-              <a:solidFill>
-                <a:prstClr val="black"/>
-              </a:solidFill>
-              <a:effectLst/>
-              <a:uLnTx/>
-              <a:uFillTx/>
-              <a:latin typeface="Arial" panose="020B0604020202020204" pitchFamily="34" charset="0"/>
-              <a:ea typeface="+mn-ea"/>
               <a:cs typeface="Arial" panose="020B0604020202020204" pitchFamily="34" charset="0"/>
             </a:endParaRPr>
           </a:p>
         </p:txBody>
       </p:sp>
     </p:spTree>
-    <p:extLst>
-      <p:ext uri="{BB962C8B-B14F-4D97-AF65-F5344CB8AC3E}">
-        <p14:creationId xmlns:p14="http://schemas.microsoft.com/office/powerpoint/2010/main" val="3794138020"/>
-      </p:ext>
-    </p:extLst>
   </p:cSld>
   <p:clrMapOvr>
     <a:masterClrMapping/>
